--- a/Leçons/Lecons de chimie 2019-2020/LC04.pptx
+++ b/Leçons/Lecons de chimie 2019-2020/LC04.pptx
@@ -11,11 +11,14 @@
     <p:sldId id="261" r:id="rId5"/>
     <p:sldId id="263" r:id="rId6"/>
     <p:sldId id="262" r:id="rId7"/>
-    <p:sldId id="264" r:id="rId8"/>
-    <p:sldId id="265" r:id="rId9"/>
+    <p:sldId id="270" r:id="rId8"/>
+    <p:sldId id="264" r:id="rId9"/>
     <p:sldId id="266" r:id="rId10"/>
-    <p:sldId id="268" r:id="rId11"/>
-    <p:sldId id="269" r:id="rId12"/>
+    <p:sldId id="271" r:id="rId11"/>
+    <p:sldId id="265" r:id="rId12"/>
+    <p:sldId id="268" r:id="rId13"/>
+    <p:sldId id="269" r:id="rId14"/>
+    <p:sldId id="272" r:id="rId15"/>
   </p:sldIdLst>
   <p:sldSz cx="12192000" cy="6858000"/>
   <p:notesSz cx="6858000" cy="9144000"/>
@@ -253,7 +256,7 @@
           <a:p>
             <a:fld id="{C262451B-073C-4FAC-8D0B-6648421A7945}" type="datetimeFigureOut">
               <a:rPr lang="fr-FR" smtClean="0"/>
-              <a:t>10/11/2019</a:t>
+              <a:t>16/11/2019</a:t>
             </a:fld>
             <a:endParaRPr lang="fr-FR"/>
           </a:p>
@@ -423,7 +426,7 @@
           <a:p>
             <a:fld id="{C262451B-073C-4FAC-8D0B-6648421A7945}" type="datetimeFigureOut">
               <a:rPr lang="fr-FR" smtClean="0"/>
-              <a:t>10/11/2019</a:t>
+              <a:t>16/11/2019</a:t>
             </a:fld>
             <a:endParaRPr lang="fr-FR"/>
           </a:p>
@@ -603,7 +606,7 @@
           <a:p>
             <a:fld id="{C262451B-073C-4FAC-8D0B-6648421A7945}" type="datetimeFigureOut">
               <a:rPr lang="fr-FR" smtClean="0"/>
-              <a:t>10/11/2019</a:t>
+              <a:t>16/11/2019</a:t>
             </a:fld>
             <a:endParaRPr lang="fr-FR"/>
           </a:p>
@@ -773,7 +776,7 @@
           <a:p>
             <a:fld id="{C262451B-073C-4FAC-8D0B-6648421A7945}" type="datetimeFigureOut">
               <a:rPr lang="fr-FR" smtClean="0"/>
-              <a:t>10/11/2019</a:t>
+              <a:t>16/11/2019</a:t>
             </a:fld>
             <a:endParaRPr lang="fr-FR"/>
           </a:p>
@@ -1019,7 +1022,7 @@
           <a:p>
             <a:fld id="{C262451B-073C-4FAC-8D0B-6648421A7945}" type="datetimeFigureOut">
               <a:rPr lang="fr-FR" smtClean="0"/>
-              <a:t>10/11/2019</a:t>
+              <a:t>16/11/2019</a:t>
             </a:fld>
             <a:endParaRPr lang="fr-FR"/>
           </a:p>
@@ -1251,7 +1254,7 @@
           <a:p>
             <a:fld id="{C262451B-073C-4FAC-8D0B-6648421A7945}" type="datetimeFigureOut">
               <a:rPr lang="fr-FR" smtClean="0"/>
-              <a:t>10/11/2019</a:t>
+              <a:t>16/11/2019</a:t>
             </a:fld>
             <a:endParaRPr lang="fr-FR"/>
           </a:p>
@@ -1618,7 +1621,7 @@
           <a:p>
             <a:fld id="{C262451B-073C-4FAC-8D0B-6648421A7945}" type="datetimeFigureOut">
               <a:rPr lang="fr-FR" smtClean="0"/>
-              <a:t>10/11/2019</a:t>
+              <a:t>16/11/2019</a:t>
             </a:fld>
             <a:endParaRPr lang="fr-FR"/>
           </a:p>
@@ -1736,7 +1739,7 @@
           <a:p>
             <a:fld id="{C262451B-073C-4FAC-8D0B-6648421A7945}" type="datetimeFigureOut">
               <a:rPr lang="fr-FR" smtClean="0"/>
-              <a:t>10/11/2019</a:t>
+              <a:t>16/11/2019</a:t>
             </a:fld>
             <a:endParaRPr lang="fr-FR"/>
           </a:p>
@@ -1831,7 +1834,7 @@
           <a:p>
             <a:fld id="{C262451B-073C-4FAC-8D0B-6648421A7945}" type="datetimeFigureOut">
               <a:rPr lang="fr-FR" smtClean="0"/>
-              <a:t>10/11/2019</a:t>
+              <a:t>16/11/2019</a:t>
             </a:fld>
             <a:endParaRPr lang="fr-FR"/>
           </a:p>
@@ -2108,7 +2111,7 @@
           <a:p>
             <a:fld id="{C262451B-073C-4FAC-8D0B-6648421A7945}" type="datetimeFigureOut">
               <a:rPr lang="fr-FR" smtClean="0"/>
-              <a:t>10/11/2019</a:t>
+              <a:t>16/11/2019</a:t>
             </a:fld>
             <a:endParaRPr lang="fr-FR"/>
           </a:p>
@@ -2361,7 +2364,7 @@
           <a:p>
             <a:fld id="{C262451B-073C-4FAC-8D0B-6648421A7945}" type="datetimeFigureOut">
               <a:rPr lang="fr-FR" smtClean="0"/>
-              <a:t>10/11/2019</a:t>
+              <a:t>16/11/2019</a:t>
             </a:fld>
             <a:endParaRPr lang="fr-FR"/>
           </a:p>
@@ -2574,7 +2577,7 @@
           <a:p>
             <a:fld id="{C262451B-073C-4FAC-8D0B-6648421A7945}" type="datetimeFigureOut">
               <a:rPr lang="fr-FR" smtClean="0"/>
-              <a:t>10/11/2019</a:t>
+              <a:t>16/11/2019</a:t>
             </a:fld>
             <a:endParaRPr lang="fr-FR"/>
           </a:p>
@@ -3148,6 +3151,3011 @@
                   <a:srgbClr val="0070C0"/>
                 </a:solidFill>
               </a:rPr>
+              <a:t>  Détermination de la stœchiométrie du complexe (oxalate)</a:t>
+            </a:r>
+            <a:endParaRPr lang="fr-FR" sz="3600" baseline="30000" dirty="0">
+              <a:solidFill>
+                <a:srgbClr val="0070C0"/>
+              </a:solidFill>
+            </a:endParaRPr>
+          </a:p>
+        </p:txBody>
+      </p:sp>
+      <p:cxnSp>
+        <p:nvCxnSpPr>
+          <p:cNvPr id="5" name="Connecteur droit 4"/>
+          <p:cNvCxnSpPr/>
+          <p:nvPr/>
+        </p:nvCxnSpPr>
+        <p:spPr>
+          <a:xfrm>
+            <a:off x="220983" y="747252"/>
+            <a:ext cx="11754707" cy="0"/>
+          </a:xfrm>
+          <a:prstGeom prst="line">
+            <a:avLst/>
+          </a:prstGeom>
+          <a:ln w="76200">
+            <a:gradFill flip="none" rotWithShape="1">
+              <a:gsLst>
+                <a:gs pos="0">
+                  <a:srgbClr val="0070C0"/>
+                </a:gs>
+                <a:gs pos="100000">
+                  <a:srgbClr val="0070C0">
+                    <a:alpha val="25000"/>
+                  </a:srgbClr>
+                </a:gs>
+              </a:gsLst>
+              <a:lin ang="0" scaled="1"/>
+              <a:tileRect/>
+            </a:gradFill>
+          </a:ln>
+        </p:spPr>
+        <p:style>
+          <a:lnRef idx="1">
+            <a:schemeClr val="accent1"/>
+          </a:lnRef>
+          <a:fillRef idx="0">
+            <a:schemeClr val="accent1"/>
+          </a:fillRef>
+          <a:effectRef idx="0">
+            <a:schemeClr val="accent1"/>
+          </a:effectRef>
+          <a:fontRef idx="minor">
+            <a:schemeClr val="tx1"/>
+          </a:fontRef>
+        </p:style>
+      </p:cxnSp>
+      <mc:AlternateContent xmlns:mc="http://schemas.openxmlformats.org/markup-compatibility/2006" xmlns:a14="http://schemas.microsoft.com/office/drawing/2010/main">
+        <mc:Choice Requires="a14">
+          <p:sp>
+            <p:nvSpPr>
+              <p:cNvPr id="2" name="Rectangle 1"/>
+              <p:cNvSpPr/>
+              <p:nvPr/>
+            </p:nvSpPr>
+            <p:spPr>
+              <a:xfrm>
+                <a:off x="4765539" y="1071265"/>
+                <a:ext cx="3508140" cy="523220"/>
+              </a:xfrm>
+              <a:prstGeom prst="rect">
+                <a:avLst/>
+              </a:prstGeom>
+              <a:ln w="28575">
+                <a:noFill/>
+              </a:ln>
+            </p:spPr>
+            <p:txBody>
+              <a:bodyPr wrap="none">
+                <a:spAutoFit/>
+              </a:bodyPr>
+              <a:lstStyle/>
+              <a:p>
+                <a:pPr/>
+                <a14:m>
+                  <m:oMathPara xmlns:m="http://schemas.openxmlformats.org/officeDocument/2006/math">
+                    <m:oMathParaPr>
+                      <m:jc m:val="centerGroup"/>
+                    </m:oMathParaPr>
+                    <m:oMath xmlns:m="http://schemas.openxmlformats.org/officeDocument/2006/math">
+                      <m:sSub>
+                        <m:sSubPr>
+                          <m:ctrlPr>
+                            <a:rPr lang="fr-FR" sz="2800" i="1" smtClean="0">
+                              <a:solidFill>
+                                <a:schemeClr val="accent6"/>
+                              </a:solidFill>
+                              <a:latin typeface="Cambria Math" panose="02040503050406030204" pitchFamily="18" charset="0"/>
+                              <a:sym typeface="Wingdings" panose="05000000000000000000" pitchFamily="2" charset="2"/>
+                            </a:rPr>
+                          </m:ctrlPr>
+                        </m:sSubPr>
+                        <m:e>
+                          <m:r>
+                            <m:rPr>
+                              <m:sty m:val="p"/>
+                            </m:rPr>
+                            <a:rPr lang="fr-FR" sz="2800">
+                              <a:solidFill>
+                                <a:schemeClr val="accent6"/>
+                              </a:solidFill>
+                              <a:latin typeface="Cambria Math" panose="02040503050406030204" pitchFamily="18" charset="0"/>
+                              <a:sym typeface="Wingdings" panose="05000000000000000000" pitchFamily="2" charset="2"/>
+                            </a:rPr>
+                            <m:t>K</m:t>
+                          </m:r>
+                        </m:e>
+                        <m:sub>
+                          <m:r>
+                            <a:rPr lang="fr-FR" sz="2800">
+                              <a:solidFill>
+                                <a:schemeClr val="accent6"/>
+                              </a:solidFill>
+                              <a:latin typeface="Cambria Math" panose="02040503050406030204" pitchFamily="18" charset="0"/>
+                              <a:sym typeface="Wingdings" panose="05000000000000000000" pitchFamily="2" charset="2"/>
+                            </a:rPr>
+                            <m:t>3</m:t>
+                          </m:r>
+                        </m:sub>
+                      </m:sSub>
+                      <m:d>
+                        <m:dPr>
+                          <m:begChr m:val="["/>
+                          <m:endChr m:val="]"/>
+                          <m:ctrlPr>
+                            <a:rPr lang="fr-FR" sz="2800" i="1">
+                              <a:solidFill>
+                                <a:schemeClr val="accent6"/>
+                              </a:solidFill>
+                              <a:latin typeface="Cambria Math" panose="02040503050406030204" pitchFamily="18" charset="0"/>
+                              <a:sym typeface="Wingdings" panose="05000000000000000000" pitchFamily="2" charset="2"/>
+                            </a:rPr>
+                          </m:ctrlPr>
+                        </m:dPr>
+                        <m:e>
+                          <m:r>
+                            <m:rPr>
+                              <m:sty m:val="p"/>
+                            </m:rPr>
+                            <a:rPr lang="fr-FR" sz="2800">
+                              <a:solidFill>
+                                <a:schemeClr val="accent6"/>
+                              </a:solidFill>
+                              <a:latin typeface="Cambria Math" panose="02040503050406030204" pitchFamily="18" charset="0"/>
+                              <a:sym typeface="Wingdings" panose="05000000000000000000" pitchFamily="2" charset="2"/>
+                            </a:rPr>
+                            <m:t>Fe</m:t>
+                          </m:r>
+                          <m:sSub>
+                            <m:sSubPr>
+                              <m:ctrlPr>
+                                <a:rPr lang="fr-FR" sz="2800" b="0" i="1" smtClean="0">
+                                  <a:solidFill>
+                                    <a:schemeClr val="accent6"/>
+                                  </a:solidFill>
+                                  <a:latin typeface="Cambria Math" panose="02040503050406030204" pitchFamily="18" charset="0"/>
+                                  <a:sym typeface="Wingdings" panose="05000000000000000000" pitchFamily="2" charset="2"/>
+                                </a:rPr>
+                              </m:ctrlPr>
+                            </m:sSubPr>
+                            <m:e>
+                              <m:d>
+                                <m:dPr>
+                                  <m:ctrlPr>
+                                    <a:rPr lang="fr-FR" sz="2800" i="1">
+                                      <a:solidFill>
+                                        <a:schemeClr val="accent6"/>
+                                      </a:solidFill>
+                                      <a:latin typeface="Cambria Math" panose="02040503050406030204" pitchFamily="18" charset="0"/>
+                                      <a:sym typeface="Wingdings" panose="05000000000000000000" pitchFamily="2" charset="2"/>
+                                    </a:rPr>
+                                  </m:ctrlPr>
+                                </m:dPr>
+                                <m:e>
+                                  <m:sSub>
+                                    <m:sSubPr>
+                                      <m:ctrlPr>
+                                        <a:rPr lang="fr-FR" sz="2800" i="1">
+                                          <a:solidFill>
+                                            <a:schemeClr val="accent6"/>
+                                          </a:solidFill>
+                                          <a:latin typeface="Cambria Math" panose="02040503050406030204" pitchFamily="18" charset="0"/>
+                                          <a:sym typeface="Wingdings" panose="05000000000000000000" pitchFamily="2" charset="2"/>
+                                        </a:rPr>
+                                      </m:ctrlPr>
+                                    </m:sSubPr>
+                                    <m:e>
+                                      <m:r>
+                                        <m:rPr>
+                                          <m:sty m:val="p"/>
+                                        </m:rPr>
+                                        <a:rPr lang="fr-FR" sz="2800">
+                                          <a:solidFill>
+                                            <a:schemeClr val="accent6"/>
+                                          </a:solidFill>
+                                          <a:latin typeface="Cambria Math" panose="02040503050406030204" pitchFamily="18" charset="0"/>
+                                          <a:sym typeface="Wingdings" panose="05000000000000000000" pitchFamily="2" charset="2"/>
+                                        </a:rPr>
+                                        <m:t>C</m:t>
+                                      </m:r>
+                                    </m:e>
+                                    <m:sub>
+                                      <m:r>
+                                        <a:rPr lang="fr-FR" sz="2800">
+                                          <a:solidFill>
+                                            <a:schemeClr val="accent6"/>
+                                          </a:solidFill>
+                                          <a:latin typeface="Cambria Math" panose="02040503050406030204" pitchFamily="18" charset="0"/>
+                                          <a:sym typeface="Wingdings" panose="05000000000000000000" pitchFamily="2" charset="2"/>
+                                        </a:rPr>
+                                        <m:t>2</m:t>
+                                      </m:r>
+                                    </m:sub>
+                                  </m:sSub>
+                                  <m:sSub>
+                                    <m:sSubPr>
+                                      <m:ctrlPr>
+                                        <a:rPr lang="fr-FR" sz="2800" i="1">
+                                          <a:solidFill>
+                                            <a:schemeClr val="accent6"/>
+                                          </a:solidFill>
+                                          <a:latin typeface="Cambria Math" panose="02040503050406030204" pitchFamily="18" charset="0"/>
+                                          <a:sym typeface="Wingdings" panose="05000000000000000000" pitchFamily="2" charset="2"/>
+                                        </a:rPr>
+                                      </m:ctrlPr>
+                                    </m:sSubPr>
+                                    <m:e>
+                                      <m:r>
+                                        <m:rPr>
+                                          <m:sty m:val="p"/>
+                                        </m:rPr>
+                                        <a:rPr lang="fr-FR" sz="2800">
+                                          <a:solidFill>
+                                            <a:schemeClr val="accent6"/>
+                                          </a:solidFill>
+                                          <a:latin typeface="Cambria Math" panose="02040503050406030204" pitchFamily="18" charset="0"/>
+                                          <a:sym typeface="Wingdings" panose="05000000000000000000" pitchFamily="2" charset="2"/>
+                                        </a:rPr>
+                                        <m:t>O</m:t>
+                                      </m:r>
+                                    </m:e>
+                                    <m:sub>
+                                      <m:r>
+                                        <a:rPr lang="fr-FR" sz="2800">
+                                          <a:solidFill>
+                                            <a:schemeClr val="accent6"/>
+                                          </a:solidFill>
+                                          <a:latin typeface="Cambria Math" panose="02040503050406030204" pitchFamily="18" charset="0"/>
+                                          <a:sym typeface="Wingdings" panose="05000000000000000000" pitchFamily="2" charset="2"/>
+                                        </a:rPr>
+                                        <m:t>4</m:t>
+                                      </m:r>
+                                    </m:sub>
+                                  </m:sSub>
+                                </m:e>
+                              </m:d>
+                            </m:e>
+                            <m:sub>
+                              <m:r>
+                                <a:rPr lang="fr-FR" sz="2800" b="0" i="1" smtClean="0">
+                                  <a:solidFill>
+                                    <a:schemeClr val="accent6"/>
+                                  </a:solidFill>
+                                  <a:latin typeface="Cambria Math" panose="02040503050406030204" pitchFamily="18" charset="0"/>
+                                  <a:sym typeface="Wingdings" panose="05000000000000000000" pitchFamily="2" charset="2"/>
+                                </a:rPr>
+                                <m:t>3</m:t>
+                              </m:r>
+                            </m:sub>
+                          </m:sSub>
+                        </m:e>
+                      </m:d>
+                      <m:r>
+                        <a:rPr lang="fr-FR" sz="2800">
+                          <a:solidFill>
+                            <a:schemeClr val="accent6"/>
+                          </a:solidFill>
+                          <a:latin typeface="Cambria Math" panose="02040503050406030204" pitchFamily="18" charset="0"/>
+                          <a:sym typeface="Wingdings" panose="05000000000000000000" pitchFamily="2" charset="2"/>
+                        </a:rPr>
+                        <m:t>,3</m:t>
+                      </m:r>
+                      <m:sSub>
+                        <m:sSubPr>
+                          <m:ctrlPr>
+                            <a:rPr lang="fr-FR" sz="2800" i="1">
+                              <a:solidFill>
+                                <a:schemeClr val="accent6"/>
+                              </a:solidFill>
+                              <a:latin typeface="Cambria Math" panose="02040503050406030204" pitchFamily="18" charset="0"/>
+                              <a:sym typeface="Wingdings" panose="05000000000000000000" pitchFamily="2" charset="2"/>
+                            </a:rPr>
+                          </m:ctrlPr>
+                        </m:sSubPr>
+                        <m:e>
+                          <m:r>
+                            <m:rPr>
+                              <m:sty m:val="p"/>
+                            </m:rPr>
+                            <a:rPr lang="fr-FR" sz="2800">
+                              <a:solidFill>
+                                <a:schemeClr val="accent6"/>
+                              </a:solidFill>
+                              <a:latin typeface="Cambria Math" panose="02040503050406030204" pitchFamily="18" charset="0"/>
+                              <a:sym typeface="Wingdings" panose="05000000000000000000" pitchFamily="2" charset="2"/>
+                            </a:rPr>
+                            <m:t>H</m:t>
+                          </m:r>
+                        </m:e>
+                        <m:sub>
+                          <m:r>
+                            <a:rPr lang="fr-FR" sz="2800">
+                              <a:solidFill>
+                                <a:schemeClr val="accent6"/>
+                              </a:solidFill>
+                              <a:latin typeface="Cambria Math" panose="02040503050406030204" pitchFamily="18" charset="0"/>
+                              <a:sym typeface="Wingdings" panose="05000000000000000000" pitchFamily="2" charset="2"/>
+                            </a:rPr>
+                            <m:t>2</m:t>
+                          </m:r>
+                        </m:sub>
+                      </m:sSub>
+                      <m:r>
+                        <m:rPr>
+                          <m:sty m:val="p"/>
+                        </m:rPr>
+                        <a:rPr lang="fr-FR" sz="2800">
+                          <a:solidFill>
+                            <a:schemeClr val="accent6"/>
+                          </a:solidFill>
+                          <a:latin typeface="Cambria Math" panose="02040503050406030204" pitchFamily="18" charset="0"/>
+                          <a:sym typeface="Wingdings" panose="05000000000000000000" pitchFamily="2" charset="2"/>
+                        </a:rPr>
+                        <m:t>O</m:t>
+                      </m:r>
+                    </m:oMath>
+                  </m:oMathPara>
+                </a14:m>
+                <a:endParaRPr lang="fr-FR" sz="2800" dirty="0"/>
+              </a:p>
+            </p:txBody>
+          </p:sp>
+        </mc:Choice>
+        <mc:Fallback xmlns="">
+          <p:sp>
+            <p:nvSpPr>
+              <p:cNvPr id="2" name="Rectangle 1"/>
+              <p:cNvSpPr>
+                <a:spLocks noRot="1" noChangeAspect="1" noMove="1" noResize="1" noEditPoints="1" noAdjustHandles="1" noChangeArrowheads="1" noChangeShapeType="1" noTextEdit="1"/>
+              </p:cNvSpPr>
+              <p:nvPr/>
+            </p:nvSpPr>
+            <p:spPr>
+              <a:xfrm>
+                <a:off x="4765539" y="1071265"/>
+                <a:ext cx="3508140" cy="523220"/>
+              </a:xfrm>
+              <a:prstGeom prst="rect">
+                <a:avLst/>
+              </a:prstGeom>
+              <a:blipFill rotWithShape="0">
+                <a:blip r:embed="rId2"/>
+                <a:stretch>
+                  <a:fillRect/>
+                </a:stretch>
+              </a:blipFill>
+              <a:ln w="28575">
+                <a:noFill/>
+              </a:ln>
+            </p:spPr>
+            <p:txBody>
+              <a:bodyPr/>
+              <a:lstStyle/>
+              <a:p>
+                <a:r>
+                  <a:rPr lang="fr-FR">
+                    <a:noFill/>
+                  </a:rPr>
+                  <a:t> </a:t>
+                </a:r>
+              </a:p>
+            </p:txBody>
+          </p:sp>
+        </mc:Fallback>
+      </mc:AlternateContent>
+      <p:sp>
+        <p:nvSpPr>
+          <p:cNvPr id="12" name="Ellipse 11"/>
+          <p:cNvSpPr/>
+          <p:nvPr/>
+        </p:nvSpPr>
+        <p:spPr>
+          <a:xfrm>
+            <a:off x="6799941" y="1288256"/>
+            <a:ext cx="272372" cy="306229"/>
+          </a:xfrm>
+          <a:prstGeom prst="ellipse">
+            <a:avLst/>
+          </a:prstGeom>
+          <a:noFill/>
+          <a:ln w="38100">
+            <a:solidFill>
+              <a:schemeClr val="accent2"/>
+            </a:solidFill>
+          </a:ln>
+        </p:spPr>
+        <p:style>
+          <a:lnRef idx="2">
+            <a:schemeClr val="accent1">
+              <a:shade val="50000"/>
+            </a:schemeClr>
+          </a:lnRef>
+          <a:fillRef idx="1">
+            <a:schemeClr val="accent1"/>
+          </a:fillRef>
+          <a:effectRef idx="0">
+            <a:schemeClr val="accent1"/>
+          </a:effectRef>
+          <a:fontRef idx="minor">
+            <a:schemeClr val="lt1"/>
+          </a:fontRef>
+        </p:style>
+        <p:txBody>
+          <a:bodyPr rtlCol="0" anchor="ctr"/>
+          <a:lstStyle/>
+          <a:p>
+            <a:pPr algn="ctr"/>
+            <a:endParaRPr lang="fr-FR"/>
+          </a:p>
+        </p:txBody>
+      </p:sp>
+      <p:sp>
+        <p:nvSpPr>
+          <p:cNvPr id="15" name="Ellipse 14"/>
+          <p:cNvSpPr/>
+          <p:nvPr/>
+        </p:nvSpPr>
+        <p:spPr>
+          <a:xfrm>
+            <a:off x="7242628" y="1071264"/>
+            <a:ext cx="261258" cy="523221"/>
+          </a:xfrm>
+          <a:prstGeom prst="ellipse">
+            <a:avLst/>
+          </a:prstGeom>
+          <a:noFill/>
+          <a:ln w="38100">
+            <a:solidFill>
+              <a:srgbClr val="0070C0"/>
+            </a:solidFill>
+          </a:ln>
+        </p:spPr>
+        <p:style>
+          <a:lnRef idx="2">
+            <a:schemeClr val="accent1">
+              <a:shade val="50000"/>
+            </a:schemeClr>
+          </a:lnRef>
+          <a:fillRef idx="1">
+            <a:schemeClr val="accent1"/>
+          </a:fillRef>
+          <a:effectRef idx="0">
+            <a:schemeClr val="accent1"/>
+          </a:effectRef>
+          <a:fontRef idx="minor">
+            <a:schemeClr val="lt1"/>
+          </a:fontRef>
+        </p:style>
+        <p:txBody>
+          <a:bodyPr rtlCol="0" anchor="ctr"/>
+          <a:lstStyle/>
+          <a:p>
+            <a:pPr algn="ctr"/>
+            <a:endParaRPr lang="fr-FR"/>
+          </a:p>
+        </p:txBody>
+      </p:sp>
+      <p:pic>
+        <p:nvPicPr>
+          <p:cNvPr id="8" name="Image 7"/>
+          <p:cNvPicPr>
+            <a:picLocks noChangeAspect="1"/>
+          </p:cNvPicPr>
+          <p:nvPr/>
+        </p:nvPicPr>
+        <p:blipFill rotWithShape="1">
+          <a:blip r:embed="rId3">
+            <a:extLst>
+              <a:ext uri="{28A0092B-C50C-407E-A947-70E740481C1C}">
+                <a14:useLocalDpi xmlns:a14="http://schemas.microsoft.com/office/drawing/2010/main" val="0"/>
+              </a:ext>
+            </a:extLst>
+          </a:blip>
+          <a:srcRect l="25643" t="24554" r="14668" b="18416"/>
+          <a:stretch/>
+        </p:blipFill>
+        <p:spPr>
+          <a:xfrm>
+            <a:off x="220983" y="886760"/>
+            <a:ext cx="4604514" cy="5867699"/>
+          </a:xfrm>
+          <a:prstGeom prst="rect">
+            <a:avLst/>
+          </a:prstGeom>
+        </p:spPr>
+      </p:pic>
+      <mc:AlternateContent xmlns:mc="http://schemas.openxmlformats.org/markup-compatibility/2006">
+        <mc:Choice xmlns:a14="http://schemas.microsoft.com/office/drawing/2010/main" Requires="a14">
+          <p:sp>
+            <p:nvSpPr>
+              <p:cNvPr id="6" name="Rectangle 5"/>
+              <p:cNvSpPr/>
+              <p:nvPr/>
+            </p:nvSpPr>
+            <p:spPr>
+              <a:xfrm>
+                <a:off x="2127564" y="2311339"/>
+                <a:ext cx="2697933" cy="581057"/>
+              </a:xfrm>
+              <a:prstGeom prst="rect">
+                <a:avLst/>
+              </a:prstGeom>
+              <a:solidFill>
+                <a:schemeClr val="bg1"/>
+              </a:solidFill>
+              <a:ln w="38100">
+                <a:solidFill>
+                  <a:schemeClr val="tx1"/>
+                </a:solidFill>
+              </a:ln>
+            </p:spPr>
+            <p:txBody>
+              <a:bodyPr wrap="square">
+                <a:spAutoFit/>
+              </a:bodyPr>
+              <a:lstStyle/>
+              <a:p>
+                <a14:m>
+                  <m:oMathPara xmlns:m="http://schemas.openxmlformats.org/officeDocument/2006/math">
+                    <m:oMathParaPr>
+                      <m:jc m:val="centerGroup"/>
+                    </m:oMathParaPr>
+                    <m:oMath xmlns:m="http://schemas.openxmlformats.org/officeDocument/2006/math">
+                      <m:r>
+                        <m:rPr>
+                          <m:sty m:val="p"/>
+                        </m:rPr>
+                        <a:rPr lang="fr-FR" sz="2800">
+                          <a:solidFill>
+                            <a:srgbClr val="7030A0"/>
+                          </a:solidFill>
+                          <a:latin typeface="Cambria Math" panose="02040503050406030204" pitchFamily="18" charset="0"/>
+                        </a:rPr>
+                        <m:t>Mn</m:t>
+                      </m:r>
+                      <m:sSubSup>
+                        <m:sSubSupPr>
+                          <m:ctrlPr>
+                            <a:rPr lang="fr-FR" sz="2800" i="1">
+                              <a:solidFill>
+                                <a:srgbClr val="7030A0"/>
+                              </a:solidFill>
+                              <a:latin typeface="Cambria Math" panose="02040503050406030204" pitchFamily="18" charset="0"/>
+                            </a:rPr>
+                          </m:ctrlPr>
+                        </m:sSubSupPr>
+                        <m:e>
+                          <m:r>
+                            <m:rPr>
+                              <m:sty m:val="p"/>
+                            </m:rPr>
+                            <a:rPr lang="fr-FR" sz="2800">
+                              <a:solidFill>
+                                <a:srgbClr val="7030A0"/>
+                              </a:solidFill>
+                              <a:latin typeface="Cambria Math" panose="02040503050406030204" pitchFamily="18" charset="0"/>
+                            </a:rPr>
+                            <m:t>O</m:t>
+                          </m:r>
+                        </m:e>
+                        <m:sub>
+                          <m:r>
+                            <a:rPr lang="fr-FR" sz="2800">
+                              <a:solidFill>
+                                <a:srgbClr val="7030A0"/>
+                              </a:solidFill>
+                              <a:latin typeface="Cambria Math" panose="02040503050406030204" pitchFamily="18" charset="0"/>
+                            </a:rPr>
+                            <m:t>4(</m:t>
+                          </m:r>
+                          <m:r>
+                            <m:rPr>
+                              <m:sty m:val="p"/>
+                            </m:rPr>
+                            <a:rPr lang="fr-FR" sz="2800">
+                              <a:solidFill>
+                                <a:srgbClr val="7030A0"/>
+                              </a:solidFill>
+                              <a:latin typeface="Cambria Math" panose="02040503050406030204" pitchFamily="18" charset="0"/>
+                            </a:rPr>
+                            <m:t>aq</m:t>
+                          </m:r>
+                          <m:r>
+                            <a:rPr lang="fr-FR" sz="2800">
+                              <a:solidFill>
+                                <a:srgbClr val="7030A0"/>
+                              </a:solidFill>
+                              <a:latin typeface="Cambria Math" panose="02040503050406030204" pitchFamily="18" charset="0"/>
+                            </a:rPr>
+                            <m:t>)</m:t>
+                          </m:r>
+                        </m:sub>
+                        <m:sup>
+                          <m:r>
+                            <a:rPr lang="fr-FR" sz="2800">
+                              <a:solidFill>
+                                <a:srgbClr val="7030A0"/>
+                              </a:solidFill>
+                              <a:latin typeface="Cambria Math" panose="02040503050406030204" pitchFamily="18" charset="0"/>
+                            </a:rPr>
+                            <m:t>−</m:t>
+                          </m:r>
+                        </m:sup>
+                      </m:sSubSup>
+                    </m:oMath>
+                  </m:oMathPara>
+                </a14:m>
+                <a:endParaRPr lang="fr-FR" sz="2800" dirty="0"/>
+              </a:p>
+            </p:txBody>
+          </p:sp>
+        </mc:Choice>
+        <mc:Fallback>
+          <p:sp>
+            <p:nvSpPr>
+              <p:cNvPr id="6" name="Rectangle 5"/>
+              <p:cNvSpPr>
+                <a:spLocks noRot="1" noChangeAspect="1" noMove="1" noResize="1" noEditPoints="1" noAdjustHandles="1" noChangeArrowheads="1" noChangeShapeType="1" noTextEdit="1"/>
+              </p:cNvSpPr>
+              <p:nvPr/>
+            </p:nvSpPr>
+            <p:spPr>
+              <a:xfrm>
+                <a:off x="2127564" y="2311339"/>
+                <a:ext cx="2697933" cy="581057"/>
+              </a:xfrm>
+              <a:prstGeom prst="rect">
+                <a:avLst/>
+              </a:prstGeom>
+              <a:blipFill rotWithShape="0">
+                <a:blip r:embed="rId4"/>
+                <a:stretch>
+                  <a:fillRect/>
+                </a:stretch>
+              </a:blipFill>
+              <a:ln w="38100">
+                <a:solidFill>
+                  <a:schemeClr val="tx1"/>
+                </a:solidFill>
+              </a:ln>
+            </p:spPr>
+            <p:txBody>
+              <a:bodyPr/>
+              <a:lstStyle/>
+              <a:p>
+                <a:r>
+                  <a:rPr lang="fr-FR">
+                    <a:noFill/>
+                  </a:rPr>
+                  <a:t> </a:t>
+                </a:r>
+              </a:p>
+            </p:txBody>
+          </p:sp>
+        </mc:Fallback>
+      </mc:AlternateContent>
+      <mc:AlternateContent xmlns:mc="http://schemas.openxmlformats.org/markup-compatibility/2006">
+        <mc:Choice xmlns:a14="http://schemas.microsoft.com/office/drawing/2010/main" Requires="a14">
+          <p:sp>
+            <p:nvSpPr>
+              <p:cNvPr id="10" name="Rectangle 9"/>
+              <p:cNvSpPr/>
+              <p:nvPr/>
+            </p:nvSpPr>
+            <p:spPr>
+              <a:xfrm>
+                <a:off x="2127564" y="5134511"/>
+                <a:ext cx="2697933" cy="606063"/>
+              </a:xfrm>
+              <a:prstGeom prst="rect">
+                <a:avLst/>
+              </a:prstGeom>
+              <a:solidFill>
+                <a:schemeClr val="bg1"/>
+              </a:solidFill>
+              <a:ln w="38100">
+                <a:solidFill>
+                  <a:schemeClr val="tx1"/>
+                </a:solidFill>
+              </a:ln>
+            </p:spPr>
+            <p:txBody>
+              <a:bodyPr wrap="square">
+                <a:spAutoFit/>
+              </a:bodyPr>
+              <a:lstStyle/>
+              <a:p>
+                <a14:m>
+                  <m:oMathPara xmlns:m="http://schemas.openxmlformats.org/officeDocument/2006/math">
+                    <m:oMathParaPr>
+                      <m:jc m:val="centerGroup"/>
+                    </m:oMathParaPr>
+                    <m:oMath xmlns:m="http://schemas.openxmlformats.org/officeDocument/2006/math">
+                      <m:sSub>
+                        <m:sSubPr>
+                          <m:ctrlPr>
+                            <a:rPr lang="fr-FR" sz="2800" b="0" i="0" smtClean="0">
+                              <a:solidFill>
+                                <a:schemeClr val="tx1"/>
+                              </a:solidFill>
+                              <a:latin typeface="Cambria Math" panose="02040503050406030204" pitchFamily="18" charset="0"/>
+                            </a:rPr>
+                          </m:ctrlPr>
+                        </m:sSubPr>
+                        <m:e>
+                          <m:r>
+                            <m:rPr>
+                              <m:sty m:val="p"/>
+                            </m:rPr>
+                            <a:rPr lang="fr-FR" sz="2800" b="0" i="0" smtClean="0">
+                              <a:solidFill>
+                                <a:schemeClr val="tx1"/>
+                              </a:solidFill>
+                              <a:latin typeface="Cambria Math" panose="02040503050406030204" pitchFamily="18" charset="0"/>
+                            </a:rPr>
+                            <m:t>C</m:t>
+                          </m:r>
+                        </m:e>
+                        <m:sub>
+                          <m:r>
+                            <a:rPr lang="fr-FR" sz="2800" b="0" i="0" smtClean="0">
+                              <a:solidFill>
+                                <a:schemeClr val="tx1"/>
+                              </a:solidFill>
+                              <a:latin typeface="Cambria Math" panose="02040503050406030204" pitchFamily="18" charset="0"/>
+                            </a:rPr>
+                            <m:t>2</m:t>
+                          </m:r>
+                        </m:sub>
+                      </m:sSub>
+                      <m:sSubSup>
+                        <m:sSubSupPr>
+                          <m:ctrlPr>
+                            <a:rPr lang="fr-FR" sz="2800" i="1">
+                              <a:solidFill>
+                                <a:schemeClr val="tx1"/>
+                              </a:solidFill>
+                              <a:latin typeface="Cambria Math" panose="02040503050406030204" pitchFamily="18" charset="0"/>
+                            </a:rPr>
+                          </m:ctrlPr>
+                        </m:sSubSupPr>
+                        <m:e>
+                          <m:r>
+                            <m:rPr>
+                              <m:sty m:val="p"/>
+                            </m:rPr>
+                            <a:rPr lang="fr-FR" sz="2800">
+                              <a:solidFill>
+                                <a:schemeClr val="tx1"/>
+                              </a:solidFill>
+                              <a:latin typeface="Cambria Math" panose="02040503050406030204" pitchFamily="18" charset="0"/>
+                            </a:rPr>
+                            <m:t>O</m:t>
+                          </m:r>
+                        </m:e>
+                        <m:sub>
+                          <m:r>
+                            <a:rPr lang="fr-FR" sz="2800">
+                              <a:solidFill>
+                                <a:schemeClr val="tx1"/>
+                              </a:solidFill>
+                              <a:latin typeface="Cambria Math" panose="02040503050406030204" pitchFamily="18" charset="0"/>
+                            </a:rPr>
+                            <m:t>4(</m:t>
+                          </m:r>
+                          <m:r>
+                            <m:rPr>
+                              <m:sty m:val="p"/>
+                            </m:rPr>
+                            <a:rPr lang="fr-FR" sz="2800">
+                              <a:solidFill>
+                                <a:schemeClr val="tx1"/>
+                              </a:solidFill>
+                              <a:latin typeface="Cambria Math" panose="02040503050406030204" pitchFamily="18" charset="0"/>
+                            </a:rPr>
+                            <m:t>aq</m:t>
+                          </m:r>
+                          <m:r>
+                            <a:rPr lang="fr-FR" sz="2800">
+                              <a:solidFill>
+                                <a:schemeClr val="tx1"/>
+                              </a:solidFill>
+                              <a:latin typeface="Cambria Math" panose="02040503050406030204" pitchFamily="18" charset="0"/>
+                            </a:rPr>
+                            <m:t>)</m:t>
+                          </m:r>
+                        </m:sub>
+                        <m:sup>
+                          <m:r>
+                            <a:rPr lang="fr-FR" sz="2800" b="0" i="0" smtClean="0">
+                              <a:solidFill>
+                                <a:schemeClr val="tx1"/>
+                              </a:solidFill>
+                              <a:latin typeface="Cambria Math" panose="02040503050406030204" pitchFamily="18" charset="0"/>
+                            </a:rPr>
+                            <m:t>2</m:t>
+                          </m:r>
+                          <m:r>
+                            <a:rPr lang="fr-FR" sz="2800">
+                              <a:solidFill>
+                                <a:schemeClr val="tx1"/>
+                              </a:solidFill>
+                              <a:latin typeface="Cambria Math" panose="02040503050406030204" pitchFamily="18" charset="0"/>
+                            </a:rPr>
+                            <m:t>−</m:t>
+                          </m:r>
+                        </m:sup>
+                      </m:sSubSup>
+                    </m:oMath>
+                  </m:oMathPara>
+                </a14:m>
+                <a:endParaRPr lang="fr-FR" sz="2800" dirty="0">
+                  <a:solidFill>
+                    <a:schemeClr val="tx1"/>
+                  </a:solidFill>
+                </a:endParaRPr>
+              </a:p>
+            </p:txBody>
+          </p:sp>
+        </mc:Choice>
+        <mc:Fallback>
+          <p:sp>
+            <p:nvSpPr>
+              <p:cNvPr id="10" name="Rectangle 9"/>
+              <p:cNvSpPr>
+                <a:spLocks noRot="1" noChangeAspect="1" noMove="1" noResize="1" noEditPoints="1" noAdjustHandles="1" noChangeArrowheads="1" noChangeShapeType="1" noTextEdit="1"/>
+              </p:cNvSpPr>
+              <p:nvPr/>
+            </p:nvSpPr>
+            <p:spPr>
+              <a:xfrm>
+                <a:off x="2127564" y="5134511"/>
+                <a:ext cx="2697933" cy="606063"/>
+              </a:xfrm>
+              <a:prstGeom prst="rect">
+                <a:avLst/>
+              </a:prstGeom>
+              <a:blipFill rotWithShape="0">
+                <a:blip r:embed="rId5"/>
+                <a:stretch>
+                  <a:fillRect/>
+                </a:stretch>
+              </a:blipFill>
+              <a:ln w="38100">
+                <a:solidFill>
+                  <a:schemeClr val="tx1"/>
+                </a:solidFill>
+              </a:ln>
+            </p:spPr>
+            <p:txBody>
+              <a:bodyPr/>
+              <a:lstStyle/>
+              <a:p>
+                <a:r>
+                  <a:rPr lang="fr-FR">
+                    <a:noFill/>
+                  </a:rPr>
+                  <a:t> </a:t>
+                </a:r>
+              </a:p>
+            </p:txBody>
+          </p:sp>
+        </mc:Fallback>
+      </mc:AlternateContent>
+    </p:spTree>
+    <p:extLst>
+      <p:ext uri="{BB962C8B-B14F-4D97-AF65-F5344CB8AC3E}">
+        <p14:creationId xmlns:p14="http://schemas.microsoft.com/office/powerpoint/2010/main" val="2243463445"/>
+      </p:ext>
+    </p:extLst>
+  </p:cSld>
+  <p:clrMapOvr>
+    <a:masterClrMapping/>
+  </p:clrMapOvr>
+  <p:timing>
+    <p:tnLst>
+      <p:par>
+        <p:cTn id="1" dur="indefinite" restart="never" nodeType="tmRoot"/>
+      </p:par>
+    </p:tnLst>
+  </p:timing>
+</p:sld>
+</file>
+
+<file path=ppt/slides/slide11.xml><?xml version="1.0" encoding="utf-8"?>
+<p:sld xmlns:a="http://schemas.openxmlformats.org/drawingml/2006/main" xmlns:r="http://schemas.openxmlformats.org/officeDocument/2006/relationships" xmlns:p="http://schemas.openxmlformats.org/presentationml/2006/main">
+  <p:cSld>
+    <p:spTree>
+      <p:nvGrpSpPr>
+        <p:cNvPr id="1" name=""/>
+        <p:cNvGrpSpPr/>
+        <p:nvPr/>
+      </p:nvGrpSpPr>
+      <p:grpSpPr>
+        <a:xfrm>
+          <a:off x="0" y="0"/>
+          <a:ext cx="0" cy="0"/>
+          <a:chOff x="0" y="0"/>
+          <a:chExt cx="0" cy="0"/>
+        </a:xfrm>
+      </p:grpSpPr>
+      <p:graphicFrame>
+        <p:nvGraphicFramePr>
+          <p:cNvPr id="11" name="Tableau 10"/>
+          <p:cNvGraphicFramePr>
+            <a:graphicFrameLocks noGrp="1"/>
+          </p:cNvGraphicFramePr>
+          <p:nvPr>
+            <p:extLst>
+              <p:ext uri="{D42A27DB-BD31-4B8C-83A1-F6EECF244321}">
+                <p14:modId xmlns:p14="http://schemas.microsoft.com/office/powerpoint/2010/main" val="2348550447"/>
+              </p:ext>
+            </p:extLst>
+          </p:nvPr>
+        </p:nvGraphicFramePr>
+        <p:xfrm>
+          <a:off x="218649" y="1918497"/>
+          <a:ext cx="11754701" cy="2443082"/>
+        </p:xfrm>
+        <a:graphic>
+          <a:graphicData uri="http://schemas.openxmlformats.org/drawingml/2006/table">
+            <a:tbl>
+              <a:tblPr firstRow="1" bandRow="1">
+                <a:tableStyleId>{5C22544A-7EE6-4342-B048-85BDC9FD1C3A}</a:tableStyleId>
+              </a:tblPr>
+              <a:tblGrid>
+                <a:gridCol w="1303014"/>
+                <a:gridCol w="2006600"/>
+                <a:gridCol w="1894637"/>
+                <a:gridCol w="1625600"/>
+                <a:gridCol w="1689100"/>
+                <a:gridCol w="1775663"/>
+                <a:gridCol w="1460087"/>
+              </a:tblGrid>
+              <a:tr h="749101">
+                <a:tc>
+                  <a:txBody>
+                    <a:bodyPr/>
+                    <a:lstStyle/>
+                    <a:p>
+                      <a:endParaRPr lang="fr-FR" dirty="0"/>
+                    </a:p>
+                  </a:txBody>
+                  <a:tcPr>
+                    <a:solidFill>
+                      <a:schemeClr val="accent5">
+                        <a:lumMod val="20000"/>
+                        <a:lumOff val="80000"/>
+                      </a:schemeClr>
+                    </a:solidFill>
+                  </a:tcPr>
+                </a:tc>
+                <a:tc>
+                  <a:txBody>
+                    <a:bodyPr/>
+                    <a:lstStyle/>
+                    <a:p>
+                      <a:endParaRPr lang="fr-FR" dirty="0"/>
+                    </a:p>
+                  </a:txBody>
+                  <a:tcPr>
+                    <a:solidFill>
+                      <a:schemeClr val="accent5">
+                        <a:lumMod val="20000"/>
+                        <a:lumOff val="80000"/>
+                      </a:schemeClr>
+                    </a:solidFill>
+                  </a:tcPr>
+                </a:tc>
+                <a:tc>
+                  <a:txBody>
+                    <a:bodyPr/>
+                    <a:lstStyle/>
+                    <a:p>
+                      <a:endParaRPr lang="fr-FR" dirty="0"/>
+                    </a:p>
+                  </a:txBody>
+                  <a:tcPr>
+                    <a:solidFill>
+                      <a:schemeClr val="accent5">
+                        <a:lumMod val="20000"/>
+                        <a:lumOff val="80000"/>
+                      </a:schemeClr>
+                    </a:solidFill>
+                  </a:tcPr>
+                </a:tc>
+                <a:tc>
+                  <a:txBody>
+                    <a:bodyPr/>
+                    <a:lstStyle/>
+                    <a:p>
+                      <a:endParaRPr lang="fr-FR" dirty="0"/>
+                    </a:p>
+                  </a:txBody>
+                  <a:tcPr>
+                    <a:solidFill>
+                      <a:schemeClr val="accent5">
+                        <a:lumMod val="20000"/>
+                        <a:lumOff val="80000"/>
+                      </a:schemeClr>
+                    </a:solidFill>
+                  </a:tcPr>
+                </a:tc>
+                <a:tc>
+                  <a:txBody>
+                    <a:bodyPr/>
+                    <a:lstStyle/>
+                    <a:p>
+                      <a:endParaRPr lang="fr-FR" dirty="0"/>
+                    </a:p>
+                  </a:txBody>
+                  <a:tcPr>
+                    <a:solidFill>
+                      <a:schemeClr val="accent5">
+                        <a:lumMod val="20000"/>
+                        <a:lumOff val="80000"/>
+                      </a:schemeClr>
+                    </a:solidFill>
+                  </a:tcPr>
+                </a:tc>
+                <a:tc>
+                  <a:txBody>
+                    <a:bodyPr/>
+                    <a:lstStyle/>
+                    <a:p>
+                      <a:endParaRPr lang="fr-FR" dirty="0"/>
+                    </a:p>
+                  </a:txBody>
+                  <a:tcPr>
+                    <a:solidFill>
+                      <a:schemeClr val="accent5">
+                        <a:lumMod val="20000"/>
+                        <a:lumOff val="80000"/>
+                      </a:schemeClr>
+                    </a:solidFill>
+                  </a:tcPr>
+                </a:tc>
+                <a:tc>
+                  <a:txBody>
+                    <a:bodyPr/>
+                    <a:lstStyle/>
+                    <a:p>
+                      <a:endParaRPr lang="fr-FR" dirty="0"/>
+                    </a:p>
+                  </a:txBody>
+                  <a:tcPr>
+                    <a:solidFill>
+                      <a:schemeClr val="accent5">
+                        <a:lumMod val="20000"/>
+                        <a:lumOff val="80000"/>
+                      </a:schemeClr>
+                    </a:solidFill>
+                  </a:tcPr>
+                </a:tc>
+              </a:tr>
+              <a:tr h="749101">
+                <a:tc>
+                  <a:txBody>
+                    <a:bodyPr/>
+                    <a:lstStyle/>
+                    <a:p>
+                      <a:pPr algn="ctr"/>
+                      <a:r>
+                        <a:rPr lang="fr-FR" sz="2800" dirty="0" smtClean="0"/>
+                        <a:t>E.I.</a:t>
+                      </a:r>
+                      <a:endParaRPr lang="fr-FR" sz="2800" dirty="0"/>
+                    </a:p>
+                  </a:txBody>
+                  <a:tcPr anchor="ctr"/>
+                </a:tc>
+                <a:tc>
+                  <a:txBody>
+                    <a:bodyPr/>
+                    <a:lstStyle/>
+                    <a:p>
+                      <a:pPr algn="ctr"/>
+                      <a:r>
+                        <a:rPr lang="fr-FR" sz="2800" dirty="0" err="1" smtClean="0"/>
+                        <a:t>n</a:t>
+                      </a:r>
+                      <a:r>
+                        <a:rPr lang="fr-FR" sz="2800" baseline="-25000" dirty="0" err="1" smtClean="0"/>
+                        <a:t>Mn</a:t>
+                      </a:r>
+                      <a:endParaRPr lang="fr-FR" sz="2800" baseline="-25000" dirty="0"/>
+                    </a:p>
+                  </a:txBody>
+                  <a:tcPr anchor="ctr"/>
+                </a:tc>
+                <a:tc>
+                  <a:txBody>
+                    <a:bodyPr/>
+                    <a:lstStyle/>
+                    <a:p>
+                      <a:pPr algn="ctr"/>
+                      <a:r>
+                        <a:rPr lang="fr-FR" sz="2800" dirty="0" err="1" smtClean="0"/>
+                        <a:t>n</a:t>
+                      </a:r>
+                      <a:r>
+                        <a:rPr lang="fr-FR" sz="2800" baseline="-25000" dirty="0" err="1" smtClean="0"/>
+                        <a:t>Ox</a:t>
+                      </a:r>
+                      <a:endParaRPr lang="fr-FR" sz="2800" dirty="0"/>
+                    </a:p>
+                  </a:txBody>
+                  <a:tcPr anchor="ctr"/>
+                </a:tc>
+                <a:tc>
+                  <a:txBody>
+                    <a:bodyPr/>
+                    <a:lstStyle/>
+                    <a:p>
+                      <a:pPr algn="ctr"/>
+                      <a:endParaRPr lang="fr-FR" sz="2800" dirty="0"/>
+                    </a:p>
+                  </a:txBody>
+                  <a:tcPr anchor="ctr"/>
+                </a:tc>
+                <a:tc>
+                  <a:txBody>
+                    <a:bodyPr/>
+                    <a:lstStyle/>
+                    <a:p>
+                      <a:pPr algn="ctr"/>
+                      <a:r>
+                        <a:rPr lang="fr-FR" sz="2800" dirty="0" smtClean="0"/>
+                        <a:t>0</a:t>
+                      </a:r>
+                      <a:endParaRPr lang="fr-FR" sz="2800" dirty="0"/>
+                    </a:p>
+                  </a:txBody>
+                  <a:tcPr anchor="ctr"/>
+                </a:tc>
+                <a:tc>
+                  <a:txBody>
+                    <a:bodyPr/>
+                    <a:lstStyle/>
+                    <a:p>
+                      <a:pPr algn="ctr"/>
+                      <a:r>
+                        <a:rPr lang="fr-FR" sz="2800" dirty="0" smtClean="0"/>
+                        <a:t>0</a:t>
+                      </a:r>
+                      <a:endParaRPr lang="fr-FR" sz="2800" dirty="0"/>
+                    </a:p>
+                  </a:txBody>
+                  <a:tcPr anchor="ctr"/>
+                </a:tc>
+                <a:tc>
+                  <a:txBody>
+                    <a:bodyPr/>
+                    <a:lstStyle/>
+                    <a:p>
+                      <a:pPr algn="ctr"/>
+                      <a:r>
+                        <a:rPr lang="fr-FR" sz="2800" dirty="0" smtClean="0"/>
+                        <a:t>excès</a:t>
+                      </a:r>
+                      <a:endParaRPr lang="fr-FR" sz="2800" dirty="0"/>
+                    </a:p>
+                  </a:txBody>
+                  <a:tcPr anchor="ctr"/>
+                </a:tc>
+              </a:tr>
+              <a:tr h="749101">
+                <a:tc>
+                  <a:txBody>
+                    <a:bodyPr/>
+                    <a:lstStyle/>
+                    <a:p>
+                      <a:pPr algn="ctr"/>
+                      <a:r>
+                        <a:rPr lang="fr-FR" sz="2800" dirty="0" err="1" smtClean="0"/>
+                        <a:t>Equiva-lence</a:t>
+                      </a:r>
+                      <a:endParaRPr lang="fr-FR" sz="2800" dirty="0"/>
+                    </a:p>
+                  </a:txBody>
+                  <a:tcPr anchor="ctr"/>
+                </a:tc>
+                <a:tc>
+                  <a:txBody>
+                    <a:bodyPr/>
+                    <a:lstStyle/>
+                    <a:p>
+                      <a:pPr algn="ctr"/>
+                      <a:r>
+                        <a:rPr lang="fr-FR" sz="2800" dirty="0" smtClean="0"/>
+                        <a:t>n</a:t>
+                      </a:r>
+                      <a:r>
+                        <a:rPr lang="fr-FR" sz="2800" baseline="-25000" dirty="0" smtClean="0"/>
+                        <a:t>Mn</a:t>
+                      </a:r>
+                      <a:r>
+                        <a:rPr lang="fr-FR" sz="2800" dirty="0" smtClean="0"/>
+                        <a:t>-2x</a:t>
+                      </a:r>
+                      <a:r>
+                        <a:rPr lang="fr-FR" sz="2800" baseline="-25000" dirty="0" smtClean="0"/>
+                        <a:t>eq</a:t>
+                      </a:r>
+                      <a:r>
+                        <a:rPr lang="fr-FR" sz="2800" dirty="0" smtClean="0"/>
+                        <a:t>=0</a:t>
+                      </a:r>
+                      <a:endParaRPr lang="fr-FR" sz="2800" dirty="0"/>
+                    </a:p>
+                  </a:txBody>
+                  <a:tcPr anchor="ctr"/>
+                </a:tc>
+                <a:tc>
+                  <a:txBody>
+                    <a:bodyPr/>
+                    <a:lstStyle/>
+                    <a:p>
+                      <a:pPr marL="0" marR="0" lvl="0" indent="0" algn="ctr" defTabSz="914400" rtl="0" eaLnBrk="1" fontAlgn="auto" latinLnBrk="0" hangingPunct="1">
+                        <a:lnSpc>
+                          <a:spcPct val="100000"/>
+                        </a:lnSpc>
+                        <a:spcBef>
+                          <a:spcPts val="0"/>
+                        </a:spcBef>
+                        <a:spcAft>
+                          <a:spcPts val="0"/>
+                        </a:spcAft>
+                        <a:buClrTx/>
+                        <a:buSzTx/>
+                        <a:buFontTx/>
+                        <a:buNone/>
+                        <a:tabLst/>
+                        <a:defRPr/>
+                      </a:pPr>
+                      <a:r>
+                        <a:rPr lang="fr-FR" sz="2800" dirty="0" smtClean="0"/>
+                        <a:t>n</a:t>
+                      </a:r>
+                      <a:r>
+                        <a:rPr lang="fr-FR" sz="2800" baseline="-25000" dirty="0" smtClean="0"/>
+                        <a:t>Ox</a:t>
+                      </a:r>
+                      <a:r>
+                        <a:rPr lang="fr-FR" sz="2800" dirty="0" smtClean="0"/>
+                        <a:t>-5x</a:t>
+                      </a:r>
+                      <a:r>
+                        <a:rPr lang="fr-FR" sz="2800" baseline="-25000" dirty="0" smtClean="0"/>
+                        <a:t>eq</a:t>
+                      </a:r>
+                      <a:r>
+                        <a:rPr lang="fr-FR" sz="2800" dirty="0" smtClean="0"/>
+                        <a:t>=0</a:t>
+                      </a:r>
+                    </a:p>
+                  </a:txBody>
+                  <a:tcPr anchor="ctr"/>
+                </a:tc>
+                <a:tc>
+                  <a:txBody>
+                    <a:bodyPr/>
+                    <a:lstStyle/>
+                    <a:p>
+                      <a:pPr algn="ctr"/>
+                      <a:endParaRPr lang="fr-FR" sz="2800" dirty="0"/>
+                    </a:p>
+                  </a:txBody>
+                  <a:tcPr anchor="ctr"/>
+                </a:tc>
+                <a:tc>
+                  <a:txBody>
+                    <a:bodyPr/>
+                    <a:lstStyle/>
+                    <a:p>
+                      <a:pPr algn="ctr"/>
+                      <a:r>
+                        <a:rPr lang="fr-FR" sz="2800" dirty="0" smtClean="0"/>
+                        <a:t>2x</a:t>
+                      </a:r>
+                      <a:r>
+                        <a:rPr lang="fr-FR" sz="2800" baseline="-25000" dirty="0" smtClean="0"/>
+                        <a:t>eq</a:t>
+                      </a:r>
+                      <a:endParaRPr lang="fr-FR" sz="2800" dirty="0"/>
+                    </a:p>
+                  </a:txBody>
+                  <a:tcPr anchor="ctr"/>
+                </a:tc>
+                <a:tc>
+                  <a:txBody>
+                    <a:bodyPr/>
+                    <a:lstStyle/>
+                    <a:p>
+                      <a:pPr algn="ctr"/>
+                      <a:r>
+                        <a:rPr lang="fr-FR" sz="2800" dirty="0" smtClean="0"/>
+                        <a:t>10x</a:t>
+                      </a:r>
+                      <a:r>
+                        <a:rPr lang="fr-FR" sz="2800" baseline="-25000" dirty="0" smtClean="0"/>
+                        <a:t>eq</a:t>
+                      </a:r>
+                      <a:endParaRPr lang="fr-FR" sz="2800" dirty="0"/>
+                    </a:p>
+                  </a:txBody>
+                  <a:tcPr anchor="ctr"/>
+                </a:tc>
+                <a:tc>
+                  <a:txBody>
+                    <a:bodyPr/>
+                    <a:lstStyle/>
+                    <a:p>
+                      <a:pPr algn="ctr"/>
+                      <a:r>
+                        <a:rPr lang="fr-FR" sz="2800" dirty="0" smtClean="0"/>
+                        <a:t>excès</a:t>
+                      </a:r>
+                      <a:endParaRPr lang="fr-FR" sz="2800" dirty="0"/>
+                    </a:p>
+                  </a:txBody>
+                  <a:tcPr anchor="ctr"/>
+                </a:tc>
+              </a:tr>
+            </a:tbl>
+          </a:graphicData>
+        </a:graphic>
+      </p:graphicFrame>
+      <p:sp>
+        <p:nvSpPr>
+          <p:cNvPr id="13" name="Rectangle 12"/>
+          <p:cNvSpPr/>
+          <p:nvPr/>
+        </p:nvSpPr>
+        <p:spPr>
+          <a:xfrm>
+            <a:off x="218649" y="3416299"/>
+            <a:ext cx="11754701" cy="945279"/>
+          </a:xfrm>
+          <a:prstGeom prst="rect">
+            <a:avLst/>
+          </a:prstGeom>
+          <a:solidFill>
+            <a:schemeClr val="bg1">
+              <a:alpha val="90000"/>
+            </a:schemeClr>
+          </a:solidFill>
+          <a:ln>
+            <a:noFill/>
+          </a:ln>
+        </p:spPr>
+        <p:style>
+          <a:lnRef idx="2">
+            <a:schemeClr val="accent1">
+              <a:shade val="50000"/>
+            </a:schemeClr>
+          </a:lnRef>
+          <a:fillRef idx="1">
+            <a:schemeClr val="accent1"/>
+          </a:fillRef>
+          <a:effectRef idx="0">
+            <a:schemeClr val="accent1"/>
+          </a:effectRef>
+          <a:fontRef idx="minor">
+            <a:schemeClr val="lt1"/>
+          </a:fontRef>
+        </p:style>
+        <p:txBody>
+          <a:bodyPr rtlCol="0" anchor="ctr"/>
+          <a:lstStyle/>
+          <a:p>
+            <a:pPr algn="ctr"/>
+            <a:endParaRPr lang="fr-FR"/>
+          </a:p>
+        </p:txBody>
+      </p:sp>
+      <p:sp>
+        <p:nvSpPr>
+          <p:cNvPr id="4" name="Titre 1"/>
+          <p:cNvSpPr txBox="1">
+            <a:spLocks/>
+          </p:cNvSpPr>
+          <p:nvPr/>
+        </p:nvSpPr>
+        <p:spPr>
+          <a:xfrm>
+            <a:off x="0" y="0"/>
+            <a:ext cx="12192000" cy="747252"/>
+          </a:xfrm>
+          <a:prstGeom prst="rect">
+            <a:avLst/>
+          </a:prstGeom>
+        </p:spPr>
+        <p:txBody>
+          <a:bodyPr vert="horz" lIns="91440" tIns="45720" rIns="91440" bIns="45720" rtlCol="0" anchor="ctr">
+            <a:normAutofit/>
+          </a:bodyPr>
+          <a:lstStyle>
+            <a:lvl1pPr algn="l" defTabSz="914400" rtl="0" eaLnBrk="1" latinLnBrk="0" hangingPunct="1">
+              <a:lnSpc>
+                <a:spcPct val="90000"/>
+              </a:lnSpc>
+              <a:spcBef>
+                <a:spcPct val="0"/>
+              </a:spcBef>
+              <a:buNone/>
+              <a:defRPr sz="4400" kern="1200">
+                <a:solidFill>
+                  <a:schemeClr val="tx1"/>
+                </a:solidFill>
+                <a:latin typeface="+mj-lt"/>
+                <a:ea typeface="+mj-ea"/>
+                <a:cs typeface="+mj-cs"/>
+              </a:defRPr>
+            </a:lvl1pPr>
+          </a:lstStyle>
+          <a:p>
+            <a:r>
+              <a:rPr lang="fr-FR" sz="3600" b="1" dirty="0" smtClean="0">
+                <a:solidFill>
+                  <a:srgbClr val="0070C0"/>
+                </a:solidFill>
+              </a:rPr>
+              <a:t>  Détermination de la stœchiométrie du complexe (oxalate)</a:t>
+            </a:r>
+            <a:endParaRPr lang="fr-FR" sz="3600" baseline="30000" dirty="0">
+              <a:solidFill>
+                <a:srgbClr val="0070C0"/>
+              </a:solidFill>
+            </a:endParaRPr>
+          </a:p>
+        </p:txBody>
+      </p:sp>
+      <p:cxnSp>
+        <p:nvCxnSpPr>
+          <p:cNvPr id="5" name="Connecteur droit 4"/>
+          <p:cNvCxnSpPr/>
+          <p:nvPr/>
+        </p:nvCxnSpPr>
+        <p:spPr>
+          <a:xfrm>
+            <a:off x="220983" y="747252"/>
+            <a:ext cx="11754707" cy="0"/>
+          </a:xfrm>
+          <a:prstGeom prst="line">
+            <a:avLst/>
+          </a:prstGeom>
+          <a:ln w="76200">
+            <a:gradFill flip="none" rotWithShape="1">
+              <a:gsLst>
+                <a:gs pos="0">
+                  <a:srgbClr val="0070C0"/>
+                </a:gs>
+                <a:gs pos="100000">
+                  <a:srgbClr val="0070C0">
+                    <a:alpha val="25000"/>
+                  </a:srgbClr>
+                </a:gs>
+              </a:gsLst>
+              <a:lin ang="0" scaled="1"/>
+              <a:tileRect/>
+            </a:gradFill>
+          </a:ln>
+        </p:spPr>
+        <p:style>
+          <a:lnRef idx="1">
+            <a:schemeClr val="accent1"/>
+          </a:lnRef>
+          <a:fillRef idx="0">
+            <a:schemeClr val="accent1"/>
+          </a:fillRef>
+          <a:effectRef idx="0">
+            <a:schemeClr val="accent1"/>
+          </a:effectRef>
+          <a:fontRef idx="minor">
+            <a:schemeClr val="tx1"/>
+          </a:fontRef>
+        </p:style>
+      </p:cxnSp>
+      <mc:AlternateContent xmlns:mc="http://schemas.openxmlformats.org/markup-compatibility/2006" xmlns:a14="http://schemas.microsoft.com/office/drawing/2010/main">
+        <mc:Choice Requires="a14">
+          <p:sp>
+            <p:nvSpPr>
+              <p:cNvPr id="2" name="Rectangle 1"/>
+              <p:cNvSpPr/>
+              <p:nvPr/>
+            </p:nvSpPr>
+            <p:spPr>
+              <a:xfrm>
+                <a:off x="4765539" y="1071265"/>
+                <a:ext cx="3508140" cy="523220"/>
+              </a:xfrm>
+              <a:prstGeom prst="rect">
+                <a:avLst/>
+              </a:prstGeom>
+              <a:ln w="28575">
+                <a:noFill/>
+              </a:ln>
+            </p:spPr>
+            <p:txBody>
+              <a:bodyPr wrap="none">
+                <a:spAutoFit/>
+              </a:bodyPr>
+              <a:lstStyle/>
+              <a:p>
+                <a:pPr/>
+                <a14:m>
+                  <m:oMathPara xmlns:m="http://schemas.openxmlformats.org/officeDocument/2006/math">
+                    <m:oMathParaPr>
+                      <m:jc m:val="centerGroup"/>
+                    </m:oMathParaPr>
+                    <m:oMath xmlns:m="http://schemas.openxmlformats.org/officeDocument/2006/math">
+                      <m:sSub>
+                        <m:sSubPr>
+                          <m:ctrlPr>
+                            <a:rPr lang="fr-FR" sz="2800" i="1" smtClean="0">
+                              <a:solidFill>
+                                <a:schemeClr val="accent6"/>
+                              </a:solidFill>
+                              <a:latin typeface="Cambria Math" panose="02040503050406030204" pitchFamily="18" charset="0"/>
+                              <a:sym typeface="Wingdings" panose="05000000000000000000" pitchFamily="2" charset="2"/>
+                            </a:rPr>
+                          </m:ctrlPr>
+                        </m:sSubPr>
+                        <m:e>
+                          <m:r>
+                            <m:rPr>
+                              <m:sty m:val="p"/>
+                            </m:rPr>
+                            <a:rPr lang="fr-FR" sz="2800">
+                              <a:solidFill>
+                                <a:schemeClr val="accent6"/>
+                              </a:solidFill>
+                              <a:latin typeface="Cambria Math" panose="02040503050406030204" pitchFamily="18" charset="0"/>
+                              <a:sym typeface="Wingdings" panose="05000000000000000000" pitchFamily="2" charset="2"/>
+                            </a:rPr>
+                            <m:t>K</m:t>
+                          </m:r>
+                        </m:e>
+                        <m:sub>
+                          <m:r>
+                            <a:rPr lang="fr-FR" sz="2800">
+                              <a:solidFill>
+                                <a:schemeClr val="accent6"/>
+                              </a:solidFill>
+                              <a:latin typeface="Cambria Math" panose="02040503050406030204" pitchFamily="18" charset="0"/>
+                              <a:sym typeface="Wingdings" panose="05000000000000000000" pitchFamily="2" charset="2"/>
+                            </a:rPr>
+                            <m:t>3</m:t>
+                          </m:r>
+                        </m:sub>
+                      </m:sSub>
+                      <m:d>
+                        <m:dPr>
+                          <m:begChr m:val="["/>
+                          <m:endChr m:val="]"/>
+                          <m:ctrlPr>
+                            <a:rPr lang="fr-FR" sz="2800" i="1">
+                              <a:solidFill>
+                                <a:schemeClr val="accent6"/>
+                              </a:solidFill>
+                              <a:latin typeface="Cambria Math" panose="02040503050406030204" pitchFamily="18" charset="0"/>
+                              <a:sym typeface="Wingdings" panose="05000000000000000000" pitchFamily="2" charset="2"/>
+                            </a:rPr>
+                          </m:ctrlPr>
+                        </m:dPr>
+                        <m:e>
+                          <m:r>
+                            <m:rPr>
+                              <m:sty m:val="p"/>
+                            </m:rPr>
+                            <a:rPr lang="fr-FR" sz="2800">
+                              <a:solidFill>
+                                <a:schemeClr val="accent6"/>
+                              </a:solidFill>
+                              <a:latin typeface="Cambria Math" panose="02040503050406030204" pitchFamily="18" charset="0"/>
+                              <a:sym typeface="Wingdings" panose="05000000000000000000" pitchFamily="2" charset="2"/>
+                            </a:rPr>
+                            <m:t>Fe</m:t>
+                          </m:r>
+                          <m:sSub>
+                            <m:sSubPr>
+                              <m:ctrlPr>
+                                <a:rPr lang="fr-FR" sz="2800" b="0" i="1" smtClean="0">
+                                  <a:solidFill>
+                                    <a:schemeClr val="accent6"/>
+                                  </a:solidFill>
+                                  <a:latin typeface="Cambria Math" panose="02040503050406030204" pitchFamily="18" charset="0"/>
+                                  <a:sym typeface="Wingdings" panose="05000000000000000000" pitchFamily="2" charset="2"/>
+                                </a:rPr>
+                              </m:ctrlPr>
+                            </m:sSubPr>
+                            <m:e>
+                              <m:d>
+                                <m:dPr>
+                                  <m:ctrlPr>
+                                    <a:rPr lang="fr-FR" sz="2800" i="1">
+                                      <a:solidFill>
+                                        <a:schemeClr val="accent6"/>
+                                      </a:solidFill>
+                                      <a:latin typeface="Cambria Math" panose="02040503050406030204" pitchFamily="18" charset="0"/>
+                                      <a:sym typeface="Wingdings" panose="05000000000000000000" pitchFamily="2" charset="2"/>
+                                    </a:rPr>
+                                  </m:ctrlPr>
+                                </m:dPr>
+                                <m:e>
+                                  <m:sSub>
+                                    <m:sSubPr>
+                                      <m:ctrlPr>
+                                        <a:rPr lang="fr-FR" sz="2800" i="1">
+                                          <a:solidFill>
+                                            <a:schemeClr val="accent6"/>
+                                          </a:solidFill>
+                                          <a:latin typeface="Cambria Math" panose="02040503050406030204" pitchFamily="18" charset="0"/>
+                                          <a:sym typeface="Wingdings" panose="05000000000000000000" pitchFamily="2" charset="2"/>
+                                        </a:rPr>
+                                      </m:ctrlPr>
+                                    </m:sSubPr>
+                                    <m:e>
+                                      <m:r>
+                                        <m:rPr>
+                                          <m:sty m:val="p"/>
+                                        </m:rPr>
+                                        <a:rPr lang="fr-FR" sz="2800">
+                                          <a:solidFill>
+                                            <a:schemeClr val="accent6"/>
+                                          </a:solidFill>
+                                          <a:latin typeface="Cambria Math" panose="02040503050406030204" pitchFamily="18" charset="0"/>
+                                          <a:sym typeface="Wingdings" panose="05000000000000000000" pitchFamily="2" charset="2"/>
+                                        </a:rPr>
+                                        <m:t>C</m:t>
+                                      </m:r>
+                                    </m:e>
+                                    <m:sub>
+                                      <m:r>
+                                        <a:rPr lang="fr-FR" sz="2800">
+                                          <a:solidFill>
+                                            <a:schemeClr val="accent6"/>
+                                          </a:solidFill>
+                                          <a:latin typeface="Cambria Math" panose="02040503050406030204" pitchFamily="18" charset="0"/>
+                                          <a:sym typeface="Wingdings" panose="05000000000000000000" pitchFamily="2" charset="2"/>
+                                        </a:rPr>
+                                        <m:t>2</m:t>
+                                      </m:r>
+                                    </m:sub>
+                                  </m:sSub>
+                                  <m:sSub>
+                                    <m:sSubPr>
+                                      <m:ctrlPr>
+                                        <a:rPr lang="fr-FR" sz="2800" i="1">
+                                          <a:solidFill>
+                                            <a:schemeClr val="accent6"/>
+                                          </a:solidFill>
+                                          <a:latin typeface="Cambria Math" panose="02040503050406030204" pitchFamily="18" charset="0"/>
+                                          <a:sym typeface="Wingdings" panose="05000000000000000000" pitchFamily="2" charset="2"/>
+                                        </a:rPr>
+                                      </m:ctrlPr>
+                                    </m:sSubPr>
+                                    <m:e>
+                                      <m:r>
+                                        <m:rPr>
+                                          <m:sty m:val="p"/>
+                                        </m:rPr>
+                                        <a:rPr lang="fr-FR" sz="2800">
+                                          <a:solidFill>
+                                            <a:schemeClr val="accent6"/>
+                                          </a:solidFill>
+                                          <a:latin typeface="Cambria Math" panose="02040503050406030204" pitchFamily="18" charset="0"/>
+                                          <a:sym typeface="Wingdings" panose="05000000000000000000" pitchFamily="2" charset="2"/>
+                                        </a:rPr>
+                                        <m:t>O</m:t>
+                                      </m:r>
+                                    </m:e>
+                                    <m:sub>
+                                      <m:r>
+                                        <a:rPr lang="fr-FR" sz="2800">
+                                          <a:solidFill>
+                                            <a:schemeClr val="accent6"/>
+                                          </a:solidFill>
+                                          <a:latin typeface="Cambria Math" panose="02040503050406030204" pitchFamily="18" charset="0"/>
+                                          <a:sym typeface="Wingdings" panose="05000000000000000000" pitchFamily="2" charset="2"/>
+                                        </a:rPr>
+                                        <m:t>4</m:t>
+                                      </m:r>
+                                    </m:sub>
+                                  </m:sSub>
+                                </m:e>
+                              </m:d>
+                            </m:e>
+                            <m:sub>
+                              <m:r>
+                                <a:rPr lang="fr-FR" sz="2800" b="0" i="1" smtClean="0">
+                                  <a:solidFill>
+                                    <a:schemeClr val="accent6"/>
+                                  </a:solidFill>
+                                  <a:latin typeface="Cambria Math" panose="02040503050406030204" pitchFamily="18" charset="0"/>
+                                  <a:sym typeface="Wingdings" panose="05000000000000000000" pitchFamily="2" charset="2"/>
+                                </a:rPr>
+                                <m:t>3</m:t>
+                              </m:r>
+                            </m:sub>
+                          </m:sSub>
+                        </m:e>
+                      </m:d>
+                      <m:r>
+                        <a:rPr lang="fr-FR" sz="2800">
+                          <a:solidFill>
+                            <a:schemeClr val="accent6"/>
+                          </a:solidFill>
+                          <a:latin typeface="Cambria Math" panose="02040503050406030204" pitchFamily="18" charset="0"/>
+                          <a:sym typeface="Wingdings" panose="05000000000000000000" pitchFamily="2" charset="2"/>
+                        </a:rPr>
+                        <m:t>,3</m:t>
+                      </m:r>
+                      <m:sSub>
+                        <m:sSubPr>
+                          <m:ctrlPr>
+                            <a:rPr lang="fr-FR" sz="2800" i="1">
+                              <a:solidFill>
+                                <a:schemeClr val="accent6"/>
+                              </a:solidFill>
+                              <a:latin typeface="Cambria Math" panose="02040503050406030204" pitchFamily="18" charset="0"/>
+                              <a:sym typeface="Wingdings" panose="05000000000000000000" pitchFamily="2" charset="2"/>
+                            </a:rPr>
+                          </m:ctrlPr>
+                        </m:sSubPr>
+                        <m:e>
+                          <m:r>
+                            <m:rPr>
+                              <m:sty m:val="p"/>
+                            </m:rPr>
+                            <a:rPr lang="fr-FR" sz="2800">
+                              <a:solidFill>
+                                <a:schemeClr val="accent6"/>
+                              </a:solidFill>
+                              <a:latin typeface="Cambria Math" panose="02040503050406030204" pitchFamily="18" charset="0"/>
+                              <a:sym typeface="Wingdings" panose="05000000000000000000" pitchFamily="2" charset="2"/>
+                            </a:rPr>
+                            <m:t>H</m:t>
+                          </m:r>
+                        </m:e>
+                        <m:sub>
+                          <m:r>
+                            <a:rPr lang="fr-FR" sz="2800">
+                              <a:solidFill>
+                                <a:schemeClr val="accent6"/>
+                              </a:solidFill>
+                              <a:latin typeface="Cambria Math" panose="02040503050406030204" pitchFamily="18" charset="0"/>
+                              <a:sym typeface="Wingdings" panose="05000000000000000000" pitchFamily="2" charset="2"/>
+                            </a:rPr>
+                            <m:t>2</m:t>
+                          </m:r>
+                        </m:sub>
+                      </m:sSub>
+                      <m:r>
+                        <m:rPr>
+                          <m:sty m:val="p"/>
+                        </m:rPr>
+                        <a:rPr lang="fr-FR" sz="2800">
+                          <a:solidFill>
+                            <a:schemeClr val="accent6"/>
+                          </a:solidFill>
+                          <a:latin typeface="Cambria Math" panose="02040503050406030204" pitchFamily="18" charset="0"/>
+                          <a:sym typeface="Wingdings" panose="05000000000000000000" pitchFamily="2" charset="2"/>
+                        </a:rPr>
+                        <m:t>O</m:t>
+                      </m:r>
+                    </m:oMath>
+                  </m:oMathPara>
+                </a14:m>
+                <a:endParaRPr lang="fr-FR" sz="2800" dirty="0"/>
+              </a:p>
+            </p:txBody>
+          </p:sp>
+        </mc:Choice>
+        <mc:Fallback xmlns="">
+          <p:sp>
+            <p:nvSpPr>
+              <p:cNvPr id="2" name="Rectangle 1"/>
+              <p:cNvSpPr>
+                <a:spLocks noRot="1" noChangeAspect="1" noMove="1" noResize="1" noEditPoints="1" noAdjustHandles="1" noChangeArrowheads="1" noChangeShapeType="1" noTextEdit="1"/>
+              </p:cNvSpPr>
+              <p:nvPr/>
+            </p:nvSpPr>
+            <p:spPr>
+              <a:xfrm>
+                <a:off x="4765539" y="1071265"/>
+                <a:ext cx="3508140" cy="523220"/>
+              </a:xfrm>
+              <a:prstGeom prst="rect">
+                <a:avLst/>
+              </a:prstGeom>
+              <a:blipFill rotWithShape="0">
+                <a:blip r:embed="rId2"/>
+                <a:stretch>
+                  <a:fillRect/>
+                </a:stretch>
+              </a:blipFill>
+              <a:ln w="28575">
+                <a:noFill/>
+              </a:ln>
+            </p:spPr>
+            <p:txBody>
+              <a:bodyPr/>
+              <a:lstStyle/>
+              <a:p>
+                <a:r>
+                  <a:rPr lang="fr-FR">
+                    <a:noFill/>
+                  </a:rPr>
+                  <a:t> </a:t>
+                </a:r>
+              </a:p>
+            </p:txBody>
+          </p:sp>
+        </mc:Fallback>
+      </mc:AlternateContent>
+      <p:sp>
+        <p:nvSpPr>
+          <p:cNvPr id="12" name="Ellipse 11"/>
+          <p:cNvSpPr/>
+          <p:nvPr/>
+        </p:nvSpPr>
+        <p:spPr>
+          <a:xfrm>
+            <a:off x="6799941" y="1288256"/>
+            <a:ext cx="272372" cy="306229"/>
+          </a:xfrm>
+          <a:prstGeom prst="ellipse">
+            <a:avLst/>
+          </a:prstGeom>
+          <a:noFill/>
+          <a:ln w="38100">
+            <a:solidFill>
+              <a:schemeClr val="accent2"/>
+            </a:solidFill>
+          </a:ln>
+        </p:spPr>
+        <p:style>
+          <a:lnRef idx="2">
+            <a:schemeClr val="accent1">
+              <a:shade val="50000"/>
+            </a:schemeClr>
+          </a:lnRef>
+          <a:fillRef idx="1">
+            <a:schemeClr val="accent1"/>
+          </a:fillRef>
+          <a:effectRef idx="0">
+            <a:schemeClr val="accent1"/>
+          </a:effectRef>
+          <a:fontRef idx="minor">
+            <a:schemeClr val="lt1"/>
+          </a:fontRef>
+        </p:style>
+        <p:txBody>
+          <a:bodyPr rtlCol="0" anchor="ctr"/>
+          <a:lstStyle/>
+          <a:p>
+            <a:pPr algn="ctr"/>
+            <a:endParaRPr lang="fr-FR"/>
+          </a:p>
+        </p:txBody>
+      </p:sp>
+      <mc:AlternateContent xmlns:mc="http://schemas.openxmlformats.org/markup-compatibility/2006" xmlns:a14="http://schemas.microsoft.com/office/drawing/2010/main">
+        <mc:Choice Requires="a14">
+          <p:sp>
+            <p:nvSpPr>
+              <p:cNvPr id="10" name="ZoneTexte 9"/>
+              <p:cNvSpPr txBox="1"/>
+              <p:nvPr/>
+            </p:nvSpPr>
+            <p:spPr>
+              <a:xfrm>
+                <a:off x="1610560" y="2041072"/>
+                <a:ext cx="10362790" cy="515910"/>
+              </a:xfrm>
+              <a:prstGeom prst="rect">
+                <a:avLst/>
+              </a:prstGeom>
+              <a:noFill/>
+            </p:spPr>
+            <p:txBody>
+              <a:bodyPr wrap="square" lIns="0" tIns="0" rIns="0" bIns="0" rtlCol="0">
+                <a:spAutoFit/>
+              </a:bodyPr>
+              <a:lstStyle/>
+              <a:p>
+                <a:pPr/>
+                <a14:m>
+                  <m:oMathPara xmlns:m="http://schemas.openxmlformats.org/officeDocument/2006/math">
+                    <m:oMathParaPr>
+                      <m:jc m:val="centerGroup"/>
+                    </m:oMathParaPr>
+                    <m:oMath xmlns:m="http://schemas.openxmlformats.org/officeDocument/2006/math">
+                      <m:r>
+                        <a:rPr lang="fr-FR" sz="2800" b="0" i="0" smtClean="0">
+                          <a:solidFill>
+                            <a:srgbClr val="7030A0"/>
+                          </a:solidFill>
+                          <a:latin typeface="Cambria Math" panose="02040503050406030204" pitchFamily="18" charset="0"/>
+                        </a:rPr>
+                        <m:t>2</m:t>
+                      </m:r>
+                      <m:r>
+                        <m:rPr>
+                          <m:sty m:val="p"/>
+                        </m:rPr>
+                        <a:rPr lang="fr-FR" sz="2800" b="0" i="0" smtClean="0">
+                          <a:solidFill>
+                            <a:srgbClr val="7030A0"/>
+                          </a:solidFill>
+                          <a:latin typeface="Cambria Math" panose="02040503050406030204" pitchFamily="18" charset="0"/>
+                        </a:rPr>
+                        <m:t>Mn</m:t>
+                      </m:r>
+                      <m:sSubSup>
+                        <m:sSubSupPr>
+                          <m:ctrlPr>
+                            <a:rPr lang="fr-FR" sz="2800" b="0" i="1" smtClean="0">
+                              <a:solidFill>
+                                <a:srgbClr val="7030A0"/>
+                              </a:solidFill>
+                              <a:latin typeface="Cambria Math" panose="02040503050406030204" pitchFamily="18" charset="0"/>
+                            </a:rPr>
+                          </m:ctrlPr>
+                        </m:sSubSupPr>
+                        <m:e>
+                          <m:r>
+                            <m:rPr>
+                              <m:sty m:val="p"/>
+                            </m:rPr>
+                            <a:rPr lang="fr-FR" sz="2800" b="0" i="0" smtClean="0">
+                              <a:solidFill>
+                                <a:srgbClr val="7030A0"/>
+                              </a:solidFill>
+                              <a:latin typeface="Cambria Math" panose="02040503050406030204" pitchFamily="18" charset="0"/>
+                            </a:rPr>
+                            <m:t>O</m:t>
+                          </m:r>
+                        </m:e>
+                        <m:sub>
+                          <m:r>
+                            <a:rPr lang="fr-FR" sz="2800" b="0" i="0" smtClean="0">
+                              <a:solidFill>
+                                <a:srgbClr val="7030A0"/>
+                              </a:solidFill>
+                              <a:latin typeface="Cambria Math" panose="02040503050406030204" pitchFamily="18" charset="0"/>
+                            </a:rPr>
+                            <m:t>4(</m:t>
+                          </m:r>
+                          <m:r>
+                            <m:rPr>
+                              <m:sty m:val="p"/>
+                            </m:rPr>
+                            <a:rPr lang="fr-FR" sz="2800" b="0" i="0" smtClean="0">
+                              <a:solidFill>
+                                <a:srgbClr val="7030A0"/>
+                              </a:solidFill>
+                              <a:latin typeface="Cambria Math" panose="02040503050406030204" pitchFamily="18" charset="0"/>
+                            </a:rPr>
+                            <m:t>aq</m:t>
+                          </m:r>
+                          <m:r>
+                            <a:rPr lang="fr-FR" sz="2800" b="0" i="0" smtClean="0">
+                              <a:solidFill>
+                                <a:srgbClr val="7030A0"/>
+                              </a:solidFill>
+                              <a:latin typeface="Cambria Math" panose="02040503050406030204" pitchFamily="18" charset="0"/>
+                            </a:rPr>
+                            <m:t>)</m:t>
+                          </m:r>
+                        </m:sub>
+                        <m:sup>
+                          <m:r>
+                            <a:rPr lang="fr-FR" sz="2800" b="0" i="0" smtClean="0">
+                              <a:solidFill>
+                                <a:srgbClr val="7030A0"/>
+                              </a:solidFill>
+                              <a:latin typeface="Cambria Math" panose="02040503050406030204" pitchFamily="18" charset="0"/>
+                            </a:rPr>
+                            <m:t>−</m:t>
+                          </m:r>
+                        </m:sup>
+                      </m:sSubSup>
+                      <m:r>
+                        <a:rPr lang="fr-FR" sz="2800" b="0" i="0" smtClean="0">
+                          <a:latin typeface="Cambria Math" panose="02040503050406030204" pitchFamily="18" charset="0"/>
+                        </a:rPr>
+                        <m:t>+5</m:t>
+                      </m:r>
+                      <m:sSub>
+                        <m:sSubPr>
+                          <m:ctrlPr>
+                            <a:rPr lang="fr-FR" sz="2800" b="0" i="1" smtClean="0">
+                              <a:latin typeface="Cambria Math" panose="02040503050406030204" pitchFamily="18" charset="0"/>
+                            </a:rPr>
+                          </m:ctrlPr>
+                        </m:sSubPr>
+                        <m:e>
+                          <m:r>
+                            <m:rPr>
+                              <m:sty m:val="p"/>
+                            </m:rPr>
+                            <a:rPr lang="fr-FR" sz="2800" b="0" i="0" smtClean="0">
+                              <a:latin typeface="Cambria Math" panose="02040503050406030204" pitchFamily="18" charset="0"/>
+                            </a:rPr>
+                            <m:t>C</m:t>
+                          </m:r>
+                        </m:e>
+                        <m:sub>
+                          <m:r>
+                            <a:rPr lang="fr-FR" sz="2800" b="0" i="0" smtClean="0">
+                              <a:latin typeface="Cambria Math" panose="02040503050406030204" pitchFamily="18" charset="0"/>
+                            </a:rPr>
+                            <m:t>2</m:t>
+                          </m:r>
+                        </m:sub>
+                      </m:sSub>
+                      <m:sSubSup>
+                        <m:sSubSupPr>
+                          <m:ctrlPr>
+                            <a:rPr lang="fr-FR" sz="2800" b="0" i="1" smtClean="0">
+                              <a:latin typeface="Cambria Math" panose="02040503050406030204" pitchFamily="18" charset="0"/>
+                            </a:rPr>
+                          </m:ctrlPr>
+                        </m:sSubSupPr>
+                        <m:e>
+                          <m:r>
+                            <m:rPr>
+                              <m:sty m:val="p"/>
+                            </m:rPr>
+                            <a:rPr lang="fr-FR" sz="2800" b="0" i="0" smtClean="0">
+                              <a:latin typeface="Cambria Math" panose="02040503050406030204" pitchFamily="18" charset="0"/>
+                            </a:rPr>
+                            <m:t>O</m:t>
+                          </m:r>
+                        </m:e>
+                        <m:sub>
+                          <m:r>
+                            <a:rPr lang="fr-FR" sz="2800" b="0" i="0" smtClean="0">
+                              <a:latin typeface="Cambria Math" panose="02040503050406030204" pitchFamily="18" charset="0"/>
+                            </a:rPr>
+                            <m:t>4(</m:t>
+                          </m:r>
+                          <m:r>
+                            <m:rPr>
+                              <m:sty m:val="p"/>
+                            </m:rPr>
+                            <a:rPr lang="fr-FR" sz="2800" b="0" i="0" smtClean="0">
+                              <a:latin typeface="Cambria Math" panose="02040503050406030204" pitchFamily="18" charset="0"/>
+                            </a:rPr>
+                            <m:t>aq</m:t>
+                          </m:r>
+                          <m:r>
+                            <a:rPr lang="fr-FR" sz="2800" b="0" i="0" smtClean="0">
+                              <a:latin typeface="Cambria Math" panose="02040503050406030204" pitchFamily="18" charset="0"/>
+                            </a:rPr>
+                            <m:t>)</m:t>
+                          </m:r>
+                        </m:sub>
+                        <m:sup>
+                          <m:r>
+                            <a:rPr lang="fr-FR" sz="2800" b="0" i="0" smtClean="0">
+                              <a:latin typeface="Cambria Math" panose="02040503050406030204" pitchFamily="18" charset="0"/>
+                            </a:rPr>
+                            <m:t>2−</m:t>
+                          </m:r>
+                        </m:sup>
+                      </m:sSubSup>
+                      <m:r>
+                        <a:rPr lang="fr-FR" sz="2800" b="0" i="0" smtClean="0">
+                          <a:latin typeface="Cambria Math" panose="02040503050406030204" pitchFamily="18" charset="0"/>
+                        </a:rPr>
+                        <m:t>+16</m:t>
+                      </m:r>
+                      <m:sSubSup>
+                        <m:sSubSupPr>
+                          <m:ctrlPr>
+                            <a:rPr lang="fr-FR" sz="2800" b="0" i="1" smtClean="0">
+                              <a:latin typeface="Cambria Math" panose="02040503050406030204" pitchFamily="18" charset="0"/>
+                            </a:rPr>
+                          </m:ctrlPr>
+                        </m:sSubSupPr>
+                        <m:e>
+                          <m:r>
+                            <m:rPr>
+                              <m:sty m:val="p"/>
+                            </m:rPr>
+                            <a:rPr lang="fr-FR" sz="2800" b="0" i="0" smtClean="0">
+                              <a:latin typeface="Cambria Math" panose="02040503050406030204" pitchFamily="18" charset="0"/>
+                            </a:rPr>
+                            <m:t>H</m:t>
+                          </m:r>
+                        </m:e>
+                        <m:sub>
+                          <m:r>
+                            <a:rPr lang="fr-FR" sz="2800" b="0" i="0" smtClean="0">
+                              <a:latin typeface="Cambria Math" panose="02040503050406030204" pitchFamily="18" charset="0"/>
+                            </a:rPr>
+                            <m:t>(</m:t>
+                          </m:r>
+                          <m:r>
+                            <m:rPr>
+                              <m:sty m:val="p"/>
+                            </m:rPr>
+                            <a:rPr lang="fr-FR" sz="2800" b="0" i="0" smtClean="0">
+                              <a:latin typeface="Cambria Math" panose="02040503050406030204" pitchFamily="18" charset="0"/>
+                            </a:rPr>
+                            <m:t>aq</m:t>
+                          </m:r>
+                          <m:r>
+                            <a:rPr lang="fr-FR" sz="2800" b="0" i="0" smtClean="0">
+                              <a:latin typeface="Cambria Math" panose="02040503050406030204" pitchFamily="18" charset="0"/>
+                            </a:rPr>
+                            <m:t>)</m:t>
+                          </m:r>
+                        </m:sub>
+                        <m:sup>
+                          <m:r>
+                            <a:rPr lang="fr-FR" sz="2800" b="0" i="0" smtClean="0">
+                              <a:latin typeface="Cambria Math" panose="02040503050406030204" pitchFamily="18" charset="0"/>
+                            </a:rPr>
+                            <m:t>+</m:t>
+                          </m:r>
+                        </m:sup>
+                      </m:sSubSup>
+                      <m:r>
+                        <a:rPr lang="fr-FR" sz="2800" b="0" i="0" smtClean="0">
+                          <a:latin typeface="Cambria Math" panose="02040503050406030204" pitchFamily="18" charset="0"/>
+                        </a:rPr>
+                        <m:t>→2</m:t>
+                      </m:r>
+                      <m:sSubSup>
+                        <m:sSubSupPr>
+                          <m:ctrlPr>
+                            <a:rPr lang="fr-FR" sz="2800" b="0" i="1" smtClean="0">
+                              <a:latin typeface="Cambria Math" panose="02040503050406030204" pitchFamily="18" charset="0"/>
+                            </a:rPr>
+                          </m:ctrlPr>
+                        </m:sSubSupPr>
+                        <m:e>
+                          <m:r>
+                            <m:rPr>
+                              <m:sty m:val="p"/>
+                            </m:rPr>
+                            <a:rPr lang="fr-FR" sz="2800" b="0" i="0" smtClean="0">
+                              <a:latin typeface="Cambria Math" panose="02040503050406030204" pitchFamily="18" charset="0"/>
+                            </a:rPr>
+                            <m:t>Mn</m:t>
+                          </m:r>
+                        </m:e>
+                        <m:sub>
+                          <m:r>
+                            <a:rPr lang="fr-FR" sz="2800" b="0" i="0" smtClean="0">
+                              <a:latin typeface="Cambria Math" panose="02040503050406030204" pitchFamily="18" charset="0"/>
+                            </a:rPr>
+                            <m:t>(</m:t>
+                          </m:r>
+                          <m:r>
+                            <m:rPr>
+                              <m:sty m:val="p"/>
+                            </m:rPr>
+                            <a:rPr lang="fr-FR" sz="2800" b="0" i="0" smtClean="0">
+                              <a:latin typeface="Cambria Math" panose="02040503050406030204" pitchFamily="18" charset="0"/>
+                            </a:rPr>
+                            <m:t>aq</m:t>
+                          </m:r>
+                          <m:r>
+                            <a:rPr lang="fr-FR" sz="2800" b="0" i="0" smtClean="0">
+                              <a:latin typeface="Cambria Math" panose="02040503050406030204" pitchFamily="18" charset="0"/>
+                            </a:rPr>
+                            <m:t>)</m:t>
+                          </m:r>
+                        </m:sub>
+                        <m:sup>
+                          <m:r>
+                            <a:rPr lang="fr-FR" sz="2800" b="0" i="0" smtClean="0">
+                              <a:latin typeface="Cambria Math" panose="02040503050406030204" pitchFamily="18" charset="0"/>
+                            </a:rPr>
+                            <m:t>2+</m:t>
+                          </m:r>
+                        </m:sup>
+                      </m:sSubSup>
+                      <m:r>
+                        <a:rPr lang="fr-FR" sz="2800" b="0" i="0" smtClean="0">
+                          <a:latin typeface="Cambria Math" panose="02040503050406030204" pitchFamily="18" charset="0"/>
+                        </a:rPr>
+                        <m:t>+10</m:t>
+                      </m:r>
+                      <m:r>
+                        <m:rPr>
+                          <m:sty m:val="p"/>
+                        </m:rPr>
+                        <a:rPr lang="fr-FR" sz="2800" b="0" i="0" smtClean="0">
+                          <a:latin typeface="Cambria Math" panose="02040503050406030204" pitchFamily="18" charset="0"/>
+                        </a:rPr>
+                        <m:t>C</m:t>
+                      </m:r>
+                      <m:sSub>
+                        <m:sSubPr>
+                          <m:ctrlPr>
+                            <a:rPr lang="fr-FR" sz="2800" b="0" i="1" smtClean="0">
+                              <a:latin typeface="Cambria Math" panose="02040503050406030204" pitchFamily="18" charset="0"/>
+                            </a:rPr>
+                          </m:ctrlPr>
+                        </m:sSubPr>
+                        <m:e>
+                          <m:r>
+                            <m:rPr>
+                              <m:sty m:val="p"/>
+                            </m:rPr>
+                            <a:rPr lang="fr-FR" sz="2800" b="0" i="0" smtClean="0">
+                              <a:latin typeface="Cambria Math" panose="02040503050406030204" pitchFamily="18" charset="0"/>
+                            </a:rPr>
+                            <m:t>O</m:t>
+                          </m:r>
+                        </m:e>
+                        <m:sub>
+                          <m:r>
+                            <a:rPr lang="fr-FR" sz="2800" b="0" i="0" smtClean="0">
+                              <a:latin typeface="Cambria Math" panose="02040503050406030204" pitchFamily="18" charset="0"/>
+                            </a:rPr>
+                            <m:t>2(</m:t>
+                          </m:r>
+                          <m:r>
+                            <m:rPr>
+                              <m:sty m:val="p"/>
+                            </m:rPr>
+                            <a:rPr lang="fr-FR" sz="2800" b="0" i="0" smtClean="0">
+                              <a:latin typeface="Cambria Math" panose="02040503050406030204" pitchFamily="18" charset="0"/>
+                            </a:rPr>
+                            <m:t>g</m:t>
+                          </m:r>
+                          <m:r>
+                            <a:rPr lang="fr-FR" sz="2800" b="0" i="0" smtClean="0">
+                              <a:latin typeface="Cambria Math" panose="02040503050406030204" pitchFamily="18" charset="0"/>
+                            </a:rPr>
+                            <m:t>)</m:t>
+                          </m:r>
+                        </m:sub>
+                      </m:sSub>
+                      <m:r>
+                        <a:rPr lang="fr-FR" sz="2800" b="0" i="0" smtClean="0">
+                          <a:latin typeface="Cambria Math" panose="02040503050406030204" pitchFamily="18" charset="0"/>
+                        </a:rPr>
+                        <m:t>+8</m:t>
+                      </m:r>
+                      <m:sSub>
+                        <m:sSubPr>
+                          <m:ctrlPr>
+                            <a:rPr lang="fr-FR" sz="2800" b="0" i="1" smtClean="0">
+                              <a:latin typeface="Cambria Math" panose="02040503050406030204" pitchFamily="18" charset="0"/>
+                            </a:rPr>
+                          </m:ctrlPr>
+                        </m:sSubPr>
+                        <m:e>
+                          <m:r>
+                            <m:rPr>
+                              <m:sty m:val="p"/>
+                            </m:rPr>
+                            <a:rPr lang="fr-FR" sz="2800" b="0" i="0" smtClean="0">
+                              <a:latin typeface="Cambria Math" panose="02040503050406030204" pitchFamily="18" charset="0"/>
+                            </a:rPr>
+                            <m:t>H</m:t>
+                          </m:r>
+                        </m:e>
+                        <m:sub>
+                          <m:r>
+                            <a:rPr lang="fr-FR" sz="2800" b="0" i="0" smtClean="0">
+                              <a:latin typeface="Cambria Math" panose="02040503050406030204" pitchFamily="18" charset="0"/>
+                            </a:rPr>
+                            <m:t>2</m:t>
+                          </m:r>
+                        </m:sub>
+                      </m:sSub>
+                      <m:sSub>
+                        <m:sSubPr>
+                          <m:ctrlPr>
+                            <a:rPr lang="fr-FR" sz="2800" b="0" i="1" smtClean="0">
+                              <a:latin typeface="Cambria Math" panose="02040503050406030204" pitchFamily="18" charset="0"/>
+                            </a:rPr>
+                          </m:ctrlPr>
+                        </m:sSubPr>
+                        <m:e>
+                          <m:r>
+                            <m:rPr>
+                              <m:sty m:val="p"/>
+                            </m:rPr>
+                            <a:rPr lang="fr-FR" sz="2800" b="0" i="0" smtClean="0">
+                              <a:latin typeface="Cambria Math" panose="02040503050406030204" pitchFamily="18" charset="0"/>
+                            </a:rPr>
+                            <m:t>O</m:t>
+                          </m:r>
+                        </m:e>
+                        <m:sub>
+                          <m:r>
+                            <a:rPr lang="fr-FR" sz="2800" b="0" i="0" smtClean="0">
+                              <a:latin typeface="Cambria Math" panose="02040503050406030204" pitchFamily="18" charset="0"/>
+                            </a:rPr>
+                            <m:t>(</m:t>
+                          </m:r>
+                          <m:r>
+                            <m:rPr>
+                              <m:sty m:val="p"/>
+                            </m:rPr>
+                            <a:rPr lang="fr-FR" sz="2800" b="0" i="0" smtClean="0">
+                              <a:latin typeface="Cambria Math" panose="02040503050406030204" pitchFamily="18" charset="0"/>
+                            </a:rPr>
+                            <m:t>l</m:t>
+                          </m:r>
+                          <m:r>
+                            <a:rPr lang="fr-FR" sz="2800" b="0" i="0" smtClean="0">
+                              <a:latin typeface="Cambria Math" panose="02040503050406030204" pitchFamily="18" charset="0"/>
+                            </a:rPr>
+                            <m:t>)</m:t>
+                          </m:r>
+                        </m:sub>
+                      </m:sSub>
+                    </m:oMath>
+                  </m:oMathPara>
+                </a14:m>
+                <a:endParaRPr lang="fr-FR" sz="2800" dirty="0"/>
+              </a:p>
+            </p:txBody>
+          </p:sp>
+        </mc:Choice>
+        <mc:Fallback xmlns="">
+          <p:sp>
+            <p:nvSpPr>
+              <p:cNvPr id="10" name="ZoneTexte 9"/>
+              <p:cNvSpPr txBox="1">
+                <a:spLocks noRot="1" noChangeAspect="1" noMove="1" noResize="1" noEditPoints="1" noAdjustHandles="1" noChangeArrowheads="1" noChangeShapeType="1" noTextEdit="1"/>
+              </p:cNvSpPr>
+              <p:nvPr/>
+            </p:nvSpPr>
+            <p:spPr>
+              <a:xfrm>
+                <a:off x="1610560" y="2041072"/>
+                <a:ext cx="10362790" cy="515910"/>
+              </a:xfrm>
+              <a:prstGeom prst="rect">
+                <a:avLst/>
+              </a:prstGeom>
+              <a:blipFill rotWithShape="0">
+                <a:blip r:embed="rId3"/>
+                <a:stretch>
+                  <a:fillRect b="-1190"/>
+                </a:stretch>
+              </a:blipFill>
+            </p:spPr>
+            <p:txBody>
+              <a:bodyPr/>
+              <a:lstStyle/>
+              <a:p>
+                <a:r>
+                  <a:rPr lang="fr-FR">
+                    <a:noFill/>
+                  </a:rPr>
+                  <a:t> </a:t>
+                </a:r>
+              </a:p>
+            </p:txBody>
+          </p:sp>
+        </mc:Fallback>
+      </mc:AlternateContent>
+      <mc:AlternateContent xmlns:mc="http://schemas.openxmlformats.org/markup-compatibility/2006" xmlns:a14="http://schemas.microsoft.com/office/drawing/2010/main">
+        <mc:Choice Requires="a14">
+          <p:sp>
+            <p:nvSpPr>
+              <p:cNvPr id="14" name="ZoneTexte 13"/>
+              <p:cNvSpPr txBox="1"/>
+              <p:nvPr/>
+            </p:nvSpPr>
+            <p:spPr>
+              <a:xfrm>
+                <a:off x="4340230" y="5064987"/>
+                <a:ext cx="4358757" cy="815416"/>
+              </a:xfrm>
+              <a:prstGeom prst="rect">
+                <a:avLst/>
+              </a:prstGeom>
+              <a:noFill/>
+            </p:spPr>
+            <p:txBody>
+              <a:bodyPr wrap="none" lIns="0" tIns="0" rIns="0" bIns="0" rtlCol="0">
+                <a:spAutoFit/>
+              </a:bodyPr>
+              <a:lstStyle/>
+              <a:p>
+                <a:pPr/>
+                <a14:m>
+                  <m:oMathPara xmlns:m="http://schemas.openxmlformats.org/officeDocument/2006/math">
+                    <m:oMathParaPr>
+                      <m:jc m:val="centerGroup"/>
+                    </m:oMathParaPr>
+                    <m:oMath xmlns:m="http://schemas.openxmlformats.org/officeDocument/2006/math">
+                      <m:sSub>
+                        <m:sSubPr>
+                          <m:ctrlPr>
+                            <a:rPr lang="fr-FR" sz="2800" b="0" i="1" smtClean="0">
+                              <a:latin typeface="Cambria Math" panose="02040503050406030204" pitchFamily="18" charset="0"/>
+                            </a:rPr>
+                          </m:ctrlPr>
+                        </m:sSubPr>
+                        <m:e>
+                          <m:r>
+                            <a:rPr lang="fr-FR" sz="2800" b="0" i="1" smtClean="0">
+                              <a:latin typeface="Cambria Math" panose="02040503050406030204" pitchFamily="18" charset="0"/>
+                            </a:rPr>
+                            <m:t>𝑛</m:t>
+                          </m:r>
+                        </m:e>
+                        <m:sub>
+                          <m:r>
+                            <m:rPr>
+                              <m:sty m:val="p"/>
+                            </m:rPr>
+                            <a:rPr lang="fr-FR" sz="2800" b="0" i="0" smtClean="0">
+                              <a:latin typeface="Cambria Math" panose="02040503050406030204" pitchFamily="18" charset="0"/>
+                            </a:rPr>
+                            <m:t>Ox</m:t>
+                          </m:r>
+                        </m:sub>
+                      </m:sSub>
+                      <m:r>
+                        <a:rPr lang="fr-FR" sz="2800" b="0" i="1" smtClean="0">
+                          <a:latin typeface="Cambria Math" panose="02040503050406030204" pitchFamily="18" charset="0"/>
+                        </a:rPr>
+                        <m:t>=</m:t>
+                      </m:r>
+                      <m:f>
+                        <m:fPr>
+                          <m:ctrlPr>
+                            <a:rPr lang="fr-FR" sz="2800" b="0" i="1" smtClean="0">
+                              <a:latin typeface="Cambria Math" panose="02040503050406030204" pitchFamily="18" charset="0"/>
+                            </a:rPr>
+                          </m:ctrlPr>
+                        </m:fPr>
+                        <m:num>
+                          <m:r>
+                            <a:rPr lang="fr-FR" sz="2800" b="0" i="1" smtClean="0">
+                              <a:latin typeface="Cambria Math" panose="02040503050406030204" pitchFamily="18" charset="0"/>
+                            </a:rPr>
+                            <m:t>5</m:t>
+                          </m:r>
+                        </m:num>
+                        <m:den>
+                          <m:r>
+                            <a:rPr lang="fr-FR" sz="2800" b="0" i="1" smtClean="0">
+                              <a:latin typeface="Cambria Math" panose="02040503050406030204" pitchFamily="18" charset="0"/>
+                            </a:rPr>
+                            <m:t>2</m:t>
+                          </m:r>
+                        </m:den>
+                      </m:f>
+                      <m:sSub>
+                        <m:sSubPr>
+                          <m:ctrlPr>
+                            <a:rPr lang="fr-FR" sz="2800" b="0" i="1" smtClean="0">
+                              <a:latin typeface="Cambria Math" panose="02040503050406030204" pitchFamily="18" charset="0"/>
+                            </a:rPr>
+                          </m:ctrlPr>
+                        </m:sSubPr>
+                        <m:e>
+                          <m:r>
+                            <a:rPr lang="fr-FR" sz="2800" b="0" i="1" smtClean="0">
+                              <a:latin typeface="Cambria Math" panose="02040503050406030204" pitchFamily="18" charset="0"/>
+                            </a:rPr>
+                            <m:t>𝑛</m:t>
+                          </m:r>
+                        </m:e>
+                        <m:sub>
+                          <m:r>
+                            <m:rPr>
+                              <m:sty m:val="p"/>
+                            </m:rPr>
+                            <a:rPr lang="fr-FR" sz="2800" b="0" i="0" smtClean="0">
+                              <a:latin typeface="Cambria Math" panose="02040503050406030204" pitchFamily="18" charset="0"/>
+                            </a:rPr>
+                            <m:t>Mn</m:t>
+                          </m:r>
+                        </m:sub>
+                      </m:sSub>
+                      <m:r>
+                        <a:rPr lang="fr-FR" sz="2800" b="0" i="1" smtClean="0">
+                          <a:latin typeface="Cambria Math" panose="02040503050406030204" pitchFamily="18" charset="0"/>
+                        </a:rPr>
+                        <m:t>=</m:t>
+                      </m:r>
+                      <m:f>
+                        <m:fPr>
+                          <m:ctrlPr>
+                            <a:rPr lang="fr-FR" sz="2800" b="0" i="1" smtClean="0">
+                              <a:latin typeface="Cambria Math" panose="02040503050406030204" pitchFamily="18" charset="0"/>
+                            </a:rPr>
+                          </m:ctrlPr>
+                        </m:fPr>
+                        <m:num>
+                          <m:r>
+                            <a:rPr lang="fr-FR" sz="2800" b="0" i="1" smtClean="0">
+                              <a:latin typeface="Cambria Math" panose="02040503050406030204" pitchFamily="18" charset="0"/>
+                            </a:rPr>
+                            <m:t>5</m:t>
+                          </m:r>
+                        </m:num>
+                        <m:den>
+                          <m:r>
+                            <a:rPr lang="fr-FR" sz="2800" b="0" i="1" smtClean="0">
+                              <a:latin typeface="Cambria Math" panose="02040503050406030204" pitchFamily="18" charset="0"/>
+                            </a:rPr>
+                            <m:t>2</m:t>
+                          </m:r>
+                        </m:den>
+                      </m:f>
+                      <m:d>
+                        <m:dPr>
+                          <m:begChr m:val="["/>
+                          <m:endChr m:val="]"/>
+                          <m:ctrlPr>
+                            <a:rPr lang="fr-FR" sz="2800" b="0" i="1" smtClean="0">
+                              <a:latin typeface="Cambria Math" panose="02040503050406030204" pitchFamily="18" charset="0"/>
+                            </a:rPr>
+                          </m:ctrlPr>
+                        </m:dPr>
+                        <m:e>
+                          <m:sSubSup>
+                            <m:sSubSupPr>
+                              <m:ctrlPr>
+                                <a:rPr lang="fr-FR" sz="2800" b="0" i="1" smtClean="0">
+                                  <a:latin typeface="Cambria Math" panose="02040503050406030204" pitchFamily="18" charset="0"/>
+                                </a:rPr>
+                              </m:ctrlPr>
+                            </m:sSubSupPr>
+                            <m:e>
+                              <m:r>
+                                <m:rPr>
+                                  <m:sty m:val="p"/>
+                                </m:rPr>
+                                <a:rPr lang="fr-FR" sz="2800" b="0" i="0" smtClean="0">
+                                  <a:latin typeface="Cambria Math" panose="02040503050406030204" pitchFamily="18" charset="0"/>
+                                </a:rPr>
+                                <m:t>MnO</m:t>
+                              </m:r>
+                            </m:e>
+                            <m:sub>
+                              <m:r>
+                                <a:rPr lang="fr-FR" sz="2800" b="0" i="0" smtClean="0">
+                                  <a:latin typeface="Cambria Math" panose="02040503050406030204" pitchFamily="18" charset="0"/>
+                                </a:rPr>
+                                <m:t>4</m:t>
+                              </m:r>
+                            </m:sub>
+                            <m:sup>
+                              <m:r>
+                                <a:rPr lang="fr-FR" sz="2800" b="0" i="0" smtClean="0">
+                                  <a:latin typeface="Cambria Math" panose="02040503050406030204" pitchFamily="18" charset="0"/>
+                                </a:rPr>
+                                <m:t>−</m:t>
+                              </m:r>
+                            </m:sup>
+                          </m:sSubSup>
+                        </m:e>
+                      </m:d>
+                      <m:sSub>
+                        <m:sSubPr>
+                          <m:ctrlPr>
+                            <a:rPr lang="fr-FR" sz="2800" b="0" i="1" smtClean="0">
+                              <a:latin typeface="Cambria Math" panose="02040503050406030204" pitchFamily="18" charset="0"/>
+                            </a:rPr>
+                          </m:ctrlPr>
+                        </m:sSubPr>
+                        <m:e>
+                          <m:r>
+                            <a:rPr lang="fr-FR" sz="2800" b="0" i="1" smtClean="0">
+                              <a:latin typeface="Cambria Math" panose="02040503050406030204" pitchFamily="18" charset="0"/>
+                            </a:rPr>
+                            <m:t>𝑉</m:t>
+                          </m:r>
+                        </m:e>
+                        <m:sub>
+                          <m:r>
+                            <m:rPr>
+                              <m:sty m:val="p"/>
+                            </m:rPr>
+                            <a:rPr lang="fr-FR" sz="2800" b="0" i="0" smtClean="0">
+                              <a:latin typeface="Cambria Math" panose="02040503050406030204" pitchFamily="18" charset="0"/>
+                            </a:rPr>
+                            <m:t>eq</m:t>
+                          </m:r>
+                        </m:sub>
+                      </m:sSub>
+                    </m:oMath>
+                  </m:oMathPara>
+                </a14:m>
+                <a:endParaRPr lang="fr-FR" sz="2800" dirty="0"/>
+              </a:p>
+            </p:txBody>
+          </p:sp>
+        </mc:Choice>
+        <mc:Fallback xmlns="">
+          <p:sp>
+            <p:nvSpPr>
+              <p:cNvPr id="14" name="ZoneTexte 13"/>
+              <p:cNvSpPr txBox="1">
+                <a:spLocks noRot="1" noChangeAspect="1" noMove="1" noResize="1" noEditPoints="1" noAdjustHandles="1" noChangeArrowheads="1" noChangeShapeType="1" noTextEdit="1"/>
+              </p:cNvSpPr>
+              <p:nvPr/>
+            </p:nvSpPr>
+            <p:spPr>
+              <a:xfrm>
+                <a:off x="4340230" y="5064987"/>
+                <a:ext cx="4358757" cy="815416"/>
+              </a:xfrm>
+              <a:prstGeom prst="rect">
+                <a:avLst/>
+              </a:prstGeom>
+              <a:blipFill rotWithShape="0">
+                <a:blip r:embed="rId4"/>
+                <a:stretch>
+                  <a:fillRect/>
+                </a:stretch>
+              </a:blipFill>
+            </p:spPr>
+            <p:txBody>
+              <a:bodyPr/>
+              <a:lstStyle/>
+              <a:p>
+                <a:r>
+                  <a:rPr lang="fr-FR">
+                    <a:noFill/>
+                  </a:rPr>
+                  <a:t> </a:t>
+                </a:r>
+              </a:p>
+            </p:txBody>
+          </p:sp>
+        </mc:Fallback>
+      </mc:AlternateContent>
+      <p:sp>
+        <p:nvSpPr>
+          <p:cNvPr id="15" name="Ellipse 14"/>
+          <p:cNvSpPr/>
+          <p:nvPr/>
+        </p:nvSpPr>
+        <p:spPr>
+          <a:xfrm>
+            <a:off x="7242628" y="1071264"/>
+            <a:ext cx="261258" cy="523221"/>
+          </a:xfrm>
+          <a:prstGeom prst="ellipse">
+            <a:avLst/>
+          </a:prstGeom>
+          <a:noFill/>
+          <a:ln w="38100">
+            <a:solidFill>
+              <a:srgbClr val="0070C0"/>
+            </a:solidFill>
+          </a:ln>
+        </p:spPr>
+        <p:style>
+          <a:lnRef idx="2">
+            <a:schemeClr val="accent1">
+              <a:shade val="50000"/>
+            </a:schemeClr>
+          </a:lnRef>
+          <a:fillRef idx="1">
+            <a:schemeClr val="accent1"/>
+          </a:fillRef>
+          <a:effectRef idx="0">
+            <a:schemeClr val="accent1"/>
+          </a:effectRef>
+          <a:fontRef idx="minor">
+            <a:schemeClr val="lt1"/>
+          </a:fontRef>
+        </p:style>
+        <p:txBody>
+          <a:bodyPr rtlCol="0" anchor="ctr"/>
+          <a:lstStyle/>
+          <a:p>
+            <a:pPr algn="ctr"/>
+            <a:endParaRPr lang="fr-FR"/>
+          </a:p>
+        </p:txBody>
+      </p:sp>
+    </p:spTree>
+    <p:extLst>
+      <p:ext uri="{BB962C8B-B14F-4D97-AF65-F5344CB8AC3E}">
+        <p14:creationId xmlns:p14="http://schemas.microsoft.com/office/powerpoint/2010/main" val="3037895101"/>
+      </p:ext>
+    </p:extLst>
+  </p:cSld>
+  <p:clrMapOvr>
+    <a:masterClrMapping/>
+  </p:clrMapOvr>
+  <p:timing>
+    <p:tnLst>
+      <p:par>
+        <p:cTn id="1" dur="indefinite" restart="never" nodeType="tmRoot">
+          <p:childTnLst>
+            <p:seq concurrent="1" nextAc="seek">
+              <p:cTn id="2" dur="indefinite" nodeType="mainSeq">
+                <p:childTnLst>
+                  <p:par>
+                    <p:cTn id="3" fill="hold">
+                      <p:stCondLst>
+                        <p:cond delay="indefinite"/>
+                      </p:stCondLst>
+                      <p:childTnLst>
+                        <p:par>
+                          <p:cTn id="4" fill="hold">
+                            <p:stCondLst>
+                              <p:cond delay="0"/>
+                            </p:stCondLst>
+                            <p:childTnLst>
+                              <p:par>
+                                <p:cTn id="5" presetID="1" presetClass="entr" presetSubtype="0" fill="hold" grpId="0" nodeType="clickEffect">
+                                  <p:stCondLst>
+                                    <p:cond delay="0"/>
+                                  </p:stCondLst>
+                                  <p:childTnLst>
+                                    <p:set>
+                                      <p:cBhvr>
+                                        <p:cTn id="6" dur="1" fill="hold">
+                                          <p:stCondLst>
+                                            <p:cond delay="0"/>
+                                          </p:stCondLst>
+                                        </p:cTn>
+                                        <p:tgtEl>
+                                          <p:spTgt spid="10"/>
+                                        </p:tgtEl>
+                                        <p:attrNameLst>
+                                          <p:attrName>style.visibility</p:attrName>
+                                        </p:attrNameLst>
+                                      </p:cBhvr>
+                                      <p:to>
+                                        <p:strVal val="visible"/>
+                                      </p:to>
+                                    </p:set>
+                                  </p:childTnLst>
+                                </p:cTn>
+                              </p:par>
+                            </p:childTnLst>
+                          </p:cTn>
+                        </p:par>
+                      </p:childTnLst>
+                    </p:cTn>
+                  </p:par>
+                  <p:par>
+                    <p:cTn id="7" fill="hold">
+                      <p:stCondLst>
+                        <p:cond delay="indefinite"/>
+                      </p:stCondLst>
+                      <p:childTnLst>
+                        <p:par>
+                          <p:cTn id="8" fill="hold">
+                            <p:stCondLst>
+                              <p:cond delay="0"/>
+                            </p:stCondLst>
+                            <p:childTnLst>
+                              <p:par>
+                                <p:cTn id="9" presetID="1" presetClass="entr" presetSubtype="0" fill="hold" nodeType="clickEffect">
+                                  <p:stCondLst>
+                                    <p:cond delay="0"/>
+                                  </p:stCondLst>
+                                  <p:childTnLst>
+                                    <p:set>
+                                      <p:cBhvr>
+                                        <p:cTn id="10" dur="1" fill="hold">
+                                          <p:stCondLst>
+                                            <p:cond delay="0"/>
+                                          </p:stCondLst>
+                                        </p:cTn>
+                                        <p:tgtEl>
+                                          <p:spTgt spid="11"/>
+                                        </p:tgtEl>
+                                        <p:attrNameLst>
+                                          <p:attrName>style.visibility</p:attrName>
+                                        </p:attrNameLst>
+                                      </p:cBhvr>
+                                      <p:to>
+                                        <p:strVal val="visible"/>
+                                      </p:to>
+                                    </p:set>
+                                  </p:childTnLst>
+                                </p:cTn>
+                              </p:par>
+                            </p:childTnLst>
+                          </p:cTn>
+                        </p:par>
+                      </p:childTnLst>
+                    </p:cTn>
+                  </p:par>
+                  <p:par>
+                    <p:cTn id="11" fill="hold">
+                      <p:stCondLst>
+                        <p:cond delay="indefinite"/>
+                      </p:stCondLst>
+                      <p:childTnLst>
+                        <p:par>
+                          <p:cTn id="12" fill="hold">
+                            <p:stCondLst>
+                              <p:cond delay="0"/>
+                            </p:stCondLst>
+                            <p:childTnLst>
+                              <p:par>
+                                <p:cTn id="13" presetID="1" presetClass="exit" presetSubtype="0" fill="hold" grpId="0" nodeType="clickEffect">
+                                  <p:stCondLst>
+                                    <p:cond delay="0"/>
+                                  </p:stCondLst>
+                                  <p:childTnLst>
+                                    <p:set>
+                                      <p:cBhvr>
+                                        <p:cTn id="14" dur="1" fill="hold">
+                                          <p:stCondLst>
+                                            <p:cond delay="0"/>
+                                          </p:stCondLst>
+                                        </p:cTn>
+                                        <p:tgtEl>
+                                          <p:spTgt spid="13"/>
+                                        </p:tgtEl>
+                                        <p:attrNameLst>
+                                          <p:attrName>style.visibility</p:attrName>
+                                        </p:attrNameLst>
+                                      </p:cBhvr>
+                                      <p:to>
+                                        <p:strVal val="hidden"/>
+                                      </p:to>
+                                    </p:set>
+                                  </p:childTnLst>
+                                </p:cTn>
+                              </p:par>
+                            </p:childTnLst>
+                          </p:cTn>
+                        </p:par>
+                      </p:childTnLst>
+                    </p:cTn>
+                  </p:par>
+                  <p:par>
+                    <p:cTn id="15" fill="hold">
+                      <p:stCondLst>
+                        <p:cond delay="indefinite"/>
+                      </p:stCondLst>
+                      <p:childTnLst>
+                        <p:par>
+                          <p:cTn id="16" fill="hold">
+                            <p:stCondLst>
+                              <p:cond delay="0"/>
+                            </p:stCondLst>
+                            <p:childTnLst>
+                              <p:par>
+                                <p:cTn id="17" presetID="1" presetClass="entr" presetSubtype="0" fill="hold" grpId="0" nodeType="clickEffect">
+                                  <p:stCondLst>
+                                    <p:cond delay="0"/>
+                                  </p:stCondLst>
+                                  <p:childTnLst>
+                                    <p:set>
+                                      <p:cBhvr>
+                                        <p:cTn id="18" dur="1" fill="hold">
+                                          <p:stCondLst>
+                                            <p:cond delay="0"/>
+                                          </p:stCondLst>
+                                        </p:cTn>
+                                        <p:tgtEl>
+                                          <p:spTgt spid="14"/>
+                                        </p:tgtEl>
+                                        <p:attrNameLst>
+                                          <p:attrName>style.visibility</p:attrName>
+                                        </p:attrNameLst>
+                                      </p:cBhvr>
+                                      <p:to>
+                                        <p:strVal val="visible"/>
+                                      </p:to>
+                                    </p:set>
+                                  </p:childTnLst>
+                                </p:cTn>
+                              </p:par>
+                            </p:childTnLst>
+                          </p:cTn>
+                        </p:par>
+                      </p:childTnLst>
+                    </p:cTn>
+                  </p:par>
+                </p:childTnLst>
+              </p:cTn>
+              <p:prevCondLst>
+                <p:cond evt="onPrev" delay="0">
+                  <p:tgtEl>
+                    <p:sldTgt/>
+                  </p:tgtEl>
+                </p:cond>
+              </p:prevCondLst>
+              <p:nextCondLst>
+                <p:cond evt="onNext" delay="0">
+                  <p:tgtEl>
+                    <p:sldTgt/>
+                  </p:tgtEl>
+                </p:cond>
+              </p:nextCondLst>
+            </p:seq>
+          </p:childTnLst>
+        </p:cTn>
+      </p:par>
+    </p:tnLst>
+    <p:bldLst>
+      <p:bldP spid="13" grpId="0" animBg="1"/>
+      <p:bldP spid="10" grpId="0"/>
+      <p:bldP spid="14" grpId="0"/>
+    </p:bldLst>
+  </p:timing>
+</p:sld>
+</file>
+
+<file path=ppt/slides/slide12.xml><?xml version="1.0" encoding="utf-8"?>
+<p:sld xmlns:a="http://schemas.openxmlformats.org/drawingml/2006/main" xmlns:r="http://schemas.openxmlformats.org/officeDocument/2006/relationships" xmlns:p="http://schemas.openxmlformats.org/presentationml/2006/main">
+  <p:cSld>
+    <p:spTree>
+      <p:nvGrpSpPr>
+        <p:cNvPr id="1" name=""/>
+        <p:cNvGrpSpPr/>
+        <p:nvPr/>
+      </p:nvGrpSpPr>
+      <p:grpSpPr>
+        <a:xfrm>
+          <a:off x="0" y="0"/>
+          <a:ext cx="0" cy="0"/>
+          <a:chOff x="0" y="0"/>
+          <a:chExt cx="0" cy="0"/>
+        </a:xfrm>
+      </p:grpSpPr>
+      <p:sp>
+        <p:nvSpPr>
+          <p:cNvPr id="4" name="Titre 1"/>
+          <p:cNvSpPr txBox="1">
+            <a:spLocks/>
+          </p:cNvSpPr>
+          <p:nvPr/>
+        </p:nvSpPr>
+        <p:spPr>
+          <a:xfrm>
+            <a:off x="0" y="0"/>
+            <a:ext cx="12192000" cy="747252"/>
+          </a:xfrm>
+          <a:prstGeom prst="rect">
+            <a:avLst/>
+          </a:prstGeom>
+        </p:spPr>
+        <p:txBody>
+          <a:bodyPr vert="horz" lIns="91440" tIns="45720" rIns="91440" bIns="45720" rtlCol="0" anchor="ctr">
+            <a:normAutofit/>
+          </a:bodyPr>
+          <a:lstStyle>
+            <a:lvl1pPr algn="l" defTabSz="914400" rtl="0" eaLnBrk="1" latinLnBrk="0" hangingPunct="1">
+              <a:lnSpc>
+                <a:spcPct val="90000"/>
+              </a:lnSpc>
+              <a:spcBef>
+                <a:spcPct val="0"/>
+              </a:spcBef>
+              <a:buNone/>
+              <a:defRPr sz="4400" kern="1200">
+                <a:solidFill>
+                  <a:schemeClr val="tx1"/>
+                </a:solidFill>
+                <a:latin typeface="+mj-lt"/>
+                <a:ea typeface="+mj-ea"/>
+                <a:cs typeface="+mj-cs"/>
+              </a:defRPr>
+            </a:lvl1pPr>
+          </a:lstStyle>
+          <a:p>
+            <a:r>
+              <a:rPr lang="fr-FR" sz="3600" b="1" dirty="0" smtClean="0">
+                <a:solidFill>
+                  <a:srgbClr val="0070C0"/>
+                </a:solidFill>
+              </a:rPr>
               <a:t>  Transport du dioxygène</a:t>
             </a:r>
             <a:endParaRPr lang="fr-FR" sz="3600" baseline="30000" dirty="0">
@@ -3209,7 +6217,7 @@
           <p:cNvPr id="10" name="Espace réservé du contenu 6">
             <a:extLst>
               <a:ext uri="{FF2B5EF4-FFF2-40B4-BE49-F238E27FC236}">
-                <a16:creationId xmlns:lc="http://schemas.openxmlformats.org/drawingml/2006/lockedCanvas" xmlns:a16="http://schemas.microsoft.com/office/drawing/2014/main" xmlns="" id="{EA58A18C-D1BC-42E4-A965-A2F39FEF10D0}"/>
+                <a16:creationId xmlns="" xmlns:a16="http://schemas.microsoft.com/office/drawing/2014/main" xmlns:lc="http://schemas.openxmlformats.org/drawingml/2006/lockedCanvas" id="{EA58A18C-D1BC-42E4-A965-A2F39FEF10D0}"/>
               </a:ext>
             </a:extLst>
           </p:cNvPr>
@@ -3260,7 +6268,7 @@
 </p:sld>
 </file>
 
-<file path=ppt/slides/slide11.xml><?xml version="1.0" encoding="utf-8"?>
+<file path=ppt/slides/slide13.xml><?xml version="1.0" encoding="utf-8"?>
 <p:sld xmlns:a="http://schemas.openxmlformats.org/drawingml/2006/main" xmlns:r="http://schemas.openxmlformats.org/officeDocument/2006/relationships" xmlns:p="http://schemas.openxmlformats.org/presentationml/2006/main">
   <p:cSld>
     <p:spTree>
@@ -3401,7 +6409,7 @@
           <p:cNvPr id="6" name="Espace réservé du contenu 10">
             <a:extLst>
               <a:ext uri="{FF2B5EF4-FFF2-40B4-BE49-F238E27FC236}">
-                <a16:creationId xmlns:lc="http://schemas.openxmlformats.org/drawingml/2006/lockedCanvas" xmlns:a16="http://schemas.microsoft.com/office/drawing/2014/main" xmlns="" id="{E0E48B4E-62A3-413F-87E3-8793D40588D3}"/>
+                <a16:creationId xmlns="" xmlns:a16="http://schemas.microsoft.com/office/drawing/2014/main" xmlns:lc="http://schemas.openxmlformats.org/drawingml/2006/lockedCanvas" id="{E0E48B4E-62A3-413F-87E3-8793D40588D3}"/>
               </a:ext>
             </a:extLst>
           </p:cNvPr>
@@ -3491,6 +6499,137 @@
 </p:sld>
 </file>
 
+<file path=ppt/slides/slide14.xml><?xml version="1.0" encoding="utf-8"?>
+<p:sld xmlns:a="http://schemas.openxmlformats.org/drawingml/2006/main" xmlns:r="http://schemas.openxmlformats.org/officeDocument/2006/relationships" xmlns:p="http://schemas.openxmlformats.org/presentationml/2006/main" show="0">
+  <p:cSld>
+    <p:spTree>
+      <p:nvGrpSpPr>
+        <p:cNvPr id="1" name=""/>
+        <p:cNvGrpSpPr/>
+        <p:nvPr/>
+      </p:nvGrpSpPr>
+      <p:grpSpPr>
+        <a:xfrm>
+          <a:off x="0" y="0"/>
+          <a:ext cx="0" cy="0"/>
+          <a:chOff x="0" y="0"/>
+          <a:chExt cx="0" cy="0"/>
+        </a:xfrm>
+      </p:grpSpPr>
+      <p:sp>
+        <p:nvSpPr>
+          <p:cNvPr id="2" name="Titre 1"/>
+          <p:cNvSpPr>
+            <a:spLocks noGrp="1"/>
+          </p:cNvSpPr>
+          <p:nvPr>
+            <p:ph type="title"/>
+          </p:nvPr>
+        </p:nvSpPr>
+        <p:spPr/>
+        <p:txBody>
+          <a:bodyPr/>
+          <a:lstStyle/>
+          <a:p>
+            <a:r>
+              <a:rPr lang="fr-FR" dirty="0" err="1" smtClean="0"/>
+              <a:t>Salu</a:t>
+            </a:r>
+            <a:r>
+              <a:rPr lang="fr-FR" dirty="0" smtClean="0"/>
+              <a:t> !!!! Sa va ? T </a:t>
+            </a:r>
+            <a:r>
+              <a:rPr lang="fr-FR" dirty="0" err="1" smtClean="0"/>
+              <a:t>tro</a:t>
+            </a:r>
+            <a:r>
+              <a:rPr lang="fr-FR" dirty="0" smtClean="0"/>
+              <a:t> mon </a:t>
+            </a:r>
+            <a:r>
+              <a:rPr lang="fr-FR" dirty="0" err="1" smtClean="0"/>
+              <a:t>poto</a:t>
+            </a:r>
+            <a:r>
+              <a:rPr lang="fr-FR" dirty="0" smtClean="0"/>
+              <a:t> </a:t>
+            </a:r>
+            <a:r>
+              <a:rPr lang="fr-FR" dirty="0" err="1" smtClean="0"/>
+              <a:t>gro</a:t>
+            </a:r>
+            <a:r>
+              <a:rPr lang="fr-FR" dirty="0" smtClean="0"/>
+              <a:t>, </a:t>
+            </a:r>
+            <a:r>
+              <a:rPr lang="fr-FR" dirty="0" err="1" smtClean="0"/>
+              <a:t>keur</a:t>
+            </a:r>
+            <a:r>
+              <a:rPr lang="fr-FR" dirty="0" smtClean="0"/>
+              <a:t> sur </a:t>
+            </a:r>
+            <a:r>
+              <a:rPr lang="fr-FR" dirty="0" err="1" smtClean="0"/>
+              <a:t>toa</a:t>
+            </a:r>
+            <a:r>
+              <a:rPr lang="fr-FR" dirty="0" smtClean="0"/>
+              <a:t> !</a:t>
+            </a:r>
+            <a:endParaRPr lang="fr-FR" dirty="0"/>
+          </a:p>
+        </p:txBody>
+      </p:sp>
+      <p:sp>
+        <p:nvSpPr>
+          <p:cNvPr id="3" name="Espace réservé du contenu 2"/>
+          <p:cNvSpPr>
+            <a:spLocks noGrp="1"/>
+          </p:cNvSpPr>
+          <p:nvPr>
+            <p:ph idx="1"/>
+          </p:nvPr>
+        </p:nvSpPr>
+        <p:spPr/>
+        <p:txBody>
+          <a:bodyPr/>
+          <a:lstStyle/>
+          <a:p>
+            <a:endParaRPr lang="fr-FR" dirty="0"/>
+          </a:p>
+        </p:txBody>
+      </p:sp>
+    </p:spTree>
+    <p:extLst>
+      <p:ext uri="{BB962C8B-B14F-4D97-AF65-F5344CB8AC3E}">
+        <p14:creationId xmlns:p14="http://schemas.microsoft.com/office/powerpoint/2010/main" val="1335737857"/>
+      </p:ext>
+    </p:extLst>
+  </p:cSld>
+  <p:clrMapOvr>
+    <a:masterClrMapping/>
+  </p:clrMapOvr>
+  <mc:AlternateContent xmlns:mc="http://schemas.openxmlformats.org/markup-compatibility/2006" xmlns:p14="http://schemas.microsoft.com/office/powerpoint/2010/main">
+    <mc:Choice Requires="p14">
+      <p:transition spd="slow" p14:dur="2000"/>
+    </mc:Choice>
+    <mc:Fallback xmlns="">
+      <p:transition spd="slow"/>
+    </mc:Fallback>
+  </mc:AlternateContent>
+  <p:timing>
+    <p:tnLst>
+      <p:par>
+        <p:cTn id="1" dur="indefinite" restart="never" nodeType="tmRoot"/>
+      </p:par>
+    </p:tnLst>
+  </p:timing>
+</p:sld>
+</file>
+
 <file path=ppt/slides/slide2.xml><?xml version="1.0" encoding="utf-8"?>
 <p:sld xmlns:a="http://schemas.openxmlformats.org/drawingml/2006/main" xmlns:r="http://schemas.openxmlformats.org/officeDocument/2006/relationships" xmlns:p="http://schemas.openxmlformats.org/presentationml/2006/main">
   <p:cSld>
@@ -3616,7 +6755,7 @@
           <p:cNvPr id="7" name="Groupe 6">
             <a:extLst>
               <a:ext uri="{FF2B5EF4-FFF2-40B4-BE49-F238E27FC236}">
-                <a16:creationId xmlns="" xmlns:a16="http://schemas.microsoft.com/office/drawing/2014/main" id="{E922767D-63E0-49F8-8D0C-717AC65F818C}"/>
+                <a16:creationId xmlns:a16="http://schemas.microsoft.com/office/drawing/2014/main" xmlns="" id="{E922767D-63E0-49F8-8D0C-717AC65F818C}"/>
               </a:ext>
             </a:extLst>
           </p:cNvPr>
@@ -3636,7 +6775,7 @@
             <p:cNvPr id="8" name="Groupe 7">
               <a:extLst>
                 <a:ext uri="{FF2B5EF4-FFF2-40B4-BE49-F238E27FC236}">
-                  <a16:creationId xmlns="" xmlns:a16="http://schemas.microsoft.com/office/drawing/2014/main" id="{FFCD7857-F979-4EC2-BB38-BEA78E25BC9B}"/>
+                  <a16:creationId xmlns:a16="http://schemas.microsoft.com/office/drawing/2014/main" xmlns="" id="{FFCD7857-F979-4EC2-BB38-BEA78E25BC9B}"/>
                 </a:ext>
               </a:extLst>
             </p:cNvPr>
@@ -3656,7 +6795,7 @@
               <p:cNvPr id="11" name="Grouper 68">
                 <a:extLst>
                   <a:ext uri="{FF2B5EF4-FFF2-40B4-BE49-F238E27FC236}">
-                    <a16:creationId xmlns="" xmlns:a16="http://schemas.microsoft.com/office/drawing/2014/main" id="{40352CAA-B71B-4830-B4EA-649F52741662}"/>
+                    <a16:creationId xmlns:a16="http://schemas.microsoft.com/office/drawing/2014/main" xmlns="" id="{40352CAA-B71B-4830-B4EA-649F52741662}"/>
                   </a:ext>
                 </a:extLst>
               </p:cNvPr>
@@ -3676,7 +6815,7 @@
                 <p:cNvPr id="24" name="Grouper 69">
                   <a:extLst>
                     <a:ext uri="{FF2B5EF4-FFF2-40B4-BE49-F238E27FC236}">
-                      <a16:creationId xmlns="" xmlns:a16="http://schemas.microsoft.com/office/drawing/2014/main" id="{96081743-5FB9-4DAD-8C23-CA747114F3B8}"/>
+                      <a16:creationId xmlns:a16="http://schemas.microsoft.com/office/drawing/2014/main" xmlns="" id="{96081743-5FB9-4DAD-8C23-CA747114F3B8}"/>
                     </a:ext>
                   </a:extLst>
                 </p:cNvPr>
@@ -3692,7 +6831,7 @@
                 </a:xfrm>
                 <a:extLst>
                   <a:ext uri="{0CCBE362-F206-4b92-989A-16890622DB6E}">
-                    <ma14:wrappingTextBoxFlag xmlns="" xmlns:ma14="http://schemas.microsoft.com/office/mac/drawingml/2011/main" val="1"/>
+                    <ma14:wrappingTextBoxFlag xmlns:ma14="http://schemas.microsoft.com/office/mac/drawingml/2011/main" xmlns="" val="1"/>
                   </a:ext>
                 </a:extLst>
               </p:grpSpPr>
@@ -3701,7 +6840,7 @@
                   <p:cNvPr id="26" name="Grouper 71">
                     <a:extLst>
                       <a:ext uri="{FF2B5EF4-FFF2-40B4-BE49-F238E27FC236}">
-                        <a16:creationId xmlns="" xmlns:a16="http://schemas.microsoft.com/office/drawing/2014/main" id="{26D3EDCE-3D75-48BB-BCD5-7E23FCC76165}"/>
+                        <a16:creationId xmlns:a16="http://schemas.microsoft.com/office/drawing/2014/main" xmlns="" id="{26D3EDCE-3D75-48BB-BCD5-7E23FCC76165}"/>
                       </a:ext>
                     </a:extLst>
                   </p:cNvPr>
@@ -3721,7 +6860,7 @@
                     <p:cNvPr id="78" name="Grouper 123">
                       <a:extLst>
                         <a:ext uri="{FF2B5EF4-FFF2-40B4-BE49-F238E27FC236}">
-                          <a16:creationId xmlns="" xmlns:a16="http://schemas.microsoft.com/office/drawing/2014/main" id="{51F5C2B4-3BA6-474B-8106-53558EE4054A}"/>
+                          <a16:creationId xmlns:a16="http://schemas.microsoft.com/office/drawing/2014/main" xmlns="" id="{51F5C2B4-3BA6-474B-8106-53558EE4054A}"/>
                         </a:ext>
                       </a:extLst>
                     </p:cNvPr>
@@ -3741,7 +6880,7 @@
                       <p:cNvPr id="80" name="Grouper 125">
                         <a:extLst>
                           <a:ext uri="{FF2B5EF4-FFF2-40B4-BE49-F238E27FC236}">
-                            <a16:creationId xmlns="" xmlns:a16="http://schemas.microsoft.com/office/drawing/2014/main" id="{1209F394-A69E-424B-B28C-1CEA7BD5D8B1}"/>
+                            <a16:creationId xmlns:a16="http://schemas.microsoft.com/office/drawing/2014/main" xmlns="" id="{1209F394-A69E-424B-B28C-1CEA7BD5D8B1}"/>
                           </a:ext>
                         </a:extLst>
                       </p:cNvPr>
@@ -3761,7 +6900,7 @@
                         <p:cNvPr id="82" name="Arrondir un rectangle avec un coin du même côté 127">
                           <a:extLst>
                             <a:ext uri="{FF2B5EF4-FFF2-40B4-BE49-F238E27FC236}">
-                              <a16:creationId xmlns="" xmlns:a16="http://schemas.microsoft.com/office/drawing/2014/main" id="{9CC54105-DBD7-485D-919A-9D6E2E4634F9}"/>
+                              <a16:creationId xmlns:a16="http://schemas.microsoft.com/office/drawing/2014/main" xmlns="" id="{9CC54105-DBD7-485D-919A-9D6E2E4634F9}"/>
                             </a:ext>
                           </a:extLst>
                         </p:cNvPr>
@@ -3816,7 +6955,7 @@
                         <p:cNvPr id="83" name="Arrondir un rectangle avec un coin du même côté 128">
                           <a:extLst>
                             <a:ext uri="{FF2B5EF4-FFF2-40B4-BE49-F238E27FC236}">
-                              <a16:creationId xmlns="" xmlns:a16="http://schemas.microsoft.com/office/drawing/2014/main" id="{E8455875-8ED2-4FDE-A812-0DA55E45EBD3}"/>
+                              <a16:creationId xmlns:a16="http://schemas.microsoft.com/office/drawing/2014/main" xmlns="" id="{E8455875-8ED2-4FDE-A812-0DA55E45EBD3}"/>
                             </a:ext>
                           </a:extLst>
                         </p:cNvPr>
@@ -3872,7 +7011,7 @@
                       <p:cNvPr id="81" name="Rectangle 80">
                         <a:extLst>
                           <a:ext uri="{FF2B5EF4-FFF2-40B4-BE49-F238E27FC236}">
-                            <a16:creationId xmlns="" xmlns:a16="http://schemas.microsoft.com/office/drawing/2014/main" id="{D6B2A792-3C1D-410D-83CC-EE9AFA5BC57A}"/>
+                            <a16:creationId xmlns:a16="http://schemas.microsoft.com/office/drawing/2014/main" xmlns="" id="{D6B2A792-3C1D-410D-83CC-EE9AFA5BC57A}"/>
                           </a:ext>
                         </a:extLst>
                       </p:cNvPr>
@@ -3930,7 +7069,7 @@
                     <p:cNvPr id="79" name="Rectangle 78">
                       <a:extLst>
                         <a:ext uri="{FF2B5EF4-FFF2-40B4-BE49-F238E27FC236}">
-                          <a16:creationId xmlns="" xmlns:a16="http://schemas.microsoft.com/office/drawing/2014/main" id="{7C10C6FF-F8AC-4D17-BBC9-6D32B3AE86EA}"/>
+                          <a16:creationId xmlns:a16="http://schemas.microsoft.com/office/drawing/2014/main" xmlns="" id="{7C10C6FF-F8AC-4D17-BBC9-6D32B3AE86EA}"/>
                         </a:ext>
                       </a:extLst>
                     </p:cNvPr>
@@ -3988,7 +7127,7 @@
                   <p:cNvPr id="27" name="Grouper 72">
                     <a:extLst>
                       <a:ext uri="{FF2B5EF4-FFF2-40B4-BE49-F238E27FC236}">
-                        <a16:creationId xmlns="" xmlns:a16="http://schemas.microsoft.com/office/drawing/2014/main" id="{AA0FFDEF-FE93-4E25-9F69-1CD2B544BD9A}"/>
+                        <a16:creationId xmlns:a16="http://schemas.microsoft.com/office/drawing/2014/main" xmlns="" id="{AA0FFDEF-FE93-4E25-9F69-1CD2B544BD9A}"/>
                       </a:ext>
                     </a:extLst>
                   </p:cNvPr>
@@ -4008,7 +7147,7 @@
                     <p:cNvPr id="71" name="Arrondir un rectangle avec un coin du même côté 116">
                       <a:extLst>
                         <a:ext uri="{FF2B5EF4-FFF2-40B4-BE49-F238E27FC236}">
-                          <a16:creationId xmlns="" xmlns:a16="http://schemas.microsoft.com/office/drawing/2014/main" id="{DD037935-193F-457E-9A74-2D1C6015ED66}"/>
+                          <a16:creationId xmlns:a16="http://schemas.microsoft.com/office/drawing/2014/main" xmlns="" id="{DD037935-193F-457E-9A74-2D1C6015ED66}"/>
                         </a:ext>
                       </a:extLst>
                     </p:cNvPr>
@@ -4063,7 +7202,7 @@
                     <p:cNvPr id="72" name="Arrondir un rectangle avec un coin du même côté 117">
                       <a:extLst>
                         <a:ext uri="{FF2B5EF4-FFF2-40B4-BE49-F238E27FC236}">
-                          <a16:creationId xmlns="" xmlns:a16="http://schemas.microsoft.com/office/drawing/2014/main" id="{CE6B6CCB-93D9-40A9-B2B9-0F46261D492E}"/>
+                          <a16:creationId xmlns:a16="http://schemas.microsoft.com/office/drawing/2014/main" xmlns="" id="{CE6B6CCB-93D9-40A9-B2B9-0F46261D492E}"/>
                         </a:ext>
                       </a:extLst>
                     </p:cNvPr>
@@ -4118,7 +7257,7 @@
                     <p:cNvPr id="73" name="Rectangle 72">
                       <a:extLst>
                         <a:ext uri="{FF2B5EF4-FFF2-40B4-BE49-F238E27FC236}">
-                          <a16:creationId xmlns="" xmlns:a16="http://schemas.microsoft.com/office/drawing/2014/main" id="{F3B4FAE3-C823-49C7-981F-0F9C65BC226E}"/>
+                          <a16:creationId xmlns:a16="http://schemas.microsoft.com/office/drawing/2014/main" xmlns="" id="{F3B4FAE3-C823-49C7-981F-0F9C65BC226E}"/>
                         </a:ext>
                       </a:extLst>
                     </p:cNvPr>
@@ -4175,7 +7314,7 @@
                     <p:cNvPr id="74" name="Parallélogramme 73">
                       <a:extLst>
                         <a:ext uri="{FF2B5EF4-FFF2-40B4-BE49-F238E27FC236}">
-                          <a16:creationId xmlns="" xmlns:a16="http://schemas.microsoft.com/office/drawing/2014/main" id="{CCB23121-7617-4EA9-B289-2D44CC43E929}"/>
+                          <a16:creationId xmlns:a16="http://schemas.microsoft.com/office/drawing/2014/main" xmlns="" id="{CCB23121-7617-4EA9-B289-2D44CC43E929}"/>
                         </a:ext>
                       </a:extLst>
                     </p:cNvPr>
@@ -4236,7 +7375,7 @@
                     <p:cNvPr id="75" name="Parallélogramme 74">
                       <a:extLst>
                         <a:ext uri="{FF2B5EF4-FFF2-40B4-BE49-F238E27FC236}">
-                          <a16:creationId xmlns="" xmlns:a16="http://schemas.microsoft.com/office/drawing/2014/main" id="{CDD2A60A-E059-4565-A8E3-9D63509BFD7D}"/>
+                          <a16:creationId xmlns:a16="http://schemas.microsoft.com/office/drawing/2014/main" xmlns="" id="{CDD2A60A-E059-4565-A8E3-9D63509BFD7D}"/>
                         </a:ext>
                       </a:extLst>
                     </p:cNvPr>
@@ -4297,7 +7436,7 @@
                     <p:cNvPr id="76" name="Connecteur droit 75">
                       <a:extLst>
                         <a:ext uri="{FF2B5EF4-FFF2-40B4-BE49-F238E27FC236}">
-                          <a16:creationId xmlns="" xmlns:a16="http://schemas.microsoft.com/office/drawing/2014/main" id="{AF411BC3-A86B-4A5F-9DAF-9A687CA882ED}"/>
+                          <a16:creationId xmlns:a16="http://schemas.microsoft.com/office/drawing/2014/main" xmlns="" id="{AF411BC3-A86B-4A5F-9DAF-9A687CA882ED}"/>
                         </a:ext>
                       </a:extLst>
                     </p:cNvPr>
@@ -4335,7 +7474,7 @@
                     <p:cNvPr id="77" name="Connecteur droit 76">
                       <a:extLst>
                         <a:ext uri="{FF2B5EF4-FFF2-40B4-BE49-F238E27FC236}">
-                          <a16:creationId xmlns="" xmlns:a16="http://schemas.microsoft.com/office/drawing/2014/main" id="{841FF250-B55F-4D70-BF44-D2DD43333DF4}"/>
+                          <a16:creationId xmlns:a16="http://schemas.microsoft.com/office/drawing/2014/main" xmlns="" id="{841FF250-B55F-4D70-BF44-D2DD43333DF4}"/>
                         </a:ext>
                       </a:extLst>
                     </p:cNvPr>
@@ -4374,7 +7513,7 @@
                   <p:cNvPr id="28" name="Grouper 73">
                     <a:extLst>
                       <a:ext uri="{FF2B5EF4-FFF2-40B4-BE49-F238E27FC236}">
-                        <a16:creationId xmlns="" xmlns:a16="http://schemas.microsoft.com/office/drawing/2014/main" id="{7E0F2A28-B6AC-4B1A-9BE8-2703C34063FF}"/>
+                        <a16:creationId xmlns:a16="http://schemas.microsoft.com/office/drawing/2014/main" xmlns="" id="{7E0F2A28-B6AC-4B1A-9BE8-2703C34063FF}"/>
                       </a:ext>
                     </a:extLst>
                   </p:cNvPr>
@@ -4394,7 +7533,7 @@
                     <p:cNvPr id="69" name="Rectangle 68">
                       <a:extLst>
                         <a:ext uri="{FF2B5EF4-FFF2-40B4-BE49-F238E27FC236}">
-                          <a16:creationId xmlns="" xmlns:a16="http://schemas.microsoft.com/office/drawing/2014/main" id="{FA13F0A6-14B0-4342-B4A3-B9CC0481E5D8}"/>
+                          <a16:creationId xmlns:a16="http://schemas.microsoft.com/office/drawing/2014/main" xmlns="" id="{FA13F0A6-14B0-4342-B4A3-B9CC0481E5D8}"/>
                         </a:ext>
                       </a:extLst>
                     </p:cNvPr>
@@ -4451,7 +7590,7 @@
                     <p:cNvPr id="70" name="Ellipse 69">
                       <a:extLst>
                         <a:ext uri="{FF2B5EF4-FFF2-40B4-BE49-F238E27FC236}">
-                          <a16:creationId xmlns="" xmlns:a16="http://schemas.microsoft.com/office/drawing/2014/main" id="{4DB04C9A-91AD-4490-86DD-2F28CC511EB6}"/>
+                          <a16:creationId xmlns:a16="http://schemas.microsoft.com/office/drawing/2014/main" xmlns="" id="{4DB04C9A-91AD-4490-86DD-2F28CC511EB6}"/>
                         </a:ext>
                       </a:extLst>
                     </p:cNvPr>
@@ -4515,7 +7654,7 @@
                   <p:cNvPr id="29" name="Grouper 74">
                     <a:extLst>
                       <a:ext uri="{FF2B5EF4-FFF2-40B4-BE49-F238E27FC236}">
-                        <a16:creationId xmlns="" xmlns:a16="http://schemas.microsoft.com/office/drawing/2014/main" id="{F0965761-2E00-451E-BDCE-F9D0E5B81296}"/>
+                        <a16:creationId xmlns:a16="http://schemas.microsoft.com/office/drawing/2014/main" xmlns="" id="{F0965761-2E00-451E-BDCE-F9D0E5B81296}"/>
                       </a:ext>
                     </a:extLst>
                   </p:cNvPr>
@@ -4535,7 +7674,7 @@
                     <p:cNvPr id="56" name="Grouper 101">
                       <a:extLst>
                         <a:ext uri="{FF2B5EF4-FFF2-40B4-BE49-F238E27FC236}">
-                          <a16:creationId xmlns="" xmlns:a16="http://schemas.microsoft.com/office/drawing/2014/main" id="{F9EC72F1-04D7-42DD-8621-F5DECD18A5F5}"/>
+                          <a16:creationId xmlns:a16="http://schemas.microsoft.com/office/drawing/2014/main" xmlns="" id="{F9EC72F1-04D7-42DD-8621-F5DECD18A5F5}"/>
                         </a:ext>
                       </a:extLst>
                     </p:cNvPr>
@@ -4555,7 +7694,7 @@
                       <p:cNvPr id="65" name="Ellipse 64">
                         <a:extLst>
                           <a:ext uri="{FF2B5EF4-FFF2-40B4-BE49-F238E27FC236}">
-                            <a16:creationId xmlns="" xmlns:a16="http://schemas.microsoft.com/office/drawing/2014/main" id="{4DD5C452-7FFE-452B-9491-34AE14CF28A1}"/>
+                            <a16:creationId xmlns:a16="http://schemas.microsoft.com/office/drawing/2014/main" xmlns="" id="{4DD5C452-7FFE-452B-9491-34AE14CF28A1}"/>
                           </a:ext>
                         </a:extLst>
                       </p:cNvPr>
@@ -4610,7 +7749,7 @@
                       <p:cNvPr id="66" name="Zone de texte 941">
                         <a:extLst>
                           <a:ext uri="{FF2B5EF4-FFF2-40B4-BE49-F238E27FC236}">
-                            <a16:creationId xmlns="" xmlns:a16="http://schemas.microsoft.com/office/drawing/2014/main" id="{EDE1631E-2625-49E1-AC75-A37414A156AF}"/>
+                            <a16:creationId xmlns:a16="http://schemas.microsoft.com/office/drawing/2014/main" xmlns="" id="{EDE1631E-2625-49E1-AC75-A37414A156AF}"/>
                           </a:ext>
                         </a:extLst>
                       </p:cNvPr>
@@ -4632,7 +7771,7 @@
                       <a:effectLst/>
                       <a:extLst>
                         <a:ext uri="{C572A759-6A51-4108-AA02-DFA0A04FC94B}">
-                          <ma14:wrappingTextBoxFlag xmlns="" xmlns:ma14="http://schemas.microsoft.com/office/mac/drawingml/2011/main" val="1"/>
+                          <ma14:wrappingTextBoxFlag xmlns:ma14="http://schemas.microsoft.com/office/mac/drawingml/2011/main" xmlns="" val="1"/>
                         </a:ext>
                       </a:extLst>
                     </p:spPr>
@@ -4696,7 +7835,7 @@
                       <p:cNvPr id="67" name="Zone de texte 942">
                         <a:extLst>
                           <a:ext uri="{FF2B5EF4-FFF2-40B4-BE49-F238E27FC236}">
-                            <a16:creationId xmlns="" xmlns:a16="http://schemas.microsoft.com/office/drawing/2014/main" id="{751399F5-7817-408F-887F-80309B0DEBC2}"/>
+                            <a16:creationId xmlns:a16="http://schemas.microsoft.com/office/drawing/2014/main" xmlns="" id="{751399F5-7817-408F-887F-80309B0DEBC2}"/>
                           </a:ext>
                         </a:extLst>
                       </p:cNvPr>
@@ -4718,7 +7857,7 @@
                       <a:effectLst/>
                       <a:extLst>
                         <a:ext uri="{C572A759-6A51-4108-AA02-DFA0A04FC94B}">
-                          <ma14:wrappingTextBoxFlag xmlns="" xmlns:ma14="http://schemas.microsoft.com/office/mac/drawingml/2011/main" val="1"/>
+                          <ma14:wrappingTextBoxFlag xmlns:ma14="http://schemas.microsoft.com/office/mac/drawingml/2011/main" xmlns="" val="1"/>
                         </a:ext>
                       </a:extLst>
                     </p:spPr>
@@ -4782,7 +7921,7 @@
                       <p:cNvPr id="68" name="Zone de texte 900">
                         <a:extLst>
                           <a:ext uri="{FF2B5EF4-FFF2-40B4-BE49-F238E27FC236}">
-                            <a16:creationId xmlns="" xmlns:a16="http://schemas.microsoft.com/office/drawing/2014/main" id="{5B87DF95-433A-493D-9AD7-C56AA5757C8B}"/>
+                            <a16:creationId xmlns:a16="http://schemas.microsoft.com/office/drawing/2014/main" xmlns="" id="{5B87DF95-433A-493D-9AD7-C56AA5757C8B}"/>
                           </a:ext>
                         </a:extLst>
                       </p:cNvPr>
@@ -4804,7 +7943,7 @@
                       <a:effectLst/>
                       <a:extLst>
                         <a:ext uri="{C572A759-6A51-4108-AA02-DFA0A04FC94B}">
-                          <ma14:wrappingTextBoxFlag xmlns="" xmlns:ma14="http://schemas.microsoft.com/office/mac/drawingml/2011/main" val="1"/>
+                          <ma14:wrappingTextBoxFlag xmlns:ma14="http://schemas.microsoft.com/office/mac/drawingml/2011/main" xmlns="" val="1"/>
                         </a:ext>
                       </a:extLst>
                     </p:spPr>
@@ -4858,7 +7997,7 @@
                     <p:cNvPr id="57" name="Grouper 102">
                       <a:extLst>
                         <a:ext uri="{FF2B5EF4-FFF2-40B4-BE49-F238E27FC236}">
-                          <a16:creationId xmlns="" xmlns:a16="http://schemas.microsoft.com/office/drawing/2014/main" id="{CD10D8B0-3F3A-428B-ADFB-7CD43137C732}"/>
+                          <a16:creationId xmlns:a16="http://schemas.microsoft.com/office/drawing/2014/main" xmlns="" id="{CD10D8B0-3F3A-428B-ADFB-7CD43137C732}"/>
                         </a:ext>
                       </a:extLst>
                     </p:cNvPr>
@@ -4878,7 +8017,7 @@
                       <p:cNvPr id="62" name="Connecteur droit 61">
                         <a:extLst>
                           <a:ext uri="{FF2B5EF4-FFF2-40B4-BE49-F238E27FC236}">
-                            <a16:creationId xmlns="" xmlns:a16="http://schemas.microsoft.com/office/drawing/2014/main" id="{6CED5B28-251A-4695-9AC4-75ABE8322B80}"/>
+                            <a16:creationId xmlns:a16="http://schemas.microsoft.com/office/drawing/2014/main" xmlns="" id="{6CED5B28-251A-4695-9AC4-75ABE8322B80}"/>
                           </a:ext>
                         </a:extLst>
                       </p:cNvPr>
@@ -4920,7 +8059,7 @@
                       <p:cNvPr id="63" name="Connecteur droit 62">
                         <a:extLst>
                           <a:ext uri="{FF2B5EF4-FFF2-40B4-BE49-F238E27FC236}">
-                            <a16:creationId xmlns="" xmlns:a16="http://schemas.microsoft.com/office/drawing/2014/main" id="{AB459293-BB0A-4D9C-A290-FC7447FE24C8}"/>
+                            <a16:creationId xmlns:a16="http://schemas.microsoft.com/office/drawing/2014/main" xmlns="" id="{AB459293-BB0A-4D9C-A290-FC7447FE24C8}"/>
                           </a:ext>
                         </a:extLst>
                       </p:cNvPr>
@@ -4962,7 +8101,7 @@
                       <p:cNvPr id="64" name="Connecteur droit 63">
                         <a:extLst>
                           <a:ext uri="{FF2B5EF4-FFF2-40B4-BE49-F238E27FC236}">
-                            <a16:creationId xmlns="" xmlns:a16="http://schemas.microsoft.com/office/drawing/2014/main" id="{4BF11C18-05F0-4FDB-AE77-4D013016F528}"/>
+                            <a16:creationId xmlns:a16="http://schemas.microsoft.com/office/drawing/2014/main" xmlns="" id="{4BF11C18-05F0-4FDB-AE77-4D013016F528}"/>
                           </a:ext>
                         </a:extLst>
                       </p:cNvPr>
@@ -5005,7 +8144,7 @@
                     <p:cNvPr id="58" name="Grouper 103">
                       <a:extLst>
                         <a:ext uri="{FF2B5EF4-FFF2-40B4-BE49-F238E27FC236}">
-                          <a16:creationId xmlns="" xmlns:a16="http://schemas.microsoft.com/office/drawing/2014/main" id="{2D2B29B8-AE04-4246-8062-EFF0E8D66284}"/>
+                          <a16:creationId xmlns:a16="http://schemas.microsoft.com/office/drawing/2014/main" xmlns="" id="{2D2B29B8-AE04-4246-8062-EFF0E8D66284}"/>
                         </a:ext>
                       </a:extLst>
                     </p:cNvPr>
@@ -5025,7 +8164,7 @@
                       <p:cNvPr id="59" name="Connecteur droit 58">
                         <a:extLst>
                           <a:ext uri="{FF2B5EF4-FFF2-40B4-BE49-F238E27FC236}">
-                            <a16:creationId xmlns="" xmlns:a16="http://schemas.microsoft.com/office/drawing/2014/main" id="{E8789211-76BC-4FBE-BE96-041CB645CE63}"/>
+                            <a16:creationId xmlns:a16="http://schemas.microsoft.com/office/drawing/2014/main" xmlns="" id="{E8789211-76BC-4FBE-BE96-041CB645CE63}"/>
                           </a:ext>
                         </a:extLst>
                       </p:cNvPr>
@@ -5067,7 +8206,7 @@
                       <p:cNvPr id="60" name="Connecteur droit 59">
                         <a:extLst>
                           <a:ext uri="{FF2B5EF4-FFF2-40B4-BE49-F238E27FC236}">
-                            <a16:creationId xmlns="" xmlns:a16="http://schemas.microsoft.com/office/drawing/2014/main" id="{63CD0D8C-676C-481E-B9A5-F97E8CAD6156}"/>
+                            <a16:creationId xmlns:a16="http://schemas.microsoft.com/office/drawing/2014/main" xmlns="" id="{63CD0D8C-676C-481E-B9A5-F97E8CAD6156}"/>
                           </a:ext>
                         </a:extLst>
                       </p:cNvPr>
@@ -5109,7 +8248,7 @@
                       <p:cNvPr id="61" name="Connecteur droit 60">
                         <a:extLst>
                           <a:ext uri="{FF2B5EF4-FFF2-40B4-BE49-F238E27FC236}">
-                            <a16:creationId xmlns="" xmlns:a16="http://schemas.microsoft.com/office/drawing/2014/main" id="{F7E8CC27-81C6-4C78-8D6B-BC5E2B57CF76}"/>
+                            <a16:creationId xmlns:a16="http://schemas.microsoft.com/office/drawing/2014/main" xmlns="" id="{F7E8CC27-81C6-4C78-8D6B-BC5E2B57CF76}"/>
                           </a:ext>
                         </a:extLst>
                       </p:cNvPr>
@@ -5153,7 +8292,7 @@
                   <p:cNvPr id="30" name="Grouper 75">
                     <a:extLst>
                       <a:ext uri="{FF2B5EF4-FFF2-40B4-BE49-F238E27FC236}">
-                        <a16:creationId xmlns="" xmlns:a16="http://schemas.microsoft.com/office/drawing/2014/main" id="{D5E24073-AF22-4C5B-AC88-760F8428CAAD}"/>
+                        <a16:creationId xmlns:a16="http://schemas.microsoft.com/office/drawing/2014/main" xmlns="" id="{D5E24073-AF22-4C5B-AC88-760F8428CAAD}"/>
                       </a:ext>
                     </a:extLst>
                   </p:cNvPr>
@@ -5173,7 +8312,7 @@
                     <p:cNvPr id="44" name="Grouper 89">
                       <a:extLst>
                         <a:ext uri="{FF2B5EF4-FFF2-40B4-BE49-F238E27FC236}">
-                          <a16:creationId xmlns="" xmlns:a16="http://schemas.microsoft.com/office/drawing/2014/main" id="{1ED1AEE1-B7CF-4F0E-9454-7B87B28C2BB6}"/>
+                          <a16:creationId xmlns:a16="http://schemas.microsoft.com/office/drawing/2014/main" xmlns="" id="{1ED1AEE1-B7CF-4F0E-9454-7B87B28C2BB6}"/>
                         </a:ext>
                       </a:extLst>
                     </p:cNvPr>
@@ -5193,7 +8332,7 @@
                       <p:cNvPr id="54" name="Connecteur droit 53">
                         <a:extLst>
                           <a:ext uri="{FF2B5EF4-FFF2-40B4-BE49-F238E27FC236}">
-                            <a16:creationId xmlns="" xmlns:a16="http://schemas.microsoft.com/office/drawing/2014/main" id="{52DB56DC-F90B-45D1-B22E-CAE16CF14DD3}"/>
+                            <a16:creationId xmlns:a16="http://schemas.microsoft.com/office/drawing/2014/main" xmlns="" id="{52DB56DC-F90B-45D1-B22E-CAE16CF14DD3}"/>
                           </a:ext>
                         </a:extLst>
                       </p:cNvPr>
@@ -5235,7 +8374,7 @@
                       <p:cNvPr id="55" name="Connecteur droit 54">
                         <a:extLst>
                           <a:ext uri="{FF2B5EF4-FFF2-40B4-BE49-F238E27FC236}">
-                            <a16:creationId xmlns="" xmlns:a16="http://schemas.microsoft.com/office/drawing/2014/main" id="{CD4FCA04-C73F-403C-9F6E-DD1754BA8E1C}"/>
+                            <a16:creationId xmlns:a16="http://schemas.microsoft.com/office/drawing/2014/main" xmlns="" id="{CD4FCA04-C73F-403C-9F6E-DD1754BA8E1C}"/>
                           </a:ext>
                         </a:extLst>
                       </p:cNvPr>
@@ -5278,7 +8417,7 @@
                     <p:cNvPr id="45" name="Grouper 90">
                       <a:extLst>
                         <a:ext uri="{FF2B5EF4-FFF2-40B4-BE49-F238E27FC236}">
-                          <a16:creationId xmlns="" xmlns:a16="http://schemas.microsoft.com/office/drawing/2014/main" id="{263D8CAB-9A0C-4705-AB09-C58128092079}"/>
+                          <a16:creationId xmlns:a16="http://schemas.microsoft.com/office/drawing/2014/main" xmlns="" id="{263D8CAB-9A0C-4705-AB09-C58128092079}"/>
                         </a:ext>
                       </a:extLst>
                     </p:cNvPr>
@@ -5298,7 +8437,7 @@
                       <p:cNvPr id="52" name="Connecteur droit 51">
                         <a:extLst>
                           <a:ext uri="{FF2B5EF4-FFF2-40B4-BE49-F238E27FC236}">
-                            <a16:creationId xmlns="" xmlns:a16="http://schemas.microsoft.com/office/drawing/2014/main" id="{D312452A-8444-4E4F-97E0-069D38E44D32}"/>
+                            <a16:creationId xmlns:a16="http://schemas.microsoft.com/office/drawing/2014/main" xmlns="" id="{D312452A-8444-4E4F-97E0-069D38E44D32}"/>
                           </a:ext>
                         </a:extLst>
                       </p:cNvPr>
@@ -5340,7 +8479,7 @@
                       <p:cNvPr id="53" name="Connecteur droit 52">
                         <a:extLst>
                           <a:ext uri="{FF2B5EF4-FFF2-40B4-BE49-F238E27FC236}">
-                            <a16:creationId xmlns="" xmlns:a16="http://schemas.microsoft.com/office/drawing/2014/main" id="{03279640-78F8-45D4-95D1-3764663213E0}"/>
+                            <a16:creationId xmlns:a16="http://schemas.microsoft.com/office/drawing/2014/main" xmlns="" id="{03279640-78F8-45D4-95D1-3764663213E0}"/>
                           </a:ext>
                         </a:extLst>
                       </p:cNvPr>
@@ -5383,7 +8522,7 @@
                     <p:cNvPr id="46" name="Grouper 91">
                       <a:extLst>
                         <a:ext uri="{FF2B5EF4-FFF2-40B4-BE49-F238E27FC236}">
-                          <a16:creationId xmlns="" xmlns:a16="http://schemas.microsoft.com/office/drawing/2014/main" id="{150A1D0A-A1C0-4009-86A9-EFC3111990BE}"/>
+                          <a16:creationId xmlns:a16="http://schemas.microsoft.com/office/drawing/2014/main" xmlns="" id="{150A1D0A-A1C0-4009-86A9-EFC3111990BE}"/>
                         </a:ext>
                       </a:extLst>
                     </p:cNvPr>
@@ -5403,7 +8542,7 @@
                       <p:cNvPr id="50" name="Connecteur droit 49">
                         <a:extLst>
                           <a:ext uri="{FF2B5EF4-FFF2-40B4-BE49-F238E27FC236}">
-                            <a16:creationId xmlns="" xmlns:a16="http://schemas.microsoft.com/office/drawing/2014/main" id="{7CFA150A-4557-4613-92EF-76CEC0F96008}"/>
+                            <a16:creationId xmlns:a16="http://schemas.microsoft.com/office/drawing/2014/main" xmlns="" id="{7CFA150A-4557-4613-92EF-76CEC0F96008}"/>
                           </a:ext>
                         </a:extLst>
                       </p:cNvPr>
@@ -5445,7 +8584,7 @@
                       <p:cNvPr id="51" name="Connecteur droit 50">
                         <a:extLst>
                           <a:ext uri="{FF2B5EF4-FFF2-40B4-BE49-F238E27FC236}">
-                            <a16:creationId xmlns="" xmlns:a16="http://schemas.microsoft.com/office/drawing/2014/main" id="{A8CB4CBF-10D5-4875-89BD-C50B9FC4F172}"/>
+                            <a16:creationId xmlns:a16="http://schemas.microsoft.com/office/drawing/2014/main" xmlns="" id="{A8CB4CBF-10D5-4875-89BD-C50B9FC4F172}"/>
                           </a:ext>
                         </a:extLst>
                       </p:cNvPr>
@@ -5488,7 +8627,7 @@
                     <p:cNvPr id="47" name="Grouper 92">
                       <a:extLst>
                         <a:ext uri="{FF2B5EF4-FFF2-40B4-BE49-F238E27FC236}">
-                          <a16:creationId xmlns="" xmlns:a16="http://schemas.microsoft.com/office/drawing/2014/main" id="{940CB44A-AA17-4F31-80D5-E996884FF4F2}"/>
+                          <a16:creationId xmlns:a16="http://schemas.microsoft.com/office/drawing/2014/main" xmlns="" id="{940CB44A-AA17-4F31-80D5-E996884FF4F2}"/>
                         </a:ext>
                       </a:extLst>
                     </p:cNvPr>
@@ -5508,7 +8647,7 @@
                       <p:cNvPr id="48" name="Connecteur droit 47">
                         <a:extLst>
                           <a:ext uri="{FF2B5EF4-FFF2-40B4-BE49-F238E27FC236}">
-                            <a16:creationId xmlns="" xmlns:a16="http://schemas.microsoft.com/office/drawing/2014/main" id="{F54EAE8D-B716-4952-A52C-A45018C6970D}"/>
+                            <a16:creationId xmlns:a16="http://schemas.microsoft.com/office/drawing/2014/main" xmlns="" id="{F54EAE8D-B716-4952-A52C-A45018C6970D}"/>
                           </a:ext>
                         </a:extLst>
                       </p:cNvPr>
@@ -5550,7 +8689,7 @@
                       <p:cNvPr id="49" name="Connecteur droit 48">
                         <a:extLst>
                           <a:ext uri="{FF2B5EF4-FFF2-40B4-BE49-F238E27FC236}">
-                            <a16:creationId xmlns="" xmlns:a16="http://schemas.microsoft.com/office/drawing/2014/main" id="{3E406D1E-88FB-4E78-BBBE-8976DB2A926D}"/>
+                            <a16:creationId xmlns:a16="http://schemas.microsoft.com/office/drawing/2014/main" xmlns="" id="{3E406D1E-88FB-4E78-BBBE-8976DB2A926D}"/>
                           </a:ext>
                         </a:extLst>
                       </p:cNvPr>
@@ -5594,7 +8733,7 @@
                   <p:cNvPr id="31" name="Grouper 76">
                     <a:extLst>
                       <a:ext uri="{FF2B5EF4-FFF2-40B4-BE49-F238E27FC236}">
-                        <a16:creationId xmlns="" xmlns:a16="http://schemas.microsoft.com/office/drawing/2014/main" id="{4D53651E-F881-40BB-9801-2D3A6DF799B1}"/>
+                        <a16:creationId xmlns:a16="http://schemas.microsoft.com/office/drawing/2014/main" xmlns="" id="{4D53651E-F881-40BB-9801-2D3A6DF799B1}"/>
                       </a:ext>
                     </a:extLst>
                   </p:cNvPr>
@@ -5614,7 +8753,7 @@
                     <p:cNvPr id="32" name="Grouper 77">
                       <a:extLst>
                         <a:ext uri="{FF2B5EF4-FFF2-40B4-BE49-F238E27FC236}">
-                          <a16:creationId xmlns="" xmlns:a16="http://schemas.microsoft.com/office/drawing/2014/main" id="{01DE92F4-9AD9-43CF-BAB2-952257B0D0CD}"/>
+                          <a16:creationId xmlns:a16="http://schemas.microsoft.com/office/drawing/2014/main" xmlns="" id="{01DE92F4-9AD9-43CF-BAB2-952257B0D0CD}"/>
                         </a:ext>
                       </a:extLst>
                     </p:cNvPr>
@@ -5634,7 +8773,7 @@
                       <p:cNvPr id="42" name="Connecteur droit 41">
                         <a:extLst>
                           <a:ext uri="{FF2B5EF4-FFF2-40B4-BE49-F238E27FC236}">
-                            <a16:creationId xmlns="" xmlns:a16="http://schemas.microsoft.com/office/drawing/2014/main" id="{02A2D758-AF88-43F2-9D90-C06EB07E6113}"/>
+                            <a16:creationId xmlns:a16="http://schemas.microsoft.com/office/drawing/2014/main" xmlns="" id="{02A2D758-AF88-43F2-9D90-C06EB07E6113}"/>
                           </a:ext>
                         </a:extLst>
                       </p:cNvPr>
@@ -5676,7 +8815,7 @@
                       <p:cNvPr id="43" name="Connecteur droit 42">
                         <a:extLst>
                           <a:ext uri="{FF2B5EF4-FFF2-40B4-BE49-F238E27FC236}">
-                            <a16:creationId xmlns="" xmlns:a16="http://schemas.microsoft.com/office/drawing/2014/main" id="{7EFB4E84-7B79-441F-8972-96211A1EFB13}"/>
+                            <a16:creationId xmlns:a16="http://schemas.microsoft.com/office/drawing/2014/main" xmlns="" id="{7EFB4E84-7B79-441F-8972-96211A1EFB13}"/>
                           </a:ext>
                         </a:extLst>
                       </p:cNvPr>
@@ -5719,7 +8858,7 @@
                     <p:cNvPr id="33" name="Grouper 78">
                       <a:extLst>
                         <a:ext uri="{FF2B5EF4-FFF2-40B4-BE49-F238E27FC236}">
-                          <a16:creationId xmlns="" xmlns:a16="http://schemas.microsoft.com/office/drawing/2014/main" id="{A7B59A61-9DBD-4011-809E-FDED1C558C01}"/>
+                          <a16:creationId xmlns:a16="http://schemas.microsoft.com/office/drawing/2014/main" xmlns="" id="{A7B59A61-9DBD-4011-809E-FDED1C558C01}"/>
                         </a:ext>
                       </a:extLst>
                     </p:cNvPr>
@@ -5739,7 +8878,7 @@
                       <p:cNvPr id="40" name="Connecteur droit 39">
                         <a:extLst>
                           <a:ext uri="{FF2B5EF4-FFF2-40B4-BE49-F238E27FC236}">
-                            <a16:creationId xmlns="" xmlns:a16="http://schemas.microsoft.com/office/drawing/2014/main" id="{F385CD89-8FA2-4B91-BC38-57972661F58B}"/>
+                            <a16:creationId xmlns:a16="http://schemas.microsoft.com/office/drawing/2014/main" xmlns="" id="{F385CD89-8FA2-4B91-BC38-57972661F58B}"/>
                           </a:ext>
                         </a:extLst>
                       </p:cNvPr>
@@ -5781,7 +8920,7 @@
                       <p:cNvPr id="41" name="Connecteur droit 40">
                         <a:extLst>
                           <a:ext uri="{FF2B5EF4-FFF2-40B4-BE49-F238E27FC236}">
-                            <a16:creationId xmlns="" xmlns:a16="http://schemas.microsoft.com/office/drawing/2014/main" id="{662E7E78-CBC5-4133-B9C4-5CA29E4D1B4F}"/>
+                            <a16:creationId xmlns:a16="http://schemas.microsoft.com/office/drawing/2014/main" xmlns="" id="{662E7E78-CBC5-4133-B9C4-5CA29E4D1B4F}"/>
                           </a:ext>
                         </a:extLst>
                       </p:cNvPr>
@@ -5824,7 +8963,7 @@
                     <p:cNvPr id="34" name="Grouper 79">
                       <a:extLst>
                         <a:ext uri="{FF2B5EF4-FFF2-40B4-BE49-F238E27FC236}">
-                          <a16:creationId xmlns="" xmlns:a16="http://schemas.microsoft.com/office/drawing/2014/main" id="{5D6FA5B0-581C-4DC2-B4B6-ACBD65D647AA}"/>
+                          <a16:creationId xmlns:a16="http://schemas.microsoft.com/office/drawing/2014/main" xmlns="" id="{5D6FA5B0-581C-4DC2-B4B6-ACBD65D647AA}"/>
                         </a:ext>
                       </a:extLst>
                     </p:cNvPr>
@@ -5844,7 +8983,7 @@
                       <p:cNvPr id="38" name="Connecteur droit 37">
                         <a:extLst>
                           <a:ext uri="{FF2B5EF4-FFF2-40B4-BE49-F238E27FC236}">
-                            <a16:creationId xmlns="" xmlns:a16="http://schemas.microsoft.com/office/drawing/2014/main" id="{972D0AE5-13BA-49AA-9B74-8C3C8E0F77E9}"/>
+                            <a16:creationId xmlns:a16="http://schemas.microsoft.com/office/drawing/2014/main" xmlns="" id="{972D0AE5-13BA-49AA-9B74-8C3C8E0F77E9}"/>
                           </a:ext>
                         </a:extLst>
                       </p:cNvPr>
@@ -5886,7 +9025,7 @@
                       <p:cNvPr id="39" name="Connecteur droit 38">
                         <a:extLst>
                           <a:ext uri="{FF2B5EF4-FFF2-40B4-BE49-F238E27FC236}">
-                            <a16:creationId xmlns="" xmlns:a16="http://schemas.microsoft.com/office/drawing/2014/main" id="{68363E9F-295B-464E-8180-7E7109DE2E98}"/>
+                            <a16:creationId xmlns:a16="http://schemas.microsoft.com/office/drawing/2014/main" xmlns="" id="{68363E9F-295B-464E-8180-7E7109DE2E98}"/>
                           </a:ext>
                         </a:extLst>
                       </p:cNvPr>
@@ -5929,7 +9068,7 @@
                     <p:cNvPr id="35" name="Grouper 80">
                       <a:extLst>
                         <a:ext uri="{FF2B5EF4-FFF2-40B4-BE49-F238E27FC236}">
-                          <a16:creationId xmlns="" xmlns:a16="http://schemas.microsoft.com/office/drawing/2014/main" id="{A94BFBEB-D11E-482C-9FA8-E6329D929B9B}"/>
+                          <a16:creationId xmlns:a16="http://schemas.microsoft.com/office/drawing/2014/main" xmlns="" id="{A94BFBEB-D11E-482C-9FA8-E6329D929B9B}"/>
                         </a:ext>
                       </a:extLst>
                     </p:cNvPr>
@@ -5949,7 +9088,7 @@
                       <p:cNvPr id="36" name="Connecteur droit 35">
                         <a:extLst>
                           <a:ext uri="{FF2B5EF4-FFF2-40B4-BE49-F238E27FC236}">
-                            <a16:creationId xmlns="" xmlns:a16="http://schemas.microsoft.com/office/drawing/2014/main" id="{5683A197-B24F-409A-8B02-4CBCF86D4689}"/>
+                            <a16:creationId xmlns:a16="http://schemas.microsoft.com/office/drawing/2014/main" xmlns="" id="{5683A197-B24F-409A-8B02-4CBCF86D4689}"/>
                           </a:ext>
                         </a:extLst>
                       </p:cNvPr>
@@ -5991,7 +9130,7 @@
                       <p:cNvPr id="37" name="Connecteur droit 36">
                         <a:extLst>
                           <a:ext uri="{FF2B5EF4-FFF2-40B4-BE49-F238E27FC236}">
-                            <a16:creationId xmlns="" xmlns:a16="http://schemas.microsoft.com/office/drawing/2014/main" id="{B47D596A-4924-4DF5-90D6-0FEF52062A5D}"/>
+                            <a16:creationId xmlns:a16="http://schemas.microsoft.com/office/drawing/2014/main" xmlns="" id="{B47D596A-4924-4DF5-90D6-0FEF52062A5D}"/>
                           </a:ext>
                         </a:extLst>
                       </p:cNvPr>
@@ -6036,7 +9175,7 @@
                 <p:cNvPr id="25" name="Rectangle à coins arrondis 70">
                   <a:extLst>
                     <a:ext uri="{FF2B5EF4-FFF2-40B4-BE49-F238E27FC236}">
-                      <a16:creationId xmlns="" xmlns:a16="http://schemas.microsoft.com/office/drawing/2014/main" id="{5BFDB0C9-FA7C-4B5A-8E70-355D0CEA4EAF}"/>
+                      <a16:creationId xmlns:a16="http://schemas.microsoft.com/office/drawing/2014/main" xmlns="" id="{5BFDB0C9-FA7C-4B5A-8E70-355D0CEA4EAF}"/>
                     </a:ext>
                   </a:extLst>
                 </p:cNvPr>
@@ -6094,7 +9233,7 @@
               <p:cNvPr id="12" name="ZoneTexte 11">
                 <a:extLst>
                   <a:ext uri="{FF2B5EF4-FFF2-40B4-BE49-F238E27FC236}">
-                    <a16:creationId xmlns="" xmlns:a16="http://schemas.microsoft.com/office/drawing/2014/main" id="{2D3CA78A-133B-4B7E-95D7-277085679B66}"/>
+                    <a16:creationId xmlns:a16="http://schemas.microsoft.com/office/drawing/2014/main" xmlns="" id="{2D3CA78A-133B-4B7E-95D7-277085679B66}"/>
                   </a:ext>
                 </a:extLst>
               </p:cNvPr>
@@ -6136,7 +9275,7 @@
               <p:cNvPr id="13" name="ZoneTexte 12">
                 <a:extLst>
                   <a:ext uri="{FF2B5EF4-FFF2-40B4-BE49-F238E27FC236}">
-                    <a16:creationId xmlns="" xmlns:a16="http://schemas.microsoft.com/office/drawing/2014/main" id="{E4100E4F-C25C-43F5-900D-2CF6DFF0AA7A}"/>
+                    <a16:creationId xmlns:a16="http://schemas.microsoft.com/office/drawing/2014/main" xmlns="" id="{E4100E4F-C25C-43F5-900D-2CF6DFF0AA7A}"/>
                   </a:ext>
                 </a:extLst>
               </p:cNvPr>
@@ -6171,7 +9310,7 @@
               <p:cNvPr id="14" name="ZoneTexte 13">
                 <a:extLst>
                   <a:ext uri="{FF2B5EF4-FFF2-40B4-BE49-F238E27FC236}">
-                    <a16:creationId xmlns="" xmlns:a16="http://schemas.microsoft.com/office/drawing/2014/main" id="{AEAF1197-5FAE-4D74-84A5-8FA53524F64D}"/>
+                    <a16:creationId xmlns:a16="http://schemas.microsoft.com/office/drawing/2014/main" xmlns="" id="{AEAF1197-5FAE-4D74-84A5-8FA53524F64D}"/>
                   </a:ext>
                 </a:extLst>
               </p:cNvPr>
@@ -6223,7 +9362,7 @@
               <p:cNvPr id="15" name="Flèche vers la droite 129">
                 <a:extLst>
                   <a:ext uri="{FF2B5EF4-FFF2-40B4-BE49-F238E27FC236}">
-                    <a16:creationId xmlns="" xmlns:a16="http://schemas.microsoft.com/office/drawing/2014/main" id="{2A27B422-EDCC-423C-97A1-0F89C3E46FC8}"/>
+                    <a16:creationId xmlns:a16="http://schemas.microsoft.com/office/drawing/2014/main" xmlns="" id="{2A27B422-EDCC-423C-97A1-0F89C3E46FC8}"/>
                   </a:ext>
                 </a:extLst>
               </p:cNvPr>
@@ -6281,7 +9420,7 @@
               <p:cNvPr id="16" name="Flèche vers la droite 130">
                 <a:extLst>
                   <a:ext uri="{FF2B5EF4-FFF2-40B4-BE49-F238E27FC236}">
-                    <a16:creationId xmlns="" xmlns:a16="http://schemas.microsoft.com/office/drawing/2014/main" id="{DE535654-6DA4-491E-885F-393303F707AF}"/>
+                    <a16:creationId xmlns:a16="http://schemas.microsoft.com/office/drawing/2014/main" xmlns="" id="{DE535654-6DA4-491E-885F-393303F707AF}"/>
                   </a:ext>
                 </a:extLst>
               </p:cNvPr>
@@ -6339,7 +9478,7 @@
               <p:cNvPr id="17" name="Flèche vers la droite 131">
                 <a:extLst>
                   <a:ext uri="{FF2B5EF4-FFF2-40B4-BE49-F238E27FC236}">
-                    <a16:creationId xmlns="" xmlns:a16="http://schemas.microsoft.com/office/drawing/2014/main" id="{F202C734-D73A-4305-B572-92726DF1E6A6}"/>
+                    <a16:creationId xmlns:a16="http://schemas.microsoft.com/office/drawing/2014/main" xmlns="" id="{F202C734-D73A-4305-B572-92726DF1E6A6}"/>
                   </a:ext>
                 </a:extLst>
               </p:cNvPr>
@@ -6397,7 +9536,7 @@
               <p:cNvPr id="18" name="Flèche vers la droite 132">
                 <a:extLst>
                   <a:ext uri="{FF2B5EF4-FFF2-40B4-BE49-F238E27FC236}">
-                    <a16:creationId xmlns="" xmlns:a16="http://schemas.microsoft.com/office/drawing/2014/main" id="{F57D0BDA-50DA-4928-9540-9606334C0C69}"/>
+                    <a16:creationId xmlns:a16="http://schemas.microsoft.com/office/drawing/2014/main" xmlns="" id="{F57D0BDA-50DA-4928-9540-9606334C0C69}"/>
                   </a:ext>
                 </a:extLst>
               </p:cNvPr>
@@ -6455,7 +9594,7 @@
               <p:cNvPr id="19" name="ZoneTexte 18">
                 <a:extLst>
                   <a:ext uri="{FF2B5EF4-FFF2-40B4-BE49-F238E27FC236}">
-                    <a16:creationId xmlns="" xmlns:a16="http://schemas.microsoft.com/office/drawing/2014/main" id="{C3116ACA-C02F-45D2-8653-AA73A66F8C71}"/>
+                    <a16:creationId xmlns:a16="http://schemas.microsoft.com/office/drawing/2014/main" xmlns="" id="{C3116ACA-C02F-45D2-8653-AA73A66F8C71}"/>
                   </a:ext>
                 </a:extLst>
               </p:cNvPr>
@@ -6498,7 +9637,7 @@
               <p:cNvPr id="20" name="Flèche vers la droite 134">
                 <a:extLst>
                   <a:ext uri="{FF2B5EF4-FFF2-40B4-BE49-F238E27FC236}">
-                    <a16:creationId xmlns="" xmlns:a16="http://schemas.microsoft.com/office/drawing/2014/main" id="{1C16651C-6BB5-4AF5-A3D8-9AC0DCF4F750}"/>
+                    <a16:creationId xmlns:a16="http://schemas.microsoft.com/office/drawing/2014/main" xmlns="" id="{1C16651C-6BB5-4AF5-A3D8-9AC0DCF4F750}"/>
                   </a:ext>
                 </a:extLst>
               </p:cNvPr>
@@ -6556,7 +9695,7 @@
               <p:cNvPr id="21" name="ZoneTexte 20">
                 <a:extLst>
                   <a:ext uri="{FF2B5EF4-FFF2-40B4-BE49-F238E27FC236}">
-                    <a16:creationId xmlns="" xmlns:a16="http://schemas.microsoft.com/office/drawing/2014/main" id="{7F429A19-0C6C-4A63-BEE5-070599D6CA43}"/>
+                    <a16:creationId xmlns:a16="http://schemas.microsoft.com/office/drawing/2014/main" xmlns="" id="{7F429A19-0C6C-4A63-BEE5-070599D6CA43}"/>
                   </a:ext>
                 </a:extLst>
               </p:cNvPr>
@@ -6600,7 +9739,7 @@
               <p:cNvPr id="22" name="ZoneTexte 21">
                 <a:extLst>
                   <a:ext uri="{FF2B5EF4-FFF2-40B4-BE49-F238E27FC236}">
-                    <a16:creationId xmlns="" xmlns:a16="http://schemas.microsoft.com/office/drawing/2014/main" id="{F74F78E3-FF56-41C3-BE88-37E0EAD2CE28}"/>
+                    <a16:creationId xmlns:a16="http://schemas.microsoft.com/office/drawing/2014/main" xmlns="" id="{F74F78E3-FF56-41C3-BE88-37E0EAD2CE28}"/>
                   </a:ext>
                 </a:extLst>
               </p:cNvPr>
@@ -6635,7 +9774,7 @@
               <p:cNvPr id="23" name="Flèche vers la droite 137">
                 <a:extLst>
                   <a:ext uri="{FF2B5EF4-FFF2-40B4-BE49-F238E27FC236}">
-                    <a16:creationId xmlns="" xmlns:a16="http://schemas.microsoft.com/office/drawing/2014/main" id="{73786084-AA87-4592-B31C-A130EB131365}"/>
+                    <a16:creationId xmlns:a16="http://schemas.microsoft.com/office/drawing/2014/main" xmlns="" id="{73786084-AA87-4592-B31C-A130EB131365}"/>
                   </a:ext>
                 </a:extLst>
               </p:cNvPr>
@@ -6696,7 +9835,7 @@
                 <p:cNvPr id="9" name="ZoneTexte 8">
                   <a:extLst>
                     <a:ext uri="{FF2B5EF4-FFF2-40B4-BE49-F238E27FC236}">
-                      <a16:creationId xmlns="" xmlns:a16="http://schemas.microsoft.com/office/drawing/2014/main" id="{B2AD1845-005D-4D56-8DD3-7B8026BCC5A3}"/>
+                      <a16:creationId xmlns:a16="http://schemas.microsoft.com/office/drawing/2014/main" xmlns="" id="{B2AD1845-005D-4D56-8DD3-7B8026BCC5A3}"/>
                     </a:ext>
                   </a:extLst>
                 </p:cNvPr>
@@ -7369,7 +10508,23 @@
                   <a:srgbClr val="0070C0"/>
                 </a:solidFill>
               </a:rPr>
-              <a:t>  Synthèse industrielle de l’eau de Javel</a:t>
+              <a:t>  Synthèse industrielle </a:t>
+            </a:r>
+            <a:r>
+              <a:rPr lang="fr-FR" sz="3600" b="1" dirty="0" smtClean="0">
+                <a:solidFill>
+                  <a:srgbClr val="0070C0"/>
+                </a:solidFill>
+              </a:rPr>
+              <a:t>du </a:t>
+            </a:r>
+            <a:r>
+              <a:rPr lang="fr-FR" sz="3600" b="1" dirty="0" err="1" smtClean="0">
+                <a:solidFill>
+                  <a:srgbClr val="0070C0"/>
+                </a:solidFill>
+              </a:rPr>
+              <a:t>dichlore</a:t>
             </a:r>
             <a:endParaRPr lang="fr-FR" sz="3600" dirty="0">
               <a:solidFill>
@@ -7434,7 +10589,7 @@
           <p:nvPr>
             <p:extLst>
               <p:ext uri="{D42A27DB-BD31-4B8C-83A1-F6EECF244321}">
-                <p14:modId xmlns:p14="http://schemas.microsoft.com/office/powerpoint/2010/main" val="3415624561"/>
+                <p14:modId xmlns:p14="http://schemas.microsoft.com/office/powerpoint/2010/main" val="788754235"/>
               </p:ext>
             </p:extLst>
           </p:nvPr>
@@ -7643,6 +10798,14 @@
                     <a:bodyPr/>
                     <a:lstStyle/>
                     <a:p>
+                      <a:r>
+                        <a:rPr lang="fr-FR" dirty="0" smtClean="0"/>
+                        <a:t>Consommation énergétique</a:t>
+                      </a:r>
+                      <a:r>
+                        <a:rPr lang="fr-FR" baseline="0" dirty="0" smtClean="0"/>
+                        <a:t> élevée</a:t>
+                      </a:r>
                       <a:endParaRPr lang="fr-FR" dirty="0"/>
                     </a:p>
                   </a:txBody>
@@ -7854,7 +11017,7 @@
               <p:cNvPr id="86" name="ZoneTexte 85">
                 <a:extLst>
                   <a:ext uri="{FF2B5EF4-FFF2-40B4-BE49-F238E27FC236}">
-                    <a16:creationId xmlns="" xmlns:a16="http://schemas.microsoft.com/office/drawing/2014/main" id="{B2AD1845-005D-4D56-8DD3-7B8026BCC5A3}"/>
+                    <a16:creationId xmlns:a16="http://schemas.microsoft.com/office/drawing/2014/main" xmlns="" id="{B2AD1845-005D-4D56-8DD3-7B8026BCC5A3}"/>
                   </a:ext>
                 </a:extLst>
               </p:cNvPr>
@@ -8526,7 +11689,31 @@
                   <a:srgbClr val="0070C0"/>
                 </a:solidFill>
               </a:rPr>
-              <a:t>  Exemple de complexe</a:t>
+              <a:t>  Exemple de </a:t>
+            </a:r>
+            <a:r>
+              <a:rPr lang="fr-FR" sz="3600" b="1" dirty="0" smtClean="0">
+                <a:solidFill>
+                  <a:srgbClr val="0070C0"/>
+                </a:solidFill>
+              </a:rPr>
+              <a:t>complexe : l’</a:t>
+            </a:r>
+            <a:r>
+              <a:rPr lang="fr-FR" sz="3600" b="1" dirty="0" err="1" smtClean="0">
+                <a:solidFill>
+                  <a:srgbClr val="0070C0"/>
+                </a:solidFill>
+              </a:rPr>
+              <a:t>hexaaquacuivre</a:t>
+            </a:r>
+            <a:r>
+              <a:rPr lang="fr-FR" sz="3600" b="1" dirty="0" smtClean="0">
+                <a:solidFill>
+                  <a:srgbClr val="0070C0"/>
+                </a:solidFill>
+              </a:rPr>
+              <a:t> (II)</a:t>
             </a:r>
             <a:endParaRPr lang="fr-FR" sz="3600" dirty="0">
               <a:solidFill>
@@ -8765,7 +11952,7 @@
           <p:cNvPr id="7" name="Image 6">
             <a:extLst>
               <a:ext uri="{FF2B5EF4-FFF2-40B4-BE49-F238E27FC236}">
-                <a16:creationId xmlns="" xmlns:a16="http://schemas.microsoft.com/office/drawing/2014/main" id="{72C1696C-D7CB-49C0-ACD7-0768368612C5}"/>
+                <a16:creationId xmlns:a16="http://schemas.microsoft.com/office/drawing/2014/main" xmlns="" id="{72C1696C-D7CB-49C0-ACD7-0768368612C5}"/>
               </a:ext>
             </a:extLst>
           </p:cNvPr>
@@ -11113,7 +14300,7 @@
         </p:nvSpPr>
         <p:spPr>
           <a:xfrm>
-            <a:off x="10715200" y="3672381"/>
+            <a:off x="10787624" y="3672381"/>
             <a:ext cx="341760" cy="707886"/>
           </a:xfrm>
           <a:prstGeom prst="rect">
@@ -11173,7 +14360,7 @@
         </p:nvSpPr>
         <p:spPr>
           <a:xfrm>
-            <a:off x="10696648" y="1960139"/>
+            <a:off x="10778127" y="1960139"/>
             <a:ext cx="341760" cy="707886"/>
           </a:xfrm>
           <a:prstGeom prst="rect">
@@ -11295,7 +14482,7 @@
         </p:nvSpPr>
         <p:spPr>
           <a:xfrm>
-            <a:off x="6932573" y="1813772"/>
+            <a:off x="6914454" y="1852338"/>
             <a:ext cx="648000" cy="648182"/>
           </a:xfrm>
           <a:prstGeom prst="ellipse">
@@ -11479,7 +14666,7 @@
         </p:nvSpPr>
         <p:spPr>
           <a:xfrm>
-            <a:off x="10378987" y="2137863"/>
+            <a:off x="10426355" y="2137863"/>
             <a:ext cx="648000" cy="648182"/>
           </a:xfrm>
           <a:prstGeom prst="ellipse">
@@ -11525,7 +14712,7 @@
         </p:nvSpPr>
         <p:spPr>
           <a:xfrm>
-            <a:off x="10378987" y="3842715"/>
+            <a:off x="10417435" y="3824991"/>
             <a:ext cx="648000" cy="648182"/>
           </a:xfrm>
           <a:prstGeom prst="ellipse">
@@ -11563,6 +14750,566 @@
           </a:p>
         </p:txBody>
       </p:sp>
+      <p:cxnSp>
+        <p:nvCxnSpPr>
+          <p:cNvPr id="20" name="Connecteur droit 19"/>
+          <p:cNvCxnSpPr/>
+          <p:nvPr/>
+        </p:nvCxnSpPr>
+        <p:spPr>
+          <a:xfrm>
+            <a:off x="2779414" y="2229040"/>
+            <a:ext cx="0" cy="288000"/>
+          </a:xfrm>
+          <a:prstGeom prst="line">
+            <a:avLst/>
+          </a:prstGeom>
+          <a:ln w="28575">
+            <a:solidFill>
+              <a:schemeClr val="tx1"/>
+            </a:solidFill>
+          </a:ln>
+        </p:spPr>
+        <p:style>
+          <a:lnRef idx="1">
+            <a:schemeClr val="accent1"/>
+          </a:lnRef>
+          <a:fillRef idx="0">
+            <a:schemeClr val="accent1"/>
+          </a:fillRef>
+          <a:effectRef idx="0">
+            <a:schemeClr val="accent1"/>
+          </a:effectRef>
+          <a:fontRef idx="minor">
+            <a:schemeClr val="tx1"/>
+          </a:fontRef>
+        </p:style>
+      </p:cxnSp>
+      <p:cxnSp>
+        <p:nvCxnSpPr>
+          <p:cNvPr id="28" name="Connecteur droit 27"/>
+          <p:cNvCxnSpPr/>
+          <p:nvPr/>
+        </p:nvCxnSpPr>
+        <p:spPr>
+          <a:xfrm>
+            <a:off x="1750379" y="2786045"/>
+            <a:ext cx="288000" cy="0"/>
+          </a:xfrm>
+          <a:prstGeom prst="line">
+            <a:avLst/>
+          </a:prstGeom>
+          <a:ln w="28575">
+            <a:solidFill>
+              <a:schemeClr val="tx1"/>
+            </a:solidFill>
+          </a:ln>
+        </p:spPr>
+        <p:style>
+          <a:lnRef idx="1">
+            <a:schemeClr val="accent1"/>
+          </a:lnRef>
+          <a:fillRef idx="0">
+            <a:schemeClr val="accent1"/>
+          </a:fillRef>
+          <a:effectRef idx="0">
+            <a:schemeClr val="accent1"/>
+          </a:effectRef>
+          <a:fontRef idx="minor">
+            <a:schemeClr val="tx1"/>
+          </a:fontRef>
+        </p:style>
+      </p:cxnSp>
+      <p:cxnSp>
+        <p:nvCxnSpPr>
+          <p:cNvPr id="29" name="Connecteur droit 28"/>
+          <p:cNvCxnSpPr/>
+          <p:nvPr/>
+        </p:nvCxnSpPr>
+        <p:spPr>
+          <a:xfrm>
+            <a:off x="8059135" y="3110461"/>
+            <a:ext cx="288000" cy="0"/>
+          </a:xfrm>
+          <a:prstGeom prst="line">
+            <a:avLst/>
+          </a:prstGeom>
+          <a:ln w="28575">
+            <a:solidFill>
+              <a:schemeClr val="tx1"/>
+            </a:solidFill>
+          </a:ln>
+        </p:spPr>
+        <p:style>
+          <a:lnRef idx="1">
+            <a:schemeClr val="accent1"/>
+          </a:lnRef>
+          <a:fillRef idx="0">
+            <a:schemeClr val="accent1"/>
+          </a:fillRef>
+          <a:effectRef idx="0">
+            <a:schemeClr val="accent1"/>
+          </a:effectRef>
+          <a:fontRef idx="minor">
+            <a:schemeClr val="tx1"/>
+          </a:fontRef>
+        </p:style>
+      </p:cxnSp>
+      <p:cxnSp>
+        <p:nvCxnSpPr>
+          <p:cNvPr id="30" name="Connecteur droit 29"/>
+          <p:cNvCxnSpPr/>
+          <p:nvPr/>
+        </p:nvCxnSpPr>
+        <p:spPr>
+          <a:xfrm>
+            <a:off x="9542395" y="3208540"/>
+            <a:ext cx="288000" cy="0"/>
+          </a:xfrm>
+          <a:prstGeom prst="line">
+            <a:avLst/>
+          </a:prstGeom>
+          <a:ln w="28575">
+            <a:solidFill>
+              <a:schemeClr val="tx1"/>
+            </a:solidFill>
+          </a:ln>
+        </p:spPr>
+        <p:style>
+          <a:lnRef idx="1">
+            <a:schemeClr val="accent1"/>
+          </a:lnRef>
+          <a:fillRef idx="0">
+            <a:schemeClr val="accent1"/>
+          </a:fillRef>
+          <a:effectRef idx="0">
+            <a:schemeClr val="accent1"/>
+          </a:effectRef>
+          <a:fontRef idx="minor">
+            <a:schemeClr val="tx1"/>
+          </a:fontRef>
+        </p:style>
+      </p:cxnSp>
+      <p:cxnSp>
+        <p:nvCxnSpPr>
+          <p:cNvPr id="31" name="Connecteur droit 30"/>
+          <p:cNvCxnSpPr/>
+          <p:nvPr/>
+        </p:nvCxnSpPr>
+        <p:spPr>
+          <a:xfrm>
+            <a:off x="10524675" y="4353108"/>
+            <a:ext cx="288000" cy="0"/>
+          </a:xfrm>
+          <a:prstGeom prst="line">
+            <a:avLst/>
+          </a:prstGeom>
+          <a:ln w="28575">
+            <a:solidFill>
+              <a:schemeClr val="tx1"/>
+            </a:solidFill>
+          </a:ln>
+        </p:spPr>
+        <p:style>
+          <a:lnRef idx="1">
+            <a:schemeClr val="accent1"/>
+          </a:lnRef>
+          <a:fillRef idx="0">
+            <a:schemeClr val="accent1"/>
+          </a:fillRef>
+          <a:effectRef idx="0">
+            <a:schemeClr val="accent1"/>
+          </a:effectRef>
+          <a:fontRef idx="minor">
+            <a:schemeClr val="tx1"/>
+          </a:fontRef>
+        </p:style>
+      </p:cxnSp>
+      <p:cxnSp>
+        <p:nvCxnSpPr>
+          <p:cNvPr id="32" name="Connecteur droit 31"/>
+          <p:cNvCxnSpPr/>
+          <p:nvPr/>
+        </p:nvCxnSpPr>
+        <p:spPr>
+          <a:xfrm>
+            <a:off x="10521535" y="3967522"/>
+            <a:ext cx="288000" cy="0"/>
+          </a:xfrm>
+          <a:prstGeom prst="line">
+            <a:avLst/>
+          </a:prstGeom>
+          <a:ln w="28575">
+            <a:solidFill>
+              <a:schemeClr val="tx1"/>
+            </a:solidFill>
+          </a:ln>
+        </p:spPr>
+        <p:style>
+          <a:lnRef idx="1">
+            <a:schemeClr val="accent1"/>
+          </a:lnRef>
+          <a:fillRef idx="0">
+            <a:schemeClr val="accent1"/>
+          </a:fillRef>
+          <a:effectRef idx="0">
+            <a:schemeClr val="accent1"/>
+          </a:effectRef>
+          <a:fontRef idx="minor">
+            <a:schemeClr val="tx1"/>
+          </a:fontRef>
+        </p:style>
+      </p:cxnSp>
+      <p:cxnSp>
+        <p:nvCxnSpPr>
+          <p:cNvPr id="33" name="Connecteur droit 32"/>
+          <p:cNvCxnSpPr/>
+          <p:nvPr/>
+        </p:nvCxnSpPr>
+        <p:spPr>
+          <a:xfrm>
+            <a:off x="7068813" y="2354007"/>
+            <a:ext cx="288000" cy="0"/>
+          </a:xfrm>
+          <a:prstGeom prst="line">
+            <a:avLst/>
+          </a:prstGeom>
+          <a:ln w="28575">
+            <a:solidFill>
+              <a:schemeClr val="tx1"/>
+            </a:solidFill>
+          </a:ln>
+        </p:spPr>
+        <p:style>
+          <a:lnRef idx="1">
+            <a:schemeClr val="accent1"/>
+          </a:lnRef>
+          <a:fillRef idx="0">
+            <a:schemeClr val="accent1"/>
+          </a:fillRef>
+          <a:effectRef idx="0">
+            <a:schemeClr val="accent1"/>
+          </a:effectRef>
+          <a:fontRef idx="minor">
+            <a:schemeClr val="tx1"/>
+          </a:fontRef>
+        </p:style>
+      </p:cxnSp>
+      <p:cxnSp>
+        <p:nvCxnSpPr>
+          <p:cNvPr id="34" name="Connecteur droit 33"/>
+          <p:cNvCxnSpPr/>
+          <p:nvPr/>
+        </p:nvCxnSpPr>
+        <p:spPr>
+          <a:xfrm>
+            <a:off x="7068813" y="1960139"/>
+            <a:ext cx="288000" cy="0"/>
+          </a:xfrm>
+          <a:prstGeom prst="line">
+            <a:avLst/>
+          </a:prstGeom>
+          <a:ln w="28575">
+            <a:solidFill>
+              <a:schemeClr val="tx1"/>
+            </a:solidFill>
+          </a:ln>
+        </p:spPr>
+        <p:style>
+          <a:lnRef idx="1">
+            <a:schemeClr val="accent1"/>
+          </a:lnRef>
+          <a:fillRef idx="0">
+            <a:schemeClr val="accent1"/>
+          </a:fillRef>
+          <a:effectRef idx="0">
+            <a:schemeClr val="accent1"/>
+          </a:effectRef>
+          <a:fontRef idx="minor">
+            <a:schemeClr val="tx1"/>
+          </a:fontRef>
+        </p:style>
+      </p:cxnSp>
+      <p:cxnSp>
+        <p:nvCxnSpPr>
+          <p:cNvPr id="35" name="Connecteur droit 34"/>
+          <p:cNvCxnSpPr/>
+          <p:nvPr/>
+        </p:nvCxnSpPr>
+        <p:spPr>
+          <a:xfrm>
+            <a:off x="7068813" y="3672381"/>
+            <a:ext cx="288000" cy="0"/>
+          </a:xfrm>
+          <a:prstGeom prst="line">
+            <a:avLst/>
+          </a:prstGeom>
+          <a:ln w="28575">
+            <a:solidFill>
+              <a:schemeClr val="tx1"/>
+            </a:solidFill>
+          </a:ln>
+        </p:spPr>
+        <p:style>
+          <a:lnRef idx="1">
+            <a:schemeClr val="accent1"/>
+          </a:lnRef>
+          <a:fillRef idx="0">
+            <a:schemeClr val="accent1"/>
+          </a:fillRef>
+          <a:effectRef idx="0">
+            <a:schemeClr val="accent1"/>
+          </a:effectRef>
+          <a:fontRef idx="minor">
+            <a:schemeClr val="tx1"/>
+          </a:fontRef>
+        </p:style>
+      </p:cxnSp>
+      <p:cxnSp>
+        <p:nvCxnSpPr>
+          <p:cNvPr id="36" name="Connecteur droit 35"/>
+          <p:cNvCxnSpPr/>
+          <p:nvPr/>
+        </p:nvCxnSpPr>
+        <p:spPr>
+          <a:xfrm>
+            <a:off x="7068813" y="4075498"/>
+            <a:ext cx="288000" cy="0"/>
+          </a:xfrm>
+          <a:prstGeom prst="line">
+            <a:avLst/>
+          </a:prstGeom>
+          <a:ln w="28575">
+            <a:solidFill>
+              <a:schemeClr val="tx1"/>
+            </a:solidFill>
+          </a:ln>
+        </p:spPr>
+        <p:style>
+          <a:lnRef idx="1">
+            <a:schemeClr val="accent1"/>
+          </a:lnRef>
+          <a:fillRef idx="0">
+            <a:schemeClr val="accent1"/>
+          </a:fillRef>
+          <a:effectRef idx="0">
+            <a:schemeClr val="accent1"/>
+          </a:effectRef>
+          <a:fontRef idx="minor">
+            <a:schemeClr val="tx1"/>
+          </a:fontRef>
+        </p:style>
+      </p:cxnSp>
+      <p:cxnSp>
+        <p:nvCxnSpPr>
+          <p:cNvPr id="37" name="Connecteur droit 36"/>
+          <p:cNvCxnSpPr/>
+          <p:nvPr/>
+        </p:nvCxnSpPr>
+        <p:spPr>
+          <a:xfrm>
+            <a:off x="7023548" y="3725898"/>
+            <a:ext cx="0" cy="288000"/>
+          </a:xfrm>
+          <a:prstGeom prst="line">
+            <a:avLst/>
+          </a:prstGeom>
+          <a:ln w="28575">
+            <a:solidFill>
+              <a:schemeClr val="tx1"/>
+            </a:solidFill>
+          </a:ln>
+        </p:spPr>
+        <p:style>
+          <a:lnRef idx="1">
+            <a:schemeClr val="accent1"/>
+          </a:lnRef>
+          <a:fillRef idx="0">
+            <a:schemeClr val="accent1"/>
+          </a:fillRef>
+          <a:effectRef idx="0">
+            <a:schemeClr val="accent1"/>
+          </a:effectRef>
+          <a:fontRef idx="minor">
+            <a:schemeClr val="tx1"/>
+          </a:fontRef>
+        </p:style>
+      </p:cxnSp>
+      <p:cxnSp>
+        <p:nvCxnSpPr>
+          <p:cNvPr id="38" name="Connecteur droit 37"/>
+          <p:cNvCxnSpPr/>
+          <p:nvPr/>
+        </p:nvCxnSpPr>
+        <p:spPr>
+          <a:xfrm>
+            <a:off x="7020098" y="2012746"/>
+            <a:ext cx="0" cy="288000"/>
+          </a:xfrm>
+          <a:prstGeom prst="line">
+            <a:avLst/>
+          </a:prstGeom>
+          <a:ln w="28575">
+            <a:solidFill>
+              <a:schemeClr val="tx1"/>
+            </a:solidFill>
+          </a:ln>
+        </p:spPr>
+        <p:style>
+          <a:lnRef idx="1">
+            <a:schemeClr val="accent1"/>
+          </a:lnRef>
+          <a:fillRef idx="0">
+            <a:schemeClr val="accent1"/>
+          </a:fillRef>
+          <a:effectRef idx="0">
+            <a:schemeClr val="accent1"/>
+          </a:effectRef>
+          <a:fontRef idx="minor">
+            <a:schemeClr val="tx1"/>
+          </a:fontRef>
+        </p:style>
+      </p:cxnSp>
+      <p:cxnSp>
+        <p:nvCxnSpPr>
+          <p:cNvPr id="39" name="Connecteur droit 38"/>
+          <p:cNvCxnSpPr/>
+          <p:nvPr/>
+        </p:nvCxnSpPr>
+        <p:spPr>
+          <a:xfrm>
+            <a:off x="10834876" y="2300746"/>
+            <a:ext cx="0" cy="288000"/>
+          </a:xfrm>
+          <a:prstGeom prst="line">
+            <a:avLst/>
+          </a:prstGeom>
+          <a:ln w="28575">
+            <a:solidFill>
+              <a:schemeClr val="tx1"/>
+            </a:solidFill>
+          </a:ln>
+        </p:spPr>
+        <p:style>
+          <a:lnRef idx="1">
+            <a:schemeClr val="accent1"/>
+          </a:lnRef>
+          <a:fillRef idx="0">
+            <a:schemeClr val="accent1"/>
+          </a:fillRef>
+          <a:effectRef idx="0">
+            <a:schemeClr val="accent1"/>
+          </a:effectRef>
+          <a:fontRef idx="minor">
+            <a:schemeClr val="tx1"/>
+          </a:fontRef>
+        </p:style>
+      </p:cxnSp>
+      <p:cxnSp>
+        <p:nvCxnSpPr>
+          <p:cNvPr id="40" name="Connecteur droit 39"/>
+          <p:cNvCxnSpPr/>
+          <p:nvPr/>
+        </p:nvCxnSpPr>
+        <p:spPr>
+          <a:xfrm>
+            <a:off x="10851473" y="4013898"/>
+            <a:ext cx="0" cy="288000"/>
+          </a:xfrm>
+          <a:prstGeom prst="line">
+            <a:avLst/>
+          </a:prstGeom>
+          <a:ln w="28575">
+            <a:solidFill>
+              <a:schemeClr val="tx1"/>
+            </a:solidFill>
+          </a:ln>
+        </p:spPr>
+        <p:style>
+          <a:lnRef idx="1">
+            <a:schemeClr val="accent1"/>
+          </a:lnRef>
+          <a:fillRef idx="0">
+            <a:schemeClr val="accent1"/>
+          </a:fillRef>
+          <a:effectRef idx="0">
+            <a:schemeClr val="accent1"/>
+          </a:effectRef>
+          <a:fontRef idx="minor">
+            <a:schemeClr val="tx1"/>
+          </a:fontRef>
+        </p:style>
+      </p:cxnSp>
+      <p:cxnSp>
+        <p:nvCxnSpPr>
+          <p:cNvPr id="41" name="Connecteur droit 40"/>
+          <p:cNvCxnSpPr/>
+          <p:nvPr/>
+        </p:nvCxnSpPr>
+        <p:spPr>
+          <a:xfrm>
+            <a:off x="10529420" y="2644875"/>
+            <a:ext cx="288000" cy="0"/>
+          </a:xfrm>
+          <a:prstGeom prst="line">
+            <a:avLst/>
+          </a:prstGeom>
+          <a:ln w="28575">
+            <a:solidFill>
+              <a:schemeClr val="tx1"/>
+            </a:solidFill>
+          </a:ln>
+        </p:spPr>
+        <p:style>
+          <a:lnRef idx="1">
+            <a:schemeClr val="accent1"/>
+          </a:lnRef>
+          <a:fillRef idx="0">
+            <a:schemeClr val="accent1"/>
+          </a:fillRef>
+          <a:effectRef idx="0">
+            <a:schemeClr val="accent1"/>
+          </a:effectRef>
+          <a:fontRef idx="minor">
+            <a:schemeClr val="tx1"/>
+          </a:fontRef>
+        </p:style>
+      </p:cxnSp>
+      <p:cxnSp>
+        <p:nvCxnSpPr>
+          <p:cNvPr id="42" name="Connecteur droit 41"/>
+          <p:cNvCxnSpPr/>
+          <p:nvPr/>
+        </p:nvCxnSpPr>
+        <p:spPr>
+          <a:xfrm>
+            <a:off x="10526010" y="2248720"/>
+            <a:ext cx="288000" cy="0"/>
+          </a:xfrm>
+          <a:prstGeom prst="line">
+            <a:avLst/>
+          </a:prstGeom>
+          <a:ln w="28575">
+            <a:solidFill>
+              <a:schemeClr val="tx1"/>
+            </a:solidFill>
+          </a:ln>
+        </p:spPr>
+        <p:style>
+          <a:lnRef idx="1">
+            <a:schemeClr val="accent1"/>
+          </a:lnRef>
+          <a:fillRef idx="0">
+            <a:schemeClr val="accent1"/>
+          </a:fillRef>
+          <a:effectRef idx="0">
+            <a:schemeClr val="accent1"/>
+          </a:effectRef>
+          <a:fontRef idx="minor">
+            <a:schemeClr val="tx1"/>
+          </a:fontRef>
+        </p:style>
+      </p:cxnSp>
     </p:spTree>
     <p:extLst>
       <p:ext uri="{BB962C8B-B14F-4D97-AF65-F5344CB8AC3E}">
@@ -11692,39 +15439,21 @@
                                   </p:childTnLst>
                                 </p:cTn>
                               </p:par>
-                            </p:childTnLst>
-                          </p:cTn>
-                        </p:par>
-                      </p:childTnLst>
-                    </p:cTn>
-                  </p:par>
-                  <p:par>
-                    <p:cTn id="13" fill="hold">
-                      <p:stCondLst>
-                        <p:cond delay="indefinite"/>
-                      </p:stCondLst>
-                      <p:childTnLst>
-                        <p:par>
-                          <p:cTn id="14" fill="hold">
-                            <p:stCondLst>
-                              <p:cond delay="0"/>
-                            </p:stCondLst>
-                            <p:childTnLst>
                               <p:par>
-                                <p:cTn id="15" presetID="1" presetClass="entr" presetSubtype="0" fill="hold" grpId="0" nodeType="clickEffect">
+                                <p:cTn id="13" presetID="1" presetClass="entr" presetSubtype="0" fill="hold" nodeType="withEffect">
                                   <p:stCondLst>
                                     <p:cond delay="0"/>
                                   </p:stCondLst>
                                   <p:childTnLst>
                                     <p:set>
                                       <p:cBhvr>
-                                        <p:cTn id="16" dur="1" fill="hold">
+                                        <p:cTn id="14" dur="1" fill="hold">
                                           <p:stCondLst>
                                             <p:cond delay="0"/>
                                           </p:stCondLst>
                                         </p:cTn>
                                         <p:tgtEl>
-                                          <p:spTgt spid="11"/>
+                                          <p:spTgt spid="31"/>
                                         </p:tgtEl>
                                         <p:attrNameLst>
                                           <p:attrName>style.visibility</p:attrName>
@@ -11738,20 +15467,20 @@
                                 </p:cTn>
                               </p:par>
                               <p:par>
-                                <p:cTn id="17" presetID="1" presetClass="entr" presetSubtype="0" fill="hold" grpId="0" nodeType="withEffect">
+                                <p:cTn id="15" presetID="1" presetClass="entr" presetSubtype="0" fill="hold" nodeType="withEffect">
                                   <p:stCondLst>
                                     <p:cond delay="0"/>
                                   </p:stCondLst>
                                   <p:childTnLst>
                                     <p:set>
                                       <p:cBhvr>
-                                        <p:cTn id="18" dur="1" fill="hold">
+                                        <p:cTn id="16" dur="1" fill="hold">
                                           <p:stCondLst>
                                             <p:cond delay="0"/>
                                           </p:stCondLst>
                                         </p:cTn>
                                         <p:tgtEl>
-                                          <p:spTgt spid="13"/>
+                                          <p:spTgt spid="36"/>
                                         </p:tgtEl>
                                         <p:attrNameLst>
                                           <p:attrName>style.visibility</p:attrName>
@@ -11765,20 +15494,20 @@
                                 </p:cTn>
                               </p:par>
                               <p:par>
-                                <p:cTn id="19" presetID="1" presetClass="entr" presetSubtype="0" fill="hold" grpId="0" nodeType="withEffect">
+                                <p:cTn id="17" presetID="1" presetClass="entr" presetSubtype="0" fill="hold" nodeType="withEffect">
                                   <p:stCondLst>
                                     <p:cond delay="0"/>
                                   </p:stCondLst>
                                   <p:childTnLst>
                                     <p:set>
                                       <p:cBhvr>
-                                        <p:cTn id="20" dur="1" fill="hold">
+                                        <p:cTn id="18" dur="1" fill="hold">
                                           <p:stCondLst>
                                             <p:cond delay="0"/>
                                           </p:stCondLst>
                                         </p:cTn>
                                         <p:tgtEl>
-                                          <p:spTgt spid="14"/>
+                                          <p:spTgt spid="35"/>
                                         </p:tgtEl>
                                         <p:attrNameLst>
                                           <p:attrName>style.visibility</p:attrName>
@@ -11792,20 +15521,20 @@
                                 </p:cTn>
                               </p:par>
                               <p:par>
-                                <p:cTn id="21" presetID="1" presetClass="entr" presetSubtype="0" fill="hold" grpId="0" nodeType="withEffect">
+                                <p:cTn id="19" presetID="1" presetClass="entr" presetSubtype="0" fill="hold" nodeType="withEffect">
                                   <p:stCondLst>
                                     <p:cond delay="0"/>
                                   </p:stCondLst>
                                   <p:childTnLst>
                                     <p:set>
                                       <p:cBhvr>
-                                        <p:cTn id="22" dur="1" fill="hold">
+                                        <p:cTn id="20" dur="1" fill="hold">
                                           <p:stCondLst>
                                             <p:cond delay="0"/>
                                           </p:stCondLst>
                                         </p:cTn>
                                         <p:tgtEl>
-                                          <p:spTgt spid="15"/>
+                                          <p:spTgt spid="33"/>
                                         </p:tgtEl>
                                         <p:attrNameLst>
                                           <p:attrName>style.visibility</p:attrName>
@@ -11819,20 +15548,20 @@
                                 </p:cTn>
                               </p:par>
                               <p:par>
-                                <p:cTn id="23" presetID="1" presetClass="entr" presetSubtype="0" fill="hold" grpId="0" nodeType="withEffect">
+                                <p:cTn id="21" presetID="1" presetClass="entr" presetSubtype="0" fill="hold" nodeType="withEffect">
                                   <p:stCondLst>
                                     <p:cond delay="0"/>
                                   </p:stCondLst>
                                   <p:childTnLst>
                                     <p:set>
                                       <p:cBhvr>
-                                        <p:cTn id="24" dur="1" fill="hold">
+                                        <p:cTn id="22" dur="1" fill="hold">
                                           <p:stCondLst>
                                             <p:cond delay="0"/>
                                           </p:stCondLst>
                                         </p:cTn>
                                         <p:tgtEl>
-                                          <p:spTgt spid="12"/>
+                                          <p:spTgt spid="34"/>
                                         </p:tgtEl>
                                         <p:attrNameLst>
                                           <p:attrName>style.visibility</p:attrName>
@@ -11846,20 +15575,20 @@
                                 </p:cTn>
                               </p:par>
                               <p:par>
-                                <p:cTn id="25" presetID="1" presetClass="entr" presetSubtype="0" fill="hold" grpId="0" nodeType="withEffect">
+                                <p:cTn id="23" presetID="1" presetClass="entr" presetSubtype="0" fill="hold" nodeType="withEffect">
                                   <p:stCondLst>
                                     <p:cond delay="0"/>
                                   </p:stCondLst>
                                   <p:childTnLst>
                                     <p:set>
                                       <p:cBhvr>
-                                        <p:cTn id="26" dur="1" fill="hold">
+                                        <p:cTn id="24" dur="1" fill="hold">
                                           <p:stCondLst>
                                             <p:cond delay="0"/>
                                           </p:stCondLst>
                                         </p:cTn>
                                         <p:tgtEl>
-                                          <p:spTgt spid="17"/>
+                                          <p:spTgt spid="42"/>
                                         </p:tgtEl>
                                         <p:attrNameLst>
                                           <p:attrName>style.visibility</p:attrName>
@@ -11873,20 +15602,20 @@
                                 </p:cTn>
                               </p:par>
                               <p:par>
-                                <p:cTn id="27" presetID="1" presetClass="entr" presetSubtype="0" fill="hold" grpId="0" nodeType="withEffect">
+                                <p:cTn id="25" presetID="1" presetClass="entr" presetSubtype="0" fill="hold" nodeType="withEffect">
                                   <p:stCondLst>
                                     <p:cond delay="0"/>
                                   </p:stCondLst>
                                   <p:childTnLst>
                                     <p:set>
                                       <p:cBhvr>
-                                        <p:cTn id="28" dur="1" fill="hold">
+                                        <p:cTn id="26" dur="1" fill="hold">
                                           <p:stCondLst>
                                             <p:cond delay="0"/>
                                           </p:stCondLst>
                                         </p:cTn>
                                         <p:tgtEl>
-                                          <p:spTgt spid="18"/>
+                                          <p:spTgt spid="41"/>
                                         </p:tgtEl>
                                         <p:attrNameLst>
                                           <p:attrName>style.visibility</p:attrName>
@@ -11900,7 +15629,34 @@
                                 </p:cTn>
                               </p:par>
                               <p:par>
-                                <p:cTn id="29" presetID="1" presetClass="entr" presetSubtype="0" fill="hold" grpId="0" nodeType="withEffect">
+                                <p:cTn id="27" presetID="1" presetClass="entr" presetSubtype="0" fill="hold" nodeType="withEffect">
+                                  <p:stCondLst>
+                                    <p:cond delay="0"/>
+                                  </p:stCondLst>
+                                  <p:childTnLst>
+                                    <p:set>
+                                      <p:cBhvr>
+                                        <p:cTn id="28" dur="1" fill="hold">
+                                          <p:stCondLst>
+                                            <p:cond delay="0"/>
+                                          </p:stCondLst>
+                                        </p:cTn>
+                                        <p:tgtEl>
+                                          <p:spTgt spid="32"/>
+                                        </p:tgtEl>
+                                        <p:attrNameLst>
+                                          <p:attrName>style.visibility</p:attrName>
+                                        </p:attrNameLst>
+                                      </p:cBhvr>
+                                      <p:to>
+                                        <p:strVal val="visible"/>
+                                      </p:to>
+                                    </p:set>
+                                  </p:childTnLst>
+                                </p:cTn>
+                              </p:par>
+                              <p:par>
+                                <p:cTn id="29" presetID="1" presetClass="entr" presetSubtype="0" fill="hold" nodeType="withEffect">
                                   <p:stCondLst>
                                     <p:cond delay="0"/>
                                   </p:stCondLst>
@@ -11913,7 +15669,34 @@
                                           </p:stCondLst>
                                         </p:cTn>
                                         <p:tgtEl>
-                                          <p:spTgt spid="19"/>
+                                          <p:spTgt spid="30"/>
+                                        </p:tgtEl>
+                                        <p:attrNameLst>
+                                          <p:attrName>style.visibility</p:attrName>
+                                        </p:attrNameLst>
+                                      </p:cBhvr>
+                                      <p:to>
+                                        <p:strVal val="visible"/>
+                                      </p:to>
+                                    </p:set>
+                                  </p:childTnLst>
+                                </p:cTn>
+                              </p:par>
+                              <p:par>
+                                <p:cTn id="31" presetID="1" presetClass="entr" presetSubtype="0" fill="hold" nodeType="withEffect">
+                                  <p:stCondLst>
+                                    <p:cond delay="0"/>
+                                  </p:stCondLst>
+                                  <p:childTnLst>
+                                    <p:set>
+                                      <p:cBhvr>
+                                        <p:cTn id="32" dur="1" fill="hold">
+                                          <p:stCondLst>
+                                            <p:cond delay="0"/>
+                                          </p:stCondLst>
+                                        </p:cTn>
+                                        <p:tgtEl>
+                                          <p:spTgt spid="29"/>
                                         </p:tgtEl>
                                         <p:attrNameLst>
                                           <p:attrName>style.visibility</p:attrName>
@@ -11933,46 +15716,19 @@
                     </p:cTn>
                   </p:par>
                   <p:par>
-                    <p:cTn id="31" fill="hold">
+                    <p:cTn id="33" fill="hold">
                       <p:stCondLst>
                         <p:cond delay="indefinite"/>
                       </p:stCondLst>
                       <p:childTnLst>
                         <p:par>
-                          <p:cTn id="32" fill="hold">
+                          <p:cTn id="34" fill="hold">
                             <p:stCondLst>
                               <p:cond delay="0"/>
                             </p:stCondLst>
                             <p:childTnLst>
                               <p:par>
-                                <p:cTn id="33" presetID="1" presetClass="entr" presetSubtype="0" fill="hold" grpId="0" nodeType="clickEffect">
-                                  <p:stCondLst>
-                                    <p:cond delay="0"/>
-                                  </p:stCondLst>
-                                  <p:childTnLst>
-                                    <p:set>
-                                      <p:cBhvr>
-                                        <p:cTn id="34" dur="1" fill="hold">
-                                          <p:stCondLst>
-                                            <p:cond delay="0"/>
-                                          </p:stCondLst>
-                                        </p:cTn>
-                                        <p:tgtEl>
-                                          <p:spTgt spid="22"/>
-                                        </p:tgtEl>
-                                        <p:attrNameLst>
-                                          <p:attrName>style.visibility</p:attrName>
-                                        </p:attrNameLst>
-                                      </p:cBhvr>
-                                      <p:to>
-                                        <p:strVal val="visible"/>
-                                      </p:to>
-                                    </p:set>
-                                  </p:childTnLst>
-                                </p:cTn>
-                              </p:par>
-                              <p:par>
-                                <p:cTn id="35" presetID="1" presetClass="entr" presetSubtype="0" fill="hold" grpId="0" nodeType="withEffect">
+                                <p:cTn id="35" presetID="1" presetClass="entr" presetSubtype="0" fill="hold" grpId="0" nodeType="clickEffect">
                                   <p:stCondLst>
                                     <p:cond delay="0"/>
                                   </p:stCondLst>
@@ -11985,7 +15741,7 @@
                                           </p:stCondLst>
                                         </p:cTn>
                                         <p:tgtEl>
-                                          <p:spTgt spid="23"/>
+                                          <p:spTgt spid="11"/>
                                         </p:tgtEl>
                                         <p:attrNameLst>
                                           <p:attrName>style.visibility</p:attrName>
@@ -12012,7 +15768,7 @@
                                           </p:stCondLst>
                                         </p:cTn>
                                         <p:tgtEl>
-                                          <p:spTgt spid="24"/>
+                                          <p:spTgt spid="13"/>
                                         </p:tgtEl>
                                         <p:attrNameLst>
                                           <p:attrName>style.visibility</p:attrName>
@@ -12039,7 +15795,7 @@
                                           </p:stCondLst>
                                         </p:cTn>
                                         <p:tgtEl>
-                                          <p:spTgt spid="25"/>
+                                          <p:spTgt spid="14"/>
                                         </p:tgtEl>
                                         <p:attrNameLst>
                                           <p:attrName>style.visibility</p:attrName>
@@ -12066,7 +15822,7 @@
                                           </p:stCondLst>
                                         </p:cTn>
                                         <p:tgtEl>
-                                          <p:spTgt spid="26"/>
+                                          <p:spTgt spid="15"/>
                                         </p:tgtEl>
                                         <p:attrNameLst>
                                           <p:attrName>style.visibility</p:attrName>
@@ -12088,6 +15844,375 @@
                                     <p:set>
                                       <p:cBhvr>
                                         <p:cTn id="44" dur="1" fill="hold">
+                                          <p:stCondLst>
+                                            <p:cond delay="0"/>
+                                          </p:stCondLst>
+                                        </p:cTn>
+                                        <p:tgtEl>
+                                          <p:spTgt spid="12"/>
+                                        </p:tgtEl>
+                                        <p:attrNameLst>
+                                          <p:attrName>style.visibility</p:attrName>
+                                        </p:attrNameLst>
+                                      </p:cBhvr>
+                                      <p:to>
+                                        <p:strVal val="visible"/>
+                                      </p:to>
+                                    </p:set>
+                                  </p:childTnLst>
+                                </p:cTn>
+                              </p:par>
+                              <p:par>
+                                <p:cTn id="45" presetID="1" presetClass="entr" presetSubtype="0" fill="hold" grpId="0" nodeType="withEffect">
+                                  <p:stCondLst>
+                                    <p:cond delay="0"/>
+                                  </p:stCondLst>
+                                  <p:childTnLst>
+                                    <p:set>
+                                      <p:cBhvr>
+                                        <p:cTn id="46" dur="1" fill="hold">
+                                          <p:stCondLst>
+                                            <p:cond delay="0"/>
+                                          </p:stCondLst>
+                                        </p:cTn>
+                                        <p:tgtEl>
+                                          <p:spTgt spid="17"/>
+                                        </p:tgtEl>
+                                        <p:attrNameLst>
+                                          <p:attrName>style.visibility</p:attrName>
+                                        </p:attrNameLst>
+                                      </p:cBhvr>
+                                      <p:to>
+                                        <p:strVal val="visible"/>
+                                      </p:to>
+                                    </p:set>
+                                  </p:childTnLst>
+                                </p:cTn>
+                              </p:par>
+                              <p:par>
+                                <p:cTn id="47" presetID="1" presetClass="entr" presetSubtype="0" fill="hold" grpId="0" nodeType="withEffect">
+                                  <p:stCondLst>
+                                    <p:cond delay="0"/>
+                                  </p:stCondLst>
+                                  <p:childTnLst>
+                                    <p:set>
+                                      <p:cBhvr>
+                                        <p:cTn id="48" dur="1" fill="hold">
+                                          <p:stCondLst>
+                                            <p:cond delay="0"/>
+                                          </p:stCondLst>
+                                        </p:cTn>
+                                        <p:tgtEl>
+                                          <p:spTgt spid="18"/>
+                                        </p:tgtEl>
+                                        <p:attrNameLst>
+                                          <p:attrName>style.visibility</p:attrName>
+                                        </p:attrNameLst>
+                                      </p:cBhvr>
+                                      <p:to>
+                                        <p:strVal val="visible"/>
+                                      </p:to>
+                                    </p:set>
+                                  </p:childTnLst>
+                                </p:cTn>
+                              </p:par>
+                              <p:par>
+                                <p:cTn id="49" presetID="1" presetClass="entr" presetSubtype="0" fill="hold" grpId="0" nodeType="withEffect">
+                                  <p:stCondLst>
+                                    <p:cond delay="0"/>
+                                  </p:stCondLst>
+                                  <p:childTnLst>
+                                    <p:set>
+                                      <p:cBhvr>
+                                        <p:cTn id="50" dur="1" fill="hold">
+                                          <p:stCondLst>
+                                            <p:cond delay="0"/>
+                                          </p:stCondLst>
+                                        </p:cTn>
+                                        <p:tgtEl>
+                                          <p:spTgt spid="19"/>
+                                        </p:tgtEl>
+                                        <p:attrNameLst>
+                                          <p:attrName>style.visibility</p:attrName>
+                                        </p:attrNameLst>
+                                      </p:cBhvr>
+                                      <p:to>
+                                        <p:strVal val="visible"/>
+                                      </p:to>
+                                    </p:set>
+                                  </p:childTnLst>
+                                </p:cTn>
+                              </p:par>
+                              <p:par>
+                                <p:cTn id="51" presetID="1" presetClass="entr" presetSubtype="0" fill="hold" nodeType="withEffect">
+                                  <p:stCondLst>
+                                    <p:cond delay="0"/>
+                                  </p:stCondLst>
+                                  <p:childTnLst>
+                                    <p:set>
+                                      <p:cBhvr>
+                                        <p:cTn id="52" dur="1" fill="hold">
+                                          <p:stCondLst>
+                                            <p:cond delay="0"/>
+                                          </p:stCondLst>
+                                        </p:cTn>
+                                        <p:tgtEl>
+                                          <p:spTgt spid="38"/>
+                                        </p:tgtEl>
+                                        <p:attrNameLst>
+                                          <p:attrName>style.visibility</p:attrName>
+                                        </p:attrNameLst>
+                                      </p:cBhvr>
+                                      <p:to>
+                                        <p:strVal val="visible"/>
+                                      </p:to>
+                                    </p:set>
+                                  </p:childTnLst>
+                                </p:cTn>
+                              </p:par>
+                              <p:par>
+                                <p:cTn id="53" presetID="1" presetClass="entr" presetSubtype="0" fill="hold" nodeType="withEffect">
+                                  <p:stCondLst>
+                                    <p:cond delay="0"/>
+                                  </p:stCondLst>
+                                  <p:childTnLst>
+                                    <p:set>
+                                      <p:cBhvr>
+                                        <p:cTn id="54" dur="1" fill="hold">
+                                          <p:stCondLst>
+                                            <p:cond delay="0"/>
+                                          </p:stCondLst>
+                                        </p:cTn>
+                                        <p:tgtEl>
+                                          <p:spTgt spid="37"/>
+                                        </p:tgtEl>
+                                        <p:attrNameLst>
+                                          <p:attrName>style.visibility</p:attrName>
+                                        </p:attrNameLst>
+                                      </p:cBhvr>
+                                      <p:to>
+                                        <p:strVal val="visible"/>
+                                      </p:to>
+                                    </p:set>
+                                  </p:childTnLst>
+                                </p:cTn>
+                              </p:par>
+                              <p:par>
+                                <p:cTn id="55" presetID="1" presetClass="entr" presetSubtype="0" fill="hold" nodeType="withEffect">
+                                  <p:stCondLst>
+                                    <p:cond delay="0"/>
+                                  </p:stCondLst>
+                                  <p:childTnLst>
+                                    <p:set>
+                                      <p:cBhvr>
+                                        <p:cTn id="56" dur="1" fill="hold">
+                                          <p:stCondLst>
+                                            <p:cond delay="0"/>
+                                          </p:stCondLst>
+                                        </p:cTn>
+                                        <p:tgtEl>
+                                          <p:spTgt spid="40"/>
+                                        </p:tgtEl>
+                                        <p:attrNameLst>
+                                          <p:attrName>style.visibility</p:attrName>
+                                        </p:attrNameLst>
+                                      </p:cBhvr>
+                                      <p:to>
+                                        <p:strVal val="visible"/>
+                                      </p:to>
+                                    </p:set>
+                                  </p:childTnLst>
+                                </p:cTn>
+                              </p:par>
+                              <p:par>
+                                <p:cTn id="57" presetID="1" presetClass="entr" presetSubtype="0" fill="hold" nodeType="withEffect">
+                                  <p:stCondLst>
+                                    <p:cond delay="0"/>
+                                  </p:stCondLst>
+                                  <p:childTnLst>
+                                    <p:set>
+                                      <p:cBhvr>
+                                        <p:cTn id="58" dur="1" fill="hold">
+                                          <p:stCondLst>
+                                            <p:cond delay="0"/>
+                                          </p:stCondLst>
+                                        </p:cTn>
+                                        <p:tgtEl>
+                                          <p:spTgt spid="39"/>
+                                        </p:tgtEl>
+                                        <p:attrNameLst>
+                                          <p:attrName>style.visibility</p:attrName>
+                                        </p:attrNameLst>
+                                      </p:cBhvr>
+                                      <p:to>
+                                        <p:strVal val="visible"/>
+                                      </p:to>
+                                    </p:set>
+                                  </p:childTnLst>
+                                </p:cTn>
+                              </p:par>
+                            </p:childTnLst>
+                          </p:cTn>
+                        </p:par>
+                      </p:childTnLst>
+                    </p:cTn>
+                  </p:par>
+                  <p:par>
+                    <p:cTn id="59" fill="hold">
+                      <p:stCondLst>
+                        <p:cond delay="indefinite"/>
+                      </p:stCondLst>
+                      <p:childTnLst>
+                        <p:par>
+                          <p:cTn id="60" fill="hold">
+                            <p:stCondLst>
+                              <p:cond delay="0"/>
+                            </p:stCondLst>
+                            <p:childTnLst>
+                              <p:par>
+                                <p:cTn id="61" presetID="1" presetClass="entr" presetSubtype="0" fill="hold" grpId="0" nodeType="clickEffect">
+                                  <p:stCondLst>
+                                    <p:cond delay="0"/>
+                                  </p:stCondLst>
+                                  <p:childTnLst>
+                                    <p:set>
+                                      <p:cBhvr>
+                                        <p:cTn id="62" dur="1" fill="hold">
+                                          <p:stCondLst>
+                                            <p:cond delay="0"/>
+                                          </p:stCondLst>
+                                        </p:cTn>
+                                        <p:tgtEl>
+                                          <p:spTgt spid="22"/>
+                                        </p:tgtEl>
+                                        <p:attrNameLst>
+                                          <p:attrName>style.visibility</p:attrName>
+                                        </p:attrNameLst>
+                                      </p:cBhvr>
+                                      <p:to>
+                                        <p:strVal val="visible"/>
+                                      </p:to>
+                                    </p:set>
+                                  </p:childTnLst>
+                                </p:cTn>
+                              </p:par>
+                              <p:par>
+                                <p:cTn id="63" presetID="1" presetClass="entr" presetSubtype="0" fill="hold" grpId="0" nodeType="withEffect">
+                                  <p:stCondLst>
+                                    <p:cond delay="0"/>
+                                  </p:stCondLst>
+                                  <p:childTnLst>
+                                    <p:set>
+                                      <p:cBhvr>
+                                        <p:cTn id="64" dur="1" fill="hold">
+                                          <p:stCondLst>
+                                            <p:cond delay="0"/>
+                                          </p:stCondLst>
+                                        </p:cTn>
+                                        <p:tgtEl>
+                                          <p:spTgt spid="23"/>
+                                        </p:tgtEl>
+                                        <p:attrNameLst>
+                                          <p:attrName>style.visibility</p:attrName>
+                                        </p:attrNameLst>
+                                      </p:cBhvr>
+                                      <p:to>
+                                        <p:strVal val="visible"/>
+                                      </p:to>
+                                    </p:set>
+                                  </p:childTnLst>
+                                </p:cTn>
+                              </p:par>
+                              <p:par>
+                                <p:cTn id="65" presetID="1" presetClass="entr" presetSubtype="0" fill="hold" grpId="0" nodeType="withEffect">
+                                  <p:stCondLst>
+                                    <p:cond delay="0"/>
+                                  </p:stCondLst>
+                                  <p:childTnLst>
+                                    <p:set>
+                                      <p:cBhvr>
+                                        <p:cTn id="66" dur="1" fill="hold">
+                                          <p:stCondLst>
+                                            <p:cond delay="0"/>
+                                          </p:stCondLst>
+                                        </p:cTn>
+                                        <p:tgtEl>
+                                          <p:spTgt spid="24"/>
+                                        </p:tgtEl>
+                                        <p:attrNameLst>
+                                          <p:attrName>style.visibility</p:attrName>
+                                        </p:attrNameLst>
+                                      </p:cBhvr>
+                                      <p:to>
+                                        <p:strVal val="visible"/>
+                                      </p:to>
+                                    </p:set>
+                                  </p:childTnLst>
+                                </p:cTn>
+                              </p:par>
+                              <p:par>
+                                <p:cTn id="67" presetID="1" presetClass="entr" presetSubtype="0" fill="hold" grpId="0" nodeType="withEffect">
+                                  <p:stCondLst>
+                                    <p:cond delay="0"/>
+                                  </p:stCondLst>
+                                  <p:childTnLst>
+                                    <p:set>
+                                      <p:cBhvr>
+                                        <p:cTn id="68" dur="1" fill="hold">
+                                          <p:stCondLst>
+                                            <p:cond delay="0"/>
+                                          </p:stCondLst>
+                                        </p:cTn>
+                                        <p:tgtEl>
+                                          <p:spTgt spid="25"/>
+                                        </p:tgtEl>
+                                        <p:attrNameLst>
+                                          <p:attrName>style.visibility</p:attrName>
+                                        </p:attrNameLst>
+                                      </p:cBhvr>
+                                      <p:to>
+                                        <p:strVal val="visible"/>
+                                      </p:to>
+                                    </p:set>
+                                  </p:childTnLst>
+                                </p:cTn>
+                              </p:par>
+                              <p:par>
+                                <p:cTn id="69" presetID="1" presetClass="entr" presetSubtype="0" fill="hold" grpId="0" nodeType="withEffect">
+                                  <p:stCondLst>
+                                    <p:cond delay="0"/>
+                                  </p:stCondLst>
+                                  <p:childTnLst>
+                                    <p:set>
+                                      <p:cBhvr>
+                                        <p:cTn id="70" dur="1" fill="hold">
+                                          <p:stCondLst>
+                                            <p:cond delay="0"/>
+                                          </p:stCondLst>
+                                        </p:cTn>
+                                        <p:tgtEl>
+                                          <p:spTgt spid="26"/>
+                                        </p:tgtEl>
+                                        <p:attrNameLst>
+                                          <p:attrName>style.visibility</p:attrName>
+                                        </p:attrNameLst>
+                                      </p:cBhvr>
+                                      <p:to>
+                                        <p:strVal val="visible"/>
+                                      </p:to>
+                                    </p:set>
+                                  </p:childTnLst>
+                                </p:cTn>
+                              </p:par>
+                              <p:par>
+                                <p:cTn id="71" presetID="1" presetClass="entr" presetSubtype="0" fill="hold" grpId="0" nodeType="withEffect">
+                                  <p:stCondLst>
+                                    <p:cond delay="0"/>
+                                  </p:stCondLst>
+                                  <p:childTnLst>
+                                    <p:set>
+                                      <p:cBhvr>
+                                        <p:cTn id="72" dur="1" fill="hold">
                                           <p:stCondLst>
                                             <p:cond delay="0"/>
                                           </p:stCondLst>
@@ -12367,10 +16492,10 @@
         <mc:Choice Requires="a14">
           <p:sp>
             <p:nvSpPr>
-              <p:cNvPr id="28" name="ZoneTexte 27">
+              <p:cNvPr id="10" name="ZoneTexte 9">
                 <a:extLst>
                   <a:ext uri="{FF2B5EF4-FFF2-40B4-BE49-F238E27FC236}">
-                    <a16:creationId xmlns="" xmlns:a16="http://schemas.microsoft.com/office/drawing/2014/main" id="{B2AD1845-005D-4D56-8DD3-7B8026BCC5A3}"/>
+                    <a16:creationId xmlns:a16="http://schemas.microsoft.com/office/drawing/2014/main" xmlns="" id="{B2AD1845-005D-4D56-8DD3-7B8026BCC5A3}"/>
                   </a:ext>
                 </a:extLst>
               </p:cNvPr>
@@ -12822,6 +16947,740 @@
         <mc:Fallback xmlns="">
           <p:sp>
             <p:nvSpPr>
+              <p:cNvPr id="10" name="ZoneTexte 9">
+                <a:extLst>
+                  <a:ext uri="{FF2B5EF4-FFF2-40B4-BE49-F238E27FC236}">
+                    <a16:creationId xmlns:a16="http://schemas.microsoft.com/office/drawing/2014/main" xmlns="" xmlns:a14="http://schemas.microsoft.com/office/drawing/2010/main" id="{B2AD1845-005D-4D56-8DD3-7B8026BCC5A3}"/>
+                  </a:ext>
+                </a:extLst>
+              </p:cNvPr>
+              <p:cNvSpPr txBox="1">
+                <a:spLocks noRot="1" noChangeAspect="1" noMove="1" noResize="1" noEditPoints="1" noAdjustHandles="1" noChangeArrowheads="1" noChangeShapeType="1" noTextEdit="1"/>
+              </p:cNvSpPr>
+              <p:nvPr/>
+            </p:nvSpPr>
+            <p:spPr>
+              <a:xfrm>
+                <a:off x="3150708" y="1059576"/>
+                <a:ext cx="5890575" cy="608243"/>
+              </a:xfrm>
+              <a:prstGeom prst="rect">
+                <a:avLst/>
+              </a:prstGeom>
+              <a:blipFill rotWithShape="0">
+                <a:blip r:embed="rId2"/>
+                <a:stretch>
+                  <a:fillRect/>
+                </a:stretch>
+              </a:blipFill>
+              <a:ln w="38100">
+                <a:solidFill>
+                  <a:srgbClr val="0070C0"/>
+                </a:solidFill>
+              </a:ln>
+            </p:spPr>
+            <p:txBody>
+              <a:bodyPr/>
+              <a:lstStyle/>
+              <a:p>
+                <a:r>
+                  <a:rPr lang="fr-FR">
+                    <a:noFill/>
+                  </a:rPr>
+                  <a:t> </a:t>
+                </a:r>
+              </a:p>
+            </p:txBody>
+          </p:sp>
+        </mc:Fallback>
+      </mc:AlternateContent>
+    </p:spTree>
+    <p:extLst>
+      <p:ext uri="{BB962C8B-B14F-4D97-AF65-F5344CB8AC3E}">
+        <p14:creationId xmlns:p14="http://schemas.microsoft.com/office/powerpoint/2010/main" val="453490114"/>
+      </p:ext>
+    </p:extLst>
+  </p:cSld>
+  <p:clrMapOvr>
+    <a:masterClrMapping/>
+  </p:clrMapOvr>
+  <p:timing>
+    <p:tnLst>
+      <p:par>
+        <p:cTn id="1" dur="indefinite" restart="never" nodeType="tmRoot"/>
+      </p:par>
+    </p:tnLst>
+  </p:timing>
+</p:sld>
+</file>
+
+<file path=ppt/slides/slide8.xml><?xml version="1.0" encoding="utf-8"?>
+<p:sld xmlns:a="http://schemas.openxmlformats.org/drawingml/2006/main" xmlns:r="http://schemas.openxmlformats.org/officeDocument/2006/relationships" xmlns:p="http://schemas.openxmlformats.org/presentationml/2006/main">
+  <p:cSld>
+    <p:spTree>
+      <p:nvGrpSpPr>
+        <p:cNvPr id="1" name=""/>
+        <p:cNvGrpSpPr/>
+        <p:nvPr/>
+      </p:nvGrpSpPr>
+      <p:grpSpPr>
+        <a:xfrm>
+          <a:off x="0" y="0"/>
+          <a:ext cx="0" cy="0"/>
+          <a:chOff x="0" y="0"/>
+          <a:chExt cx="0" cy="0"/>
+        </a:xfrm>
+      </p:grpSpPr>
+      <p:sp>
+        <p:nvSpPr>
+          <p:cNvPr id="4" name="Titre 1"/>
+          <p:cNvSpPr txBox="1">
+            <a:spLocks/>
+          </p:cNvSpPr>
+          <p:nvPr/>
+        </p:nvSpPr>
+        <p:spPr>
+          <a:xfrm>
+            <a:off x="0" y="0"/>
+            <a:ext cx="12192000" cy="747252"/>
+          </a:xfrm>
+          <a:prstGeom prst="rect">
+            <a:avLst/>
+          </a:prstGeom>
+        </p:spPr>
+        <p:txBody>
+          <a:bodyPr vert="horz" lIns="91440" tIns="45720" rIns="91440" bIns="45720" rtlCol="0" anchor="ctr">
+            <a:normAutofit/>
+          </a:bodyPr>
+          <a:lstStyle>
+            <a:lvl1pPr algn="l" defTabSz="914400" rtl="0" eaLnBrk="1" latinLnBrk="0" hangingPunct="1">
+              <a:lnSpc>
+                <a:spcPct val="90000"/>
+              </a:lnSpc>
+              <a:spcBef>
+                <a:spcPct val="0"/>
+              </a:spcBef>
+              <a:buNone/>
+              <a:defRPr sz="4400" kern="1200">
+                <a:solidFill>
+                  <a:schemeClr val="tx1"/>
+                </a:solidFill>
+                <a:latin typeface="+mj-lt"/>
+                <a:ea typeface="+mj-ea"/>
+                <a:cs typeface="+mj-cs"/>
+              </a:defRPr>
+            </a:lvl1pPr>
+          </a:lstStyle>
+          <a:p>
+            <a:r>
+              <a:rPr lang="fr-FR" sz="3600" b="1" dirty="0" smtClean="0">
+                <a:solidFill>
+                  <a:srgbClr val="0070C0"/>
+                </a:solidFill>
+              </a:rPr>
+              <a:t>  Synthèse de l’</a:t>
+            </a:r>
+            <a:r>
+              <a:rPr lang="fr-FR" sz="3600" b="1" dirty="0" err="1" smtClean="0">
+                <a:solidFill>
+                  <a:srgbClr val="0070C0"/>
+                </a:solidFill>
+              </a:rPr>
+              <a:t>oxalatofer</a:t>
+            </a:r>
+            <a:r>
+              <a:rPr lang="fr-FR" sz="3600" b="1" dirty="0" smtClean="0">
+                <a:solidFill>
+                  <a:srgbClr val="0070C0"/>
+                </a:solidFill>
+              </a:rPr>
+              <a:t> (III) [Fe</a:t>
+            </a:r>
+            <a:r>
+              <a:rPr lang="fr-FR" sz="3600" b="1" baseline="30000" dirty="0" smtClean="0">
+                <a:solidFill>
+                  <a:srgbClr val="0070C0"/>
+                </a:solidFill>
+              </a:rPr>
+              <a:t>(III)</a:t>
+            </a:r>
+            <a:r>
+              <a:rPr lang="fr-FR" sz="3600" b="1" dirty="0" smtClean="0">
+                <a:solidFill>
+                  <a:srgbClr val="0070C0"/>
+                </a:solidFill>
+              </a:rPr>
+              <a:t>(C</a:t>
+            </a:r>
+            <a:r>
+              <a:rPr lang="fr-FR" sz="3600" b="1" baseline="-25000" dirty="0" smtClean="0">
+                <a:solidFill>
+                  <a:srgbClr val="0070C0"/>
+                </a:solidFill>
+              </a:rPr>
+              <a:t>2</a:t>
+            </a:r>
+            <a:r>
+              <a:rPr lang="fr-FR" sz="3600" b="1" dirty="0" smtClean="0">
+                <a:solidFill>
+                  <a:srgbClr val="0070C0"/>
+                </a:solidFill>
+              </a:rPr>
+              <a:t>O</a:t>
+            </a:r>
+            <a:r>
+              <a:rPr lang="fr-FR" sz="3600" b="1" baseline="-25000" dirty="0" smtClean="0">
+                <a:solidFill>
+                  <a:srgbClr val="0070C0"/>
+                </a:solidFill>
+              </a:rPr>
+              <a:t>4</a:t>
+            </a:r>
+            <a:r>
+              <a:rPr lang="fr-FR" sz="3600" b="1" dirty="0" smtClean="0">
+                <a:solidFill>
+                  <a:srgbClr val="0070C0"/>
+                </a:solidFill>
+              </a:rPr>
+              <a:t>)</a:t>
+            </a:r>
+            <a:r>
+              <a:rPr lang="fr-FR" sz="3600" b="1" baseline="-25000" dirty="0" smtClean="0">
+                <a:solidFill>
+                  <a:srgbClr val="0070C0"/>
+                </a:solidFill>
+              </a:rPr>
+              <a:t>3</a:t>
+            </a:r>
+            <a:r>
+              <a:rPr lang="fr-FR" sz="3600" b="1" dirty="0" smtClean="0">
+                <a:solidFill>
+                  <a:srgbClr val="0070C0"/>
+                </a:solidFill>
+              </a:rPr>
+              <a:t>]</a:t>
+            </a:r>
+            <a:r>
+              <a:rPr lang="fr-FR" sz="3600" b="1" baseline="30000" dirty="0" smtClean="0">
+                <a:solidFill>
+                  <a:srgbClr val="0070C0"/>
+                </a:solidFill>
+              </a:rPr>
+              <a:t>3-</a:t>
+            </a:r>
+            <a:endParaRPr lang="fr-FR" sz="3600" baseline="30000" dirty="0">
+              <a:solidFill>
+                <a:srgbClr val="0070C0"/>
+              </a:solidFill>
+            </a:endParaRPr>
+          </a:p>
+        </p:txBody>
+      </p:sp>
+      <p:cxnSp>
+        <p:nvCxnSpPr>
+          <p:cNvPr id="5" name="Connecteur droit 4"/>
+          <p:cNvCxnSpPr/>
+          <p:nvPr/>
+        </p:nvCxnSpPr>
+        <p:spPr>
+          <a:xfrm>
+            <a:off x="220983" y="747252"/>
+            <a:ext cx="11754707" cy="0"/>
+          </a:xfrm>
+          <a:prstGeom prst="line">
+            <a:avLst/>
+          </a:prstGeom>
+          <a:ln w="76200">
+            <a:gradFill flip="none" rotWithShape="1">
+              <a:gsLst>
+                <a:gs pos="0">
+                  <a:srgbClr val="0070C0"/>
+                </a:gs>
+                <a:gs pos="100000">
+                  <a:srgbClr val="0070C0">
+                    <a:alpha val="25000"/>
+                  </a:srgbClr>
+                </a:gs>
+              </a:gsLst>
+              <a:lin ang="0" scaled="1"/>
+              <a:tileRect/>
+            </a:gradFill>
+          </a:ln>
+        </p:spPr>
+        <p:style>
+          <a:lnRef idx="1">
+            <a:schemeClr val="accent1"/>
+          </a:lnRef>
+          <a:fillRef idx="0">
+            <a:schemeClr val="accent1"/>
+          </a:fillRef>
+          <a:effectRef idx="0">
+            <a:schemeClr val="accent1"/>
+          </a:effectRef>
+          <a:fontRef idx="minor">
+            <a:schemeClr val="tx1"/>
+          </a:fontRef>
+        </p:style>
+      </p:cxnSp>
+      <mc:AlternateContent xmlns:mc="http://schemas.openxmlformats.org/markup-compatibility/2006" xmlns:a14="http://schemas.microsoft.com/office/drawing/2010/main">
+        <mc:Choice Requires="a14">
+          <p:sp>
+            <p:nvSpPr>
+              <p:cNvPr id="28" name="ZoneTexte 27">
+                <a:extLst>
+                  <a:ext uri="{FF2B5EF4-FFF2-40B4-BE49-F238E27FC236}">
+                    <a16:creationId xmlns:a16="http://schemas.microsoft.com/office/drawing/2014/main" xmlns="" id="{B2AD1845-005D-4D56-8DD3-7B8026BCC5A3}"/>
+                  </a:ext>
+                </a:extLst>
+              </p:cNvPr>
+              <p:cNvSpPr txBox="1"/>
+              <p:nvPr/>
+            </p:nvSpPr>
+            <p:spPr>
+              <a:xfrm>
+                <a:off x="3150708" y="1059576"/>
+                <a:ext cx="5890575" cy="608243"/>
+              </a:xfrm>
+              <a:prstGeom prst="rect">
+                <a:avLst/>
+              </a:prstGeom>
+              <a:ln w="38100">
+                <a:solidFill>
+                  <a:srgbClr val="0070C0"/>
+                </a:solidFill>
+              </a:ln>
+            </p:spPr>
+            <p:style>
+              <a:lnRef idx="2">
+                <a:schemeClr val="accent2"/>
+              </a:lnRef>
+              <a:fillRef idx="1">
+                <a:schemeClr val="lt1"/>
+              </a:fillRef>
+              <a:effectRef idx="0">
+                <a:schemeClr val="accent2"/>
+              </a:effectRef>
+              <a:fontRef idx="minor">
+                <a:schemeClr val="dk1"/>
+              </a:fontRef>
+            </p:style>
+            <p:txBody>
+              <a:bodyPr wrap="square" rtlCol="0">
+                <a:spAutoFit/>
+              </a:bodyPr>
+              <a:lstStyle/>
+              <a:p>
+                <a:pPr/>
+                <a14:m>
+                  <m:oMathPara xmlns:m="http://schemas.openxmlformats.org/officeDocument/2006/math">
+                    <m:oMathParaPr>
+                      <m:jc m:val="centerGroup"/>
+                    </m:oMathParaPr>
+                    <m:oMath xmlns:m="http://schemas.openxmlformats.org/officeDocument/2006/math">
+                      <m:sSubSup>
+                        <m:sSubSupPr>
+                          <m:ctrlPr>
+                            <a:rPr lang="fr-FR" sz="2800" b="0" i="1" smtClean="0">
+                              <a:solidFill>
+                                <a:srgbClr val="0070C0"/>
+                              </a:solidFill>
+                              <a:latin typeface="Cambria Math" panose="02040503050406030204" pitchFamily="18" charset="0"/>
+                              <a:sym typeface="Wingdings" panose="05000000000000000000" pitchFamily="2" charset="2"/>
+                            </a:rPr>
+                          </m:ctrlPr>
+                        </m:sSubSupPr>
+                        <m:e>
+                          <m:r>
+                            <m:rPr>
+                              <m:sty m:val="p"/>
+                            </m:rPr>
+                            <a:rPr lang="fr-FR" sz="2800" b="0" i="0" smtClean="0">
+                              <a:solidFill>
+                                <a:srgbClr val="0070C0"/>
+                              </a:solidFill>
+                              <a:latin typeface="Cambria Math" panose="02040503050406030204" pitchFamily="18" charset="0"/>
+                              <a:sym typeface="Wingdings" panose="05000000000000000000" pitchFamily="2" charset="2"/>
+                            </a:rPr>
+                            <m:t>Fe</m:t>
+                          </m:r>
+                        </m:e>
+                        <m:sub>
+                          <m:r>
+                            <a:rPr lang="fr-FR" sz="2800" b="0" i="0" smtClean="0">
+                              <a:solidFill>
+                                <a:srgbClr val="0070C0"/>
+                              </a:solidFill>
+                              <a:latin typeface="Cambria Math" panose="02040503050406030204" pitchFamily="18" charset="0"/>
+                              <a:sym typeface="Wingdings" panose="05000000000000000000" pitchFamily="2" charset="2"/>
+                            </a:rPr>
+                            <m:t>(</m:t>
+                          </m:r>
+                          <m:r>
+                            <m:rPr>
+                              <m:sty m:val="p"/>
+                            </m:rPr>
+                            <a:rPr lang="fr-FR" sz="2800" b="0" i="0" smtClean="0">
+                              <a:solidFill>
+                                <a:srgbClr val="0070C0"/>
+                              </a:solidFill>
+                              <a:latin typeface="Cambria Math" panose="02040503050406030204" pitchFamily="18" charset="0"/>
+                              <a:sym typeface="Wingdings" panose="05000000000000000000" pitchFamily="2" charset="2"/>
+                            </a:rPr>
+                            <m:t>aq</m:t>
+                          </m:r>
+                          <m:r>
+                            <a:rPr lang="fr-FR" sz="2800" b="0" i="0" smtClean="0">
+                              <a:solidFill>
+                                <a:srgbClr val="0070C0"/>
+                              </a:solidFill>
+                              <a:latin typeface="Cambria Math" panose="02040503050406030204" pitchFamily="18" charset="0"/>
+                              <a:sym typeface="Wingdings" panose="05000000000000000000" pitchFamily="2" charset="2"/>
+                            </a:rPr>
+                            <m:t>)</m:t>
+                          </m:r>
+                        </m:sub>
+                        <m:sup>
+                          <m:r>
+                            <a:rPr lang="fr-FR" sz="2800" b="0" i="0" smtClean="0">
+                              <a:solidFill>
+                                <a:srgbClr val="0070C0"/>
+                              </a:solidFill>
+                              <a:latin typeface="Cambria Math" panose="02040503050406030204" pitchFamily="18" charset="0"/>
+                              <a:sym typeface="Wingdings" panose="05000000000000000000" pitchFamily="2" charset="2"/>
+                            </a:rPr>
+                            <m:t>3+</m:t>
+                          </m:r>
+                        </m:sup>
+                      </m:sSubSup>
+                      <m:r>
+                        <a:rPr lang="fr-FR" sz="2800" b="0" i="0" smtClean="0">
+                          <a:solidFill>
+                            <a:srgbClr val="0070C0"/>
+                          </a:solidFill>
+                          <a:latin typeface="Cambria Math" panose="02040503050406030204" pitchFamily="18" charset="0"/>
+                          <a:sym typeface="Wingdings" panose="05000000000000000000" pitchFamily="2" charset="2"/>
+                        </a:rPr>
+                        <m:t>+3</m:t>
+                      </m:r>
+                      <m:sSub>
+                        <m:sSubPr>
+                          <m:ctrlPr>
+                            <a:rPr lang="fr-FR" sz="2800" b="0" i="1" smtClean="0">
+                              <a:solidFill>
+                                <a:srgbClr val="0070C0"/>
+                              </a:solidFill>
+                              <a:latin typeface="Cambria Math" panose="02040503050406030204" pitchFamily="18" charset="0"/>
+                              <a:sym typeface="Wingdings" panose="05000000000000000000" pitchFamily="2" charset="2"/>
+                            </a:rPr>
+                          </m:ctrlPr>
+                        </m:sSubPr>
+                        <m:e>
+                          <m:r>
+                            <m:rPr>
+                              <m:sty m:val="p"/>
+                            </m:rPr>
+                            <a:rPr lang="fr-FR" sz="2800" b="0" i="0" smtClean="0">
+                              <a:solidFill>
+                                <a:srgbClr val="0070C0"/>
+                              </a:solidFill>
+                              <a:latin typeface="Cambria Math" panose="02040503050406030204" pitchFamily="18" charset="0"/>
+                              <a:sym typeface="Wingdings" panose="05000000000000000000" pitchFamily="2" charset="2"/>
+                            </a:rPr>
+                            <m:t>C</m:t>
+                          </m:r>
+                        </m:e>
+                        <m:sub>
+                          <m:r>
+                            <a:rPr lang="fr-FR" sz="2800" b="0" i="0" smtClean="0">
+                              <a:solidFill>
+                                <a:srgbClr val="0070C0"/>
+                              </a:solidFill>
+                              <a:latin typeface="Cambria Math" panose="02040503050406030204" pitchFamily="18" charset="0"/>
+                              <a:sym typeface="Wingdings" panose="05000000000000000000" pitchFamily="2" charset="2"/>
+                            </a:rPr>
+                            <m:t>2</m:t>
+                          </m:r>
+                        </m:sub>
+                      </m:sSub>
+                      <m:sSubSup>
+                        <m:sSubSupPr>
+                          <m:ctrlPr>
+                            <a:rPr lang="fr-FR" sz="2800" b="0" i="1" smtClean="0">
+                              <a:solidFill>
+                                <a:srgbClr val="0070C0"/>
+                              </a:solidFill>
+                              <a:latin typeface="Cambria Math" panose="02040503050406030204" pitchFamily="18" charset="0"/>
+                              <a:sym typeface="Wingdings" panose="05000000000000000000" pitchFamily="2" charset="2"/>
+                            </a:rPr>
+                          </m:ctrlPr>
+                        </m:sSubSupPr>
+                        <m:e>
+                          <m:r>
+                            <m:rPr>
+                              <m:sty m:val="p"/>
+                            </m:rPr>
+                            <a:rPr lang="fr-FR" sz="2800" b="0" i="0" smtClean="0">
+                              <a:solidFill>
+                                <a:srgbClr val="0070C0"/>
+                              </a:solidFill>
+                              <a:latin typeface="Cambria Math" panose="02040503050406030204" pitchFamily="18" charset="0"/>
+                              <a:sym typeface="Wingdings" panose="05000000000000000000" pitchFamily="2" charset="2"/>
+                            </a:rPr>
+                            <m:t>O</m:t>
+                          </m:r>
+                        </m:e>
+                        <m:sub>
+                          <m:r>
+                            <a:rPr lang="fr-FR" sz="2800" b="0" i="0" smtClean="0">
+                              <a:solidFill>
+                                <a:srgbClr val="0070C0"/>
+                              </a:solidFill>
+                              <a:latin typeface="Cambria Math" panose="02040503050406030204" pitchFamily="18" charset="0"/>
+                              <a:sym typeface="Wingdings" panose="05000000000000000000" pitchFamily="2" charset="2"/>
+                            </a:rPr>
+                            <m:t>4(</m:t>
+                          </m:r>
+                          <m:r>
+                            <m:rPr>
+                              <m:sty m:val="p"/>
+                            </m:rPr>
+                            <a:rPr lang="fr-FR" sz="2800" b="0" i="0" smtClean="0">
+                              <a:solidFill>
+                                <a:srgbClr val="0070C0"/>
+                              </a:solidFill>
+                              <a:latin typeface="Cambria Math" panose="02040503050406030204" pitchFamily="18" charset="0"/>
+                              <a:sym typeface="Wingdings" panose="05000000000000000000" pitchFamily="2" charset="2"/>
+                            </a:rPr>
+                            <m:t>aq</m:t>
+                          </m:r>
+                          <m:r>
+                            <a:rPr lang="fr-FR" sz="2800" b="0" i="0" smtClean="0">
+                              <a:solidFill>
+                                <a:srgbClr val="0070C0"/>
+                              </a:solidFill>
+                              <a:latin typeface="Cambria Math" panose="02040503050406030204" pitchFamily="18" charset="0"/>
+                              <a:sym typeface="Wingdings" panose="05000000000000000000" pitchFamily="2" charset="2"/>
+                            </a:rPr>
+                            <m:t>)</m:t>
+                          </m:r>
+                        </m:sub>
+                        <m:sup>
+                          <m:r>
+                            <a:rPr lang="fr-FR" sz="2800" b="0" i="0" smtClean="0">
+                              <a:solidFill>
+                                <a:srgbClr val="0070C0"/>
+                              </a:solidFill>
+                              <a:latin typeface="Cambria Math" panose="02040503050406030204" pitchFamily="18" charset="0"/>
+                              <a:sym typeface="Wingdings" panose="05000000000000000000" pitchFamily="2" charset="2"/>
+                            </a:rPr>
+                            <m:t>2−</m:t>
+                          </m:r>
+                        </m:sup>
+                      </m:sSubSup>
+                      <m:r>
+                        <a:rPr lang="fr-FR" sz="2800" b="0" i="0" smtClean="0">
+                          <a:solidFill>
+                            <a:srgbClr val="0070C0"/>
+                          </a:solidFill>
+                          <a:latin typeface="Cambria Math" panose="02040503050406030204" pitchFamily="18" charset="0"/>
+                          <a:sym typeface="Wingdings" panose="05000000000000000000" pitchFamily="2" charset="2"/>
+                        </a:rPr>
+                        <m:t>=</m:t>
+                      </m:r>
+                      <m:sSup>
+                        <m:sSupPr>
+                          <m:ctrlPr>
+                            <a:rPr lang="fr-FR" sz="2800" i="1" smtClean="0">
+                              <a:solidFill>
+                                <a:schemeClr val="accent6"/>
+                              </a:solidFill>
+                              <a:latin typeface="Cambria Math" panose="02040503050406030204" pitchFamily="18" charset="0"/>
+                              <a:sym typeface="Wingdings" panose="05000000000000000000" pitchFamily="2" charset="2"/>
+                            </a:rPr>
+                          </m:ctrlPr>
+                        </m:sSupPr>
+                        <m:e>
+                          <m:d>
+                            <m:dPr>
+                              <m:begChr m:val="["/>
+                              <m:endChr m:val="]"/>
+                              <m:ctrlPr>
+                                <a:rPr lang="fr-FR" sz="2800" i="1" smtClean="0">
+                                  <a:solidFill>
+                                    <a:schemeClr val="accent6"/>
+                                  </a:solidFill>
+                                  <a:latin typeface="Cambria Math" panose="02040503050406030204" pitchFamily="18" charset="0"/>
+                                  <a:sym typeface="Wingdings" panose="05000000000000000000" pitchFamily="2" charset="2"/>
+                                </a:rPr>
+                              </m:ctrlPr>
+                            </m:dPr>
+                            <m:e>
+                              <m:r>
+                                <m:rPr>
+                                  <m:sty m:val="p"/>
+                                </m:rPr>
+                                <a:rPr lang="fr-FR" sz="2800" b="0" i="0" smtClean="0">
+                                  <a:solidFill>
+                                    <a:schemeClr val="accent6"/>
+                                  </a:solidFill>
+                                  <a:latin typeface="Cambria Math" panose="02040503050406030204" pitchFamily="18" charset="0"/>
+                                  <a:sym typeface="Wingdings" panose="05000000000000000000" pitchFamily="2" charset="2"/>
+                                </a:rPr>
+                                <m:t>Fe</m:t>
+                              </m:r>
+                              <m:sSub>
+                                <m:sSubPr>
+                                  <m:ctrlPr>
+                                    <a:rPr lang="fr-FR" sz="2800" b="0" i="1" smtClean="0">
+                                      <a:solidFill>
+                                        <a:schemeClr val="accent6"/>
+                                      </a:solidFill>
+                                      <a:latin typeface="Cambria Math" panose="02040503050406030204" pitchFamily="18" charset="0"/>
+                                      <a:sym typeface="Wingdings" panose="05000000000000000000" pitchFamily="2" charset="2"/>
+                                    </a:rPr>
+                                  </m:ctrlPr>
+                                </m:sSubPr>
+                                <m:e>
+                                  <m:d>
+                                    <m:dPr>
+                                      <m:ctrlPr>
+                                        <a:rPr lang="fr-FR" sz="2800" i="1" smtClean="0">
+                                          <a:solidFill>
+                                            <a:schemeClr val="accent6"/>
+                                          </a:solidFill>
+                                          <a:latin typeface="Cambria Math" panose="02040503050406030204" pitchFamily="18" charset="0"/>
+                                          <a:sym typeface="Wingdings" panose="05000000000000000000" pitchFamily="2" charset="2"/>
+                                        </a:rPr>
+                                      </m:ctrlPr>
+                                    </m:dPr>
+                                    <m:e>
+                                      <m:sSub>
+                                        <m:sSubPr>
+                                          <m:ctrlPr>
+                                            <a:rPr lang="fr-FR" sz="2800" i="1" smtClean="0">
+                                              <a:solidFill>
+                                                <a:schemeClr val="accent6"/>
+                                              </a:solidFill>
+                                              <a:latin typeface="Cambria Math" panose="02040503050406030204" pitchFamily="18" charset="0"/>
+                                              <a:sym typeface="Wingdings" panose="05000000000000000000" pitchFamily="2" charset="2"/>
+                                            </a:rPr>
+                                          </m:ctrlPr>
+                                        </m:sSubPr>
+                                        <m:e>
+                                          <m:r>
+                                            <m:rPr>
+                                              <m:sty m:val="p"/>
+                                            </m:rPr>
+                                            <a:rPr lang="fr-FR" sz="2800" b="0" i="0" smtClean="0">
+                                              <a:solidFill>
+                                                <a:schemeClr val="accent6"/>
+                                              </a:solidFill>
+                                              <a:latin typeface="Cambria Math" panose="02040503050406030204" pitchFamily="18" charset="0"/>
+                                              <a:sym typeface="Wingdings" panose="05000000000000000000" pitchFamily="2" charset="2"/>
+                                            </a:rPr>
+                                            <m:t>C</m:t>
+                                          </m:r>
+                                        </m:e>
+                                        <m:sub>
+                                          <m:r>
+                                            <a:rPr lang="fr-FR" sz="2800" b="0" i="0" smtClean="0">
+                                              <a:solidFill>
+                                                <a:schemeClr val="accent6"/>
+                                              </a:solidFill>
+                                              <a:latin typeface="Cambria Math" panose="02040503050406030204" pitchFamily="18" charset="0"/>
+                                              <a:sym typeface="Wingdings" panose="05000000000000000000" pitchFamily="2" charset="2"/>
+                                            </a:rPr>
+                                            <m:t>2</m:t>
+                                          </m:r>
+                                        </m:sub>
+                                      </m:sSub>
+                                      <m:sSub>
+                                        <m:sSubPr>
+                                          <m:ctrlPr>
+                                            <a:rPr lang="fr-FR" sz="2800" i="1" smtClean="0">
+                                              <a:solidFill>
+                                                <a:schemeClr val="accent6"/>
+                                              </a:solidFill>
+                                              <a:latin typeface="Cambria Math" panose="02040503050406030204" pitchFamily="18" charset="0"/>
+                                              <a:sym typeface="Wingdings" panose="05000000000000000000" pitchFamily="2" charset="2"/>
+                                            </a:rPr>
+                                          </m:ctrlPr>
+                                        </m:sSubPr>
+                                        <m:e>
+                                          <m:r>
+                                            <m:rPr>
+                                              <m:sty m:val="p"/>
+                                            </m:rPr>
+                                            <a:rPr lang="fr-FR" sz="2800" b="0" i="0" smtClean="0">
+                                              <a:solidFill>
+                                                <a:schemeClr val="accent6"/>
+                                              </a:solidFill>
+                                              <a:latin typeface="Cambria Math" panose="02040503050406030204" pitchFamily="18" charset="0"/>
+                                              <a:sym typeface="Wingdings" panose="05000000000000000000" pitchFamily="2" charset="2"/>
+                                            </a:rPr>
+                                            <m:t>O</m:t>
+                                          </m:r>
+                                        </m:e>
+                                        <m:sub>
+                                          <m:r>
+                                            <a:rPr lang="fr-FR" sz="2800" b="0" i="0" smtClean="0">
+                                              <a:solidFill>
+                                                <a:schemeClr val="accent6"/>
+                                              </a:solidFill>
+                                              <a:latin typeface="Cambria Math" panose="02040503050406030204" pitchFamily="18" charset="0"/>
+                                              <a:sym typeface="Wingdings" panose="05000000000000000000" pitchFamily="2" charset="2"/>
+                                            </a:rPr>
+                                            <m:t>4</m:t>
+                                          </m:r>
+                                        </m:sub>
+                                      </m:sSub>
+                                    </m:e>
+                                  </m:d>
+                                </m:e>
+                                <m:sub>
+                                  <m:r>
+                                    <a:rPr lang="fr-FR" sz="2800" b="0" i="0" smtClean="0">
+                                      <a:solidFill>
+                                        <a:schemeClr val="accent6"/>
+                                      </a:solidFill>
+                                      <a:latin typeface="Cambria Math" panose="02040503050406030204" pitchFamily="18" charset="0"/>
+                                      <a:sym typeface="Wingdings" panose="05000000000000000000" pitchFamily="2" charset="2"/>
+                                    </a:rPr>
+                                    <m:t>3</m:t>
+                                  </m:r>
+                                </m:sub>
+                              </m:sSub>
+                            </m:e>
+                          </m:d>
+                        </m:e>
+                        <m:sup>
+                          <m:r>
+                            <a:rPr lang="fr-FR" sz="2800" b="0" i="0" smtClean="0">
+                              <a:solidFill>
+                                <a:schemeClr val="accent6"/>
+                              </a:solidFill>
+                              <a:latin typeface="Cambria Math" panose="02040503050406030204" pitchFamily="18" charset="0"/>
+                              <a:sym typeface="Wingdings" panose="05000000000000000000" pitchFamily="2" charset="2"/>
+                            </a:rPr>
+                            <m:t>3−</m:t>
+                          </m:r>
+                        </m:sup>
+                      </m:sSup>
+                    </m:oMath>
+                  </m:oMathPara>
+                </a14:m>
+                <a:endParaRPr lang="fr-FR" sz="2800" dirty="0">
+                  <a:solidFill>
+                    <a:srgbClr val="0070C0"/>
+                  </a:solidFill>
+                </a:endParaRPr>
+              </a:p>
+            </p:txBody>
+          </p:sp>
+        </mc:Choice>
+        <mc:Fallback xmlns="">
+          <p:sp>
+            <p:nvSpPr>
               <p:cNvPr id="28" name="ZoneTexte 27">
                 <a:extLst>
                   <a:ext uri="{FF2B5EF4-FFF2-40B4-BE49-F238E27FC236}">
@@ -12876,7 +17735,7 @@
               <p:cNvPr id="29" name="ZoneTexte 28">
                 <a:extLst>
                   <a:ext uri="{FF2B5EF4-FFF2-40B4-BE49-F238E27FC236}">
-                    <a16:creationId xmlns="" xmlns:a16="http://schemas.microsoft.com/office/drawing/2014/main" id="{B2AD1845-005D-4D56-8DD3-7B8026BCC5A3}"/>
+                    <a16:creationId xmlns:a16="http://schemas.microsoft.com/office/drawing/2014/main" xmlns="" id="{B2AD1845-005D-4D56-8DD3-7B8026BCC5A3}"/>
                   </a:ext>
                 </a:extLst>
               </p:cNvPr>
@@ -14589,2016 +19448,6 @@
 </p:sld>
 </file>
 
-<file path=ppt/slides/slide8.xml><?xml version="1.0" encoding="utf-8"?>
-<p:sld xmlns:a="http://schemas.openxmlformats.org/drawingml/2006/main" xmlns:r="http://schemas.openxmlformats.org/officeDocument/2006/relationships" xmlns:p="http://schemas.openxmlformats.org/presentationml/2006/main">
-  <p:cSld>
-    <p:spTree>
-      <p:nvGrpSpPr>
-        <p:cNvPr id="1" name=""/>
-        <p:cNvGrpSpPr/>
-        <p:nvPr/>
-      </p:nvGrpSpPr>
-      <p:grpSpPr>
-        <a:xfrm>
-          <a:off x="0" y="0"/>
-          <a:ext cx="0" cy="0"/>
-          <a:chOff x="0" y="0"/>
-          <a:chExt cx="0" cy="0"/>
-        </a:xfrm>
-      </p:grpSpPr>
-      <p:graphicFrame>
-        <p:nvGraphicFramePr>
-          <p:cNvPr id="11" name="Tableau 10"/>
-          <p:cNvGraphicFramePr>
-            <a:graphicFrameLocks noGrp="1"/>
-          </p:cNvGraphicFramePr>
-          <p:nvPr>
-            <p:extLst>
-              <p:ext uri="{D42A27DB-BD31-4B8C-83A1-F6EECF244321}">
-                <p14:modId xmlns:p14="http://schemas.microsoft.com/office/powerpoint/2010/main" val="2348550447"/>
-              </p:ext>
-            </p:extLst>
-          </p:nvPr>
-        </p:nvGraphicFramePr>
-        <p:xfrm>
-          <a:off x="218649" y="1918497"/>
-          <a:ext cx="11754701" cy="2443082"/>
-        </p:xfrm>
-        <a:graphic>
-          <a:graphicData uri="http://schemas.openxmlformats.org/drawingml/2006/table">
-            <a:tbl>
-              <a:tblPr firstRow="1" bandRow="1">
-                <a:tableStyleId>{5C22544A-7EE6-4342-B048-85BDC9FD1C3A}</a:tableStyleId>
-              </a:tblPr>
-              <a:tblGrid>
-                <a:gridCol w="1303014"/>
-                <a:gridCol w="2006600"/>
-                <a:gridCol w="1894637"/>
-                <a:gridCol w="1625600"/>
-                <a:gridCol w="1689100"/>
-                <a:gridCol w="1775663"/>
-                <a:gridCol w="1460087"/>
-              </a:tblGrid>
-              <a:tr h="749101">
-                <a:tc>
-                  <a:txBody>
-                    <a:bodyPr/>
-                    <a:lstStyle/>
-                    <a:p>
-                      <a:endParaRPr lang="fr-FR" dirty="0"/>
-                    </a:p>
-                  </a:txBody>
-                  <a:tcPr>
-                    <a:solidFill>
-                      <a:schemeClr val="accent5">
-                        <a:lumMod val="20000"/>
-                        <a:lumOff val="80000"/>
-                      </a:schemeClr>
-                    </a:solidFill>
-                  </a:tcPr>
-                </a:tc>
-                <a:tc>
-                  <a:txBody>
-                    <a:bodyPr/>
-                    <a:lstStyle/>
-                    <a:p>
-                      <a:endParaRPr lang="fr-FR" dirty="0"/>
-                    </a:p>
-                  </a:txBody>
-                  <a:tcPr>
-                    <a:solidFill>
-                      <a:schemeClr val="accent5">
-                        <a:lumMod val="20000"/>
-                        <a:lumOff val="80000"/>
-                      </a:schemeClr>
-                    </a:solidFill>
-                  </a:tcPr>
-                </a:tc>
-                <a:tc>
-                  <a:txBody>
-                    <a:bodyPr/>
-                    <a:lstStyle/>
-                    <a:p>
-                      <a:endParaRPr lang="fr-FR" dirty="0"/>
-                    </a:p>
-                  </a:txBody>
-                  <a:tcPr>
-                    <a:solidFill>
-                      <a:schemeClr val="accent5">
-                        <a:lumMod val="20000"/>
-                        <a:lumOff val="80000"/>
-                      </a:schemeClr>
-                    </a:solidFill>
-                  </a:tcPr>
-                </a:tc>
-                <a:tc>
-                  <a:txBody>
-                    <a:bodyPr/>
-                    <a:lstStyle/>
-                    <a:p>
-                      <a:endParaRPr lang="fr-FR" dirty="0"/>
-                    </a:p>
-                  </a:txBody>
-                  <a:tcPr>
-                    <a:solidFill>
-                      <a:schemeClr val="accent5">
-                        <a:lumMod val="20000"/>
-                        <a:lumOff val="80000"/>
-                      </a:schemeClr>
-                    </a:solidFill>
-                  </a:tcPr>
-                </a:tc>
-                <a:tc>
-                  <a:txBody>
-                    <a:bodyPr/>
-                    <a:lstStyle/>
-                    <a:p>
-                      <a:endParaRPr lang="fr-FR" dirty="0"/>
-                    </a:p>
-                  </a:txBody>
-                  <a:tcPr>
-                    <a:solidFill>
-                      <a:schemeClr val="accent5">
-                        <a:lumMod val="20000"/>
-                        <a:lumOff val="80000"/>
-                      </a:schemeClr>
-                    </a:solidFill>
-                  </a:tcPr>
-                </a:tc>
-                <a:tc>
-                  <a:txBody>
-                    <a:bodyPr/>
-                    <a:lstStyle/>
-                    <a:p>
-                      <a:endParaRPr lang="fr-FR" dirty="0"/>
-                    </a:p>
-                  </a:txBody>
-                  <a:tcPr>
-                    <a:solidFill>
-                      <a:schemeClr val="accent5">
-                        <a:lumMod val="20000"/>
-                        <a:lumOff val="80000"/>
-                      </a:schemeClr>
-                    </a:solidFill>
-                  </a:tcPr>
-                </a:tc>
-                <a:tc>
-                  <a:txBody>
-                    <a:bodyPr/>
-                    <a:lstStyle/>
-                    <a:p>
-                      <a:endParaRPr lang="fr-FR" dirty="0"/>
-                    </a:p>
-                  </a:txBody>
-                  <a:tcPr>
-                    <a:solidFill>
-                      <a:schemeClr val="accent5">
-                        <a:lumMod val="20000"/>
-                        <a:lumOff val="80000"/>
-                      </a:schemeClr>
-                    </a:solidFill>
-                  </a:tcPr>
-                </a:tc>
-              </a:tr>
-              <a:tr h="749101">
-                <a:tc>
-                  <a:txBody>
-                    <a:bodyPr/>
-                    <a:lstStyle/>
-                    <a:p>
-                      <a:pPr algn="ctr"/>
-                      <a:r>
-                        <a:rPr lang="fr-FR" sz="2800" dirty="0" smtClean="0"/>
-                        <a:t>E.I.</a:t>
-                      </a:r>
-                      <a:endParaRPr lang="fr-FR" sz="2800" dirty="0"/>
-                    </a:p>
-                  </a:txBody>
-                  <a:tcPr anchor="ctr"/>
-                </a:tc>
-                <a:tc>
-                  <a:txBody>
-                    <a:bodyPr/>
-                    <a:lstStyle/>
-                    <a:p>
-                      <a:pPr algn="ctr"/>
-                      <a:r>
-                        <a:rPr lang="fr-FR" sz="2800" dirty="0" err="1" smtClean="0"/>
-                        <a:t>n</a:t>
-                      </a:r>
-                      <a:r>
-                        <a:rPr lang="fr-FR" sz="2800" baseline="-25000" dirty="0" err="1" smtClean="0"/>
-                        <a:t>Mn</a:t>
-                      </a:r>
-                      <a:endParaRPr lang="fr-FR" sz="2800" baseline="-25000" dirty="0"/>
-                    </a:p>
-                  </a:txBody>
-                  <a:tcPr anchor="ctr"/>
-                </a:tc>
-                <a:tc>
-                  <a:txBody>
-                    <a:bodyPr/>
-                    <a:lstStyle/>
-                    <a:p>
-                      <a:pPr algn="ctr"/>
-                      <a:r>
-                        <a:rPr lang="fr-FR" sz="2800" dirty="0" err="1" smtClean="0"/>
-                        <a:t>n</a:t>
-                      </a:r>
-                      <a:r>
-                        <a:rPr lang="fr-FR" sz="2800" baseline="-25000" dirty="0" err="1" smtClean="0"/>
-                        <a:t>Ox</a:t>
-                      </a:r>
-                      <a:endParaRPr lang="fr-FR" sz="2800" dirty="0"/>
-                    </a:p>
-                  </a:txBody>
-                  <a:tcPr anchor="ctr"/>
-                </a:tc>
-                <a:tc>
-                  <a:txBody>
-                    <a:bodyPr/>
-                    <a:lstStyle/>
-                    <a:p>
-                      <a:pPr algn="ctr"/>
-                      <a:endParaRPr lang="fr-FR" sz="2800" dirty="0"/>
-                    </a:p>
-                  </a:txBody>
-                  <a:tcPr anchor="ctr"/>
-                </a:tc>
-                <a:tc>
-                  <a:txBody>
-                    <a:bodyPr/>
-                    <a:lstStyle/>
-                    <a:p>
-                      <a:pPr algn="ctr"/>
-                      <a:r>
-                        <a:rPr lang="fr-FR" sz="2800" dirty="0" smtClean="0"/>
-                        <a:t>0</a:t>
-                      </a:r>
-                      <a:endParaRPr lang="fr-FR" sz="2800" dirty="0"/>
-                    </a:p>
-                  </a:txBody>
-                  <a:tcPr anchor="ctr"/>
-                </a:tc>
-                <a:tc>
-                  <a:txBody>
-                    <a:bodyPr/>
-                    <a:lstStyle/>
-                    <a:p>
-                      <a:pPr algn="ctr"/>
-                      <a:r>
-                        <a:rPr lang="fr-FR" sz="2800" dirty="0" smtClean="0"/>
-                        <a:t>0</a:t>
-                      </a:r>
-                      <a:endParaRPr lang="fr-FR" sz="2800" dirty="0"/>
-                    </a:p>
-                  </a:txBody>
-                  <a:tcPr anchor="ctr"/>
-                </a:tc>
-                <a:tc>
-                  <a:txBody>
-                    <a:bodyPr/>
-                    <a:lstStyle/>
-                    <a:p>
-                      <a:pPr algn="ctr"/>
-                      <a:r>
-                        <a:rPr lang="fr-FR" sz="2800" dirty="0" smtClean="0"/>
-                        <a:t>excès</a:t>
-                      </a:r>
-                      <a:endParaRPr lang="fr-FR" sz="2800" dirty="0"/>
-                    </a:p>
-                  </a:txBody>
-                  <a:tcPr anchor="ctr"/>
-                </a:tc>
-              </a:tr>
-              <a:tr h="749101">
-                <a:tc>
-                  <a:txBody>
-                    <a:bodyPr/>
-                    <a:lstStyle/>
-                    <a:p>
-                      <a:pPr algn="ctr"/>
-                      <a:r>
-                        <a:rPr lang="fr-FR" sz="2800" dirty="0" err="1" smtClean="0"/>
-                        <a:t>Equiva-lence</a:t>
-                      </a:r>
-                      <a:endParaRPr lang="fr-FR" sz="2800" dirty="0"/>
-                    </a:p>
-                  </a:txBody>
-                  <a:tcPr anchor="ctr"/>
-                </a:tc>
-                <a:tc>
-                  <a:txBody>
-                    <a:bodyPr/>
-                    <a:lstStyle/>
-                    <a:p>
-                      <a:pPr algn="ctr"/>
-                      <a:r>
-                        <a:rPr lang="fr-FR" sz="2800" dirty="0" smtClean="0"/>
-                        <a:t>n</a:t>
-                      </a:r>
-                      <a:r>
-                        <a:rPr lang="fr-FR" sz="2800" baseline="-25000" dirty="0" smtClean="0"/>
-                        <a:t>Mn</a:t>
-                      </a:r>
-                      <a:r>
-                        <a:rPr lang="fr-FR" sz="2800" dirty="0" smtClean="0"/>
-                        <a:t>-2x</a:t>
-                      </a:r>
-                      <a:r>
-                        <a:rPr lang="fr-FR" sz="2800" baseline="-25000" dirty="0" smtClean="0"/>
-                        <a:t>eq</a:t>
-                      </a:r>
-                      <a:r>
-                        <a:rPr lang="fr-FR" sz="2800" dirty="0" smtClean="0"/>
-                        <a:t>=0</a:t>
-                      </a:r>
-                      <a:endParaRPr lang="fr-FR" sz="2800" dirty="0"/>
-                    </a:p>
-                  </a:txBody>
-                  <a:tcPr anchor="ctr"/>
-                </a:tc>
-                <a:tc>
-                  <a:txBody>
-                    <a:bodyPr/>
-                    <a:lstStyle/>
-                    <a:p>
-                      <a:pPr marL="0" marR="0" lvl="0" indent="0" algn="ctr" defTabSz="914400" rtl="0" eaLnBrk="1" fontAlgn="auto" latinLnBrk="0" hangingPunct="1">
-                        <a:lnSpc>
-                          <a:spcPct val="100000"/>
-                        </a:lnSpc>
-                        <a:spcBef>
-                          <a:spcPts val="0"/>
-                        </a:spcBef>
-                        <a:spcAft>
-                          <a:spcPts val="0"/>
-                        </a:spcAft>
-                        <a:buClrTx/>
-                        <a:buSzTx/>
-                        <a:buFontTx/>
-                        <a:buNone/>
-                        <a:tabLst/>
-                        <a:defRPr/>
-                      </a:pPr>
-                      <a:r>
-                        <a:rPr lang="fr-FR" sz="2800" dirty="0" smtClean="0"/>
-                        <a:t>n</a:t>
-                      </a:r>
-                      <a:r>
-                        <a:rPr lang="fr-FR" sz="2800" baseline="-25000" dirty="0" smtClean="0"/>
-                        <a:t>Ox</a:t>
-                      </a:r>
-                      <a:r>
-                        <a:rPr lang="fr-FR" sz="2800" dirty="0" smtClean="0"/>
-                        <a:t>-5x</a:t>
-                      </a:r>
-                      <a:r>
-                        <a:rPr lang="fr-FR" sz="2800" baseline="-25000" dirty="0" smtClean="0"/>
-                        <a:t>eq</a:t>
-                      </a:r>
-                      <a:r>
-                        <a:rPr lang="fr-FR" sz="2800" dirty="0" smtClean="0"/>
-                        <a:t>=0</a:t>
-                      </a:r>
-                    </a:p>
-                  </a:txBody>
-                  <a:tcPr anchor="ctr"/>
-                </a:tc>
-                <a:tc>
-                  <a:txBody>
-                    <a:bodyPr/>
-                    <a:lstStyle/>
-                    <a:p>
-                      <a:pPr algn="ctr"/>
-                      <a:endParaRPr lang="fr-FR" sz="2800" dirty="0"/>
-                    </a:p>
-                  </a:txBody>
-                  <a:tcPr anchor="ctr"/>
-                </a:tc>
-                <a:tc>
-                  <a:txBody>
-                    <a:bodyPr/>
-                    <a:lstStyle/>
-                    <a:p>
-                      <a:pPr algn="ctr"/>
-                      <a:r>
-                        <a:rPr lang="fr-FR" sz="2800" dirty="0" smtClean="0"/>
-                        <a:t>2x</a:t>
-                      </a:r>
-                      <a:r>
-                        <a:rPr lang="fr-FR" sz="2800" baseline="-25000" dirty="0" smtClean="0"/>
-                        <a:t>eq</a:t>
-                      </a:r>
-                      <a:endParaRPr lang="fr-FR" sz="2800" dirty="0"/>
-                    </a:p>
-                  </a:txBody>
-                  <a:tcPr anchor="ctr"/>
-                </a:tc>
-                <a:tc>
-                  <a:txBody>
-                    <a:bodyPr/>
-                    <a:lstStyle/>
-                    <a:p>
-                      <a:pPr algn="ctr"/>
-                      <a:r>
-                        <a:rPr lang="fr-FR" sz="2800" dirty="0" smtClean="0"/>
-                        <a:t>10x</a:t>
-                      </a:r>
-                      <a:r>
-                        <a:rPr lang="fr-FR" sz="2800" baseline="-25000" dirty="0" smtClean="0"/>
-                        <a:t>eq</a:t>
-                      </a:r>
-                      <a:endParaRPr lang="fr-FR" sz="2800" dirty="0"/>
-                    </a:p>
-                  </a:txBody>
-                  <a:tcPr anchor="ctr"/>
-                </a:tc>
-                <a:tc>
-                  <a:txBody>
-                    <a:bodyPr/>
-                    <a:lstStyle/>
-                    <a:p>
-                      <a:pPr algn="ctr"/>
-                      <a:r>
-                        <a:rPr lang="fr-FR" sz="2800" dirty="0" smtClean="0"/>
-                        <a:t>excès</a:t>
-                      </a:r>
-                      <a:endParaRPr lang="fr-FR" sz="2800" dirty="0"/>
-                    </a:p>
-                  </a:txBody>
-                  <a:tcPr anchor="ctr"/>
-                </a:tc>
-              </a:tr>
-            </a:tbl>
-          </a:graphicData>
-        </a:graphic>
-      </p:graphicFrame>
-      <p:sp>
-        <p:nvSpPr>
-          <p:cNvPr id="13" name="Rectangle 12"/>
-          <p:cNvSpPr/>
-          <p:nvPr/>
-        </p:nvSpPr>
-        <p:spPr>
-          <a:xfrm>
-            <a:off x="218649" y="3416299"/>
-            <a:ext cx="11754701" cy="945279"/>
-          </a:xfrm>
-          <a:prstGeom prst="rect">
-            <a:avLst/>
-          </a:prstGeom>
-          <a:solidFill>
-            <a:schemeClr val="bg1">
-              <a:alpha val="90000"/>
-            </a:schemeClr>
-          </a:solidFill>
-          <a:ln>
-            <a:noFill/>
-          </a:ln>
-        </p:spPr>
-        <p:style>
-          <a:lnRef idx="2">
-            <a:schemeClr val="accent1">
-              <a:shade val="50000"/>
-            </a:schemeClr>
-          </a:lnRef>
-          <a:fillRef idx="1">
-            <a:schemeClr val="accent1"/>
-          </a:fillRef>
-          <a:effectRef idx="0">
-            <a:schemeClr val="accent1"/>
-          </a:effectRef>
-          <a:fontRef idx="minor">
-            <a:schemeClr val="lt1"/>
-          </a:fontRef>
-        </p:style>
-        <p:txBody>
-          <a:bodyPr rtlCol="0" anchor="ctr"/>
-          <a:lstStyle/>
-          <a:p>
-            <a:pPr algn="ctr"/>
-            <a:endParaRPr lang="fr-FR"/>
-          </a:p>
-        </p:txBody>
-      </p:sp>
-      <p:sp>
-        <p:nvSpPr>
-          <p:cNvPr id="4" name="Titre 1"/>
-          <p:cNvSpPr txBox="1">
-            <a:spLocks/>
-          </p:cNvSpPr>
-          <p:nvPr/>
-        </p:nvSpPr>
-        <p:spPr>
-          <a:xfrm>
-            <a:off x="0" y="0"/>
-            <a:ext cx="12192000" cy="747252"/>
-          </a:xfrm>
-          <a:prstGeom prst="rect">
-            <a:avLst/>
-          </a:prstGeom>
-        </p:spPr>
-        <p:txBody>
-          <a:bodyPr vert="horz" lIns="91440" tIns="45720" rIns="91440" bIns="45720" rtlCol="0" anchor="ctr">
-            <a:normAutofit/>
-          </a:bodyPr>
-          <a:lstStyle>
-            <a:lvl1pPr algn="l" defTabSz="914400" rtl="0" eaLnBrk="1" latinLnBrk="0" hangingPunct="1">
-              <a:lnSpc>
-                <a:spcPct val="90000"/>
-              </a:lnSpc>
-              <a:spcBef>
-                <a:spcPct val="0"/>
-              </a:spcBef>
-              <a:buNone/>
-              <a:defRPr sz="4400" kern="1200">
-                <a:solidFill>
-                  <a:schemeClr val="tx1"/>
-                </a:solidFill>
-                <a:latin typeface="+mj-lt"/>
-                <a:ea typeface="+mj-ea"/>
-                <a:cs typeface="+mj-cs"/>
-              </a:defRPr>
-            </a:lvl1pPr>
-          </a:lstStyle>
-          <a:p>
-            <a:r>
-              <a:rPr lang="fr-FR" sz="3600" b="1" dirty="0" smtClean="0">
-                <a:solidFill>
-                  <a:srgbClr val="0070C0"/>
-                </a:solidFill>
-              </a:rPr>
-              <a:t>  Détermination de la stœchiométrie du complexe (oxalate)</a:t>
-            </a:r>
-            <a:endParaRPr lang="fr-FR" sz="3600" baseline="30000" dirty="0">
-              <a:solidFill>
-                <a:srgbClr val="0070C0"/>
-              </a:solidFill>
-            </a:endParaRPr>
-          </a:p>
-        </p:txBody>
-      </p:sp>
-      <p:cxnSp>
-        <p:nvCxnSpPr>
-          <p:cNvPr id="5" name="Connecteur droit 4"/>
-          <p:cNvCxnSpPr/>
-          <p:nvPr/>
-        </p:nvCxnSpPr>
-        <p:spPr>
-          <a:xfrm>
-            <a:off x="220983" y="747252"/>
-            <a:ext cx="11754707" cy="0"/>
-          </a:xfrm>
-          <a:prstGeom prst="line">
-            <a:avLst/>
-          </a:prstGeom>
-          <a:ln w="76200">
-            <a:gradFill flip="none" rotWithShape="1">
-              <a:gsLst>
-                <a:gs pos="0">
-                  <a:srgbClr val="0070C0"/>
-                </a:gs>
-                <a:gs pos="100000">
-                  <a:srgbClr val="0070C0">
-                    <a:alpha val="25000"/>
-                  </a:srgbClr>
-                </a:gs>
-              </a:gsLst>
-              <a:lin ang="0" scaled="1"/>
-              <a:tileRect/>
-            </a:gradFill>
-          </a:ln>
-        </p:spPr>
-        <p:style>
-          <a:lnRef idx="1">
-            <a:schemeClr val="accent1"/>
-          </a:lnRef>
-          <a:fillRef idx="0">
-            <a:schemeClr val="accent1"/>
-          </a:fillRef>
-          <a:effectRef idx="0">
-            <a:schemeClr val="accent1"/>
-          </a:effectRef>
-          <a:fontRef idx="minor">
-            <a:schemeClr val="tx1"/>
-          </a:fontRef>
-        </p:style>
-      </p:cxnSp>
-      <mc:AlternateContent xmlns:mc="http://schemas.openxmlformats.org/markup-compatibility/2006" xmlns:a14="http://schemas.microsoft.com/office/drawing/2010/main">
-        <mc:Choice Requires="a14">
-          <p:sp>
-            <p:nvSpPr>
-              <p:cNvPr id="2" name="Rectangle 1"/>
-              <p:cNvSpPr/>
-              <p:nvPr/>
-            </p:nvSpPr>
-            <p:spPr>
-              <a:xfrm>
-                <a:off x="4765539" y="1071265"/>
-                <a:ext cx="3508140" cy="523220"/>
-              </a:xfrm>
-              <a:prstGeom prst="rect">
-                <a:avLst/>
-              </a:prstGeom>
-              <a:ln w="28575">
-                <a:noFill/>
-              </a:ln>
-            </p:spPr>
-            <p:txBody>
-              <a:bodyPr wrap="none">
-                <a:spAutoFit/>
-              </a:bodyPr>
-              <a:lstStyle/>
-              <a:p>
-                <a:pPr/>
-                <a14:m>
-                  <m:oMathPara xmlns:m="http://schemas.openxmlformats.org/officeDocument/2006/math">
-                    <m:oMathParaPr>
-                      <m:jc m:val="centerGroup"/>
-                    </m:oMathParaPr>
-                    <m:oMath xmlns:m="http://schemas.openxmlformats.org/officeDocument/2006/math">
-                      <m:sSub>
-                        <m:sSubPr>
-                          <m:ctrlPr>
-                            <a:rPr lang="fr-FR" sz="2800" i="1" smtClean="0">
-                              <a:solidFill>
-                                <a:schemeClr val="accent6"/>
-                              </a:solidFill>
-                              <a:latin typeface="Cambria Math" panose="02040503050406030204" pitchFamily="18" charset="0"/>
-                              <a:sym typeface="Wingdings" panose="05000000000000000000" pitchFamily="2" charset="2"/>
-                            </a:rPr>
-                          </m:ctrlPr>
-                        </m:sSubPr>
-                        <m:e>
-                          <m:r>
-                            <m:rPr>
-                              <m:sty m:val="p"/>
-                            </m:rPr>
-                            <a:rPr lang="fr-FR" sz="2800">
-                              <a:solidFill>
-                                <a:schemeClr val="accent6"/>
-                              </a:solidFill>
-                              <a:latin typeface="Cambria Math" panose="02040503050406030204" pitchFamily="18" charset="0"/>
-                              <a:sym typeface="Wingdings" panose="05000000000000000000" pitchFamily="2" charset="2"/>
-                            </a:rPr>
-                            <m:t>K</m:t>
-                          </m:r>
-                        </m:e>
-                        <m:sub>
-                          <m:r>
-                            <a:rPr lang="fr-FR" sz="2800">
-                              <a:solidFill>
-                                <a:schemeClr val="accent6"/>
-                              </a:solidFill>
-                              <a:latin typeface="Cambria Math" panose="02040503050406030204" pitchFamily="18" charset="0"/>
-                              <a:sym typeface="Wingdings" panose="05000000000000000000" pitchFamily="2" charset="2"/>
-                            </a:rPr>
-                            <m:t>3</m:t>
-                          </m:r>
-                        </m:sub>
-                      </m:sSub>
-                      <m:d>
-                        <m:dPr>
-                          <m:begChr m:val="["/>
-                          <m:endChr m:val="]"/>
-                          <m:ctrlPr>
-                            <a:rPr lang="fr-FR" sz="2800" i="1">
-                              <a:solidFill>
-                                <a:schemeClr val="accent6"/>
-                              </a:solidFill>
-                              <a:latin typeface="Cambria Math" panose="02040503050406030204" pitchFamily="18" charset="0"/>
-                              <a:sym typeface="Wingdings" panose="05000000000000000000" pitchFamily="2" charset="2"/>
-                            </a:rPr>
-                          </m:ctrlPr>
-                        </m:dPr>
-                        <m:e>
-                          <m:r>
-                            <m:rPr>
-                              <m:sty m:val="p"/>
-                            </m:rPr>
-                            <a:rPr lang="fr-FR" sz="2800">
-                              <a:solidFill>
-                                <a:schemeClr val="accent6"/>
-                              </a:solidFill>
-                              <a:latin typeface="Cambria Math" panose="02040503050406030204" pitchFamily="18" charset="0"/>
-                              <a:sym typeface="Wingdings" panose="05000000000000000000" pitchFamily="2" charset="2"/>
-                            </a:rPr>
-                            <m:t>Fe</m:t>
-                          </m:r>
-                          <m:sSub>
-                            <m:sSubPr>
-                              <m:ctrlPr>
-                                <a:rPr lang="fr-FR" sz="2800" b="0" i="1" smtClean="0">
-                                  <a:solidFill>
-                                    <a:schemeClr val="accent6"/>
-                                  </a:solidFill>
-                                  <a:latin typeface="Cambria Math" panose="02040503050406030204" pitchFamily="18" charset="0"/>
-                                  <a:sym typeface="Wingdings" panose="05000000000000000000" pitchFamily="2" charset="2"/>
-                                </a:rPr>
-                              </m:ctrlPr>
-                            </m:sSubPr>
-                            <m:e>
-                              <m:d>
-                                <m:dPr>
-                                  <m:ctrlPr>
-                                    <a:rPr lang="fr-FR" sz="2800" i="1">
-                                      <a:solidFill>
-                                        <a:schemeClr val="accent6"/>
-                                      </a:solidFill>
-                                      <a:latin typeface="Cambria Math" panose="02040503050406030204" pitchFamily="18" charset="0"/>
-                                      <a:sym typeface="Wingdings" panose="05000000000000000000" pitchFamily="2" charset="2"/>
-                                    </a:rPr>
-                                  </m:ctrlPr>
-                                </m:dPr>
-                                <m:e>
-                                  <m:sSub>
-                                    <m:sSubPr>
-                                      <m:ctrlPr>
-                                        <a:rPr lang="fr-FR" sz="2800" i="1">
-                                          <a:solidFill>
-                                            <a:schemeClr val="accent6"/>
-                                          </a:solidFill>
-                                          <a:latin typeface="Cambria Math" panose="02040503050406030204" pitchFamily="18" charset="0"/>
-                                          <a:sym typeface="Wingdings" panose="05000000000000000000" pitchFamily="2" charset="2"/>
-                                        </a:rPr>
-                                      </m:ctrlPr>
-                                    </m:sSubPr>
-                                    <m:e>
-                                      <m:r>
-                                        <m:rPr>
-                                          <m:sty m:val="p"/>
-                                        </m:rPr>
-                                        <a:rPr lang="fr-FR" sz="2800">
-                                          <a:solidFill>
-                                            <a:schemeClr val="accent6"/>
-                                          </a:solidFill>
-                                          <a:latin typeface="Cambria Math" panose="02040503050406030204" pitchFamily="18" charset="0"/>
-                                          <a:sym typeface="Wingdings" panose="05000000000000000000" pitchFamily="2" charset="2"/>
-                                        </a:rPr>
-                                        <m:t>C</m:t>
-                                      </m:r>
-                                    </m:e>
-                                    <m:sub>
-                                      <m:r>
-                                        <a:rPr lang="fr-FR" sz="2800">
-                                          <a:solidFill>
-                                            <a:schemeClr val="accent6"/>
-                                          </a:solidFill>
-                                          <a:latin typeface="Cambria Math" panose="02040503050406030204" pitchFamily="18" charset="0"/>
-                                          <a:sym typeface="Wingdings" panose="05000000000000000000" pitchFamily="2" charset="2"/>
-                                        </a:rPr>
-                                        <m:t>2</m:t>
-                                      </m:r>
-                                    </m:sub>
-                                  </m:sSub>
-                                  <m:sSub>
-                                    <m:sSubPr>
-                                      <m:ctrlPr>
-                                        <a:rPr lang="fr-FR" sz="2800" i="1">
-                                          <a:solidFill>
-                                            <a:schemeClr val="accent6"/>
-                                          </a:solidFill>
-                                          <a:latin typeface="Cambria Math" panose="02040503050406030204" pitchFamily="18" charset="0"/>
-                                          <a:sym typeface="Wingdings" panose="05000000000000000000" pitchFamily="2" charset="2"/>
-                                        </a:rPr>
-                                      </m:ctrlPr>
-                                    </m:sSubPr>
-                                    <m:e>
-                                      <m:r>
-                                        <m:rPr>
-                                          <m:sty m:val="p"/>
-                                        </m:rPr>
-                                        <a:rPr lang="fr-FR" sz="2800">
-                                          <a:solidFill>
-                                            <a:schemeClr val="accent6"/>
-                                          </a:solidFill>
-                                          <a:latin typeface="Cambria Math" panose="02040503050406030204" pitchFamily="18" charset="0"/>
-                                          <a:sym typeface="Wingdings" panose="05000000000000000000" pitchFamily="2" charset="2"/>
-                                        </a:rPr>
-                                        <m:t>O</m:t>
-                                      </m:r>
-                                    </m:e>
-                                    <m:sub>
-                                      <m:r>
-                                        <a:rPr lang="fr-FR" sz="2800">
-                                          <a:solidFill>
-                                            <a:schemeClr val="accent6"/>
-                                          </a:solidFill>
-                                          <a:latin typeface="Cambria Math" panose="02040503050406030204" pitchFamily="18" charset="0"/>
-                                          <a:sym typeface="Wingdings" panose="05000000000000000000" pitchFamily="2" charset="2"/>
-                                        </a:rPr>
-                                        <m:t>4</m:t>
-                                      </m:r>
-                                    </m:sub>
-                                  </m:sSub>
-                                </m:e>
-                              </m:d>
-                            </m:e>
-                            <m:sub>
-                              <m:r>
-                                <a:rPr lang="fr-FR" sz="2800" b="0" i="1" smtClean="0">
-                                  <a:solidFill>
-                                    <a:schemeClr val="accent6"/>
-                                  </a:solidFill>
-                                  <a:latin typeface="Cambria Math" panose="02040503050406030204" pitchFamily="18" charset="0"/>
-                                  <a:sym typeface="Wingdings" panose="05000000000000000000" pitchFamily="2" charset="2"/>
-                                </a:rPr>
-                                <m:t>3</m:t>
-                              </m:r>
-                            </m:sub>
-                          </m:sSub>
-                        </m:e>
-                      </m:d>
-                      <m:r>
-                        <a:rPr lang="fr-FR" sz="2800">
-                          <a:solidFill>
-                            <a:schemeClr val="accent6"/>
-                          </a:solidFill>
-                          <a:latin typeface="Cambria Math" panose="02040503050406030204" pitchFamily="18" charset="0"/>
-                          <a:sym typeface="Wingdings" panose="05000000000000000000" pitchFamily="2" charset="2"/>
-                        </a:rPr>
-                        <m:t>,3</m:t>
-                      </m:r>
-                      <m:sSub>
-                        <m:sSubPr>
-                          <m:ctrlPr>
-                            <a:rPr lang="fr-FR" sz="2800" i="1">
-                              <a:solidFill>
-                                <a:schemeClr val="accent6"/>
-                              </a:solidFill>
-                              <a:latin typeface="Cambria Math" panose="02040503050406030204" pitchFamily="18" charset="0"/>
-                              <a:sym typeface="Wingdings" panose="05000000000000000000" pitchFamily="2" charset="2"/>
-                            </a:rPr>
-                          </m:ctrlPr>
-                        </m:sSubPr>
-                        <m:e>
-                          <m:r>
-                            <m:rPr>
-                              <m:sty m:val="p"/>
-                            </m:rPr>
-                            <a:rPr lang="fr-FR" sz="2800">
-                              <a:solidFill>
-                                <a:schemeClr val="accent6"/>
-                              </a:solidFill>
-                              <a:latin typeface="Cambria Math" panose="02040503050406030204" pitchFamily="18" charset="0"/>
-                              <a:sym typeface="Wingdings" panose="05000000000000000000" pitchFamily="2" charset="2"/>
-                            </a:rPr>
-                            <m:t>H</m:t>
-                          </m:r>
-                        </m:e>
-                        <m:sub>
-                          <m:r>
-                            <a:rPr lang="fr-FR" sz="2800">
-                              <a:solidFill>
-                                <a:schemeClr val="accent6"/>
-                              </a:solidFill>
-                              <a:latin typeface="Cambria Math" panose="02040503050406030204" pitchFamily="18" charset="0"/>
-                              <a:sym typeface="Wingdings" panose="05000000000000000000" pitchFamily="2" charset="2"/>
-                            </a:rPr>
-                            <m:t>2</m:t>
-                          </m:r>
-                        </m:sub>
-                      </m:sSub>
-                      <m:r>
-                        <m:rPr>
-                          <m:sty m:val="p"/>
-                        </m:rPr>
-                        <a:rPr lang="fr-FR" sz="2800">
-                          <a:solidFill>
-                            <a:schemeClr val="accent6"/>
-                          </a:solidFill>
-                          <a:latin typeface="Cambria Math" panose="02040503050406030204" pitchFamily="18" charset="0"/>
-                          <a:sym typeface="Wingdings" panose="05000000000000000000" pitchFamily="2" charset="2"/>
-                        </a:rPr>
-                        <m:t>O</m:t>
-                      </m:r>
-                    </m:oMath>
-                  </m:oMathPara>
-                </a14:m>
-                <a:endParaRPr lang="fr-FR" sz="2800" dirty="0"/>
-              </a:p>
-            </p:txBody>
-          </p:sp>
-        </mc:Choice>
-        <mc:Fallback xmlns="">
-          <p:sp>
-            <p:nvSpPr>
-              <p:cNvPr id="2" name="Rectangle 1"/>
-              <p:cNvSpPr>
-                <a:spLocks noRot="1" noChangeAspect="1" noMove="1" noResize="1" noEditPoints="1" noAdjustHandles="1" noChangeArrowheads="1" noChangeShapeType="1" noTextEdit="1"/>
-              </p:cNvSpPr>
-              <p:nvPr/>
-            </p:nvSpPr>
-            <p:spPr>
-              <a:xfrm>
-                <a:off x="4765539" y="1071265"/>
-                <a:ext cx="3508140" cy="523220"/>
-              </a:xfrm>
-              <a:prstGeom prst="rect">
-                <a:avLst/>
-              </a:prstGeom>
-              <a:blipFill rotWithShape="0">
-                <a:blip r:embed="rId2"/>
-                <a:stretch>
-                  <a:fillRect/>
-                </a:stretch>
-              </a:blipFill>
-              <a:ln w="28575">
-                <a:noFill/>
-              </a:ln>
-            </p:spPr>
-            <p:txBody>
-              <a:bodyPr/>
-              <a:lstStyle/>
-              <a:p>
-                <a:r>
-                  <a:rPr lang="fr-FR">
-                    <a:noFill/>
-                  </a:rPr>
-                  <a:t> </a:t>
-                </a:r>
-              </a:p>
-            </p:txBody>
-          </p:sp>
-        </mc:Fallback>
-      </mc:AlternateContent>
-      <p:sp>
-        <p:nvSpPr>
-          <p:cNvPr id="12" name="Ellipse 11"/>
-          <p:cNvSpPr/>
-          <p:nvPr/>
-        </p:nvSpPr>
-        <p:spPr>
-          <a:xfrm>
-            <a:off x="6799941" y="1288256"/>
-            <a:ext cx="272372" cy="306229"/>
-          </a:xfrm>
-          <a:prstGeom prst="ellipse">
-            <a:avLst/>
-          </a:prstGeom>
-          <a:noFill/>
-          <a:ln w="38100">
-            <a:solidFill>
-              <a:schemeClr val="accent2"/>
-            </a:solidFill>
-          </a:ln>
-        </p:spPr>
-        <p:style>
-          <a:lnRef idx="2">
-            <a:schemeClr val="accent1">
-              <a:shade val="50000"/>
-            </a:schemeClr>
-          </a:lnRef>
-          <a:fillRef idx="1">
-            <a:schemeClr val="accent1"/>
-          </a:fillRef>
-          <a:effectRef idx="0">
-            <a:schemeClr val="accent1"/>
-          </a:effectRef>
-          <a:fontRef idx="minor">
-            <a:schemeClr val="lt1"/>
-          </a:fontRef>
-        </p:style>
-        <p:txBody>
-          <a:bodyPr rtlCol="0" anchor="ctr"/>
-          <a:lstStyle/>
-          <a:p>
-            <a:pPr algn="ctr"/>
-            <a:endParaRPr lang="fr-FR"/>
-          </a:p>
-        </p:txBody>
-      </p:sp>
-      <mc:AlternateContent xmlns:mc="http://schemas.openxmlformats.org/markup-compatibility/2006" xmlns:a14="http://schemas.microsoft.com/office/drawing/2010/main">
-        <mc:Choice Requires="a14">
-          <p:sp>
-            <p:nvSpPr>
-              <p:cNvPr id="10" name="ZoneTexte 9"/>
-              <p:cNvSpPr txBox="1"/>
-              <p:nvPr/>
-            </p:nvSpPr>
-            <p:spPr>
-              <a:xfrm>
-                <a:off x="1610560" y="2041072"/>
-                <a:ext cx="10362790" cy="515910"/>
-              </a:xfrm>
-              <a:prstGeom prst="rect">
-                <a:avLst/>
-              </a:prstGeom>
-              <a:noFill/>
-            </p:spPr>
-            <p:txBody>
-              <a:bodyPr wrap="square" lIns="0" tIns="0" rIns="0" bIns="0" rtlCol="0">
-                <a:spAutoFit/>
-              </a:bodyPr>
-              <a:lstStyle/>
-              <a:p>
-                <a:pPr/>
-                <a14:m>
-                  <m:oMathPara xmlns:m="http://schemas.openxmlformats.org/officeDocument/2006/math">
-                    <m:oMathParaPr>
-                      <m:jc m:val="centerGroup"/>
-                    </m:oMathParaPr>
-                    <m:oMath xmlns:m="http://schemas.openxmlformats.org/officeDocument/2006/math">
-                      <m:r>
-                        <a:rPr lang="fr-FR" sz="2800" b="0" i="0" smtClean="0">
-                          <a:solidFill>
-                            <a:srgbClr val="7030A0"/>
-                          </a:solidFill>
-                          <a:latin typeface="Cambria Math" panose="02040503050406030204" pitchFamily="18" charset="0"/>
-                        </a:rPr>
-                        <m:t>2</m:t>
-                      </m:r>
-                      <m:r>
-                        <m:rPr>
-                          <m:sty m:val="p"/>
-                        </m:rPr>
-                        <a:rPr lang="fr-FR" sz="2800" b="0" i="0" smtClean="0">
-                          <a:solidFill>
-                            <a:srgbClr val="7030A0"/>
-                          </a:solidFill>
-                          <a:latin typeface="Cambria Math" panose="02040503050406030204" pitchFamily="18" charset="0"/>
-                        </a:rPr>
-                        <m:t>Mn</m:t>
-                      </m:r>
-                      <m:sSubSup>
-                        <m:sSubSupPr>
-                          <m:ctrlPr>
-                            <a:rPr lang="fr-FR" sz="2800" b="0" i="1" smtClean="0">
-                              <a:solidFill>
-                                <a:srgbClr val="7030A0"/>
-                              </a:solidFill>
-                              <a:latin typeface="Cambria Math" panose="02040503050406030204" pitchFamily="18" charset="0"/>
-                            </a:rPr>
-                          </m:ctrlPr>
-                        </m:sSubSupPr>
-                        <m:e>
-                          <m:r>
-                            <m:rPr>
-                              <m:sty m:val="p"/>
-                            </m:rPr>
-                            <a:rPr lang="fr-FR" sz="2800" b="0" i="0" smtClean="0">
-                              <a:solidFill>
-                                <a:srgbClr val="7030A0"/>
-                              </a:solidFill>
-                              <a:latin typeface="Cambria Math" panose="02040503050406030204" pitchFamily="18" charset="0"/>
-                            </a:rPr>
-                            <m:t>O</m:t>
-                          </m:r>
-                        </m:e>
-                        <m:sub>
-                          <m:r>
-                            <a:rPr lang="fr-FR" sz="2800" b="0" i="0" smtClean="0">
-                              <a:solidFill>
-                                <a:srgbClr val="7030A0"/>
-                              </a:solidFill>
-                              <a:latin typeface="Cambria Math" panose="02040503050406030204" pitchFamily="18" charset="0"/>
-                            </a:rPr>
-                            <m:t>4(</m:t>
-                          </m:r>
-                          <m:r>
-                            <m:rPr>
-                              <m:sty m:val="p"/>
-                            </m:rPr>
-                            <a:rPr lang="fr-FR" sz="2800" b="0" i="0" smtClean="0">
-                              <a:solidFill>
-                                <a:srgbClr val="7030A0"/>
-                              </a:solidFill>
-                              <a:latin typeface="Cambria Math" panose="02040503050406030204" pitchFamily="18" charset="0"/>
-                            </a:rPr>
-                            <m:t>aq</m:t>
-                          </m:r>
-                          <m:r>
-                            <a:rPr lang="fr-FR" sz="2800" b="0" i="0" smtClean="0">
-                              <a:solidFill>
-                                <a:srgbClr val="7030A0"/>
-                              </a:solidFill>
-                              <a:latin typeface="Cambria Math" panose="02040503050406030204" pitchFamily="18" charset="0"/>
-                            </a:rPr>
-                            <m:t>)</m:t>
-                          </m:r>
-                        </m:sub>
-                        <m:sup>
-                          <m:r>
-                            <a:rPr lang="fr-FR" sz="2800" b="0" i="0" smtClean="0">
-                              <a:solidFill>
-                                <a:srgbClr val="7030A0"/>
-                              </a:solidFill>
-                              <a:latin typeface="Cambria Math" panose="02040503050406030204" pitchFamily="18" charset="0"/>
-                            </a:rPr>
-                            <m:t>−</m:t>
-                          </m:r>
-                        </m:sup>
-                      </m:sSubSup>
-                      <m:r>
-                        <a:rPr lang="fr-FR" sz="2800" b="0" i="0" smtClean="0">
-                          <a:latin typeface="Cambria Math" panose="02040503050406030204" pitchFamily="18" charset="0"/>
-                        </a:rPr>
-                        <m:t>+5</m:t>
-                      </m:r>
-                      <m:sSub>
-                        <m:sSubPr>
-                          <m:ctrlPr>
-                            <a:rPr lang="fr-FR" sz="2800" b="0" i="1" smtClean="0">
-                              <a:latin typeface="Cambria Math" panose="02040503050406030204" pitchFamily="18" charset="0"/>
-                            </a:rPr>
-                          </m:ctrlPr>
-                        </m:sSubPr>
-                        <m:e>
-                          <m:r>
-                            <m:rPr>
-                              <m:sty m:val="p"/>
-                            </m:rPr>
-                            <a:rPr lang="fr-FR" sz="2800" b="0" i="0" smtClean="0">
-                              <a:latin typeface="Cambria Math" panose="02040503050406030204" pitchFamily="18" charset="0"/>
-                            </a:rPr>
-                            <m:t>C</m:t>
-                          </m:r>
-                        </m:e>
-                        <m:sub>
-                          <m:r>
-                            <a:rPr lang="fr-FR" sz="2800" b="0" i="0" smtClean="0">
-                              <a:latin typeface="Cambria Math" panose="02040503050406030204" pitchFamily="18" charset="0"/>
-                            </a:rPr>
-                            <m:t>2</m:t>
-                          </m:r>
-                        </m:sub>
-                      </m:sSub>
-                      <m:sSubSup>
-                        <m:sSubSupPr>
-                          <m:ctrlPr>
-                            <a:rPr lang="fr-FR" sz="2800" b="0" i="1" smtClean="0">
-                              <a:latin typeface="Cambria Math" panose="02040503050406030204" pitchFamily="18" charset="0"/>
-                            </a:rPr>
-                          </m:ctrlPr>
-                        </m:sSubSupPr>
-                        <m:e>
-                          <m:r>
-                            <m:rPr>
-                              <m:sty m:val="p"/>
-                            </m:rPr>
-                            <a:rPr lang="fr-FR" sz="2800" b="0" i="0" smtClean="0">
-                              <a:latin typeface="Cambria Math" panose="02040503050406030204" pitchFamily="18" charset="0"/>
-                            </a:rPr>
-                            <m:t>O</m:t>
-                          </m:r>
-                        </m:e>
-                        <m:sub>
-                          <m:r>
-                            <a:rPr lang="fr-FR" sz="2800" b="0" i="0" smtClean="0">
-                              <a:latin typeface="Cambria Math" panose="02040503050406030204" pitchFamily="18" charset="0"/>
-                            </a:rPr>
-                            <m:t>4(</m:t>
-                          </m:r>
-                          <m:r>
-                            <m:rPr>
-                              <m:sty m:val="p"/>
-                            </m:rPr>
-                            <a:rPr lang="fr-FR" sz="2800" b="0" i="0" smtClean="0">
-                              <a:latin typeface="Cambria Math" panose="02040503050406030204" pitchFamily="18" charset="0"/>
-                            </a:rPr>
-                            <m:t>aq</m:t>
-                          </m:r>
-                          <m:r>
-                            <a:rPr lang="fr-FR" sz="2800" b="0" i="0" smtClean="0">
-                              <a:latin typeface="Cambria Math" panose="02040503050406030204" pitchFamily="18" charset="0"/>
-                            </a:rPr>
-                            <m:t>)</m:t>
-                          </m:r>
-                        </m:sub>
-                        <m:sup>
-                          <m:r>
-                            <a:rPr lang="fr-FR" sz="2800" b="0" i="0" smtClean="0">
-                              <a:latin typeface="Cambria Math" panose="02040503050406030204" pitchFamily="18" charset="0"/>
-                            </a:rPr>
-                            <m:t>2−</m:t>
-                          </m:r>
-                        </m:sup>
-                      </m:sSubSup>
-                      <m:r>
-                        <a:rPr lang="fr-FR" sz="2800" b="0" i="0" smtClean="0">
-                          <a:latin typeface="Cambria Math" panose="02040503050406030204" pitchFamily="18" charset="0"/>
-                        </a:rPr>
-                        <m:t>+16</m:t>
-                      </m:r>
-                      <m:sSubSup>
-                        <m:sSubSupPr>
-                          <m:ctrlPr>
-                            <a:rPr lang="fr-FR" sz="2800" b="0" i="1" smtClean="0">
-                              <a:latin typeface="Cambria Math" panose="02040503050406030204" pitchFamily="18" charset="0"/>
-                            </a:rPr>
-                          </m:ctrlPr>
-                        </m:sSubSupPr>
-                        <m:e>
-                          <m:r>
-                            <m:rPr>
-                              <m:sty m:val="p"/>
-                            </m:rPr>
-                            <a:rPr lang="fr-FR" sz="2800" b="0" i="0" smtClean="0">
-                              <a:latin typeface="Cambria Math" panose="02040503050406030204" pitchFamily="18" charset="0"/>
-                            </a:rPr>
-                            <m:t>H</m:t>
-                          </m:r>
-                        </m:e>
-                        <m:sub>
-                          <m:r>
-                            <a:rPr lang="fr-FR" sz="2800" b="0" i="0" smtClean="0">
-                              <a:latin typeface="Cambria Math" panose="02040503050406030204" pitchFamily="18" charset="0"/>
-                            </a:rPr>
-                            <m:t>(</m:t>
-                          </m:r>
-                          <m:r>
-                            <m:rPr>
-                              <m:sty m:val="p"/>
-                            </m:rPr>
-                            <a:rPr lang="fr-FR" sz="2800" b="0" i="0" smtClean="0">
-                              <a:latin typeface="Cambria Math" panose="02040503050406030204" pitchFamily="18" charset="0"/>
-                            </a:rPr>
-                            <m:t>aq</m:t>
-                          </m:r>
-                          <m:r>
-                            <a:rPr lang="fr-FR" sz="2800" b="0" i="0" smtClean="0">
-                              <a:latin typeface="Cambria Math" panose="02040503050406030204" pitchFamily="18" charset="0"/>
-                            </a:rPr>
-                            <m:t>)</m:t>
-                          </m:r>
-                        </m:sub>
-                        <m:sup>
-                          <m:r>
-                            <a:rPr lang="fr-FR" sz="2800" b="0" i="0" smtClean="0">
-                              <a:latin typeface="Cambria Math" panose="02040503050406030204" pitchFamily="18" charset="0"/>
-                            </a:rPr>
-                            <m:t>+</m:t>
-                          </m:r>
-                        </m:sup>
-                      </m:sSubSup>
-                      <m:r>
-                        <a:rPr lang="fr-FR" sz="2800" b="0" i="0" smtClean="0">
-                          <a:latin typeface="Cambria Math" panose="02040503050406030204" pitchFamily="18" charset="0"/>
-                        </a:rPr>
-                        <m:t>→2</m:t>
-                      </m:r>
-                      <m:sSubSup>
-                        <m:sSubSupPr>
-                          <m:ctrlPr>
-                            <a:rPr lang="fr-FR" sz="2800" b="0" i="1" smtClean="0">
-                              <a:latin typeface="Cambria Math" panose="02040503050406030204" pitchFamily="18" charset="0"/>
-                            </a:rPr>
-                          </m:ctrlPr>
-                        </m:sSubSupPr>
-                        <m:e>
-                          <m:r>
-                            <m:rPr>
-                              <m:sty m:val="p"/>
-                            </m:rPr>
-                            <a:rPr lang="fr-FR" sz="2800" b="0" i="0" smtClean="0">
-                              <a:latin typeface="Cambria Math" panose="02040503050406030204" pitchFamily="18" charset="0"/>
-                            </a:rPr>
-                            <m:t>Mn</m:t>
-                          </m:r>
-                        </m:e>
-                        <m:sub>
-                          <m:r>
-                            <a:rPr lang="fr-FR" sz="2800" b="0" i="0" smtClean="0">
-                              <a:latin typeface="Cambria Math" panose="02040503050406030204" pitchFamily="18" charset="0"/>
-                            </a:rPr>
-                            <m:t>(</m:t>
-                          </m:r>
-                          <m:r>
-                            <m:rPr>
-                              <m:sty m:val="p"/>
-                            </m:rPr>
-                            <a:rPr lang="fr-FR" sz="2800" b="0" i="0" smtClean="0">
-                              <a:latin typeface="Cambria Math" panose="02040503050406030204" pitchFamily="18" charset="0"/>
-                            </a:rPr>
-                            <m:t>aq</m:t>
-                          </m:r>
-                          <m:r>
-                            <a:rPr lang="fr-FR" sz="2800" b="0" i="0" smtClean="0">
-                              <a:latin typeface="Cambria Math" panose="02040503050406030204" pitchFamily="18" charset="0"/>
-                            </a:rPr>
-                            <m:t>)</m:t>
-                          </m:r>
-                        </m:sub>
-                        <m:sup>
-                          <m:r>
-                            <a:rPr lang="fr-FR" sz="2800" b="0" i="0" smtClean="0">
-                              <a:latin typeface="Cambria Math" panose="02040503050406030204" pitchFamily="18" charset="0"/>
-                            </a:rPr>
-                            <m:t>2+</m:t>
-                          </m:r>
-                        </m:sup>
-                      </m:sSubSup>
-                      <m:r>
-                        <a:rPr lang="fr-FR" sz="2800" b="0" i="0" smtClean="0">
-                          <a:latin typeface="Cambria Math" panose="02040503050406030204" pitchFamily="18" charset="0"/>
-                        </a:rPr>
-                        <m:t>+10</m:t>
-                      </m:r>
-                      <m:r>
-                        <m:rPr>
-                          <m:sty m:val="p"/>
-                        </m:rPr>
-                        <a:rPr lang="fr-FR" sz="2800" b="0" i="0" smtClean="0">
-                          <a:latin typeface="Cambria Math" panose="02040503050406030204" pitchFamily="18" charset="0"/>
-                        </a:rPr>
-                        <m:t>C</m:t>
-                      </m:r>
-                      <m:sSub>
-                        <m:sSubPr>
-                          <m:ctrlPr>
-                            <a:rPr lang="fr-FR" sz="2800" b="0" i="1" smtClean="0">
-                              <a:latin typeface="Cambria Math" panose="02040503050406030204" pitchFamily="18" charset="0"/>
-                            </a:rPr>
-                          </m:ctrlPr>
-                        </m:sSubPr>
-                        <m:e>
-                          <m:r>
-                            <m:rPr>
-                              <m:sty m:val="p"/>
-                            </m:rPr>
-                            <a:rPr lang="fr-FR" sz="2800" b="0" i="0" smtClean="0">
-                              <a:latin typeface="Cambria Math" panose="02040503050406030204" pitchFamily="18" charset="0"/>
-                            </a:rPr>
-                            <m:t>O</m:t>
-                          </m:r>
-                        </m:e>
-                        <m:sub>
-                          <m:r>
-                            <a:rPr lang="fr-FR" sz="2800" b="0" i="0" smtClean="0">
-                              <a:latin typeface="Cambria Math" panose="02040503050406030204" pitchFamily="18" charset="0"/>
-                            </a:rPr>
-                            <m:t>2(</m:t>
-                          </m:r>
-                          <m:r>
-                            <m:rPr>
-                              <m:sty m:val="p"/>
-                            </m:rPr>
-                            <a:rPr lang="fr-FR" sz="2800" b="0" i="0" smtClean="0">
-                              <a:latin typeface="Cambria Math" panose="02040503050406030204" pitchFamily="18" charset="0"/>
-                            </a:rPr>
-                            <m:t>g</m:t>
-                          </m:r>
-                          <m:r>
-                            <a:rPr lang="fr-FR" sz="2800" b="0" i="0" smtClean="0">
-                              <a:latin typeface="Cambria Math" panose="02040503050406030204" pitchFamily="18" charset="0"/>
-                            </a:rPr>
-                            <m:t>)</m:t>
-                          </m:r>
-                        </m:sub>
-                      </m:sSub>
-                      <m:r>
-                        <a:rPr lang="fr-FR" sz="2800" b="0" i="0" smtClean="0">
-                          <a:latin typeface="Cambria Math" panose="02040503050406030204" pitchFamily="18" charset="0"/>
-                        </a:rPr>
-                        <m:t>+8</m:t>
-                      </m:r>
-                      <m:sSub>
-                        <m:sSubPr>
-                          <m:ctrlPr>
-                            <a:rPr lang="fr-FR" sz="2800" b="0" i="1" smtClean="0">
-                              <a:latin typeface="Cambria Math" panose="02040503050406030204" pitchFamily="18" charset="0"/>
-                            </a:rPr>
-                          </m:ctrlPr>
-                        </m:sSubPr>
-                        <m:e>
-                          <m:r>
-                            <m:rPr>
-                              <m:sty m:val="p"/>
-                            </m:rPr>
-                            <a:rPr lang="fr-FR" sz="2800" b="0" i="0" smtClean="0">
-                              <a:latin typeface="Cambria Math" panose="02040503050406030204" pitchFamily="18" charset="0"/>
-                            </a:rPr>
-                            <m:t>H</m:t>
-                          </m:r>
-                        </m:e>
-                        <m:sub>
-                          <m:r>
-                            <a:rPr lang="fr-FR" sz="2800" b="0" i="0" smtClean="0">
-                              <a:latin typeface="Cambria Math" panose="02040503050406030204" pitchFamily="18" charset="0"/>
-                            </a:rPr>
-                            <m:t>2</m:t>
-                          </m:r>
-                        </m:sub>
-                      </m:sSub>
-                      <m:sSub>
-                        <m:sSubPr>
-                          <m:ctrlPr>
-                            <a:rPr lang="fr-FR" sz="2800" b="0" i="1" smtClean="0">
-                              <a:latin typeface="Cambria Math" panose="02040503050406030204" pitchFamily="18" charset="0"/>
-                            </a:rPr>
-                          </m:ctrlPr>
-                        </m:sSubPr>
-                        <m:e>
-                          <m:r>
-                            <m:rPr>
-                              <m:sty m:val="p"/>
-                            </m:rPr>
-                            <a:rPr lang="fr-FR" sz="2800" b="0" i="0" smtClean="0">
-                              <a:latin typeface="Cambria Math" panose="02040503050406030204" pitchFamily="18" charset="0"/>
-                            </a:rPr>
-                            <m:t>O</m:t>
-                          </m:r>
-                        </m:e>
-                        <m:sub>
-                          <m:r>
-                            <a:rPr lang="fr-FR" sz="2800" b="0" i="0" smtClean="0">
-                              <a:latin typeface="Cambria Math" panose="02040503050406030204" pitchFamily="18" charset="0"/>
-                            </a:rPr>
-                            <m:t>(</m:t>
-                          </m:r>
-                          <m:r>
-                            <m:rPr>
-                              <m:sty m:val="p"/>
-                            </m:rPr>
-                            <a:rPr lang="fr-FR" sz="2800" b="0" i="0" smtClean="0">
-                              <a:latin typeface="Cambria Math" panose="02040503050406030204" pitchFamily="18" charset="0"/>
-                            </a:rPr>
-                            <m:t>l</m:t>
-                          </m:r>
-                          <m:r>
-                            <a:rPr lang="fr-FR" sz="2800" b="0" i="0" smtClean="0">
-                              <a:latin typeface="Cambria Math" panose="02040503050406030204" pitchFamily="18" charset="0"/>
-                            </a:rPr>
-                            <m:t>)</m:t>
-                          </m:r>
-                        </m:sub>
-                      </m:sSub>
-                    </m:oMath>
-                  </m:oMathPara>
-                </a14:m>
-                <a:endParaRPr lang="fr-FR" sz="2800" dirty="0"/>
-              </a:p>
-            </p:txBody>
-          </p:sp>
-        </mc:Choice>
-        <mc:Fallback xmlns="">
-          <p:sp>
-            <p:nvSpPr>
-              <p:cNvPr id="10" name="ZoneTexte 9"/>
-              <p:cNvSpPr txBox="1">
-                <a:spLocks noRot="1" noChangeAspect="1" noMove="1" noResize="1" noEditPoints="1" noAdjustHandles="1" noChangeArrowheads="1" noChangeShapeType="1" noTextEdit="1"/>
-              </p:cNvSpPr>
-              <p:nvPr/>
-            </p:nvSpPr>
-            <p:spPr>
-              <a:xfrm>
-                <a:off x="1610560" y="2041072"/>
-                <a:ext cx="10362790" cy="515910"/>
-              </a:xfrm>
-              <a:prstGeom prst="rect">
-                <a:avLst/>
-              </a:prstGeom>
-              <a:blipFill rotWithShape="0">
-                <a:blip r:embed="rId3"/>
-                <a:stretch>
-                  <a:fillRect b="-1190"/>
-                </a:stretch>
-              </a:blipFill>
-            </p:spPr>
-            <p:txBody>
-              <a:bodyPr/>
-              <a:lstStyle/>
-              <a:p>
-                <a:r>
-                  <a:rPr lang="fr-FR">
-                    <a:noFill/>
-                  </a:rPr>
-                  <a:t> </a:t>
-                </a:r>
-              </a:p>
-            </p:txBody>
-          </p:sp>
-        </mc:Fallback>
-      </mc:AlternateContent>
-      <mc:AlternateContent xmlns:mc="http://schemas.openxmlformats.org/markup-compatibility/2006" xmlns:a14="http://schemas.microsoft.com/office/drawing/2010/main">
-        <mc:Choice Requires="a14">
-          <p:sp>
-            <p:nvSpPr>
-              <p:cNvPr id="14" name="ZoneTexte 13"/>
-              <p:cNvSpPr txBox="1"/>
-              <p:nvPr/>
-            </p:nvSpPr>
-            <p:spPr>
-              <a:xfrm>
-                <a:off x="4340230" y="5064987"/>
-                <a:ext cx="4358757" cy="815416"/>
-              </a:xfrm>
-              <a:prstGeom prst="rect">
-                <a:avLst/>
-              </a:prstGeom>
-              <a:noFill/>
-            </p:spPr>
-            <p:txBody>
-              <a:bodyPr wrap="none" lIns="0" tIns="0" rIns="0" bIns="0" rtlCol="0">
-                <a:spAutoFit/>
-              </a:bodyPr>
-              <a:lstStyle/>
-              <a:p>
-                <a:pPr/>
-                <a14:m>
-                  <m:oMathPara xmlns:m="http://schemas.openxmlformats.org/officeDocument/2006/math">
-                    <m:oMathParaPr>
-                      <m:jc m:val="centerGroup"/>
-                    </m:oMathParaPr>
-                    <m:oMath xmlns:m="http://schemas.openxmlformats.org/officeDocument/2006/math">
-                      <m:sSub>
-                        <m:sSubPr>
-                          <m:ctrlPr>
-                            <a:rPr lang="fr-FR" sz="2800" b="0" i="1" smtClean="0">
-                              <a:latin typeface="Cambria Math" panose="02040503050406030204" pitchFamily="18" charset="0"/>
-                            </a:rPr>
-                          </m:ctrlPr>
-                        </m:sSubPr>
-                        <m:e>
-                          <m:r>
-                            <a:rPr lang="fr-FR" sz="2800" b="0" i="1" smtClean="0">
-                              <a:latin typeface="Cambria Math" panose="02040503050406030204" pitchFamily="18" charset="0"/>
-                            </a:rPr>
-                            <m:t>𝑛</m:t>
-                          </m:r>
-                        </m:e>
-                        <m:sub>
-                          <m:r>
-                            <m:rPr>
-                              <m:sty m:val="p"/>
-                            </m:rPr>
-                            <a:rPr lang="fr-FR" sz="2800" b="0" i="0" smtClean="0">
-                              <a:latin typeface="Cambria Math" panose="02040503050406030204" pitchFamily="18" charset="0"/>
-                            </a:rPr>
-                            <m:t>Ox</m:t>
-                          </m:r>
-                        </m:sub>
-                      </m:sSub>
-                      <m:r>
-                        <a:rPr lang="fr-FR" sz="2800" b="0" i="1" smtClean="0">
-                          <a:latin typeface="Cambria Math" panose="02040503050406030204" pitchFamily="18" charset="0"/>
-                        </a:rPr>
-                        <m:t>=</m:t>
-                      </m:r>
-                      <m:f>
-                        <m:fPr>
-                          <m:ctrlPr>
-                            <a:rPr lang="fr-FR" sz="2800" b="0" i="1" smtClean="0">
-                              <a:latin typeface="Cambria Math" panose="02040503050406030204" pitchFamily="18" charset="0"/>
-                            </a:rPr>
-                          </m:ctrlPr>
-                        </m:fPr>
-                        <m:num>
-                          <m:r>
-                            <a:rPr lang="fr-FR" sz="2800" b="0" i="1" smtClean="0">
-                              <a:latin typeface="Cambria Math" panose="02040503050406030204" pitchFamily="18" charset="0"/>
-                            </a:rPr>
-                            <m:t>5</m:t>
-                          </m:r>
-                        </m:num>
-                        <m:den>
-                          <m:r>
-                            <a:rPr lang="fr-FR" sz="2800" b="0" i="1" smtClean="0">
-                              <a:latin typeface="Cambria Math" panose="02040503050406030204" pitchFamily="18" charset="0"/>
-                            </a:rPr>
-                            <m:t>2</m:t>
-                          </m:r>
-                        </m:den>
-                      </m:f>
-                      <m:sSub>
-                        <m:sSubPr>
-                          <m:ctrlPr>
-                            <a:rPr lang="fr-FR" sz="2800" b="0" i="1" smtClean="0">
-                              <a:latin typeface="Cambria Math" panose="02040503050406030204" pitchFamily="18" charset="0"/>
-                            </a:rPr>
-                          </m:ctrlPr>
-                        </m:sSubPr>
-                        <m:e>
-                          <m:r>
-                            <a:rPr lang="fr-FR" sz="2800" b="0" i="1" smtClean="0">
-                              <a:latin typeface="Cambria Math" panose="02040503050406030204" pitchFamily="18" charset="0"/>
-                            </a:rPr>
-                            <m:t>𝑛</m:t>
-                          </m:r>
-                        </m:e>
-                        <m:sub>
-                          <m:r>
-                            <m:rPr>
-                              <m:sty m:val="p"/>
-                            </m:rPr>
-                            <a:rPr lang="fr-FR" sz="2800" b="0" i="0" smtClean="0">
-                              <a:latin typeface="Cambria Math" panose="02040503050406030204" pitchFamily="18" charset="0"/>
-                            </a:rPr>
-                            <m:t>Mn</m:t>
-                          </m:r>
-                        </m:sub>
-                      </m:sSub>
-                      <m:r>
-                        <a:rPr lang="fr-FR" sz="2800" b="0" i="1" smtClean="0">
-                          <a:latin typeface="Cambria Math" panose="02040503050406030204" pitchFamily="18" charset="0"/>
-                        </a:rPr>
-                        <m:t>=</m:t>
-                      </m:r>
-                      <m:f>
-                        <m:fPr>
-                          <m:ctrlPr>
-                            <a:rPr lang="fr-FR" sz="2800" b="0" i="1" smtClean="0">
-                              <a:latin typeface="Cambria Math" panose="02040503050406030204" pitchFamily="18" charset="0"/>
-                            </a:rPr>
-                          </m:ctrlPr>
-                        </m:fPr>
-                        <m:num>
-                          <m:r>
-                            <a:rPr lang="fr-FR" sz="2800" b="0" i="1" smtClean="0">
-                              <a:latin typeface="Cambria Math" panose="02040503050406030204" pitchFamily="18" charset="0"/>
-                            </a:rPr>
-                            <m:t>5</m:t>
-                          </m:r>
-                        </m:num>
-                        <m:den>
-                          <m:r>
-                            <a:rPr lang="fr-FR" sz="2800" b="0" i="1" smtClean="0">
-                              <a:latin typeface="Cambria Math" panose="02040503050406030204" pitchFamily="18" charset="0"/>
-                            </a:rPr>
-                            <m:t>2</m:t>
-                          </m:r>
-                        </m:den>
-                      </m:f>
-                      <m:d>
-                        <m:dPr>
-                          <m:begChr m:val="["/>
-                          <m:endChr m:val="]"/>
-                          <m:ctrlPr>
-                            <a:rPr lang="fr-FR" sz="2800" b="0" i="1" smtClean="0">
-                              <a:latin typeface="Cambria Math" panose="02040503050406030204" pitchFamily="18" charset="0"/>
-                            </a:rPr>
-                          </m:ctrlPr>
-                        </m:dPr>
-                        <m:e>
-                          <m:sSubSup>
-                            <m:sSubSupPr>
-                              <m:ctrlPr>
-                                <a:rPr lang="fr-FR" sz="2800" b="0" i="1" smtClean="0">
-                                  <a:latin typeface="Cambria Math" panose="02040503050406030204" pitchFamily="18" charset="0"/>
-                                </a:rPr>
-                              </m:ctrlPr>
-                            </m:sSubSupPr>
-                            <m:e>
-                              <m:r>
-                                <m:rPr>
-                                  <m:sty m:val="p"/>
-                                </m:rPr>
-                                <a:rPr lang="fr-FR" sz="2800" b="0" i="0" smtClean="0">
-                                  <a:latin typeface="Cambria Math" panose="02040503050406030204" pitchFamily="18" charset="0"/>
-                                </a:rPr>
-                                <m:t>MnO</m:t>
-                              </m:r>
-                            </m:e>
-                            <m:sub>
-                              <m:r>
-                                <a:rPr lang="fr-FR" sz="2800" b="0" i="0" smtClean="0">
-                                  <a:latin typeface="Cambria Math" panose="02040503050406030204" pitchFamily="18" charset="0"/>
-                                </a:rPr>
-                                <m:t>4</m:t>
-                              </m:r>
-                            </m:sub>
-                            <m:sup>
-                              <m:r>
-                                <a:rPr lang="fr-FR" sz="2800" b="0" i="0" smtClean="0">
-                                  <a:latin typeface="Cambria Math" panose="02040503050406030204" pitchFamily="18" charset="0"/>
-                                </a:rPr>
-                                <m:t>−</m:t>
-                              </m:r>
-                            </m:sup>
-                          </m:sSubSup>
-                        </m:e>
-                      </m:d>
-                      <m:sSub>
-                        <m:sSubPr>
-                          <m:ctrlPr>
-                            <a:rPr lang="fr-FR" sz="2800" b="0" i="1" smtClean="0">
-                              <a:latin typeface="Cambria Math" panose="02040503050406030204" pitchFamily="18" charset="0"/>
-                            </a:rPr>
-                          </m:ctrlPr>
-                        </m:sSubPr>
-                        <m:e>
-                          <m:r>
-                            <a:rPr lang="fr-FR" sz="2800" b="0" i="1" smtClean="0">
-                              <a:latin typeface="Cambria Math" panose="02040503050406030204" pitchFamily="18" charset="0"/>
-                            </a:rPr>
-                            <m:t>𝑉</m:t>
-                          </m:r>
-                        </m:e>
-                        <m:sub>
-                          <m:r>
-                            <m:rPr>
-                              <m:sty m:val="p"/>
-                            </m:rPr>
-                            <a:rPr lang="fr-FR" sz="2800" b="0" i="0" smtClean="0">
-                              <a:latin typeface="Cambria Math" panose="02040503050406030204" pitchFamily="18" charset="0"/>
-                            </a:rPr>
-                            <m:t>eq</m:t>
-                          </m:r>
-                        </m:sub>
-                      </m:sSub>
-                    </m:oMath>
-                  </m:oMathPara>
-                </a14:m>
-                <a:endParaRPr lang="fr-FR" sz="2800" dirty="0"/>
-              </a:p>
-            </p:txBody>
-          </p:sp>
-        </mc:Choice>
-        <mc:Fallback xmlns="">
-          <p:sp>
-            <p:nvSpPr>
-              <p:cNvPr id="14" name="ZoneTexte 13"/>
-              <p:cNvSpPr txBox="1">
-                <a:spLocks noRot="1" noChangeAspect="1" noMove="1" noResize="1" noEditPoints="1" noAdjustHandles="1" noChangeArrowheads="1" noChangeShapeType="1" noTextEdit="1"/>
-              </p:cNvSpPr>
-              <p:nvPr/>
-            </p:nvSpPr>
-            <p:spPr>
-              <a:xfrm>
-                <a:off x="4340230" y="5064987"/>
-                <a:ext cx="4358757" cy="815416"/>
-              </a:xfrm>
-              <a:prstGeom prst="rect">
-                <a:avLst/>
-              </a:prstGeom>
-              <a:blipFill rotWithShape="0">
-                <a:blip r:embed="rId4"/>
-                <a:stretch>
-                  <a:fillRect/>
-                </a:stretch>
-              </a:blipFill>
-            </p:spPr>
-            <p:txBody>
-              <a:bodyPr/>
-              <a:lstStyle/>
-              <a:p>
-                <a:r>
-                  <a:rPr lang="fr-FR">
-                    <a:noFill/>
-                  </a:rPr>
-                  <a:t> </a:t>
-                </a:r>
-              </a:p>
-            </p:txBody>
-          </p:sp>
-        </mc:Fallback>
-      </mc:AlternateContent>
-    </p:spTree>
-    <p:extLst>
-      <p:ext uri="{BB962C8B-B14F-4D97-AF65-F5344CB8AC3E}">
-        <p14:creationId xmlns:p14="http://schemas.microsoft.com/office/powerpoint/2010/main" val="3037895101"/>
-      </p:ext>
-    </p:extLst>
-  </p:cSld>
-  <p:clrMapOvr>
-    <a:masterClrMapping/>
-  </p:clrMapOvr>
-  <p:timing>
-    <p:tnLst>
-      <p:par>
-        <p:cTn id="1" dur="indefinite" restart="never" nodeType="tmRoot">
-          <p:childTnLst>
-            <p:seq concurrent="1" nextAc="seek">
-              <p:cTn id="2" dur="indefinite" nodeType="mainSeq">
-                <p:childTnLst>
-                  <p:par>
-                    <p:cTn id="3" fill="hold">
-                      <p:stCondLst>
-                        <p:cond delay="indefinite"/>
-                      </p:stCondLst>
-                      <p:childTnLst>
-                        <p:par>
-                          <p:cTn id="4" fill="hold">
-                            <p:stCondLst>
-                              <p:cond delay="0"/>
-                            </p:stCondLst>
-                            <p:childTnLst>
-                              <p:par>
-                                <p:cTn id="5" presetID="1" presetClass="entr" presetSubtype="0" fill="hold" grpId="0" nodeType="clickEffect">
-                                  <p:stCondLst>
-                                    <p:cond delay="0"/>
-                                  </p:stCondLst>
-                                  <p:childTnLst>
-                                    <p:set>
-                                      <p:cBhvr>
-                                        <p:cTn id="6" dur="1" fill="hold">
-                                          <p:stCondLst>
-                                            <p:cond delay="0"/>
-                                          </p:stCondLst>
-                                        </p:cTn>
-                                        <p:tgtEl>
-                                          <p:spTgt spid="12"/>
-                                        </p:tgtEl>
-                                        <p:attrNameLst>
-                                          <p:attrName>style.visibility</p:attrName>
-                                        </p:attrNameLst>
-                                      </p:cBhvr>
-                                      <p:to>
-                                        <p:strVal val="visible"/>
-                                      </p:to>
-                                    </p:set>
-                                  </p:childTnLst>
-                                </p:cTn>
-                              </p:par>
-                              <p:par>
-                                <p:cTn id="7" presetID="1" presetClass="entr" presetSubtype="0" fill="hold" grpId="0" nodeType="withEffect">
-                                  <p:stCondLst>
-                                    <p:cond delay="0"/>
-                                  </p:stCondLst>
-                                  <p:childTnLst>
-                                    <p:set>
-                                      <p:cBhvr>
-                                        <p:cTn id="8" dur="1" fill="hold">
-                                          <p:stCondLst>
-                                            <p:cond delay="0"/>
-                                          </p:stCondLst>
-                                        </p:cTn>
-                                        <p:tgtEl>
-                                          <p:spTgt spid="10"/>
-                                        </p:tgtEl>
-                                        <p:attrNameLst>
-                                          <p:attrName>style.visibility</p:attrName>
-                                        </p:attrNameLst>
-                                      </p:cBhvr>
-                                      <p:to>
-                                        <p:strVal val="visible"/>
-                                      </p:to>
-                                    </p:set>
-                                  </p:childTnLst>
-                                </p:cTn>
-                              </p:par>
-                            </p:childTnLst>
-                          </p:cTn>
-                        </p:par>
-                      </p:childTnLst>
-                    </p:cTn>
-                  </p:par>
-                  <p:par>
-                    <p:cTn id="9" fill="hold">
-                      <p:stCondLst>
-                        <p:cond delay="indefinite"/>
-                      </p:stCondLst>
-                      <p:childTnLst>
-                        <p:par>
-                          <p:cTn id="10" fill="hold">
-                            <p:stCondLst>
-                              <p:cond delay="0"/>
-                            </p:stCondLst>
-                            <p:childTnLst>
-                              <p:par>
-                                <p:cTn id="11" presetID="1" presetClass="entr" presetSubtype="0" fill="hold" nodeType="clickEffect">
-                                  <p:stCondLst>
-                                    <p:cond delay="0"/>
-                                  </p:stCondLst>
-                                  <p:childTnLst>
-                                    <p:set>
-                                      <p:cBhvr>
-                                        <p:cTn id="12" dur="1" fill="hold">
-                                          <p:stCondLst>
-                                            <p:cond delay="0"/>
-                                          </p:stCondLst>
-                                        </p:cTn>
-                                        <p:tgtEl>
-                                          <p:spTgt spid="11"/>
-                                        </p:tgtEl>
-                                        <p:attrNameLst>
-                                          <p:attrName>style.visibility</p:attrName>
-                                        </p:attrNameLst>
-                                      </p:cBhvr>
-                                      <p:to>
-                                        <p:strVal val="visible"/>
-                                      </p:to>
-                                    </p:set>
-                                  </p:childTnLst>
-                                </p:cTn>
-                              </p:par>
-                            </p:childTnLst>
-                          </p:cTn>
-                        </p:par>
-                      </p:childTnLst>
-                    </p:cTn>
-                  </p:par>
-                  <p:par>
-                    <p:cTn id="13" fill="hold">
-                      <p:stCondLst>
-                        <p:cond delay="indefinite"/>
-                      </p:stCondLst>
-                      <p:childTnLst>
-                        <p:par>
-                          <p:cTn id="14" fill="hold">
-                            <p:stCondLst>
-                              <p:cond delay="0"/>
-                            </p:stCondLst>
-                            <p:childTnLst>
-                              <p:par>
-                                <p:cTn id="15" presetID="1" presetClass="exit" presetSubtype="0" fill="hold" grpId="0" nodeType="clickEffect">
-                                  <p:stCondLst>
-                                    <p:cond delay="0"/>
-                                  </p:stCondLst>
-                                  <p:childTnLst>
-                                    <p:set>
-                                      <p:cBhvr>
-                                        <p:cTn id="16" dur="1" fill="hold">
-                                          <p:stCondLst>
-                                            <p:cond delay="0"/>
-                                          </p:stCondLst>
-                                        </p:cTn>
-                                        <p:tgtEl>
-                                          <p:spTgt spid="13"/>
-                                        </p:tgtEl>
-                                        <p:attrNameLst>
-                                          <p:attrName>style.visibility</p:attrName>
-                                        </p:attrNameLst>
-                                      </p:cBhvr>
-                                      <p:to>
-                                        <p:strVal val="hidden"/>
-                                      </p:to>
-                                    </p:set>
-                                  </p:childTnLst>
-                                </p:cTn>
-                              </p:par>
-                            </p:childTnLst>
-                          </p:cTn>
-                        </p:par>
-                      </p:childTnLst>
-                    </p:cTn>
-                  </p:par>
-                  <p:par>
-                    <p:cTn id="17" fill="hold">
-                      <p:stCondLst>
-                        <p:cond delay="indefinite"/>
-                      </p:stCondLst>
-                      <p:childTnLst>
-                        <p:par>
-                          <p:cTn id="18" fill="hold">
-                            <p:stCondLst>
-                              <p:cond delay="0"/>
-                            </p:stCondLst>
-                            <p:childTnLst>
-                              <p:par>
-                                <p:cTn id="19" presetID="1" presetClass="entr" presetSubtype="0" fill="hold" grpId="0" nodeType="clickEffect">
-                                  <p:stCondLst>
-                                    <p:cond delay="0"/>
-                                  </p:stCondLst>
-                                  <p:childTnLst>
-                                    <p:set>
-                                      <p:cBhvr>
-                                        <p:cTn id="20" dur="1" fill="hold">
-                                          <p:stCondLst>
-                                            <p:cond delay="0"/>
-                                          </p:stCondLst>
-                                        </p:cTn>
-                                        <p:tgtEl>
-                                          <p:spTgt spid="14"/>
-                                        </p:tgtEl>
-                                        <p:attrNameLst>
-                                          <p:attrName>style.visibility</p:attrName>
-                                        </p:attrNameLst>
-                                      </p:cBhvr>
-                                      <p:to>
-                                        <p:strVal val="visible"/>
-                                      </p:to>
-                                    </p:set>
-                                  </p:childTnLst>
-                                </p:cTn>
-                              </p:par>
-                            </p:childTnLst>
-                          </p:cTn>
-                        </p:par>
-                      </p:childTnLst>
-                    </p:cTn>
-                  </p:par>
-                </p:childTnLst>
-              </p:cTn>
-              <p:prevCondLst>
-                <p:cond evt="onPrev" delay="0">
-                  <p:tgtEl>
-                    <p:sldTgt/>
-                  </p:tgtEl>
-                </p:cond>
-              </p:prevCondLst>
-              <p:nextCondLst>
-                <p:cond evt="onNext" delay="0">
-                  <p:tgtEl>
-                    <p:sldTgt/>
-                  </p:tgtEl>
-                </p:cond>
-              </p:nextCondLst>
-            </p:seq>
-          </p:childTnLst>
-        </p:cTn>
-      </p:par>
-    </p:tnLst>
-    <p:bldLst>
-      <p:bldP spid="13" grpId="0" animBg="1"/>
-      <p:bldP spid="12" grpId="0" animBg="1"/>
-      <p:bldP spid="10" grpId="0"/>
-      <p:bldP spid="14" grpId="0"/>
-    </p:bldLst>
-  </p:timing>
-</p:sld>
-</file>
-
 <file path=ppt/slides/slide9.xml><?xml version="1.0" encoding="utf-8"?>
 <p:sld xmlns:a="http://schemas.openxmlformats.org/drawingml/2006/main" xmlns:r="http://schemas.openxmlformats.org/officeDocument/2006/relationships" xmlns:p="http://schemas.openxmlformats.org/presentationml/2006/main">
   <p:cSld>
@@ -17480,52 +20329,6 @@
           </a:p>
         </p:txBody>
       </p:sp>
-      <p:sp>
-        <p:nvSpPr>
-          <p:cNvPr id="12" name="Ellipse 11"/>
-          <p:cNvSpPr/>
-          <p:nvPr/>
-        </p:nvSpPr>
-        <p:spPr>
-          <a:xfrm>
-            <a:off x="6799941" y="1288256"/>
-            <a:ext cx="272372" cy="306229"/>
-          </a:xfrm>
-          <a:prstGeom prst="ellipse">
-            <a:avLst/>
-          </a:prstGeom>
-          <a:noFill/>
-          <a:ln w="38100">
-            <a:solidFill>
-              <a:schemeClr val="accent2"/>
-            </a:solidFill>
-          </a:ln>
-        </p:spPr>
-        <p:style>
-          <a:lnRef idx="2">
-            <a:schemeClr val="accent1">
-              <a:shade val="50000"/>
-            </a:schemeClr>
-          </a:lnRef>
-          <a:fillRef idx="1">
-            <a:schemeClr val="accent1"/>
-          </a:fillRef>
-          <a:effectRef idx="0">
-            <a:schemeClr val="accent1"/>
-          </a:effectRef>
-          <a:fontRef idx="minor">
-            <a:schemeClr val="lt1"/>
-          </a:fontRef>
-        </p:style>
-        <p:txBody>
-          <a:bodyPr rtlCol="0" anchor="ctr"/>
-          <a:lstStyle/>
-          <a:p>
-            <a:pPr algn="ctr"/>
-            <a:endParaRPr lang="fr-FR"/>
-          </a:p>
-        </p:txBody>
-      </p:sp>
       <mc:AlternateContent xmlns:mc="http://schemas.openxmlformats.org/markup-compatibility/2006" xmlns:a14="http://schemas.microsoft.com/office/drawing/2010/main">
         <mc:Choice Requires="a14">
           <p:sp>
@@ -17968,26 +20771,35 @@
                                   </p:childTnLst>
                                 </p:cTn>
                               </p:par>
-                            </p:childTnLst>
-                          </p:cTn>
-                        </p:par>
-                      </p:childTnLst>
-                    </p:cTn>
-                  </p:par>
-                  <p:par>
-                    <p:cTn id="9" fill="hold">
-                      <p:stCondLst>
-                        <p:cond delay="indefinite"/>
-                      </p:stCondLst>
-                      <p:childTnLst>
-                        <p:par>
-                          <p:cTn id="10" fill="hold">
-                            <p:stCondLst>
-                              <p:cond delay="0"/>
-                            </p:stCondLst>
-                            <p:childTnLst>
                               <p:par>
-                                <p:cTn id="11" presetID="1" presetClass="entr" presetSubtype="0" fill="hold" grpId="0" nodeType="clickEffect">
+                                <p:cTn id="9" presetID="1" presetClass="entr" presetSubtype="0" fill="hold" grpId="0" nodeType="withEffect">
+                                  <p:stCondLst>
+                                    <p:cond delay="0"/>
+                                  </p:stCondLst>
+                                  <p:childTnLst>
+                                    <p:set>
+                                      <p:cBhvr>
+                                        <p:cTn id="10" dur="1" fill="hold">
+                                          <p:stCondLst>
+                                            <p:cond delay="0"/>
+                                          </p:stCondLst>
+                                        </p:cTn>
+                                        <p:tgtEl>
+                                          <p:spTgt spid="3"/>
+                                        </p:tgtEl>
+                                        <p:attrNameLst>
+                                          <p:attrName>style.visibility</p:attrName>
+                                        </p:attrNameLst>
+                                      </p:cBhvr>
+                                      <p:to>
+                                        <p:strVal val="visible"/>
+                                      </p:to>
+                                    </p:set>
+                                  </p:childTnLst>
+                                </p:cTn>
+                              </p:par>
+                              <p:par>
+                                <p:cTn id="11" presetID="1" presetClass="entr" presetSubtype="0" fill="hold" nodeType="withEffect">
                                   <p:stCondLst>
                                     <p:cond delay="0"/>
                                   </p:stCondLst>
@@ -18000,7 +20812,7 @@
                                           </p:stCondLst>
                                         </p:cTn>
                                         <p:tgtEl>
-                                          <p:spTgt spid="3"/>
+                                          <p:spTgt spid="8"/>
                                         </p:tgtEl>
                                         <p:attrNameLst>
                                           <p:attrName>style.visibility</p:attrName>

--- a/Leçons/Lecons de chimie 2019-2020/LC04.pptx
+++ b/Leçons/Lecons de chimie 2019-2020/LC04.pptx
@@ -256,7 +256,7 @@
           <a:p>
             <a:fld id="{C262451B-073C-4FAC-8D0B-6648421A7945}" type="datetimeFigureOut">
               <a:rPr lang="fr-FR" smtClean="0"/>
-              <a:t>16/11/2019</a:t>
+              <a:t>20/11/2019</a:t>
             </a:fld>
             <a:endParaRPr lang="fr-FR"/>
           </a:p>
@@ -426,7 +426,7 @@
           <a:p>
             <a:fld id="{C262451B-073C-4FAC-8D0B-6648421A7945}" type="datetimeFigureOut">
               <a:rPr lang="fr-FR" smtClean="0"/>
-              <a:t>16/11/2019</a:t>
+              <a:t>20/11/2019</a:t>
             </a:fld>
             <a:endParaRPr lang="fr-FR"/>
           </a:p>
@@ -606,7 +606,7 @@
           <a:p>
             <a:fld id="{C262451B-073C-4FAC-8D0B-6648421A7945}" type="datetimeFigureOut">
               <a:rPr lang="fr-FR" smtClean="0"/>
-              <a:t>16/11/2019</a:t>
+              <a:t>20/11/2019</a:t>
             </a:fld>
             <a:endParaRPr lang="fr-FR"/>
           </a:p>
@@ -776,7 +776,7 @@
           <a:p>
             <a:fld id="{C262451B-073C-4FAC-8D0B-6648421A7945}" type="datetimeFigureOut">
               <a:rPr lang="fr-FR" smtClean="0"/>
-              <a:t>16/11/2019</a:t>
+              <a:t>20/11/2019</a:t>
             </a:fld>
             <a:endParaRPr lang="fr-FR"/>
           </a:p>
@@ -1022,7 +1022,7 @@
           <a:p>
             <a:fld id="{C262451B-073C-4FAC-8D0B-6648421A7945}" type="datetimeFigureOut">
               <a:rPr lang="fr-FR" smtClean="0"/>
-              <a:t>16/11/2019</a:t>
+              <a:t>20/11/2019</a:t>
             </a:fld>
             <a:endParaRPr lang="fr-FR"/>
           </a:p>
@@ -1254,7 +1254,7 @@
           <a:p>
             <a:fld id="{C262451B-073C-4FAC-8D0B-6648421A7945}" type="datetimeFigureOut">
               <a:rPr lang="fr-FR" smtClean="0"/>
-              <a:t>16/11/2019</a:t>
+              <a:t>20/11/2019</a:t>
             </a:fld>
             <a:endParaRPr lang="fr-FR"/>
           </a:p>
@@ -1621,7 +1621,7 @@
           <a:p>
             <a:fld id="{C262451B-073C-4FAC-8D0B-6648421A7945}" type="datetimeFigureOut">
               <a:rPr lang="fr-FR" smtClean="0"/>
-              <a:t>16/11/2019</a:t>
+              <a:t>20/11/2019</a:t>
             </a:fld>
             <a:endParaRPr lang="fr-FR"/>
           </a:p>
@@ -1739,7 +1739,7 @@
           <a:p>
             <a:fld id="{C262451B-073C-4FAC-8D0B-6648421A7945}" type="datetimeFigureOut">
               <a:rPr lang="fr-FR" smtClean="0"/>
-              <a:t>16/11/2019</a:t>
+              <a:t>20/11/2019</a:t>
             </a:fld>
             <a:endParaRPr lang="fr-FR"/>
           </a:p>
@@ -1834,7 +1834,7 @@
           <a:p>
             <a:fld id="{C262451B-073C-4FAC-8D0B-6648421A7945}" type="datetimeFigureOut">
               <a:rPr lang="fr-FR" smtClean="0"/>
-              <a:t>16/11/2019</a:t>
+              <a:t>20/11/2019</a:t>
             </a:fld>
             <a:endParaRPr lang="fr-FR"/>
           </a:p>
@@ -2111,7 +2111,7 @@
           <a:p>
             <a:fld id="{C262451B-073C-4FAC-8D0B-6648421A7945}" type="datetimeFigureOut">
               <a:rPr lang="fr-FR" smtClean="0"/>
-              <a:t>16/11/2019</a:t>
+              <a:t>20/11/2019</a:t>
             </a:fld>
             <a:endParaRPr lang="fr-FR"/>
           </a:p>
@@ -2364,7 +2364,7 @@
           <a:p>
             <a:fld id="{C262451B-073C-4FAC-8D0B-6648421A7945}" type="datetimeFigureOut">
               <a:rPr lang="fr-FR" smtClean="0"/>
-              <a:t>16/11/2019</a:t>
+              <a:t>20/11/2019</a:t>
             </a:fld>
             <a:endParaRPr lang="fr-FR"/>
           </a:p>
@@ -2577,7 +2577,7 @@
           <a:p>
             <a:fld id="{C262451B-073C-4FAC-8D0B-6648421A7945}" type="datetimeFigureOut">
               <a:rPr lang="fr-FR" smtClean="0"/>
-              <a:t>16/11/2019</a:t>
+              <a:t>20/11/2019</a:t>
             </a:fld>
             <a:endParaRPr lang="fr-FR"/>
           </a:p>
@@ -3666,8 +3666,8 @@
           </a:prstGeom>
         </p:spPr>
       </p:pic>
-      <mc:AlternateContent xmlns:mc="http://schemas.openxmlformats.org/markup-compatibility/2006">
-        <mc:Choice xmlns:a14="http://schemas.microsoft.com/office/drawing/2010/main" Requires="a14">
+      <mc:AlternateContent xmlns:mc="http://schemas.openxmlformats.org/markup-compatibility/2006" xmlns:a14="http://schemas.microsoft.com/office/drawing/2010/main">
+        <mc:Choice Requires="a14">
           <p:sp>
             <p:nvSpPr>
               <p:cNvPr id="6" name="Rectangle 5"/>
@@ -3697,6 +3697,7 @@
               </a:bodyPr>
               <a:lstStyle/>
               <a:p>
+                <a:pPr/>
                 <a14:m>
                   <m:oMathPara xmlns:m="http://schemas.openxmlformats.org/officeDocument/2006/math">
                     <m:oMathParaPr>
@@ -3792,7 +3793,7 @@
             </p:txBody>
           </p:sp>
         </mc:Choice>
-        <mc:Fallback>
+        <mc:Fallback xmlns="">
           <p:sp>
             <p:nvSpPr>
               <p:cNvPr id="6" name="Rectangle 5"/>
@@ -3836,8 +3837,8 @@
           </p:sp>
         </mc:Fallback>
       </mc:AlternateContent>
-      <mc:AlternateContent xmlns:mc="http://schemas.openxmlformats.org/markup-compatibility/2006">
-        <mc:Choice xmlns:a14="http://schemas.microsoft.com/office/drawing/2010/main" Requires="a14">
+      <mc:AlternateContent xmlns:mc="http://schemas.openxmlformats.org/markup-compatibility/2006" xmlns:a14="http://schemas.microsoft.com/office/drawing/2010/main">
+        <mc:Choice Requires="a14">
           <p:sp>
             <p:nvSpPr>
               <p:cNvPr id="10" name="Rectangle 9"/>
@@ -3867,6 +3868,7 @@
               </a:bodyPr>
               <a:lstStyle/>
               <a:p>
+                <a:pPr/>
                 <a14:m>
                   <m:oMathPara xmlns:m="http://schemas.openxmlformats.org/officeDocument/2006/math">
                     <m:oMathParaPr>
@@ -3876,7 +3878,7 @@
                       <m:sSub>
                         <m:sSubPr>
                           <m:ctrlPr>
-                            <a:rPr lang="fr-FR" sz="2800" b="0" i="0" smtClean="0">
+                            <a:rPr lang="fr-FR" sz="2800" b="0" i="1" smtClean="0">
                               <a:solidFill>
                                 <a:schemeClr val="tx1"/>
                               </a:solidFill>
@@ -4000,7 +4002,7 @@
             </p:txBody>
           </p:sp>
         </mc:Choice>
-        <mc:Fallback>
+        <mc:Fallback xmlns="">
           <p:sp>
             <p:nvSpPr>
               <p:cNvPr id="10" name="Rectangle 9"/>
@@ -6217,7 +6219,7 @@
           <p:cNvPr id="10" name="Espace réservé du contenu 6">
             <a:extLst>
               <a:ext uri="{FF2B5EF4-FFF2-40B4-BE49-F238E27FC236}">
-                <a16:creationId xmlns="" xmlns:a16="http://schemas.microsoft.com/office/drawing/2014/main" xmlns:lc="http://schemas.openxmlformats.org/drawingml/2006/lockedCanvas" id="{EA58A18C-D1BC-42E4-A965-A2F39FEF10D0}"/>
+                <a16:creationId xmlns:lc="http://schemas.openxmlformats.org/drawingml/2006/lockedCanvas" xmlns:a16="http://schemas.microsoft.com/office/drawing/2014/main" xmlns="" id="{EA58A18C-D1BC-42E4-A965-A2F39FEF10D0}"/>
               </a:ext>
             </a:extLst>
           </p:cNvPr>
@@ -6409,7 +6411,7 @@
           <p:cNvPr id="6" name="Espace réservé du contenu 10">
             <a:extLst>
               <a:ext uri="{FF2B5EF4-FFF2-40B4-BE49-F238E27FC236}">
-                <a16:creationId xmlns="" xmlns:a16="http://schemas.microsoft.com/office/drawing/2014/main" xmlns:lc="http://schemas.openxmlformats.org/drawingml/2006/lockedCanvas" id="{E0E48B4E-62A3-413F-87E3-8793D40588D3}"/>
+                <a16:creationId xmlns:lc="http://schemas.openxmlformats.org/drawingml/2006/lockedCanvas" xmlns:a16="http://schemas.microsoft.com/office/drawing/2014/main" xmlns="" id="{E0E48B4E-62A3-413F-87E3-8793D40588D3}"/>
               </a:ext>
             </a:extLst>
           </p:cNvPr>
@@ -6755,7 +6757,7 @@
           <p:cNvPr id="7" name="Groupe 6">
             <a:extLst>
               <a:ext uri="{FF2B5EF4-FFF2-40B4-BE49-F238E27FC236}">
-                <a16:creationId xmlns:a16="http://schemas.microsoft.com/office/drawing/2014/main" xmlns="" id="{E922767D-63E0-49F8-8D0C-717AC65F818C}"/>
+                <a16:creationId xmlns="" xmlns:a16="http://schemas.microsoft.com/office/drawing/2014/main" id="{E922767D-63E0-49F8-8D0C-717AC65F818C}"/>
               </a:ext>
             </a:extLst>
           </p:cNvPr>
@@ -6775,7 +6777,7 @@
             <p:cNvPr id="8" name="Groupe 7">
               <a:extLst>
                 <a:ext uri="{FF2B5EF4-FFF2-40B4-BE49-F238E27FC236}">
-                  <a16:creationId xmlns:a16="http://schemas.microsoft.com/office/drawing/2014/main" xmlns="" id="{FFCD7857-F979-4EC2-BB38-BEA78E25BC9B}"/>
+                  <a16:creationId xmlns="" xmlns:a16="http://schemas.microsoft.com/office/drawing/2014/main" id="{FFCD7857-F979-4EC2-BB38-BEA78E25BC9B}"/>
                 </a:ext>
               </a:extLst>
             </p:cNvPr>
@@ -6795,7 +6797,7 @@
               <p:cNvPr id="11" name="Grouper 68">
                 <a:extLst>
                   <a:ext uri="{FF2B5EF4-FFF2-40B4-BE49-F238E27FC236}">
-                    <a16:creationId xmlns:a16="http://schemas.microsoft.com/office/drawing/2014/main" xmlns="" id="{40352CAA-B71B-4830-B4EA-649F52741662}"/>
+                    <a16:creationId xmlns="" xmlns:a16="http://schemas.microsoft.com/office/drawing/2014/main" id="{40352CAA-B71B-4830-B4EA-649F52741662}"/>
                   </a:ext>
                 </a:extLst>
               </p:cNvPr>
@@ -6815,7 +6817,7 @@
                 <p:cNvPr id="24" name="Grouper 69">
                   <a:extLst>
                     <a:ext uri="{FF2B5EF4-FFF2-40B4-BE49-F238E27FC236}">
-                      <a16:creationId xmlns:a16="http://schemas.microsoft.com/office/drawing/2014/main" xmlns="" id="{96081743-5FB9-4DAD-8C23-CA747114F3B8}"/>
+                      <a16:creationId xmlns="" xmlns:a16="http://schemas.microsoft.com/office/drawing/2014/main" id="{96081743-5FB9-4DAD-8C23-CA747114F3B8}"/>
                     </a:ext>
                   </a:extLst>
                 </p:cNvPr>
@@ -6831,7 +6833,7 @@
                 </a:xfrm>
                 <a:extLst>
                   <a:ext uri="{0CCBE362-F206-4b92-989A-16890622DB6E}">
-                    <ma14:wrappingTextBoxFlag xmlns:ma14="http://schemas.microsoft.com/office/mac/drawingml/2011/main" xmlns="" val="1"/>
+                    <ma14:wrappingTextBoxFlag xmlns="" xmlns:ma14="http://schemas.microsoft.com/office/mac/drawingml/2011/main" val="1"/>
                   </a:ext>
                 </a:extLst>
               </p:grpSpPr>
@@ -6840,7 +6842,7 @@
                   <p:cNvPr id="26" name="Grouper 71">
                     <a:extLst>
                       <a:ext uri="{FF2B5EF4-FFF2-40B4-BE49-F238E27FC236}">
-                        <a16:creationId xmlns:a16="http://schemas.microsoft.com/office/drawing/2014/main" xmlns="" id="{26D3EDCE-3D75-48BB-BCD5-7E23FCC76165}"/>
+                        <a16:creationId xmlns="" xmlns:a16="http://schemas.microsoft.com/office/drawing/2014/main" id="{26D3EDCE-3D75-48BB-BCD5-7E23FCC76165}"/>
                       </a:ext>
                     </a:extLst>
                   </p:cNvPr>
@@ -6860,7 +6862,7 @@
                     <p:cNvPr id="78" name="Grouper 123">
                       <a:extLst>
                         <a:ext uri="{FF2B5EF4-FFF2-40B4-BE49-F238E27FC236}">
-                          <a16:creationId xmlns:a16="http://schemas.microsoft.com/office/drawing/2014/main" xmlns="" id="{51F5C2B4-3BA6-474B-8106-53558EE4054A}"/>
+                          <a16:creationId xmlns="" xmlns:a16="http://schemas.microsoft.com/office/drawing/2014/main" id="{51F5C2B4-3BA6-474B-8106-53558EE4054A}"/>
                         </a:ext>
                       </a:extLst>
                     </p:cNvPr>
@@ -6880,7 +6882,7 @@
                       <p:cNvPr id="80" name="Grouper 125">
                         <a:extLst>
                           <a:ext uri="{FF2B5EF4-FFF2-40B4-BE49-F238E27FC236}">
-                            <a16:creationId xmlns:a16="http://schemas.microsoft.com/office/drawing/2014/main" xmlns="" id="{1209F394-A69E-424B-B28C-1CEA7BD5D8B1}"/>
+                            <a16:creationId xmlns="" xmlns:a16="http://schemas.microsoft.com/office/drawing/2014/main" id="{1209F394-A69E-424B-B28C-1CEA7BD5D8B1}"/>
                           </a:ext>
                         </a:extLst>
                       </p:cNvPr>
@@ -6900,7 +6902,7 @@
                         <p:cNvPr id="82" name="Arrondir un rectangle avec un coin du même côté 127">
                           <a:extLst>
                             <a:ext uri="{FF2B5EF4-FFF2-40B4-BE49-F238E27FC236}">
-                              <a16:creationId xmlns:a16="http://schemas.microsoft.com/office/drawing/2014/main" xmlns="" id="{9CC54105-DBD7-485D-919A-9D6E2E4634F9}"/>
+                              <a16:creationId xmlns="" xmlns:a16="http://schemas.microsoft.com/office/drawing/2014/main" id="{9CC54105-DBD7-485D-919A-9D6E2E4634F9}"/>
                             </a:ext>
                           </a:extLst>
                         </p:cNvPr>
@@ -6955,7 +6957,7 @@
                         <p:cNvPr id="83" name="Arrondir un rectangle avec un coin du même côté 128">
                           <a:extLst>
                             <a:ext uri="{FF2B5EF4-FFF2-40B4-BE49-F238E27FC236}">
-                              <a16:creationId xmlns:a16="http://schemas.microsoft.com/office/drawing/2014/main" xmlns="" id="{E8455875-8ED2-4FDE-A812-0DA55E45EBD3}"/>
+                              <a16:creationId xmlns="" xmlns:a16="http://schemas.microsoft.com/office/drawing/2014/main" id="{E8455875-8ED2-4FDE-A812-0DA55E45EBD3}"/>
                             </a:ext>
                           </a:extLst>
                         </p:cNvPr>
@@ -7011,7 +7013,7 @@
                       <p:cNvPr id="81" name="Rectangle 80">
                         <a:extLst>
                           <a:ext uri="{FF2B5EF4-FFF2-40B4-BE49-F238E27FC236}">
-                            <a16:creationId xmlns:a16="http://schemas.microsoft.com/office/drawing/2014/main" xmlns="" id="{D6B2A792-3C1D-410D-83CC-EE9AFA5BC57A}"/>
+                            <a16:creationId xmlns="" xmlns:a16="http://schemas.microsoft.com/office/drawing/2014/main" id="{D6B2A792-3C1D-410D-83CC-EE9AFA5BC57A}"/>
                           </a:ext>
                         </a:extLst>
                       </p:cNvPr>
@@ -7069,7 +7071,7 @@
                     <p:cNvPr id="79" name="Rectangle 78">
                       <a:extLst>
                         <a:ext uri="{FF2B5EF4-FFF2-40B4-BE49-F238E27FC236}">
-                          <a16:creationId xmlns:a16="http://schemas.microsoft.com/office/drawing/2014/main" xmlns="" id="{7C10C6FF-F8AC-4D17-BBC9-6D32B3AE86EA}"/>
+                          <a16:creationId xmlns="" xmlns:a16="http://schemas.microsoft.com/office/drawing/2014/main" id="{7C10C6FF-F8AC-4D17-BBC9-6D32B3AE86EA}"/>
                         </a:ext>
                       </a:extLst>
                     </p:cNvPr>
@@ -7127,7 +7129,7 @@
                   <p:cNvPr id="27" name="Grouper 72">
                     <a:extLst>
                       <a:ext uri="{FF2B5EF4-FFF2-40B4-BE49-F238E27FC236}">
-                        <a16:creationId xmlns:a16="http://schemas.microsoft.com/office/drawing/2014/main" xmlns="" id="{AA0FFDEF-FE93-4E25-9F69-1CD2B544BD9A}"/>
+                        <a16:creationId xmlns="" xmlns:a16="http://schemas.microsoft.com/office/drawing/2014/main" id="{AA0FFDEF-FE93-4E25-9F69-1CD2B544BD9A}"/>
                       </a:ext>
                     </a:extLst>
                   </p:cNvPr>
@@ -7147,7 +7149,7 @@
                     <p:cNvPr id="71" name="Arrondir un rectangle avec un coin du même côté 116">
                       <a:extLst>
                         <a:ext uri="{FF2B5EF4-FFF2-40B4-BE49-F238E27FC236}">
-                          <a16:creationId xmlns:a16="http://schemas.microsoft.com/office/drawing/2014/main" xmlns="" id="{DD037935-193F-457E-9A74-2D1C6015ED66}"/>
+                          <a16:creationId xmlns="" xmlns:a16="http://schemas.microsoft.com/office/drawing/2014/main" id="{DD037935-193F-457E-9A74-2D1C6015ED66}"/>
                         </a:ext>
                       </a:extLst>
                     </p:cNvPr>
@@ -7202,7 +7204,7 @@
                     <p:cNvPr id="72" name="Arrondir un rectangle avec un coin du même côté 117">
                       <a:extLst>
                         <a:ext uri="{FF2B5EF4-FFF2-40B4-BE49-F238E27FC236}">
-                          <a16:creationId xmlns:a16="http://schemas.microsoft.com/office/drawing/2014/main" xmlns="" id="{CE6B6CCB-93D9-40A9-B2B9-0F46261D492E}"/>
+                          <a16:creationId xmlns="" xmlns:a16="http://schemas.microsoft.com/office/drawing/2014/main" id="{CE6B6CCB-93D9-40A9-B2B9-0F46261D492E}"/>
                         </a:ext>
                       </a:extLst>
                     </p:cNvPr>
@@ -7257,7 +7259,7 @@
                     <p:cNvPr id="73" name="Rectangle 72">
                       <a:extLst>
                         <a:ext uri="{FF2B5EF4-FFF2-40B4-BE49-F238E27FC236}">
-                          <a16:creationId xmlns:a16="http://schemas.microsoft.com/office/drawing/2014/main" xmlns="" id="{F3B4FAE3-C823-49C7-981F-0F9C65BC226E}"/>
+                          <a16:creationId xmlns="" xmlns:a16="http://schemas.microsoft.com/office/drawing/2014/main" id="{F3B4FAE3-C823-49C7-981F-0F9C65BC226E}"/>
                         </a:ext>
                       </a:extLst>
                     </p:cNvPr>
@@ -7314,7 +7316,7 @@
                     <p:cNvPr id="74" name="Parallélogramme 73">
                       <a:extLst>
                         <a:ext uri="{FF2B5EF4-FFF2-40B4-BE49-F238E27FC236}">
-                          <a16:creationId xmlns:a16="http://schemas.microsoft.com/office/drawing/2014/main" xmlns="" id="{CCB23121-7617-4EA9-B289-2D44CC43E929}"/>
+                          <a16:creationId xmlns="" xmlns:a16="http://schemas.microsoft.com/office/drawing/2014/main" id="{CCB23121-7617-4EA9-B289-2D44CC43E929}"/>
                         </a:ext>
                       </a:extLst>
                     </p:cNvPr>
@@ -7375,7 +7377,7 @@
                     <p:cNvPr id="75" name="Parallélogramme 74">
                       <a:extLst>
                         <a:ext uri="{FF2B5EF4-FFF2-40B4-BE49-F238E27FC236}">
-                          <a16:creationId xmlns:a16="http://schemas.microsoft.com/office/drawing/2014/main" xmlns="" id="{CDD2A60A-E059-4565-A8E3-9D63509BFD7D}"/>
+                          <a16:creationId xmlns="" xmlns:a16="http://schemas.microsoft.com/office/drawing/2014/main" id="{CDD2A60A-E059-4565-A8E3-9D63509BFD7D}"/>
                         </a:ext>
                       </a:extLst>
                     </p:cNvPr>
@@ -7436,7 +7438,7 @@
                     <p:cNvPr id="76" name="Connecteur droit 75">
                       <a:extLst>
                         <a:ext uri="{FF2B5EF4-FFF2-40B4-BE49-F238E27FC236}">
-                          <a16:creationId xmlns:a16="http://schemas.microsoft.com/office/drawing/2014/main" xmlns="" id="{AF411BC3-A86B-4A5F-9DAF-9A687CA882ED}"/>
+                          <a16:creationId xmlns="" xmlns:a16="http://schemas.microsoft.com/office/drawing/2014/main" id="{AF411BC3-A86B-4A5F-9DAF-9A687CA882ED}"/>
                         </a:ext>
                       </a:extLst>
                     </p:cNvPr>
@@ -7474,7 +7476,7 @@
                     <p:cNvPr id="77" name="Connecteur droit 76">
                       <a:extLst>
                         <a:ext uri="{FF2B5EF4-FFF2-40B4-BE49-F238E27FC236}">
-                          <a16:creationId xmlns:a16="http://schemas.microsoft.com/office/drawing/2014/main" xmlns="" id="{841FF250-B55F-4D70-BF44-D2DD43333DF4}"/>
+                          <a16:creationId xmlns="" xmlns:a16="http://schemas.microsoft.com/office/drawing/2014/main" id="{841FF250-B55F-4D70-BF44-D2DD43333DF4}"/>
                         </a:ext>
                       </a:extLst>
                     </p:cNvPr>
@@ -7513,7 +7515,7 @@
                   <p:cNvPr id="28" name="Grouper 73">
                     <a:extLst>
                       <a:ext uri="{FF2B5EF4-FFF2-40B4-BE49-F238E27FC236}">
-                        <a16:creationId xmlns:a16="http://schemas.microsoft.com/office/drawing/2014/main" xmlns="" id="{7E0F2A28-B6AC-4B1A-9BE8-2703C34063FF}"/>
+                        <a16:creationId xmlns="" xmlns:a16="http://schemas.microsoft.com/office/drawing/2014/main" id="{7E0F2A28-B6AC-4B1A-9BE8-2703C34063FF}"/>
                       </a:ext>
                     </a:extLst>
                   </p:cNvPr>
@@ -7533,7 +7535,7 @@
                     <p:cNvPr id="69" name="Rectangle 68">
                       <a:extLst>
                         <a:ext uri="{FF2B5EF4-FFF2-40B4-BE49-F238E27FC236}">
-                          <a16:creationId xmlns:a16="http://schemas.microsoft.com/office/drawing/2014/main" xmlns="" id="{FA13F0A6-14B0-4342-B4A3-B9CC0481E5D8}"/>
+                          <a16:creationId xmlns="" xmlns:a16="http://schemas.microsoft.com/office/drawing/2014/main" id="{FA13F0A6-14B0-4342-B4A3-B9CC0481E5D8}"/>
                         </a:ext>
                       </a:extLst>
                     </p:cNvPr>
@@ -7590,7 +7592,7 @@
                     <p:cNvPr id="70" name="Ellipse 69">
                       <a:extLst>
                         <a:ext uri="{FF2B5EF4-FFF2-40B4-BE49-F238E27FC236}">
-                          <a16:creationId xmlns:a16="http://schemas.microsoft.com/office/drawing/2014/main" xmlns="" id="{4DB04C9A-91AD-4490-86DD-2F28CC511EB6}"/>
+                          <a16:creationId xmlns="" xmlns:a16="http://schemas.microsoft.com/office/drawing/2014/main" id="{4DB04C9A-91AD-4490-86DD-2F28CC511EB6}"/>
                         </a:ext>
                       </a:extLst>
                     </p:cNvPr>
@@ -7654,7 +7656,7 @@
                   <p:cNvPr id="29" name="Grouper 74">
                     <a:extLst>
                       <a:ext uri="{FF2B5EF4-FFF2-40B4-BE49-F238E27FC236}">
-                        <a16:creationId xmlns:a16="http://schemas.microsoft.com/office/drawing/2014/main" xmlns="" id="{F0965761-2E00-451E-BDCE-F9D0E5B81296}"/>
+                        <a16:creationId xmlns="" xmlns:a16="http://schemas.microsoft.com/office/drawing/2014/main" id="{F0965761-2E00-451E-BDCE-F9D0E5B81296}"/>
                       </a:ext>
                     </a:extLst>
                   </p:cNvPr>
@@ -7674,7 +7676,7 @@
                     <p:cNvPr id="56" name="Grouper 101">
                       <a:extLst>
                         <a:ext uri="{FF2B5EF4-FFF2-40B4-BE49-F238E27FC236}">
-                          <a16:creationId xmlns:a16="http://schemas.microsoft.com/office/drawing/2014/main" xmlns="" id="{F9EC72F1-04D7-42DD-8621-F5DECD18A5F5}"/>
+                          <a16:creationId xmlns="" xmlns:a16="http://schemas.microsoft.com/office/drawing/2014/main" id="{F9EC72F1-04D7-42DD-8621-F5DECD18A5F5}"/>
                         </a:ext>
                       </a:extLst>
                     </p:cNvPr>
@@ -7694,7 +7696,7 @@
                       <p:cNvPr id="65" name="Ellipse 64">
                         <a:extLst>
                           <a:ext uri="{FF2B5EF4-FFF2-40B4-BE49-F238E27FC236}">
-                            <a16:creationId xmlns:a16="http://schemas.microsoft.com/office/drawing/2014/main" xmlns="" id="{4DD5C452-7FFE-452B-9491-34AE14CF28A1}"/>
+                            <a16:creationId xmlns="" xmlns:a16="http://schemas.microsoft.com/office/drawing/2014/main" id="{4DD5C452-7FFE-452B-9491-34AE14CF28A1}"/>
                           </a:ext>
                         </a:extLst>
                       </p:cNvPr>
@@ -7749,7 +7751,7 @@
                       <p:cNvPr id="66" name="Zone de texte 941">
                         <a:extLst>
                           <a:ext uri="{FF2B5EF4-FFF2-40B4-BE49-F238E27FC236}">
-                            <a16:creationId xmlns:a16="http://schemas.microsoft.com/office/drawing/2014/main" xmlns="" id="{EDE1631E-2625-49E1-AC75-A37414A156AF}"/>
+                            <a16:creationId xmlns="" xmlns:a16="http://schemas.microsoft.com/office/drawing/2014/main" id="{EDE1631E-2625-49E1-AC75-A37414A156AF}"/>
                           </a:ext>
                         </a:extLst>
                       </p:cNvPr>
@@ -7771,7 +7773,7 @@
                       <a:effectLst/>
                       <a:extLst>
                         <a:ext uri="{C572A759-6A51-4108-AA02-DFA0A04FC94B}">
-                          <ma14:wrappingTextBoxFlag xmlns:ma14="http://schemas.microsoft.com/office/mac/drawingml/2011/main" xmlns="" val="1"/>
+                          <ma14:wrappingTextBoxFlag xmlns="" xmlns:ma14="http://schemas.microsoft.com/office/mac/drawingml/2011/main" val="1"/>
                         </a:ext>
                       </a:extLst>
                     </p:spPr>
@@ -7835,7 +7837,7 @@
                       <p:cNvPr id="67" name="Zone de texte 942">
                         <a:extLst>
                           <a:ext uri="{FF2B5EF4-FFF2-40B4-BE49-F238E27FC236}">
-                            <a16:creationId xmlns:a16="http://schemas.microsoft.com/office/drawing/2014/main" xmlns="" id="{751399F5-7817-408F-887F-80309B0DEBC2}"/>
+                            <a16:creationId xmlns="" xmlns:a16="http://schemas.microsoft.com/office/drawing/2014/main" id="{751399F5-7817-408F-887F-80309B0DEBC2}"/>
                           </a:ext>
                         </a:extLst>
                       </p:cNvPr>
@@ -7857,7 +7859,7 @@
                       <a:effectLst/>
                       <a:extLst>
                         <a:ext uri="{C572A759-6A51-4108-AA02-DFA0A04FC94B}">
-                          <ma14:wrappingTextBoxFlag xmlns:ma14="http://schemas.microsoft.com/office/mac/drawingml/2011/main" xmlns="" val="1"/>
+                          <ma14:wrappingTextBoxFlag xmlns="" xmlns:ma14="http://schemas.microsoft.com/office/mac/drawingml/2011/main" val="1"/>
                         </a:ext>
                       </a:extLst>
                     </p:spPr>
@@ -7921,7 +7923,7 @@
                       <p:cNvPr id="68" name="Zone de texte 900">
                         <a:extLst>
                           <a:ext uri="{FF2B5EF4-FFF2-40B4-BE49-F238E27FC236}">
-                            <a16:creationId xmlns:a16="http://schemas.microsoft.com/office/drawing/2014/main" xmlns="" id="{5B87DF95-433A-493D-9AD7-C56AA5757C8B}"/>
+                            <a16:creationId xmlns="" xmlns:a16="http://schemas.microsoft.com/office/drawing/2014/main" id="{5B87DF95-433A-493D-9AD7-C56AA5757C8B}"/>
                           </a:ext>
                         </a:extLst>
                       </p:cNvPr>
@@ -7943,7 +7945,7 @@
                       <a:effectLst/>
                       <a:extLst>
                         <a:ext uri="{C572A759-6A51-4108-AA02-DFA0A04FC94B}">
-                          <ma14:wrappingTextBoxFlag xmlns:ma14="http://schemas.microsoft.com/office/mac/drawingml/2011/main" xmlns="" val="1"/>
+                          <ma14:wrappingTextBoxFlag xmlns="" xmlns:ma14="http://schemas.microsoft.com/office/mac/drawingml/2011/main" val="1"/>
                         </a:ext>
                       </a:extLst>
                     </p:spPr>
@@ -7997,7 +7999,7 @@
                     <p:cNvPr id="57" name="Grouper 102">
                       <a:extLst>
                         <a:ext uri="{FF2B5EF4-FFF2-40B4-BE49-F238E27FC236}">
-                          <a16:creationId xmlns:a16="http://schemas.microsoft.com/office/drawing/2014/main" xmlns="" id="{CD10D8B0-3F3A-428B-ADFB-7CD43137C732}"/>
+                          <a16:creationId xmlns="" xmlns:a16="http://schemas.microsoft.com/office/drawing/2014/main" id="{CD10D8B0-3F3A-428B-ADFB-7CD43137C732}"/>
                         </a:ext>
                       </a:extLst>
                     </p:cNvPr>
@@ -8017,7 +8019,7 @@
                       <p:cNvPr id="62" name="Connecteur droit 61">
                         <a:extLst>
                           <a:ext uri="{FF2B5EF4-FFF2-40B4-BE49-F238E27FC236}">
-                            <a16:creationId xmlns:a16="http://schemas.microsoft.com/office/drawing/2014/main" xmlns="" id="{6CED5B28-251A-4695-9AC4-75ABE8322B80}"/>
+                            <a16:creationId xmlns="" xmlns:a16="http://schemas.microsoft.com/office/drawing/2014/main" id="{6CED5B28-251A-4695-9AC4-75ABE8322B80}"/>
                           </a:ext>
                         </a:extLst>
                       </p:cNvPr>
@@ -8059,7 +8061,7 @@
                       <p:cNvPr id="63" name="Connecteur droit 62">
                         <a:extLst>
                           <a:ext uri="{FF2B5EF4-FFF2-40B4-BE49-F238E27FC236}">
-                            <a16:creationId xmlns:a16="http://schemas.microsoft.com/office/drawing/2014/main" xmlns="" id="{AB459293-BB0A-4D9C-A290-FC7447FE24C8}"/>
+                            <a16:creationId xmlns="" xmlns:a16="http://schemas.microsoft.com/office/drawing/2014/main" id="{AB459293-BB0A-4D9C-A290-FC7447FE24C8}"/>
                           </a:ext>
                         </a:extLst>
                       </p:cNvPr>
@@ -8101,7 +8103,7 @@
                       <p:cNvPr id="64" name="Connecteur droit 63">
                         <a:extLst>
                           <a:ext uri="{FF2B5EF4-FFF2-40B4-BE49-F238E27FC236}">
-                            <a16:creationId xmlns:a16="http://schemas.microsoft.com/office/drawing/2014/main" xmlns="" id="{4BF11C18-05F0-4FDB-AE77-4D013016F528}"/>
+                            <a16:creationId xmlns="" xmlns:a16="http://schemas.microsoft.com/office/drawing/2014/main" id="{4BF11C18-05F0-4FDB-AE77-4D013016F528}"/>
                           </a:ext>
                         </a:extLst>
                       </p:cNvPr>
@@ -8144,7 +8146,7 @@
                     <p:cNvPr id="58" name="Grouper 103">
                       <a:extLst>
                         <a:ext uri="{FF2B5EF4-FFF2-40B4-BE49-F238E27FC236}">
-                          <a16:creationId xmlns:a16="http://schemas.microsoft.com/office/drawing/2014/main" xmlns="" id="{2D2B29B8-AE04-4246-8062-EFF0E8D66284}"/>
+                          <a16:creationId xmlns="" xmlns:a16="http://schemas.microsoft.com/office/drawing/2014/main" id="{2D2B29B8-AE04-4246-8062-EFF0E8D66284}"/>
                         </a:ext>
                       </a:extLst>
                     </p:cNvPr>
@@ -8164,7 +8166,7 @@
                       <p:cNvPr id="59" name="Connecteur droit 58">
                         <a:extLst>
                           <a:ext uri="{FF2B5EF4-FFF2-40B4-BE49-F238E27FC236}">
-                            <a16:creationId xmlns:a16="http://schemas.microsoft.com/office/drawing/2014/main" xmlns="" id="{E8789211-76BC-4FBE-BE96-041CB645CE63}"/>
+                            <a16:creationId xmlns="" xmlns:a16="http://schemas.microsoft.com/office/drawing/2014/main" id="{E8789211-76BC-4FBE-BE96-041CB645CE63}"/>
                           </a:ext>
                         </a:extLst>
                       </p:cNvPr>
@@ -8206,7 +8208,7 @@
                       <p:cNvPr id="60" name="Connecteur droit 59">
                         <a:extLst>
                           <a:ext uri="{FF2B5EF4-FFF2-40B4-BE49-F238E27FC236}">
-                            <a16:creationId xmlns:a16="http://schemas.microsoft.com/office/drawing/2014/main" xmlns="" id="{63CD0D8C-676C-481E-B9A5-F97E8CAD6156}"/>
+                            <a16:creationId xmlns="" xmlns:a16="http://schemas.microsoft.com/office/drawing/2014/main" id="{63CD0D8C-676C-481E-B9A5-F97E8CAD6156}"/>
                           </a:ext>
                         </a:extLst>
                       </p:cNvPr>
@@ -8248,7 +8250,7 @@
                       <p:cNvPr id="61" name="Connecteur droit 60">
                         <a:extLst>
                           <a:ext uri="{FF2B5EF4-FFF2-40B4-BE49-F238E27FC236}">
-                            <a16:creationId xmlns:a16="http://schemas.microsoft.com/office/drawing/2014/main" xmlns="" id="{F7E8CC27-81C6-4C78-8D6B-BC5E2B57CF76}"/>
+                            <a16:creationId xmlns="" xmlns:a16="http://schemas.microsoft.com/office/drawing/2014/main" id="{F7E8CC27-81C6-4C78-8D6B-BC5E2B57CF76}"/>
                           </a:ext>
                         </a:extLst>
                       </p:cNvPr>
@@ -8292,7 +8294,7 @@
                   <p:cNvPr id="30" name="Grouper 75">
                     <a:extLst>
                       <a:ext uri="{FF2B5EF4-FFF2-40B4-BE49-F238E27FC236}">
-                        <a16:creationId xmlns:a16="http://schemas.microsoft.com/office/drawing/2014/main" xmlns="" id="{D5E24073-AF22-4C5B-AC88-760F8428CAAD}"/>
+                        <a16:creationId xmlns="" xmlns:a16="http://schemas.microsoft.com/office/drawing/2014/main" id="{D5E24073-AF22-4C5B-AC88-760F8428CAAD}"/>
                       </a:ext>
                     </a:extLst>
                   </p:cNvPr>
@@ -8312,7 +8314,7 @@
                     <p:cNvPr id="44" name="Grouper 89">
                       <a:extLst>
                         <a:ext uri="{FF2B5EF4-FFF2-40B4-BE49-F238E27FC236}">
-                          <a16:creationId xmlns:a16="http://schemas.microsoft.com/office/drawing/2014/main" xmlns="" id="{1ED1AEE1-B7CF-4F0E-9454-7B87B28C2BB6}"/>
+                          <a16:creationId xmlns="" xmlns:a16="http://schemas.microsoft.com/office/drawing/2014/main" id="{1ED1AEE1-B7CF-4F0E-9454-7B87B28C2BB6}"/>
                         </a:ext>
                       </a:extLst>
                     </p:cNvPr>
@@ -8332,7 +8334,7 @@
                       <p:cNvPr id="54" name="Connecteur droit 53">
                         <a:extLst>
                           <a:ext uri="{FF2B5EF4-FFF2-40B4-BE49-F238E27FC236}">
-                            <a16:creationId xmlns:a16="http://schemas.microsoft.com/office/drawing/2014/main" xmlns="" id="{52DB56DC-F90B-45D1-B22E-CAE16CF14DD3}"/>
+                            <a16:creationId xmlns="" xmlns:a16="http://schemas.microsoft.com/office/drawing/2014/main" id="{52DB56DC-F90B-45D1-B22E-CAE16CF14DD3}"/>
                           </a:ext>
                         </a:extLst>
                       </p:cNvPr>
@@ -8374,7 +8376,7 @@
                       <p:cNvPr id="55" name="Connecteur droit 54">
                         <a:extLst>
                           <a:ext uri="{FF2B5EF4-FFF2-40B4-BE49-F238E27FC236}">
-                            <a16:creationId xmlns:a16="http://schemas.microsoft.com/office/drawing/2014/main" xmlns="" id="{CD4FCA04-C73F-403C-9F6E-DD1754BA8E1C}"/>
+                            <a16:creationId xmlns="" xmlns:a16="http://schemas.microsoft.com/office/drawing/2014/main" id="{CD4FCA04-C73F-403C-9F6E-DD1754BA8E1C}"/>
                           </a:ext>
                         </a:extLst>
                       </p:cNvPr>
@@ -8417,7 +8419,7 @@
                     <p:cNvPr id="45" name="Grouper 90">
                       <a:extLst>
                         <a:ext uri="{FF2B5EF4-FFF2-40B4-BE49-F238E27FC236}">
-                          <a16:creationId xmlns:a16="http://schemas.microsoft.com/office/drawing/2014/main" xmlns="" id="{263D8CAB-9A0C-4705-AB09-C58128092079}"/>
+                          <a16:creationId xmlns="" xmlns:a16="http://schemas.microsoft.com/office/drawing/2014/main" id="{263D8CAB-9A0C-4705-AB09-C58128092079}"/>
                         </a:ext>
                       </a:extLst>
                     </p:cNvPr>
@@ -8437,7 +8439,7 @@
                       <p:cNvPr id="52" name="Connecteur droit 51">
                         <a:extLst>
                           <a:ext uri="{FF2B5EF4-FFF2-40B4-BE49-F238E27FC236}">
-                            <a16:creationId xmlns:a16="http://schemas.microsoft.com/office/drawing/2014/main" xmlns="" id="{D312452A-8444-4E4F-97E0-069D38E44D32}"/>
+                            <a16:creationId xmlns="" xmlns:a16="http://schemas.microsoft.com/office/drawing/2014/main" id="{D312452A-8444-4E4F-97E0-069D38E44D32}"/>
                           </a:ext>
                         </a:extLst>
                       </p:cNvPr>
@@ -8479,7 +8481,7 @@
                       <p:cNvPr id="53" name="Connecteur droit 52">
                         <a:extLst>
                           <a:ext uri="{FF2B5EF4-FFF2-40B4-BE49-F238E27FC236}">
-                            <a16:creationId xmlns:a16="http://schemas.microsoft.com/office/drawing/2014/main" xmlns="" id="{03279640-78F8-45D4-95D1-3764663213E0}"/>
+                            <a16:creationId xmlns="" xmlns:a16="http://schemas.microsoft.com/office/drawing/2014/main" id="{03279640-78F8-45D4-95D1-3764663213E0}"/>
                           </a:ext>
                         </a:extLst>
                       </p:cNvPr>
@@ -8522,7 +8524,7 @@
                     <p:cNvPr id="46" name="Grouper 91">
                       <a:extLst>
                         <a:ext uri="{FF2B5EF4-FFF2-40B4-BE49-F238E27FC236}">
-                          <a16:creationId xmlns:a16="http://schemas.microsoft.com/office/drawing/2014/main" xmlns="" id="{150A1D0A-A1C0-4009-86A9-EFC3111990BE}"/>
+                          <a16:creationId xmlns="" xmlns:a16="http://schemas.microsoft.com/office/drawing/2014/main" id="{150A1D0A-A1C0-4009-86A9-EFC3111990BE}"/>
                         </a:ext>
                       </a:extLst>
                     </p:cNvPr>
@@ -8542,7 +8544,7 @@
                       <p:cNvPr id="50" name="Connecteur droit 49">
                         <a:extLst>
                           <a:ext uri="{FF2B5EF4-FFF2-40B4-BE49-F238E27FC236}">
-                            <a16:creationId xmlns:a16="http://schemas.microsoft.com/office/drawing/2014/main" xmlns="" id="{7CFA150A-4557-4613-92EF-76CEC0F96008}"/>
+                            <a16:creationId xmlns="" xmlns:a16="http://schemas.microsoft.com/office/drawing/2014/main" id="{7CFA150A-4557-4613-92EF-76CEC0F96008}"/>
                           </a:ext>
                         </a:extLst>
                       </p:cNvPr>
@@ -8584,7 +8586,7 @@
                       <p:cNvPr id="51" name="Connecteur droit 50">
                         <a:extLst>
                           <a:ext uri="{FF2B5EF4-FFF2-40B4-BE49-F238E27FC236}">
-                            <a16:creationId xmlns:a16="http://schemas.microsoft.com/office/drawing/2014/main" xmlns="" id="{A8CB4CBF-10D5-4875-89BD-C50B9FC4F172}"/>
+                            <a16:creationId xmlns="" xmlns:a16="http://schemas.microsoft.com/office/drawing/2014/main" id="{A8CB4CBF-10D5-4875-89BD-C50B9FC4F172}"/>
                           </a:ext>
                         </a:extLst>
                       </p:cNvPr>
@@ -8627,7 +8629,7 @@
                     <p:cNvPr id="47" name="Grouper 92">
                       <a:extLst>
                         <a:ext uri="{FF2B5EF4-FFF2-40B4-BE49-F238E27FC236}">
-                          <a16:creationId xmlns:a16="http://schemas.microsoft.com/office/drawing/2014/main" xmlns="" id="{940CB44A-AA17-4F31-80D5-E996884FF4F2}"/>
+                          <a16:creationId xmlns="" xmlns:a16="http://schemas.microsoft.com/office/drawing/2014/main" id="{940CB44A-AA17-4F31-80D5-E996884FF4F2}"/>
                         </a:ext>
                       </a:extLst>
                     </p:cNvPr>
@@ -8647,7 +8649,7 @@
                       <p:cNvPr id="48" name="Connecteur droit 47">
                         <a:extLst>
                           <a:ext uri="{FF2B5EF4-FFF2-40B4-BE49-F238E27FC236}">
-                            <a16:creationId xmlns:a16="http://schemas.microsoft.com/office/drawing/2014/main" xmlns="" id="{F54EAE8D-B716-4952-A52C-A45018C6970D}"/>
+                            <a16:creationId xmlns="" xmlns:a16="http://schemas.microsoft.com/office/drawing/2014/main" id="{F54EAE8D-B716-4952-A52C-A45018C6970D}"/>
                           </a:ext>
                         </a:extLst>
                       </p:cNvPr>
@@ -8689,7 +8691,7 @@
                       <p:cNvPr id="49" name="Connecteur droit 48">
                         <a:extLst>
                           <a:ext uri="{FF2B5EF4-FFF2-40B4-BE49-F238E27FC236}">
-                            <a16:creationId xmlns:a16="http://schemas.microsoft.com/office/drawing/2014/main" xmlns="" id="{3E406D1E-88FB-4E78-BBBE-8976DB2A926D}"/>
+                            <a16:creationId xmlns="" xmlns:a16="http://schemas.microsoft.com/office/drawing/2014/main" id="{3E406D1E-88FB-4E78-BBBE-8976DB2A926D}"/>
                           </a:ext>
                         </a:extLst>
                       </p:cNvPr>
@@ -8733,7 +8735,7 @@
                   <p:cNvPr id="31" name="Grouper 76">
                     <a:extLst>
                       <a:ext uri="{FF2B5EF4-FFF2-40B4-BE49-F238E27FC236}">
-                        <a16:creationId xmlns:a16="http://schemas.microsoft.com/office/drawing/2014/main" xmlns="" id="{4D53651E-F881-40BB-9801-2D3A6DF799B1}"/>
+                        <a16:creationId xmlns="" xmlns:a16="http://schemas.microsoft.com/office/drawing/2014/main" id="{4D53651E-F881-40BB-9801-2D3A6DF799B1}"/>
                       </a:ext>
                     </a:extLst>
                   </p:cNvPr>
@@ -8753,7 +8755,7 @@
                     <p:cNvPr id="32" name="Grouper 77">
                       <a:extLst>
                         <a:ext uri="{FF2B5EF4-FFF2-40B4-BE49-F238E27FC236}">
-                          <a16:creationId xmlns:a16="http://schemas.microsoft.com/office/drawing/2014/main" xmlns="" id="{01DE92F4-9AD9-43CF-BAB2-952257B0D0CD}"/>
+                          <a16:creationId xmlns="" xmlns:a16="http://schemas.microsoft.com/office/drawing/2014/main" id="{01DE92F4-9AD9-43CF-BAB2-952257B0D0CD}"/>
                         </a:ext>
                       </a:extLst>
                     </p:cNvPr>
@@ -8773,7 +8775,7 @@
                       <p:cNvPr id="42" name="Connecteur droit 41">
                         <a:extLst>
                           <a:ext uri="{FF2B5EF4-FFF2-40B4-BE49-F238E27FC236}">
-                            <a16:creationId xmlns:a16="http://schemas.microsoft.com/office/drawing/2014/main" xmlns="" id="{02A2D758-AF88-43F2-9D90-C06EB07E6113}"/>
+                            <a16:creationId xmlns="" xmlns:a16="http://schemas.microsoft.com/office/drawing/2014/main" id="{02A2D758-AF88-43F2-9D90-C06EB07E6113}"/>
                           </a:ext>
                         </a:extLst>
                       </p:cNvPr>
@@ -8815,7 +8817,7 @@
                       <p:cNvPr id="43" name="Connecteur droit 42">
                         <a:extLst>
                           <a:ext uri="{FF2B5EF4-FFF2-40B4-BE49-F238E27FC236}">
-                            <a16:creationId xmlns:a16="http://schemas.microsoft.com/office/drawing/2014/main" xmlns="" id="{7EFB4E84-7B79-441F-8972-96211A1EFB13}"/>
+                            <a16:creationId xmlns="" xmlns:a16="http://schemas.microsoft.com/office/drawing/2014/main" id="{7EFB4E84-7B79-441F-8972-96211A1EFB13}"/>
                           </a:ext>
                         </a:extLst>
                       </p:cNvPr>
@@ -8858,7 +8860,7 @@
                     <p:cNvPr id="33" name="Grouper 78">
                       <a:extLst>
                         <a:ext uri="{FF2B5EF4-FFF2-40B4-BE49-F238E27FC236}">
-                          <a16:creationId xmlns:a16="http://schemas.microsoft.com/office/drawing/2014/main" xmlns="" id="{A7B59A61-9DBD-4011-809E-FDED1C558C01}"/>
+                          <a16:creationId xmlns="" xmlns:a16="http://schemas.microsoft.com/office/drawing/2014/main" id="{A7B59A61-9DBD-4011-809E-FDED1C558C01}"/>
                         </a:ext>
                       </a:extLst>
                     </p:cNvPr>
@@ -8878,7 +8880,7 @@
                       <p:cNvPr id="40" name="Connecteur droit 39">
                         <a:extLst>
                           <a:ext uri="{FF2B5EF4-FFF2-40B4-BE49-F238E27FC236}">
-                            <a16:creationId xmlns:a16="http://schemas.microsoft.com/office/drawing/2014/main" xmlns="" id="{F385CD89-8FA2-4B91-BC38-57972661F58B}"/>
+                            <a16:creationId xmlns="" xmlns:a16="http://schemas.microsoft.com/office/drawing/2014/main" id="{F385CD89-8FA2-4B91-BC38-57972661F58B}"/>
                           </a:ext>
                         </a:extLst>
                       </p:cNvPr>
@@ -8920,7 +8922,7 @@
                       <p:cNvPr id="41" name="Connecteur droit 40">
                         <a:extLst>
                           <a:ext uri="{FF2B5EF4-FFF2-40B4-BE49-F238E27FC236}">
-                            <a16:creationId xmlns:a16="http://schemas.microsoft.com/office/drawing/2014/main" xmlns="" id="{662E7E78-CBC5-4133-B9C4-5CA29E4D1B4F}"/>
+                            <a16:creationId xmlns="" xmlns:a16="http://schemas.microsoft.com/office/drawing/2014/main" id="{662E7E78-CBC5-4133-B9C4-5CA29E4D1B4F}"/>
                           </a:ext>
                         </a:extLst>
                       </p:cNvPr>
@@ -8963,7 +8965,7 @@
                     <p:cNvPr id="34" name="Grouper 79">
                       <a:extLst>
                         <a:ext uri="{FF2B5EF4-FFF2-40B4-BE49-F238E27FC236}">
-                          <a16:creationId xmlns:a16="http://schemas.microsoft.com/office/drawing/2014/main" xmlns="" id="{5D6FA5B0-581C-4DC2-B4B6-ACBD65D647AA}"/>
+                          <a16:creationId xmlns="" xmlns:a16="http://schemas.microsoft.com/office/drawing/2014/main" id="{5D6FA5B0-581C-4DC2-B4B6-ACBD65D647AA}"/>
                         </a:ext>
                       </a:extLst>
                     </p:cNvPr>
@@ -8983,7 +8985,7 @@
                       <p:cNvPr id="38" name="Connecteur droit 37">
                         <a:extLst>
                           <a:ext uri="{FF2B5EF4-FFF2-40B4-BE49-F238E27FC236}">
-                            <a16:creationId xmlns:a16="http://schemas.microsoft.com/office/drawing/2014/main" xmlns="" id="{972D0AE5-13BA-49AA-9B74-8C3C8E0F77E9}"/>
+                            <a16:creationId xmlns="" xmlns:a16="http://schemas.microsoft.com/office/drawing/2014/main" id="{972D0AE5-13BA-49AA-9B74-8C3C8E0F77E9}"/>
                           </a:ext>
                         </a:extLst>
                       </p:cNvPr>
@@ -9025,7 +9027,7 @@
                       <p:cNvPr id="39" name="Connecteur droit 38">
                         <a:extLst>
                           <a:ext uri="{FF2B5EF4-FFF2-40B4-BE49-F238E27FC236}">
-                            <a16:creationId xmlns:a16="http://schemas.microsoft.com/office/drawing/2014/main" xmlns="" id="{68363E9F-295B-464E-8180-7E7109DE2E98}"/>
+                            <a16:creationId xmlns="" xmlns:a16="http://schemas.microsoft.com/office/drawing/2014/main" id="{68363E9F-295B-464E-8180-7E7109DE2E98}"/>
                           </a:ext>
                         </a:extLst>
                       </p:cNvPr>
@@ -9068,7 +9070,7 @@
                     <p:cNvPr id="35" name="Grouper 80">
                       <a:extLst>
                         <a:ext uri="{FF2B5EF4-FFF2-40B4-BE49-F238E27FC236}">
-                          <a16:creationId xmlns:a16="http://schemas.microsoft.com/office/drawing/2014/main" xmlns="" id="{A94BFBEB-D11E-482C-9FA8-E6329D929B9B}"/>
+                          <a16:creationId xmlns="" xmlns:a16="http://schemas.microsoft.com/office/drawing/2014/main" id="{A94BFBEB-D11E-482C-9FA8-E6329D929B9B}"/>
                         </a:ext>
                       </a:extLst>
                     </p:cNvPr>
@@ -9088,7 +9090,7 @@
                       <p:cNvPr id="36" name="Connecteur droit 35">
                         <a:extLst>
                           <a:ext uri="{FF2B5EF4-FFF2-40B4-BE49-F238E27FC236}">
-                            <a16:creationId xmlns:a16="http://schemas.microsoft.com/office/drawing/2014/main" xmlns="" id="{5683A197-B24F-409A-8B02-4CBCF86D4689}"/>
+                            <a16:creationId xmlns="" xmlns:a16="http://schemas.microsoft.com/office/drawing/2014/main" id="{5683A197-B24F-409A-8B02-4CBCF86D4689}"/>
                           </a:ext>
                         </a:extLst>
                       </p:cNvPr>
@@ -9130,7 +9132,7 @@
                       <p:cNvPr id="37" name="Connecteur droit 36">
                         <a:extLst>
                           <a:ext uri="{FF2B5EF4-FFF2-40B4-BE49-F238E27FC236}">
-                            <a16:creationId xmlns:a16="http://schemas.microsoft.com/office/drawing/2014/main" xmlns="" id="{B47D596A-4924-4DF5-90D6-0FEF52062A5D}"/>
+                            <a16:creationId xmlns="" xmlns:a16="http://schemas.microsoft.com/office/drawing/2014/main" id="{B47D596A-4924-4DF5-90D6-0FEF52062A5D}"/>
                           </a:ext>
                         </a:extLst>
                       </p:cNvPr>
@@ -9175,7 +9177,7 @@
                 <p:cNvPr id="25" name="Rectangle à coins arrondis 70">
                   <a:extLst>
                     <a:ext uri="{FF2B5EF4-FFF2-40B4-BE49-F238E27FC236}">
-                      <a16:creationId xmlns:a16="http://schemas.microsoft.com/office/drawing/2014/main" xmlns="" id="{5BFDB0C9-FA7C-4B5A-8E70-355D0CEA4EAF}"/>
+                      <a16:creationId xmlns="" xmlns:a16="http://schemas.microsoft.com/office/drawing/2014/main" id="{5BFDB0C9-FA7C-4B5A-8E70-355D0CEA4EAF}"/>
                     </a:ext>
                   </a:extLst>
                 </p:cNvPr>
@@ -9233,7 +9235,7 @@
               <p:cNvPr id="12" name="ZoneTexte 11">
                 <a:extLst>
                   <a:ext uri="{FF2B5EF4-FFF2-40B4-BE49-F238E27FC236}">
-                    <a16:creationId xmlns:a16="http://schemas.microsoft.com/office/drawing/2014/main" xmlns="" id="{2D3CA78A-133B-4B7E-95D7-277085679B66}"/>
+                    <a16:creationId xmlns="" xmlns:a16="http://schemas.microsoft.com/office/drawing/2014/main" id="{2D3CA78A-133B-4B7E-95D7-277085679B66}"/>
                   </a:ext>
                 </a:extLst>
               </p:cNvPr>
@@ -9275,7 +9277,7 @@
               <p:cNvPr id="13" name="ZoneTexte 12">
                 <a:extLst>
                   <a:ext uri="{FF2B5EF4-FFF2-40B4-BE49-F238E27FC236}">
-                    <a16:creationId xmlns:a16="http://schemas.microsoft.com/office/drawing/2014/main" xmlns="" id="{E4100E4F-C25C-43F5-900D-2CF6DFF0AA7A}"/>
+                    <a16:creationId xmlns="" xmlns:a16="http://schemas.microsoft.com/office/drawing/2014/main" id="{E4100E4F-C25C-43F5-900D-2CF6DFF0AA7A}"/>
                   </a:ext>
                 </a:extLst>
               </p:cNvPr>
@@ -9310,7 +9312,7 @@
               <p:cNvPr id="14" name="ZoneTexte 13">
                 <a:extLst>
                   <a:ext uri="{FF2B5EF4-FFF2-40B4-BE49-F238E27FC236}">
-                    <a16:creationId xmlns:a16="http://schemas.microsoft.com/office/drawing/2014/main" xmlns="" id="{AEAF1197-5FAE-4D74-84A5-8FA53524F64D}"/>
+                    <a16:creationId xmlns="" xmlns:a16="http://schemas.microsoft.com/office/drawing/2014/main" id="{AEAF1197-5FAE-4D74-84A5-8FA53524F64D}"/>
                   </a:ext>
                 </a:extLst>
               </p:cNvPr>
@@ -9362,7 +9364,7 @@
               <p:cNvPr id="15" name="Flèche vers la droite 129">
                 <a:extLst>
                   <a:ext uri="{FF2B5EF4-FFF2-40B4-BE49-F238E27FC236}">
-                    <a16:creationId xmlns:a16="http://schemas.microsoft.com/office/drawing/2014/main" xmlns="" id="{2A27B422-EDCC-423C-97A1-0F89C3E46FC8}"/>
+                    <a16:creationId xmlns="" xmlns:a16="http://schemas.microsoft.com/office/drawing/2014/main" id="{2A27B422-EDCC-423C-97A1-0F89C3E46FC8}"/>
                   </a:ext>
                 </a:extLst>
               </p:cNvPr>
@@ -9420,7 +9422,7 @@
               <p:cNvPr id="16" name="Flèche vers la droite 130">
                 <a:extLst>
                   <a:ext uri="{FF2B5EF4-FFF2-40B4-BE49-F238E27FC236}">
-                    <a16:creationId xmlns:a16="http://schemas.microsoft.com/office/drawing/2014/main" xmlns="" id="{DE535654-6DA4-491E-885F-393303F707AF}"/>
+                    <a16:creationId xmlns="" xmlns:a16="http://schemas.microsoft.com/office/drawing/2014/main" id="{DE535654-6DA4-491E-885F-393303F707AF}"/>
                   </a:ext>
                 </a:extLst>
               </p:cNvPr>
@@ -9478,7 +9480,7 @@
               <p:cNvPr id="17" name="Flèche vers la droite 131">
                 <a:extLst>
                   <a:ext uri="{FF2B5EF4-FFF2-40B4-BE49-F238E27FC236}">
-                    <a16:creationId xmlns:a16="http://schemas.microsoft.com/office/drawing/2014/main" xmlns="" id="{F202C734-D73A-4305-B572-92726DF1E6A6}"/>
+                    <a16:creationId xmlns="" xmlns:a16="http://schemas.microsoft.com/office/drawing/2014/main" id="{F202C734-D73A-4305-B572-92726DF1E6A6}"/>
                   </a:ext>
                 </a:extLst>
               </p:cNvPr>
@@ -9536,7 +9538,7 @@
               <p:cNvPr id="18" name="Flèche vers la droite 132">
                 <a:extLst>
                   <a:ext uri="{FF2B5EF4-FFF2-40B4-BE49-F238E27FC236}">
-                    <a16:creationId xmlns:a16="http://schemas.microsoft.com/office/drawing/2014/main" xmlns="" id="{F57D0BDA-50DA-4928-9540-9606334C0C69}"/>
+                    <a16:creationId xmlns="" xmlns:a16="http://schemas.microsoft.com/office/drawing/2014/main" id="{F57D0BDA-50DA-4928-9540-9606334C0C69}"/>
                   </a:ext>
                 </a:extLst>
               </p:cNvPr>
@@ -9594,7 +9596,7 @@
               <p:cNvPr id="19" name="ZoneTexte 18">
                 <a:extLst>
                   <a:ext uri="{FF2B5EF4-FFF2-40B4-BE49-F238E27FC236}">
-                    <a16:creationId xmlns:a16="http://schemas.microsoft.com/office/drawing/2014/main" xmlns="" id="{C3116ACA-C02F-45D2-8653-AA73A66F8C71}"/>
+                    <a16:creationId xmlns="" xmlns:a16="http://schemas.microsoft.com/office/drawing/2014/main" id="{C3116ACA-C02F-45D2-8653-AA73A66F8C71}"/>
                   </a:ext>
                 </a:extLst>
               </p:cNvPr>
@@ -9637,7 +9639,7 @@
               <p:cNvPr id="20" name="Flèche vers la droite 134">
                 <a:extLst>
                   <a:ext uri="{FF2B5EF4-FFF2-40B4-BE49-F238E27FC236}">
-                    <a16:creationId xmlns:a16="http://schemas.microsoft.com/office/drawing/2014/main" xmlns="" id="{1C16651C-6BB5-4AF5-A3D8-9AC0DCF4F750}"/>
+                    <a16:creationId xmlns="" xmlns:a16="http://schemas.microsoft.com/office/drawing/2014/main" id="{1C16651C-6BB5-4AF5-A3D8-9AC0DCF4F750}"/>
                   </a:ext>
                 </a:extLst>
               </p:cNvPr>
@@ -9695,7 +9697,7 @@
               <p:cNvPr id="21" name="ZoneTexte 20">
                 <a:extLst>
                   <a:ext uri="{FF2B5EF4-FFF2-40B4-BE49-F238E27FC236}">
-                    <a16:creationId xmlns:a16="http://schemas.microsoft.com/office/drawing/2014/main" xmlns="" id="{7F429A19-0C6C-4A63-BEE5-070599D6CA43}"/>
+                    <a16:creationId xmlns="" xmlns:a16="http://schemas.microsoft.com/office/drawing/2014/main" id="{7F429A19-0C6C-4A63-BEE5-070599D6CA43}"/>
                   </a:ext>
                 </a:extLst>
               </p:cNvPr>
@@ -9739,7 +9741,7 @@
               <p:cNvPr id="22" name="ZoneTexte 21">
                 <a:extLst>
                   <a:ext uri="{FF2B5EF4-FFF2-40B4-BE49-F238E27FC236}">
-                    <a16:creationId xmlns:a16="http://schemas.microsoft.com/office/drawing/2014/main" xmlns="" id="{F74F78E3-FF56-41C3-BE88-37E0EAD2CE28}"/>
+                    <a16:creationId xmlns="" xmlns:a16="http://schemas.microsoft.com/office/drawing/2014/main" id="{F74F78E3-FF56-41C3-BE88-37E0EAD2CE28}"/>
                   </a:ext>
                 </a:extLst>
               </p:cNvPr>
@@ -9774,7 +9776,7 @@
               <p:cNvPr id="23" name="Flèche vers la droite 137">
                 <a:extLst>
                   <a:ext uri="{FF2B5EF4-FFF2-40B4-BE49-F238E27FC236}">
-                    <a16:creationId xmlns:a16="http://schemas.microsoft.com/office/drawing/2014/main" xmlns="" id="{73786084-AA87-4592-B31C-A130EB131365}"/>
+                    <a16:creationId xmlns="" xmlns:a16="http://schemas.microsoft.com/office/drawing/2014/main" id="{73786084-AA87-4592-B31C-A130EB131365}"/>
                   </a:ext>
                 </a:extLst>
               </p:cNvPr>
@@ -9835,7 +9837,7 @@
                 <p:cNvPr id="9" name="ZoneTexte 8">
                   <a:extLst>
                     <a:ext uri="{FF2B5EF4-FFF2-40B4-BE49-F238E27FC236}">
-                      <a16:creationId xmlns:a16="http://schemas.microsoft.com/office/drawing/2014/main" xmlns="" id="{B2AD1845-005D-4D56-8DD3-7B8026BCC5A3}"/>
+                      <a16:creationId xmlns="" xmlns:a16="http://schemas.microsoft.com/office/drawing/2014/main" id="{B2AD1845-005D-4D56-8DD3-7B8026BCC5A3}"/>
                     </a:ext>
                   </a:extLst>
                 </p:cNvPr>
@@ -10508,15 +10510,7 @@
                   <a:srgbClr val="0070C0"/>
                 </a:solidFill>
               </a:rPr>
-              <a:t>  Synthèse industrielle </a:t>
-            </a:r>
-            <a:r>
-              <a:rPr lang="fr-FR" sz="3600" b="1" dirty="0" smtClean="0">
-                <a:solidFill>
-                  <a:srgbClr val="0070C0"/>
-                </a:solidFill>
-              </a:rPr>
-              <a:t>du </a:t>
+              <a:t>  Synthèse industrielle du </a:t>
             </a:r>
             <a:r>
               <a:rPr lang="fr-FR" sz="3600" b="1" dirty="0" err="1" smtClean="0">
@@ -10589,7 +10583,7 @@
           <p:nvPr>
             <p:extLst>
               <p:ext uri="{D42A27DB-BD31-4B8C-83A1-F6EECF244321}">
-                <p14:modId xmlns:p14="http://schemas.microsoft.com/office/powerpoint/2010/main" val="788754235"/>
+                <p14:modId xmlns:p14="http://schemas.microsoft.com/office/powerpoint/2010/main" val="3220504431"/>
               </p:ext>
             </p:extLst>
           </p:nvPr>
@@ -10804,9 +10798,23 @@
                       </a:r>
                       <a:r>
                         <a:rPr lang="fr-FR" baseline="0" dirty="0" smtClean="0"/>
-                        <a:t> élevée</a:t>
+                        <a:t> </a:t>
                       </a:r>
-                      <a:endParaRPr lang="fr-FR" dirty="0"/>
+                      <a:r>
+                        <a:rPr lang="fr-FR" baseline="0" dirty="0" smtClean="0"/>
+                        <a:t>élevée</a:t>
+                      </a:r>
+                    </a:p>
+                    <a:p>
+                      <a:r>
+                        <a:rPr lang="fr-FR" baseline="0" dirty="0" smtClean="0"/>
+                        <a:t>Diaphragme souvent en </a:t>
+                      </a:r>
+                      <a:r>
+                        <a:rPr lang="fr-FR" b="1" baseline="0" dirty="0" smtClean="0"/>
+                        <a:t>amiante</a:t>
+                      </a:r>
+                      <a:endParaRPr lang="fr-FR" b="1" dirty="0"/>
                     </a:p>
                   </a:txBody>
                   <a:tcPr/>
@@ -11017,7 +11025,7 @@
               <p:cNvPr id="86" name="ZoneTexte 85">
                 <a:extLst>
                   <a:ext uri="{FF2B5EF4-FFF2-40B4-BE49-F238E27FC236}">
-                    <a16:creationId xmlns:a16="http://schemas.microsoft.com/office/drawing/2014/main" xmlns="" id="{B2AD1845-005D-4D56-8DD3-7B8026BCC5A3}"/>
+                    <a16:creationId xmlns="" xmlns:a16="http://schemas.microsoft.com/office/drawing/2014/main" id="{B2AD1845-005D-4D56-8DD3-7B8026BCC5A3}"/>
                   </a:ext>
                 </a:extLst>
               </p:cNvPr>
@@ -11689,15 +11697,7 @@
                   <a:srgbClr val="0070C0"/>
                 </a:solidFill>
               </a:rPr>
-              <a:t>  Exemple de </a:t>
-            </a:r>
-            <a:r>
-              <a:rPr lang="fr-FR" sz="3600" b="1" dirty="0" smtClean="0">
-                <a:solidFill>
-                  <a:srgbClr val="0070C0"/>
-                </a:solidFill>
-              </a:rPr>
-              <a:t>complexe : l’</a:t>
+              <a:t>  Exemple de complexe : l’</a:t>
             </a:r>
             <a:r>
               <a:rPr lang="fr-FR" sz="3600" b="1" dirty="0" err="1" smtClean="0">
@@ -11952,7 +11952,7 @@
           <p:cNvPr id="7" name="Image 6">
             <a:extLst>
               <a:ext uri="{FF2B5EF4-FFF2-40B4-BE49-F238E27FC236}">
-                <a16:creationId xmlns:a16="http://schemas.microsoft.com/office/drawing/2014/main" xmlns="" id="{72C1696C-D7CB-49C0-ACD7-0768368612C5}"/>
+                <a16:creationId xmlns="" xmlns:a16="http://schemas.microsoft.com/office/drawing/2014/main" id="{72C1696C-D7CB-49C0-ACD7-0768368612C5}"/>
               </a:ext>
             </a:extLst>
           </p:cNvPr>
@@ -15323,959 +15323,9 @@
   <p:timing>
     <p:tnLst>
       <p:par>
-        <p:cTn id="1" dur="indefinite" restart="never" nodeType="tmRoot">
-          <p:childTnLst>
-            <p:seq concurrent="1" nextAc="seek">
-              <p:cTn id="2" dur="indefinite" nodeType="mainSeq">
-                <p:childTnLst>
-                  <p:par>
-                    <p:cTn id="3" fill="hold">
-                      <p:stCondLst>
-                        <p:cond delay="indefinite"/>
-                      </p:stCondLst>
-                      <p:childTnLst>
-                        <p:par>
-                          <p:cTn id="4" fill="hold">
-                            <p:stCondLst>
-                              <p:cond delay="0"/>
-                            </p:stCondLst>
-                            <p:childTnLst>
-                              <p:par>
-                                <p:cTn id="5" presetID="1" presetClass="entr" presetSubtype="0" fill="hold" grpId="0" nodeType="clickEffect">
-                                  <p:stCondLst>
-                                    <p:cond delay="0"/>
-                                  </p:stCondLst>
-                                  <p:childTnLst>
-                                    <p:set>
-                                      <p:cBhvr>
-                                        <p:cTn id="6" dur="1" fill="hold">
-                                          <p:stCondLst>
-                                            <p:cond delay="0"/>
-                                          </p:stCondLst>
-                                        </p:cTn>
-                                        <p:tgtEl>
-                                          <p:spTgt spid="16"/>
-                                        </p:tgtEl>
-                                        <p:attrNameLst>
-                                          <p:attrName>style.visibility</p:attrName>
-                                        </p:attrNameLst>
-                                      </p:cBhvr>
-                                      <p:to>
-                                        <p:strVal val="visible"/>
-                                      </p:to>
-                                    </p:set>
-                                  </p:childTnLst>
-                                </p:cTn>
-                              </p:par>
-                              <p:par>
-                                <p:cTn id="7" presetID="1" presetClass="entr" presetSubtype="0" fill="hold" grpId="0" nodeType="withEffect">
-                                  <p:stCondLst>
-                                    <p:cond delay="0"/>
-                                  </p:stCondLst>
-                                  <p:childTnLst>
-                                    <p:set>
-                                      <p:cBhvr>
-                                        <p:cTn id="8" dur="1" fill="hold">
-                                          <p:stCondLst>
-                                            <p:cond delay="0"/>
-                                          </p:stCondLst>
-                                        </p:cTn>
-                                        <p:tgtEl>
-                                          <p:spTgt spid="21"/>
-                                        </p:tgtEl>
-                                        <p:attrNameLst>
-                                          <p:attrName>style.visibility</p:attrName>
-                                        </p:attrNameLst>
-                                      </p:cBhvr>
-                                      <p:to>
-                                        <p:strVal val="visible"/>
-                                      </p:to>
-                                    </p:set>
-                                  </p:childTnLst>
-                                </p:cTn>
-                              </p:par>
-                            </p:childTnLst>
-                          </p:cTn>
-                        </p:par>
-                      </p:childTnLst>
-                    </p:cTn>
-                  </p:par>
-                  <p:par>
-                    <p:cTn id="9" fill="hold">
-                      <p:stCondLst>
-                        <p:cond delay="indefinite"/>
-                      </p:stCondLst>
-                      <p:childTnLst>
-                        <p:par>
-                          <p:cTn id="10" fill="hold">
-                            <p:stCondLst>
-                              <p:cond delay="0"/>
-                            </p:stCondLst>
-                            <p:childTnLst>
-                              <p:par>
-                                <p:cTn id="11" presetID="1" presetClass="entr" presetSubtype="0" fill="hold" nodeType="clickEffect">
-                                  <p:stCondLst>
-                                    <p:cond delay="0"/>
-                                  </p:stCondLst>
-                                  <p:childTnLst>
-                                    <p:set>
-                                      <p:cBhvr>
-                                        <p:cTn id="12" dur="1" fill="hold">
-                                          <p:stCondLst>
-                                            <p:cond delay="0"/>
-                                          </p:stCondLst>
-                                        </p:cTn>
-                                        <p:tgtEl>
-                                          <p:spTgt spid="2"/>
-                                        </p:tgtEl>
-                                        <p:attrNameLst>
-                                          <p:attrName>style.visibility</p:attrName>
-                                        </p:attrNameLst>
-                                      </p:cBhvr>
-                                      <p:to>
-                                        <p:strVal val="visible"/>
-                                      </p:to>
-                                    </p:set>
-                                  </p:childTnLst>
-                                </p:cTn>
-                              </p:par>
-                              <p:par>
-                                <p:cTn id="13" presetID="1" presetClass="entr" presetSubtype="0" fill="hold" nodeType="withEffect">
-                                  <p:stCondLst>
-                                    <p:cond delay="0"/>
-                                  </p:stCondLst>
-                                  <p:childTnLst>
-                                    <p:set>
-                                      <p:cBhvr>
-                                        <p:cTn id="14" dur="1" fill="hold">
-                                          <p:stCondLst>
-                                            <p:cond delay="0"/>
-                                          </p:stCondLst>
-                                        </p:cTn>
-                                        <p:tgtEl>
-                                          <p:spTgt spid="31"/>
-                                        </p:tgtEl>
-                                        <p:attrNameLst>
-                                          <p:attrName>style.visibility</p:attrName>
-                                        </p:attrNameLst>
-                                      </p:cBhvr>
-                                      <p:to>
-                                        <p:strVal val="visible"/>
-                                      </p:to>
-                                    </p:set>
-                                  </p:childTnLst>
-                                </p:cTn>
-                              </p:par>
-                              <p:par>
-                                <p:cTn id="15" presetID="1" presetClass="entr" presetSubtype="0" fill="hold" nodeType="withEffect">
-                                  <p:stCondLst>
-                                    <p:cond delay="0"/>
-                                  </p:stCondLst>
-                                  <p:childTnLst>
-                                    <p:set>
-                                      <p:cBhvr>
-                                        <p:cTn id="16" dur="1" fill="hold">
-                                          <p:stCondLst>
-                                            <p:cond delay="0"/>
-                                          </p:stCondLst>
-                                        </p:cTn>
-                                        <p:tgtEl>
-                                          <p:spTgt spid="36"/>
-                                        </p:tgtEl>
-                                        <p:attrNameLst>
-                                          <p:attrName>style.visibility</p:attrName>
-                                        </p:attrNameLst>
-                                      </p:cBhvr>
-                                      <p:to>
-                                        <p:strVal val="visible"/>
-                                      </p:to>
-                                    </p:set>
-                                  </p:childTnLst>
-                                </p:cTn>
-                              </p:par>
-                              <p:par>
-                                <p:cTn id="17" presetID="1" presetClass="entr" presetSubtype="0" fill="hold" nodeType="withEffect">
-                                  <p:stCondLst>
-                                    <p:cond delay="0"/>
-                                  </p:stCondLst>
-                                  <p:childTnLst>
-                                    <p:set>
-                                      <p:cBhvr>
-                                        <p:cTn id="18" dur="1" fill="hold">
-                                          <p:stCondLst>
-                                            <p:cond delay="0"/>
-                                          </p:stCondLst>
-                                        </p:cTn>
-                                        <p:tgtEl>
-                                          <p:spTgt spid="35"/>
-                                        </p:tgtEl>
-                                        <p:attrNameLst>
-                                          <p:attrName>style.visibility</p:attrName>
-                                        </p:attrNameLst>
-                                      </p:cBhvr>
-                                      <p:to>
-                                        <p:strVal val="visible"/>
-                                      </p:to>
-                                    </p:set>
-                                  </p:childTnLst>
-                                </p:cTn>
-                              </p:par>
-                              <p:par>
-                                <p:cTn id="19" presetID="1" presetClass="entr" presetSubtype="0" fill="hold" nodeType="withEffect">
-                                  <p:stCondLst>
-                                    <p:cond delay="0"/>
-                                  </p:stCondLst>
-                                  <p:childTnLst>
-                                    <p:set>
-                                      <p:cBhvr>
-                                        <p:cTn id="20" dur="1" fill="hold">
-                                          <p:stCondLst>
-                                            <p:cond delay="0"/>
-                                          </p:stCondLst>
-                                        </p:cTn>
-                                        <p:tgtEl>
-                                          <p:spTgt spid="33"/>
-                                        </p:tgtEl>
-                                        <p:attrNameLst>
-                                          <p:attrName>style.visibility</p:attrName>
-                                        </p:attrNameLst>
-                                      </p:cBhvr>
-                                      <p:to>
-                                        <p:strVal val="visible"/>
-                                      </p:to>
-                                    </p:set>
-                                  </p:childTnLst>
-                                </p:cTn>
-                              </p:par>
-                              <p:par>
-                                <p:cTn id="21" presetID="1" presetClass="entr" presetSubtype="0" fill="hold" nodeType="withEffect">
-                                  <p:stCondLst>
-                                    <p:cond delay="0"/>
-                                  </p:stCondLst>
-                                  <p:childTnLst>
-                                    <p:set>
-                                      <p:cBhvr>
-                                        <p:cTn id="22" dur="1" fill="hold">
-                                          <p:stCondLst>
-                                            <p:cond delay="0"/>
-                                          </p:stCondLst>
-                                        </p:cTn>
-                                        <p:tgtEl>
-                                          <p:spTgt spid="34"/>
-                                        </p:tgtEl>
-                                        <p:attrNameLst>
-                                          <p:attrName>style.visibility</p:attrName>
-                                        </p:attrNameLst>
-                                      </p:cBhvr>
-                                      <p:to>
-                                        <p:strVal val="visible"/>
-                                      </p:to>
-                                    </p:set>
-                                  </p:childTnLst>
-                                </p:cTn>
-                              </p:par>
-                              <p:par>
-                                <p:cTn id="23" presetID="1" presetClass="entr" presetSubtype="0" fill="hold" nodeType="withEffect">
-                                  <p:stCondLst>
-                                    <p:cond delay="0"/>
-                                  </p:stCondLst>
-                                  <p:childTnLst>
-                                    <p:set>
-                                      <p:cBhvr>
-                                        <p:cTn id="24" dur="1" fill="hold">
-                                          <p:stCondLst>
-                                            <p:cond delay="0"/>
-                                          </p:stCondLst>
-                                        </p:cTn>
-                                        <p:tgtEl>
-                                          <p:spTgt spid="42"/>
-                                        </p:tgtEl>
-                                        <p:attrNameLst>
-                                          <p:attrName>style.visibility</p:attrName>
-                                        </p:attrNameLst>
-                                      </p:cBhvr>
-                                      <p:to>
-                                        <p:strVal val="visible"/>
-                                      </p:to>
-                                    </p:set>
-                                  </p:childTnLst>
-                                </p:cTn>
-                              </p:par>
-                              <p:par>
-                                <p:cTn id="25" presetID="1" presetClass="entr" presetSubtype="0" fill="hold" nodeType="withEffect">
-                                  <p:stCondLst>
-                                    <p:cond delay="0"/>
-                                  </p:stCondLst>
-                                  <p:childTnLst>
-                                    <p:set>
-                                      <p:cBhvr>
-                                        <p:cTn id="26" dur="1" fill="hold">
-                                          <p:stCondLst>
-                                            <p:cond delay="0"/>
-                                          </p:stCondLst>
-                                        </p:cTn>
-                                        <p:tgtEl>
-                                          <p:spTgt spid="41"/>
-                                        </p:tgtEl>
-                                        <p:attrNameLst>
-                                          <p:attrName>style.visibility</p:attrName>
-                                        </p:attrNameLst>
-                                      </p:cBhvr>
-                                      <p:to>
-                                        <p:strVal val="visible"/>
-                                      </p:to>
-                                    </p:set>
-                                  </p:childTnLst>
-                                </p:cTn>
-                              </p:par>
-                              <p:par>
-                                <p:cTn id="27" presetID="1" presetClass="entr" presetSubtype="0" fill="hold" nodeType="withEffect">
-                                  <p:stCondLst>
-                                    <p:cond delay="0"/>
-                                  </p:stCondLst>
-                                  <p:childTnLst>
-                                    <p:set>
-                                      <p:cBhvr>
-                                        <p:cTn id="28" dur="1" fill="hold">
-                                          <p:stCondLst>
-                                            <p:cond delay="0"/>
-                                          </p:stCondLst>
-                                        </p:cTn>
-                                        <p:tgtEl>
-                                          <p:spTgt spid="32"/>
-                                        </p:tgtEl>
-                                        <p:attrNameLst>
-                                          <p:attrName>style.visibility</p:attrName>
-                                        </p:attrNameLst>
-                                      </p:cBhvr>
-                                      <p:to>
-                                        <p:strVal val="visible"/>
-                                      </p:to>
-                                    </p:set>
-                                  </p:childTnLst>
-                                </p:cTn>
-                              </p:par>
-                              <p:par>
-                                <p:cTn id="29" presetID="1" presetClass="entr" presetSubtype="0" fill="hold" nodeType="withEffect">
-                                  <p:stCondLst>
-                                    <p:cond delay="0"/>
-                                  </p:stCondLst>
-                                  <p:childTnLst>
-                                    <p:set>
-                                      <p:cBhvr>
-                                        <p:cTn id="30" dur="1" fill="hold">
-                                          <p:stCondLst>
-                                            <p:cond delay="0"/>
-                                          </p:stCondLst>
-                                        </p:cTn>
-                                        <p:tgtEl>
-                                          <p:spTgt spid="30"/>
-                                        </p:tgtEl>
-                                        <p:attrNameLst>
-                                          <p:attrName>style.visibility</p:attrName>
-                                        </p:attrNameLst>
-                                      </p:cBhvr>
-                                      <p:to>
-                                        <p:strVal val="visible"/>
-                                      </p:to>
-                                    </p:set>
-                                  </p:childTnLst>
-                                </p:cTn>
-                              </p:par>
-                              <p:par>
-                                <p:cTn id="31" presetID="1" presetClass="entr" presetSubtype="0" fill="hold" nodeType="withEffect">
-                                  <p:stCondLst>
-                                    <p:cond delay="0"/>
-                                  </p:stCondLst>
-                                  <p:childTnLst>
-                                    <p:set>
-                                      <p:cBhvr>
-                                        <p:cTn id="32" dur="1" fill="hold">
-                                          <p:stCondLst>
-                                            <p:cond delay="0"/>
-                                          </p:stCondLst>
-                                        </p:cTn>
-                                        <p:tgtEl>
-                                          <p:spTgt spid="29"/>
-                                        </p:tgtEl>
-                                        <p:attrNameLst>
-                                          <p:attrName>style.visibility</p:attrName>
-                                        </p:attrNameLst>
-                                      </p:cBhvr>
-                                      <p:to>
-                                        <p:strVal val="visible"/>
-                                      </p:to>
-                                    </p:set>
-                                  </p:childTnLst>
-                                </p:cTn>
-                              </p:par>
-                            </p:childTnLst>
-                          </p:cTn>
-                        </p:par>
-                      </p:childTnLst>
-                    </p:cTn>
-                  </p:par>
-                  <p:par>
-                    <p:cTn id="33" fill="hold">
-                      <p:stCondLst>
-                        <p:cond delay="indefinite"/>
-                      </p:stCondLst>
-                      <p:childTnLst>
-                        <p:par>
-                          <p:cTn id="34" fill="hold">
-                            <p:stCondLst>
-                              <p:cond delay="0"/>
-                            </p:stCondLst>
-                            <p:childTnLst>
-                              <p:par>
-                                <p:cTn id="35" presetID="1" presetClass="entr" presetSubtype="0" fill="hold" grpId="0" nodeType="clickEffect">
-                                  <p:stCondLst>
-                                    <p:cond delay="0"/>
-                                  </p:stCondLst>
-                                  <p:childTnLst>
-                                    <p:set>
-                                      <p:cBhvr>
-                                        <p:cTn id="36" dur="1" fill="hold">
-                                          <p:stCondLst>
-                                            <p:cond delay="0"/>
-                                          </p:stCondLst>
-                                        </p:cTn>
-                                        <p:tgtEl>
-                                          <p:spTgt spid="11"/>
-                                        </p:tgtEl>
-                                        <p:attrNameLst>
-                                          <p:attrName>style.visibility</p:attrName>
-                                        </p:attrNameLst>
-                                      </p:cBhvr>
-                                      <p:to>
-                                        <p:strVal val="visible"/>
-                                      </p:to>
-                                    </p:set>
-                                  </p:childTnLst>
-                                </p:cTn>
-                              </p:par>
-                              <p:par>
-                                <p:cTn id="37" presetID="1" presetClass="entr" presetSubtype="0" fill="hold" grpId="0" nodeType="withEffect">
-                                  <p:stCondLst>
-                                    <p:cond delay="0"/>
-                                  </p:stCondLst>
-                                  <p:childTnLst>
-                                    <p:set>
-                                      <p:cBhvr>
-                                        <p:cTn id="38" dur="1" fill="hold">
-                                          <p:stCondLst>
-                                            <p:cond delay="0"/>
-                                          </p:stCondLst>
-                                        </p:cTn>
-                                        <p:tgtEl>
-                                          <p:spTgt spid="13"/>
-                                        </p:tgtEl>
-                                        <p:attrNameLst>
-                                          <p:attrName>style.visibility</p:attrName>
-                                        </p:attrNameLst>
-                                      </p:cBhvr>
-                                      <p:to>
-                                        <p:strVal val="visible"/>
-                                      </p:to>
-                                    </p:set>
-                                  </p:childTnLst>
-                                </p:cTn>
-                              </p:par>
-                              <p:par>
-                                <p:cTn id="39" presetID="1" presetClass="entr" presetSubtype="0" fill="hold" grpId="0" nodeType="withEffect">
-                                  <p:stCondLst>
-                                    <p:cond delay="0"/>
-                                  </p:stCondLst>
-                                  <p:childTnLst>
-                                    <p:set>
-                                      <p:cBhvr>
-                                        <p:cTn id="40" dur="1" fill="hold">
-                                          <p:stCondLst>
-                                            <p:cond delay="0"/>
-                                          </p:stCondLst>
-                                        </p:cTn>
-                                        <p:tgtEl>
-                                          <p:spTgt spid="14"/>
-                                        </p:tgtEl>
-                                        <p:attrNameLst>
-                                          <p:attrName>style.visibility</p:attrName>
-                                        </p:attrNameLst>
-                                      </p:cBhvr>
-                                      <p:to>
-                                        <p:strVal val="visible"/>
-                                      </p:to>
-                                    </p:set>
-                                  </p:childTnLst>
-                                </p:cTn>
-                              </p:par>
-                              <p:par>
-                                <p:cTn id="41" presetID="1" presetClass="entr" presetSubtype="0" fill="hold" grpId="0" nodeType="withEffect">
-                                  <p:stCondLst>
-                                    <p:cond delay="0"/>
-                                  </p:stCondLst>
-                                  <p:childTnLst>
-                                    <p:set>
-                                      <p:cBhvr>
-                                        <p:cTn id="42" dur="1" fill="hold">
-                                          <p:stCondLst>
-                                            <p:cond delay="0"/>
-                                          </p:stCondLst>
-                                        </p:cTn>
-                                        <p:tgtEl>
-                                          <p:spTgt spid="15"/>
-                                        </p:tgtEl>
-                                        <p:attrNameLst>
-                                          <p:attrName>style.visibility</p:attrName>
-                                        </p:attrNameLst>
-                                      </p:cBhvr>
-                                      <p:to>
-                                        <p:strVal val="visible"/>
-                                      </p:to>
-                                    </p:set>
-                                  </p:childTnLst>
-                                </p:cTn>
-                              </p:par>
-                              <p:par>
-                                <p:cTn id="43" presetID="1" presetClass="entr" presetSubtype="0" fill="hold" grpId="0" nodeType="withEffect">
-                                  <p:stCondLst>
-                                    <p:cond delay="0"/>
-                                  </p:stCondLst>
-                                  <p:childTnLst>
-                                    <p:set>
-                                      <p:cBhvr>
-                                        <p:cTn id="44" dur="1" fill="hold">
-                                          <p:stCondLst>
-                                            <p:cond delay="0"/>
-                                          </p:stCondLst>
-                                        </p:cTn>
-                                        <p:tgtEl>
-                                          <p:spTgt spid="12"/>
-                                        </p:tgtEl>
-                                        <p:attrNameLst>
-                                          <p:attrName>style.visibility</p:attrName>
-                                        </p:attrNameLst>
-                                      </p:cBhvr>
-                                      <p:to>
-                                        <p:strVal val="visible"/>
-                                      </p:to>
-                                    </p:set>
-                                  </p:childTnLst>
-                                </p:cTn>
-                              </p:par>
-                              <p:par>
-                                <p:cTn id="45" presetID="1" presetClass="entr" presetSubtype="0" fill="hold" grpId="0" nodeType="withEffect">
-                                  <p:stCondLst>
-                                    <p:cond delay="0"/>
-                                  </p:stCondLst>
-                                  <p:childTnLst>
-                                    <p:set>
-                                      <p:cBhvr>
-                                        <p:cTn id="46" dur="1" fill="hold">
-                                          <p:stCondLst>
-                                            <p:cond delay="0"/>
-                                          </p:stCondLst>
-                                        </p:cTn>
-                                        <p:tgtEl>
-                                          <p:spTgt spid="17"/>
-                                        </p:tgtEl>
-                                        <p:attrNameLst>
-                                          <p:attrName>style.visibility</p:attrName>
-                                        </p:attrNameLst>
-                                      </p:cBhvr>
-                                      <p:to>
-                                        <p:strVal val="visible"/>
-                                      </p:to>
-                                    </p:set>
-                                  </p:childTnLst>
-                                </p:cTn>
-                              </p:par>
-                              <p:par>
-                                <p:cTn id="47" presetID="1" presetClass="entr" presetSubtype="0" fill="hold" grpId="0" nodeType="withEffect">
-                                  <p:stCondLst>
-                                    <p:cond delay="0"/>
-                                  </p:stCondLst>
-                                  <p:childTnLst>
-                                    <p:set>
-                                      <p:cBhvr>
-                                        <p:cTn id="48" dur="1" fill="hold">
-                                          <p:stCondLst>
-                                            <p:cond delay="0"/>
-                                          </p:stCondLst>
-                                        </p:cTn>
-                                        <p:tgtEl>
-                                          <p:spTgt spid="18"/>
-                                        </p:tgtEl>
-                                        <p:attrNameLst>
-                                          <p:attrName>style.visibility</p:attrName>
-                                        </p:attrNameLst>
-                                      </p:cBhvr>
-                                      <p:to>
-                                        <p:strVal val="visible"/>
-                                      </p:to>
-                                    </p:set>
-                                  </p:childTnLst>
-                                </p:cTn>
-                              </p:par>
-                              <p:par>
-                                <p:cTn id="49" presetID="1" presetClass="entr" presetSubtype="0" fill="hold" grpId="0" nodeType="withEffect">
-                                  <p:stCondLst>
-                                    <p:cond delay="0"/>
-                                  </p:stCondLst>
-                                  <p:childTnLst>
-                                    <p:set>
-                                      <p:cBhvr>
-                                        <p:cTn id="50" dur="1" fill="hold">
-                                          <p:stCondLst>
-                                            <p:cond delay="0"/>
-                                          </p:stCondLst>
-                                        </p:cTn>
-                                        <p:tgtEl>
-                                          <p:spTgt spid="19"/>
-                                        </p:tgtEl>
-                                        <p:attrNameLst>
-                                          <p:attrName>style.visibility</p:attrName>
-                                        </p:attrNameLst>
-                                      </p:cBhvr>
-                                      <p:to>
-                                        <p:strVal val="visible"/>
-                                      </p:to>
-                                    </p:set>
-                                  </p:childTnLst>
-                                </p:cTn>
-                              </p:par>
-                              <p:par>
-                                <p:cTn id="51" presetID="1" presetClass="entr" presetSubtype="0" fill="hold" nodeType="withEffect">
-                                  <p:stCondLst>
-                                    <p:cond delay="0"/>
-                                  </p:stCondLst>
-                                  <p:childTnLst>
-                                    <p:set>
-                                      <p:cBhvr>
-                                        <p:cTn id="52" dur="1" fill="hold">
-                                          <p:stCondLst>
-                                            <p:cond delay="0"/>
-                                          </p:stCondLst>
-                                        </p:cTn>
-                                        <p:tgtEl>
-                                          <p:spTgt spid="38"/>
-                                        </p:tgtEl>
-                                        <p:attrNameLst>
-                                          <p:attrName>style.visibility</p:attrName>
-                                        </p:attrNameLst>
-                                      </p:cBhvr>
-                                      <p:to>
-                                        <p:strVal val="visible"/>
-                                      </p:to>
-                                    </p:set>
-                                  </p:childTnLst>
-                                </p:cTn>
-                              </p:par>
-                              <p:par>
-                                <p:cTn id="53" presetID="1" presetClass="entr" presetSubtype="0" fill="hold" nodeType="withEffect">
-                                  <p:stCondLst>
-                                    <p:cond delay="0"/>
-                                  </p:stCondLst>
-                                  <p:childTnLst>
-                                    <p:set>
-                                      <p:cBhvr>
-                                        <p:cTn id="54" dur="1" fill="hold">
-                                          <p:stCondLst>
-                                            <p:cond delay="0"/>
-                                          </p:stCondLst>
-                                        </p:cTn>
-                                        <p:tgtEl>
-                                          <p:spTgt spid="37"/>
-                                        </p:tgtEl>
-                                        <p:attrNameLst>
-                                          <p:attrName>style.visibility</p:attrName>
-                                        </p:attrNameLst>
-                                      </p:cBhvr>
-                                      <p:to>
-                                        <p:strVal val="visible"/>
-                                      </p:to>
-                                    </p:set>
-                                  </p:childTnLst>
-                                </p:cTn>
-                              </p:par>
-                              <p:par>
-                                <p:cTn id="55" presetID="1" presetClass="entr" presetSubtype="0" fill="hold" nodeType="withEffect">
-                                  <p:stCondLst>
-                                    <p:cond delay="0"/>
-                                  </p:stCondLst>
-                                  <p:childTnLst>
-                                    <p:set>
-                                      <p:cBhvr>
-                                        <p:cTn id="56" dur="1" fill="hold">
-                                          <p:stCondLst>
-                                            <p:cond delay="0"/>
-                                          </p:stCondLst>
-                                        </p:cTn>
-                                        <p:tgtEl>
-                                          <p:spTgt spid="40"/>
-                                        </p:tgtEl>
-                                        <p:attrNameLst>
-                                          <p:attrName>style.visibility</p:attrName>
-                                        </p:attrNameLst>
-                                      </p:cBhvr>
-                                      <p:to>
-                                        <p:strVal val="visible"/>
-                                      </p:to>
-                                    </p:set>
-                                  </p:childTnLst>
-                                </p:cTn>
-                              </p:par>
-                              <p:par>
-                                <p:cTn id="57" presetID="1" presetClass="entr" presetSubtype="0" fill="hold" nodeType="withEffect">
-                                  <p:stCondLst>
-                                    <p:cond delay="0"/>
-                                  </p:stCondLst>
-                                  <p:childTnLst>
-                                    <p:set>
-                                      <p:cBhvr>
-                                        <p:cTn id="58" dur="1" fill="hold">
-                                          <p:stCondLst>
-                                            <p:cond delay="0"/>
-                                          </p:stCondLst>
-                                        </p:cTn>
-                                        <p:tgtEl>
-                                          <p:spTgt spid="39"/>
-                                        </p:tgtEl>
-                                        <p:attrNameLst>
-                                          <p:attrName>style.visibility</p:attrName>
-                                        </p:attrNameLst>
-                                      </p:cBhvr>
-                                      <p:to>
-                                        <p:strVal val="visible"/>
-                                      </p:to>
-                                    </p:set>
-                                  </p:childTnLst>
-                                </p:cTn>
-                              </p:par>
-                            </p:childTnLst>
-                          </p:cTn>
-                        </p:par>
-                      </p:childTnLst>
-                    </p:cTn>
-                  </p:par>
-                  <p:par>
-                    <p:cTn id="59" fill="hold">
-                      <p:stCondLst>
-                        <p:cond delay="indefinite"/>
-                      </p:stCondLst>
-                      <p:childTnLst>
-                        <p:par>
-                          <p:cTn id="60" fill="hold">
-                            <p:stCondLst>
-                              <p:cond delay="0"/>
-                            </p:stCondLst>
-                            <p:childTnLst>
-                              <p:par>
-                                <p:cTn id="61" presetID="1" presetClass="entr" presetSubtype="0" fill="hold" grpId="0" nodeType="clickEffect">
-                                  <p:stCondLst>
-                                    <p:cond delay="0"/>
-                                  </p:stCondLst>
-                                  <p:childTnLst>
-                                    <p:set>
-                                      <p:cBhvr>
-                                        <p:cTn id="62" dur="1" fill="hold">
-                                          <p:stCondLst>
-                                            <p:cond delay="0"/>
-                                          </p:stCondLst>
-                                        </p:cTn>
-                                        <p:tgtEl>
-                                          <p:spTgt spid="22"/>
-                                        </p:tgtEl>
-                                        <p:attrNameLst>
-                                          <p:attrName>style.visibility</p:attrName>
-                                        </p:attrNameLst>
-                                      </p:cBhvr>
-                                      <p:to>
-                                        <p:strVal val="visible"/>
-                                      </p:to>
-                                    </p:set>
-                                  </p:childTnLst>
-                                </p:cTn>
-                              </p:par>
-                              <p:par>
-                                <p:cTn id="63" presetID="1" presetClass="entr" presetSubtype="0" fill="hold" grpId="0" nodeType="withEffect">
-                                  <p:stCondLst>
-                                    <p:cond delay="0"/>
-                                  </p:stCondLst>
-                                  <p:childTnLst>
-                                    <p:set>
-                                      <p:cBhvr>
-                                        <p:cTn id="64" dur="1" fill="hold">
-                                          <p:stCondLst>
-                                            <p:cond delay="0"/>
-                                          </p:stCondLst>
-                                        </p:cTn>
-                                        <p:tgtEl>
-                                          <p:spTgt spid="23"/>
-                                        </p:tgtEl>
-                                        <p:attrNameLst>
-                                          <p:attrName>style.visibility</p:attrName>
-                                        </p:attrNameLst>
-                                      </p:cBhvr>
-                                      <p:to>
-                                        <p:strVal val="visible"/>
-                                      </p:to>
-                                    </p:set>
-                                  </p:childTnLst>
-                                </p:cTn>
-                              </p:par>
-                              <p:par>
-                                <p:cTn id="65" presetID="1" presetClass="entr" presetSubtype="0" fill="hold" grpId="0" nodeType="withEffect">
-                                  <p:stCondLst>
-                                    <p:cond delay="0"/>
-                                  </p:stCondLst>
-                                  <p:childTnLst>
-                                    <p:set>
-                                      <p:cBhvr>
-                                        <p:cTn id="66" dur="1" fill="hold">
-                                          <p:stCondLst>
-                                            <p:cond delay="0"/>
-                                          </p:stCondLst>
-                                        </p:cTn>
-                                        <p:tgtEl>
-                                          <p:spTgt spid="24"/>
-                                        </p:tgtEl>
-                                        <p:attrNameLst>
-                                          <p:attrName>style.visibility</p:attrName>
-                                        </p:attrNameLst>
-                                      </p:cBhvr>
-                                      <p:to>
-                                        <p:strVal val="visible"/>
-                                      </p:to>
-                                    </p:set>
-                                  </p:childTnLst>
-                                </p:cTn>
-                              </p:par>
-                              <p:par>
-                                <p:cTn id="67" presetID="1" presetClass="entr" presetSubtype="0" fill="hold" grpId="0" nodeType="withEffect">
-                                  <p:stCondLst>
-                                    <p:cond delay="0"/>
-                                  </p:stCondLst>
-                                  <p:childTnLst>
-                                    <p:set>
-                                      <p:cBhvr>
-                                        <p:cTn id="68" dur="1" fill="hold">
-                                          <p:stCondLst>
-                                            <p:cond delay="0"/>
-                                          </p:stCondLst>
-                                        </p:cTn>
-                                        <p:tgtEl>
-                                          <p:spTgt spid="25"/>
-                                        </p:tgtEl>
-                                        <p:attrNameLst>
-                                          <p:attrName>style.visibility</p:attrName>
-                                        </p:attrNameLst>
-                                      </p:cBhvr>
-                                      <p:to>
-                                        <p:strVal val="visible"/>
-                                      </p:to>
-                                    </p:set>
-                                  </p:childTnLst>
-                                </p:cTn>
-                              </p:par>
-                              <p:par>
-                                <p:cTn id="69" presetID="1" presetClass="entr" presetSubtype="0" fill="hold" grpId="0" nodeType="withEffect">
-                                  <p:stCondLst>
-                                    <p:cond delay="0"/>
-                                  </p:stCondLst>
-                                  <p:childTnLst>
-                                    <p:set>
-                                      <p:cBhvr>
-                                        <p:cTn id="70" dur="1" fill="hold">
-                                          <p:stCondLst>
-                                            <p:cond delay="0"/>
-                                          </p:stCondLst>
-                                        </p:cTn>
-                                        <p:tgtEl>
-                                          <p:spTgt spid="26"/>
-                                        </p:tgtEl>
-                                        <p:attrNameLst>
-                                          <p:attrName>style.visibility</p:attrName>
-                                        </p:attrNameLst>
-                                      </p:cBhvr>
-                                      <p:to>
-                                        <p:strVal val="visible"/>
-                                      </p:to>
-                                    </p:set>
-                                  </p:childTnLst>
-                                </p:cTn>
-                              </p:par>
-                              <p:par>
-                                <p:cTn id="71" presetID="1" presetClass="entr" presetSubtype="0" fill="hold" grpId="0" nodeType="withEffect">
-                                  <p:stCondLst>
-                                    <p:cond delay="0"/>
-                                  </p:stCondLst>
-                                  <p:childTnLst>
-                                    <p:set>
-                                      <p:cBhvr>
-                                        <p:cTn id="72" dur="1" fill="hold">
-                                          <p:stCondLst>
-                                            <p:cond delay="0"/>
-                                          </p:stCondLst>
-                                        </p:cTn>
-                                        <p:tgtEl>
-                                          <p:spTgt spid="27"/>
-                                        </p:tgtEl>
-                                        <p:attrNameLst>
-                                          <p:attrName>style.visibility</p:attrName>
-                                        </p:attrNameLst>
-                                      </p:cBhvr>
-                                      <p:to>
-                                        <p:strVal val="visible"/>
-                                      </p:to>
-                                    </p:set>
-                                  </p:childTnLst>
-                                </p:cTn>
-                              </p:par>
-                            </p:childTnLst>
-                          </p:cTn>
-                        </p:par>
-                      </p:childTnLst>
-                    </p:cTn>
-                  </p:par>
-                </p:childTnLst>
-              </p:cTn>
-              <p:prevCondLst>
-                <p:cond evt="onPrev" delay="0">
-                  <p:tgtEl>
-                    <p:sldTgt/>
-                  </p:tgtEl>
-                </p:cond>
-              </p:prevCondLst>
-              <p:nextCondLst>
-                <p:cond evt="onNext" delay="0">
-                  <p:tgtEl>
-                    <p:sldTgt/>
-                  </p:tgtEl>
-                </p:cond>
-              </p:nextCondLst>
-            </p:seq>
-          </p:childTnLst>
-        </p:cTn>
+        <p:cTn id="1" dur="indefinite" restart="never" nodeType="tmRoot"/>
       </p:par>
     </p:tnLst>
-    <p:bldLst>
-      <p:bldP spid="11" grpId="0" animBg="1"/>
-      <p:bldP spid="13" grpId="0" animBg="1"/>
-      <p:bldP spid="14" grpId="0" animBg="1"/>
-      <p:bldP spid="15" grpId="0" animBg="1"/>
-      <p:bldP spid="12" grpId="0"/>
-      <p:bldP spid="17" grpId="0"/>
-      <p:bldP spid="18" grpId="0"/>
-      <p:bldP spid="19" grpId="0"/>
-      <p:bldP spid="16" grpId="0" animBg="1"/>
-      <p:bldP spid="21" grpId="0" animBg="1"/>
-      <p:bldP spid="22" grpId="0" animBg="1"/>
-      <p:bldP spid="23" grpId="0" animBg="1"/>
-      <p:bldP spid="24" grpId="0" animBg="1"/>
-      <p:bldP spid="25" grpId="0" animBg="1"/>
-      <p:bldP spid="26" grpId="0" animBg="1"/>
-      <p:bldP spid="27" grpId="0" animBg="1"/>
-    </p:bldLst>
   </p:timing>
 </p:sld>
 </file>
@@ -16495,7 +15545,7 @@
               <p:cNvPr id="10" name="ZoneTexte 9">
                 <a:extLst>
                   <a:ext uri="{FF2B5EF4-FFF2-40B4-BE49-F238E27FC236}">
-                    <a16:creationId xmlns:a16="http://schemas.microsoft.com/office/drawing/2014/main" xmlns="" id="{B2AD1845-005D-4D56-8DD3-7B8026BCC5A3}"/>
+                    <a16:creationId xmlns="" xmlns:a16="http://schemas.microsoft.com/office/drawing/2014/main" id="{B2AD1845-005D-4D56-8DD3-7B8026BCC5A3}"/>
                   </a:ext>
                 </a:extLst>
               </p:cNvPr>
@@ -16994,6 +16044,30 @@
           </p:sp>
         </mc:Fallback>
       </mc:AlternateContent>
+      <p:pic>
+        <p:nvPicPr>
+          <p:cNvPr id="2" name="Image 1"/>
+          <p:cNvPicPr>
+            <a:picLocks noChangeAspect="1"/>
+          </p:cNvPicPr>
+          <p:nvPr/>
+        </p:nvPicPr>
+        <p:blipFill>
+          <a:blip r:embed="rId3"/>
+          <a:stretch>
+            <a:fillRect/>
+          </a:stretch>
+        </p:blipFill>
+        <p:spPr>
+          <a:xfrm>
+            <a:off x="2915190" y="1980142"/>
+            <a:ext cx="6311799" cy="4733849"/>
+          </a:xfrm>
+          <a:prstGeom prst="rect">
+            <a:avLst/>
+          </a:prstGeom>
+        </p:spPr>
+      </p:pic>
     </p:spTree>
     <p:extLst>
       <p:ext uri="{BB962C8B-B14F-4D97-AF65-F5344CB8AC3E}">
@@ -17229,7 +16303,7 @@
               <p:cNvPr id="28" name="ZoneTexte 27">
                 <a:extLst>
                   <a:ext uri="{FF2B5EF4-FFF2-40B4-BE49-F238E27FC236}">
-                    <a16:creationId xmlns:a16="http://schemas.microsoft.com/office/drawing/2014/main" xmlns="" id="{B2AD1845-005D-4D56-8DD3-7B8026BCC5A3}"/>
+                    <a16:creationId xmlns="" xmlns:a16="http://schemas.microsoft.com/office/drawing/2014/main" id="{B2AD1845-005D-4D56-8DD3-7B8026BCC5A3}"/>
                   </a:ext>
                 </a:extLst>
               </p:cNvPr>
@@ -17735,7 +16809,7 @@
               <p:cNvPr id="29" name="ZoneTexte 28">
                 <a:extLst>
                   <a:ext uri="{FF2B5EF4-FFF2-40B4-BE49-F238E27FC236}">
-                    <a16:creationId xmlns:a16="http://schemas.microsoft.com/office/drawing/2014/main" xmlns="" id="{B2AD1845-005D-4D56-8DD3-7B8026BCC5A3}"/>
+                    <a16:creationId xmlns="" xmlns:a16="http://schemas.microsoft.com/office/drawing/2014/main" id="{B2AD1845-005D-4D56-8DD3-7B8026BCC5A3}"/>
                   </a:ext>
                 </a:extLst>
               </p:cNvPr>

--- a/Leçons/Lecons de chimie 2019-2020/LC04.pptx
+++ b/Leçons/Lecons de chimie 2019-2020/LC04.pptx
@@ -256,7 +256,7 @@
           <a:p>
             <a:fld id="{C262451B-073C-4FAC-8D0B-6648421A7945}" type="datetimeFigureOut">
               <a:rPr lang="fr-FR" smtClean="0"/>
-              <a:t>20/11/2019</a:t>
+              <a:t>21/11/2019</a:t>
             </a:fld>
             <a:endParaRPr lang="fr-FR"/>
           </a:p>
@@ -426,7 +426,7 @@
           <a:p>
             <a:fld id="{C262451B-073C-4FAC-8D0B-6648421A7945}" type="datetimeFigureOut">
               <a:rPr lang="fr-FR" smtClean="0"/>
-              <a:t>20/11/2019</a:t>
+              <a:t>21/11/2019</a:t>
             </a:fld>
             <a:endParaRPr lang="fr-FR"/>
           </a:p>
@@ -606,7 +606,7 @@
           <a:p>
             <a:fld id="{C262451B-073C-4FAC-8D0B-6648421A7945}" type="datetimeFigureOut">
               <a:rPr lang="fr-FR" smtClean="0"/>
-              <a:t>20/11/2019</a:t>
+              <a:t>21/11/2019</a:t>
             </a:fld>
             <a:endParaRPr lang="fr-FR"/>
           </a:p>
@@ -776,7 +776,7 @@
           <a:p>
             <a:fld id="{C262451B-073C-4FAC-8D0B-6648421A7945}" type="datetimeFigureOut">
               <a:rPr lang="fr-FR" smtClean="0"/>
-              <a:t>20/11/2019</a:t>
+              <a:t>21/11/2019</a:t>
             </a:fld>
             <a:endParaRPr lang="fr-FR"/>
           </a:p>
@@ -1022,7 +1022,7 @@
           <a:p>
             <a:fld id="{C262451B-073C-4FAC-8D0B-6648421A7945}" type="datetimeFigureOut">
               <a:rPr lang="fr-FR" smtClean="0"/>
-              <a:t>20/11/2019</a:t>
+              <a:t>21/11/2019</a:t>
             </a:fld>
             <a:endParaRPr lang="fr-FR"/>
           </a:p>
@@ -1254,7 +1254,7 @@
           <a:p>
             <a:fld id="{C262451B-073C-4FAC-8D0B-6648421A7945}" type="datetimeFigureOut">
               <a:rPr lang="fr-FR" smtClean="0"/>
-              <a:t>20/11/2019</a:t>
+              <a:t>21/11/2019</a:t>
             </a:fld>
             <a:endParaRPr lang="fr-FR"/>
           </a:p>
@@ -1621,7 +1621,7 @@
           <a:p>
             <a:fld id="{C262451B-073C-4FAC-8D0B-6648421A7945}" type="datetimeFigureOut">
               <a:rPr lang="fr-FR" smtClean="0"/>
-              <a:t>20/11/2019</a:t>
+              <a:t>21/11/2019</a:t>
             </a:fld>
             <a:endParaRPr lang="fr-FR"/>
           </a:p>
@@ -1739,7 +1739,7 @@
           <a:p>
             <a:fld id="{C262451B-073C-4FAC-8D0B-6648421A7945}" type="datetimeFigureOut">
               <a:rPr lang="fr-FR" smtClean="0"/>
-              <a:t>20/11/2019</a:t>
+              <a:t>21/11/2019</a:t>
             </a:fld>
             <a:endParaRPr lang="fr-FR"/>
           </a:p>
@@ -1834,7 +1834,7 @@
           <a:p>
             <a:fld id="{C262451B-073C-4FAC-8D0B-6648421A7945}" type="datetimeFigureOut">
               <a:rPr lang="fr-FR" smtClean="0"/>
-              <a:t>20/11/2019</a:t>
+              <a:t>21/11/2019</a:t>
             </a:fld>
             <a:endParaRPr lang="fr-FR"/>
           </a:p>
@@ -2111,7 +2111,7 @@
           <a:p>
             <a:fld id="{C262451B-073C-4FAC-8D0B-6648421A7945}" type="datetimeFigureOut">
               <a:rPr lang="fr-FR" smtClean="0"/>
-              <a:t>20/11/2019</a:t>
+              <a:t>21/11/2019</a:t>
             </a:fld>
             <a:endParaRPr lang="fr-FR"/>
           </a:p>
@@ -2364,7 +2364,7 @@
           <a:p>
             <a:fld id="{C262451B-073C-4FAC-8D0B-6648421A7945}" type="datetimeFigureOut">
               <a:rPr lang="fr-FR" smtClean="0"/>
-              <a:t>20/11/2019</a:t>
+              <a:t>21/11/2019</a:t>
             </a:fld>
             <a:endParaRPr lang="fr-FR"/>
           </a:p>
@@ -2577,7 +2577,7 @@
           <a:p>
             <a:fld id="{C262451B-073C-4FAC-8D0B-6648421A7945}" type="datetimeFigureOut">
               <a:rPr lang="fr-FR" smtClean="0"/>
-              <a:t>20/11/2019</a:t>
+              <a:t>21/11/2019</a:t>
             </a:fld>
             <a:endParaRPr lang="fr-FR"/>
           </a:p>
@@ -5888,6 +5888,9 @@
                     <p:cTn id="3" fill="hold">
                       <p:stCondLst>
                         <p:cond delay="indefinite"/>
+                        <p:cond evt="onBegin" delay="0">
+                          <p:tn val="2"/>
+                        </p:cond>
                       </p:stCondLst>
                       <p:childTnLst>
                         <p:par>
@@ -5897,7 +5900,7 @@
                             </p:stCondLst>
                             <p:childTnLst>
                               <p:par>
-                                <p:cTn id="5" presetID="1" presetClass="entr" presetSubtype="0" fill="hold" grpId="0" nodeType="clickEffect">
+                                <p:cTn id="5" presetID="1" presetClass="entr" presetSubtype="0" fill="hold" grpId="0" nodeType="withEffect">
                                   <p:stCondLst>
                                     <p:cond delay="0"/>
                                   </p:stCondLst>
@@ -6219,7 +6222,7 @@
           <p:cNvPr id="10" name="Espace réservé du contenu 6">
             <a:extLst>
               <a:ext uri="{FF2B5EF4-FFF2-40B4-BE49-F238E27FC236}">
-                <a16:creationId xmlns:lc="http://schemas.openxmlformats.org/drawingml/2006/lockedCanvas" xmlns:a16="http://schemas.microsoft.com/office/drawing/2014/main" xmlns="" id="{EA58A18C-D1BC-42E4-A965-A2F39FEF10D0}"/>
+                <a16:creationId xmlns="" xmlns:a16="http://schemas.microsoft.com/office/drawing/2014/main" xmlns:lc="http://schemas.openxmlformats.org/drawingml/2006/lockedCanvas" id="{EA58A18C-D1BC-42E4-A965-A2F39FEF10D0}"/>
               </a:ext>
             </a:extLst>
           </p:cNvPr>
@@ -6411,7 +6414,7 @@
           <p:cNvPr id="6" name="Espace réservé du contenu 10">
             <a:extLst>
               <a:ext uri="{FF2B5EF4-FFF2-40B4-BE49-F238E27FC236}">
-                <a16:creationId xmlns:lc="http://schemas.openxmlformats.org/drawingml/2006/lockedCanvas" xmlns:a16="http://schemas.microsoft.com/office/drawing/2014/main" xmlns="" id="{E0E48B4E-62A3-413F-87E3-8793D40588D3}"/>
+                <a16:creationId xmlns="" xmlns:a16="http://schemas.microsoft.com/office/drawing/2014/main" xmlns:lc="http://schemas.openxmlformats.org/drawingml/2006/lockedCanvas" id="{E0E48B4E-62A3-413F-87E3-8793D40588D3}"/>
               </a:ext>
             </a:extLst>
           </p:cNvPr>
@@ -6757,7 +6760,7 @@
           <p:cNvPr id="7" name="Groupe 6">
             <a:extLst>
               <a:ext uri="{FF2B5EF4-FFF2-40B4-BE49-F238E27FC236}">
-                <a16:creationId xmlns="" xmlns:a16="http://schemas.microsoft.com/office/drawing/2014/main" id="{E922767D-63E0-49F8-8D0C-717AC65F818C}"/>
+                <a16:creationId xmlns:a16="http://schemas.microsoft.com/office/drawing/2014/main" xmlns="" id="{E922767D-63E0-49F8-8D0C-717AC65F818C}"/>
               </a:ext>
             </a:extLst>
           </p:cNvPr>
@@ -6777,7 +6780,7 @@
             <p:cNvPr id="8" name="Groupe 7">
               <a:extLst>
                 <a:ext uri="{FF2B5EF4-FFF2-40B4-BE49-F238E27FC236}">
-                  <a16:creationId xmlns="" xmlns:a16="http://schemas.microsoft.com/office/drawing/2014/main" id="{FFCD7857-F979-4EC2-BB38-BEA78E25BC9B}"/>
+                  <a16:creationId xmlns:a16="http://schemas.microsoft.com/office/drawing/2014/main" xmlns="" id="{FFCD7857-F979-4EC2-BB38-BEA78E25BC9B}"/>
                 </a:ext>
               </a:extLst>
             </p:cNvPr>
@@ -6797,7 +6800,7 @@
               <p:cNvPr id="11" name="Grouper 68">
                 <a:extLst>
                   <a:ext uri="{FF2B5EF4-FFF2-40B4-BE49-F238E27FC236}">
-                    <a16:creationId xmlns="" xmlns:a16="http://schemas.microsoft.com/office/drawing/2014/main" id="{40352CAA-B71B-4830-B4EA-649F52741662}"/>
+                    <a16:creationId xmlns:a16="http://schemas.microsoft.com/office/drawing/2014/main" xmlns="" id="{40352CAA-B71B-4830-B4EA-649F52741662}"/>
                   </a:ext>
                 </a:extLst>
               </p:cNvPr>
@@ -6817,7 +6820,7 @@
                 <p:cNvPr id="24" name="Grouper 69">
                   <a:extLst>
                     <a:ext uri="{FF2B5EF4-FFF2-40B4-BE49-F238E27FC236}">
-                      <a16:creationId xmlns="" xmlns:a16="http://schemas.microsoft.com/office/drawing/2014/main" id="{96081743-5FB9-4DAD-8C23-CA747114F3B8}"/>
+                      <a16:creationId xmlns:a16="http://schemas.microsoft.com/office/drawing/2014/main" xmlns="" id="{96081743-5FB9-4DAD-8C23-CA747114F3B8}"/>
                     </a:ext>
                   </a:extLst>
                 </p:cNvPr>
@@ -6833,7 +6836,7 @@
                 </a:xfrm>
                 <a:extLst>
                   <a:ext uri="{0CCBE362-F206-4b92-989A-16890622DB6E}">
-                    <ma14:wrappingTextBoxFlag xmlns="" xmlns:ma14="http://schemas.microsoft.com/office/mac/drawingml/2011/main" val="1"/>
+                    <ma14:wrappingTextBoxFlag xmlns:ma14="http://schemas.microsoft.com/office/mac/drawingml/2011/main" xmlns="" val="1"/>
                   </a:ext>
                 </a:extLst>
               </p:grpSpPr>
@@ -6842,7 +6845,7 @@
                   <p:cNvPr id="26" name="Grouper 71">
                     <a:extLst>
                       <a:ext uri="{FF2B5EF4-FFF2-40B4-BE49-F238E27FC236}">
-                        <a16:creationId xmlns="" xmlns:a16="http://schemas.microsoft.com/office/drawing/2014/main" id="{26D3EDCE-3D75-48BB-BCD5-7E23FCC76165}"/>
+                        <a16:creationId xmlns:a16="http://schemas.microsoft.com/office/drawing/2014/main" xmlns="" id="{26D3EDCE-3D75-48BB-BCD5-7E23FCC76165}"/>
                       </a:ext>
                     </a:extLst>
                   </p:cNvPr>
@@ -6862,7 +6865,7 @@
                     <p:cNvPr id="78" name="Grouper 123">
                       <a:extLst>
                         <a:ext uri="{FF2B5EF4-FFF2-40B4-BE49-F238E27FC236}">
-                          <a16:creationId xmlns="" xmlns:a16="http://schemas.microsoft.com/office/drawing/2014/main" id="{51F5C2B4-3BA6-474B-8106-53558EE4054A}"/>
+                          <a16:creationId xmlns:a16="http://schemas.microsoft.com/office/drawing/2014/main" xmlns="" id="{51F5C2B4-3BA6-474B-8106-53558EE4054A}"/>
                         </a:ext>
                       </a:extLst>
                     </p:cNvPr>
@@ -6882,7 +6885,7 @@
                       <p:cNvPr id="80" name="Grouper 125">
                         <a:extLst>
                           <a:ext uri="{FF2B5EF4-FFF2-40B4-BE49-F238E27FC236}">
-                            <a16:creationId xmlns="" xmlns:a16="http://schemas.microsoft.com/office/drawing/2014/main" id="{1209F394-A69E-424B-B28C-1CEA7BD5D8B1}"/>
+                            <a16:creationId xmlns:a16="http://schemas.microsoft.com/office/drawing/2014/main" xmlns="" id="{1209F394-A69E-424B-B28C-1CEA7BD5D8B1}"/>
                           </a:ext>
                         </a:extLst>
                       </p:cNvPr>
@@ -6902,7 +6905,7 @@
                         <p:cNvPr id="82" name="Arrondir un rectangle avec un coin du même côté 127">
                           <a:extLst>
                             <a:ext uri="{FF2B5EF4-FFF2-40B4-BE49-F238E27FC236}">
-                              <a16:creationId xmlns="" xmlns:a16="http://schemas.microsoft.com/office/drawing/2014/main" id="{9CC54105-DBD7-485D-919A-9D6E2E4634F9}"/>
+                              <a16:creationId xmlns:a16="http://schemas.microsoft.com/office/drawing/2014/main" xmlns="" id="{9CC54105-DBD7-485D-919A-9D6E2E4634F9}"/>
                             </a:ext>
                           </a:extLst>
                         </p:cNvPr>
@@ -6957,7 +6960,7 @@
                         <p:cNvPr id="83" name="Arrondir un rectangle avec un coin du même côté 128">
                           <a:extLst>
                             <a:ext uri="{FF2B5EF4-FFF2-40B4-BE49-F238E27FC236}">
-                              <a16:creationId xmlns="" xmlns:a16="http://schemas.microsoft.com/office/drawing/2014/main" id="{E8455875-8ED2-4FDE-A812-0DA55E45EBD3}"/>
+                              <a16:creationId xmlns:a16="http://schemas.microsoft.com/office/drawing/2014/main" xmlns="" id="{E8455875-8ED2-4FDE-A812-0DA55E45EBD3}"/>
                             </a:ext>
                           </a:extLst>
                         </p:cNvPr>
@@ -7013,7 +7016,7 @@
                       <p:cNvPr id="81" name="Rectangle 80">
                         <a:extLst>
                           <a:ext uri="{FF2B5EF4-FFF2-40B4-BE49-F238E27FC236}">
-                            <a16:creationId xmlns="" xmlns:a16="http://schemas.microsoft.com/office/drawing/2014/main" id="{D6B2A792-3C1D-410D-83CC-EE9AFA5BC57A}"/>
+                            <a16:creationId xmlns:a16="http://schemas.microsoft.com/office/drawing/2014/main" xmlns="" id="{D6B2A792-3C1D-410D-83CC-EE9AFA5BC57A}"/>
                           </a:ext>
                         </a:extLst>
                       </p:cNvPr>
@@ -7071,7 +7074,7 @@
                     <p:cNvPr id="79" name="Rectangle 78">
                       <a:extLst>
                         <a:ext uri="{FF2B5EF4-FFF2-40B4-BE49-F238E27FC236}">
-                          <a16:creationId xmlns="" xmlns:a16="http://schemas.microsoft.com/office/drawing/2014/main" id="{7C10C6FF-F8AC-4D17-BBC9-6D32B3AE86EA}"/>
+                          <a16:creationId xmlns:a16="http://schemas.microsoft.com/office/drawing/2014/main" xmlns="" id="{7C10C6FF-F8AC-4D17-BBC9-6D32B3AE86EA}"/>
                         </a:ext>
                       </a:extLst>
                     </p:cNvPr>
@@ -7129,7 +7132,7 @@
                   <p:cNvPr id="27" name="Grouper 72">
                     <a:extLst>
                       <a:ext uri="{FF2B5EF4-FFF2-40B4-BE49-F238E27FC236}">
-                        <a16:creationId xmlns="" xmlns:a16="http://schemas.microsoft.com/office/drawing/2014/main" id="{AA0FFDEF-FE93-4E25-9F69-1CD2B544BD9A}"/>
+                        <a16:creationId xmlns:a16="http://schemas.microsoft.com/office/drawing/2014/main" xmlns="" id="{AA0FFDEF-FE93-4E25-9F69-1CD2B544BD9A}"/>
                       </a:ext>
                     </a:extLst>
                   </p:cNvPr>
@@ -7149,7 +7152,7 @@
                     <p:cNvPr id="71" name="Arrondir un rectangle avec un coin du même côté 116">
                       <a:extLst>
                         <a:ext uri="{FF2B5EF4-FFF2-40B4-BE49-F238E27FC236}">
-                          <a16:creationId xmlns="" xmlns:a16="http://schemas.microsoft.com/office/drawing/2014/main" id="{DD037935-193F-457E-9A74-2D1C6015ED66}"/>
+                          <a16:creationId xmlns:a16="http://schemas.microsoft.com/office/drawing/2014/main" xmlns="" id="{DD037935-193F-457E-9A74-2D1C6015ED66}"/>
                         </a:ext>
                       </a:extLst>
                     </p:cNvPr>
@@ -7204,7 +7207,7 @@
                     <p:cNvPr id="72" name="Arrondir un rectangle avec un coin du même côté 117">
                       <a:extLst>
                         <a:ext uri="{FF2B5EF4-FFF2-40B4-BE49-F238E27FC236}">
-                          <a16:creationId xmlns="" xmlns:a16="http://schemas.microsoft.com/office/drawing/2014/main" id="{CE6B6CCB-93D9-40A9-B2B9-0F46261D492E}"/>
+                          <a16:creationId xmlns:a16="http://schemas.microsoft.com/office/drawing/2014/main" xmlns="" id="{CE6B6CCB-93D9-40A9-B2B9-0F46261D492E}"/>
                         </a:ext>
                       </a:extLst>
                     </p:cNvPr>
@@ -7259,7 +7262,7 @@
                     <p:cNvPr id="73" name="Rectangle 72">
                       <a:extLst>
                         <a:ext uri="{FF2B5EF4-FFF2-40B4-BE49-F238E27FC236}">
-                          <a16:creationId xmlns="" xmlns:a16="http://schemas.microsoft.com/office/drawing/2014/main" id="{F3B4FAE3-C823-49C7-981F-0F9C65BC226E}"/>
+                          <a16:creationId xmlns:a16="http://schemas.microsoft.com/office/drawing/2014/main" xmlns="" id="{F3B4FAE3-C823-49C7-981F-0F9C65BC226E}"/>
                         </a:ext>
                       </a:extLst>
                     </p:cNvPr>
@@ -7316,7 +7319,7 @@
                     <p:cNvPr id="74" name="Parallélogramme 73">
                       <a:extLst>
                         <a:ext uri="{FF2B5EF4-FFF2-40B4-BE49-F238E27FC236}">
-                          <a16:creationId xmlns="" xmlns:a16="http://schemas.microsoft.com/office/drawing/2014/main" id="{CCB23121-7617-4EA9-B289-2D44CC43E929}"/>
+                          <a16:creationId xmlns:a16="http://schemas.microsoft.com/office/drawing/2014/main" xmlns="" id="{CCB23121-7617-4EA9-B289-2D44CC43E929}"/>
                         </a:ext>
                       </a:extLst>
                     </p:cNvPr>
@@ -7377,7 +7380,7 @@
                     <p:cNvPr id="75" name="Parallélogramme 74">
                       <a:extLst>
                         <a:ext uri="{FF2B5EF4-FFF2-40B4-BE49-F238E27FC236}">
-                          <a16:creationId xmlns="" xmlns:a16="http://schemas.microsoft.com/office/drawing/2014/main" id="{CDD2A60A-E059-4565-A8E3-9D63509BFD7D}"/>
+                          <a16:creationId xmlns:a16="http://schemas.microsoft.com/office/drawing/2014/main" xmlns="" id="{CDD2A60A-E059-4565-A8E3-9D63509BFD7D}"/>
                         </a:ext>
                       </a:extLst>
                     </p:cNvPr>
@@ -7438,7 +7441,7 @@
                     <p:cNvPr id="76" name="Connecteur droit 75">
                       <a:extLst>
                         <a:ext uri="{FF2B5EF4-FFF2-40B4-BE49-F238E27FC236}">
-                          <a16:creationId xmlns="" xmlns:a16="http://schemas.microsoft.com/office/drawing/2014/main" id="{AF411BC3-A86B-4A5F-9DAF-9A687CA882ED}"/>
+                          <a16:creationId xmlns:a16="http://schemas.microsoft.com/office/drawing/2014/main" xmlns="" id="{AF411BC3-A86B-4A5F-9DAF-9A687CA882ED}"/>
                         </a:ext>
                       </a:extLst>
                     </p:cNvPr>
@@ -7476,7 +7479,7 @@
                     <p:cNvPr id="77" name="Connecteur droit 76">
                       <a:extLst>
                         <a:ext uri="{FF2B5EF4-FFF2-40B4-BE49-F238E27FC236}">
-                          <a16:creationId xmlns="" xmlns:a16="http://schemas.microsoft.com/office/drawing/2014/main" id="{841FF250-B55F-4D70-BF44-D2DD43333DF4}"/>
+                          <a16:creationId xmlns:a16="http://schemas.microsoft.com/office/drawing/2014/main" xmlns="" id="{841FF250-B55F-4D70-BF44-D2DD43333DF4}"/>
                         </a:ext>
                       </a:extLst>
                     </p:cNvPr>
@@ -7515,7 +7518,7 @@
                   <p:cNvPr id="28" name="Grouper 73">
                     <a:extLst>
                       <a:ext uri="{FF2B5EF4-FFF2-40B4-BE49-F238E27FC236}">
-                        <a16:creationId xmlns="" xmlns:a16="http://schemas.microsoft.com/office/drawing/2014/main" id="{7E0F2A28-B6AC-4B1A-9BE8-2703C34063FF}"/>
+                        <a16:creationId xmlns:a16="http://schemas.microsoft.com/office/drawing/2014/main" xmlns="" id="{7E0F2A28-B6AC-4B1A-9BE8-2703C34063FF}"/>
                       </a:ext>
                     </a:extLst>
                   </p:cNvPr>
@@ -7535,7 +7538,7 @@
                     <p:cNvPr id="69" name="Rectangle 68">
                       <a:extLst>
                         <a:ext uri="{FF2B5EF4-FFF2-40B4-BE49-F238E27FC236}">
-                          <a16:creationId xmlns="" xmlns:a16="http://schemas.microsoft.com/office/drawing/2014/main" id="{FA13F0A6-14B0-4342-B4A3-B9CC0481E5D8}"/>
+                          <a16:creationId xmlns:a16="http://schemas.microsoft.com/office/drawing/2014/main" xmlns="" id="{FA13F0A6-14B0-4342-B4A3-B9CC0481E5D8}"/>
                         </a:ext>
                       </a:extLst>
                     </p:cNvPr>
@@ -7592,7 +7595,7 @@
                     <p:cNvPr id="70" name="Ellipse 69">
                       <a:extLst>
                         <a:ext uri="{FF2B5EF4-FFF2-40B4-BE49-F238E27FC236}">
-                          <a16:creationId xmlns="" xmlns:a16="http://schemas.microsoft.com/office/drawing/2014/main" id="{4DB04C9A-91AD-4490-86DD-2F28CC511EB6}"/>
+                          <a16:creationId xmlns:a16="http://schemas.microsoft.com/office/drawing/2014/main" xmlns="" id="{4DB04C9A-91AD-4490-86DD-2F28CC511EB6}"/>
                         </a:ext>
                       </a:extLst>
                     </p:cNvPr>
@@ -7656,7 +7659,7 @@
                   <p:cNvPr id="29" name="Grouper 74">
                     <a:extLst>
                       <a:ext uri="{FF2B5EF4-FFF2-40B4-BE49-F238E27FC236}">
-                        <a16:creationId xmlns="" xmlns:a16="http://schemas.microsoft.com/office/drawing/2014/main" id="{F0965761-2E00-451E-BDCE-F9D0E5B81296}"/>
+                        <a16:creationId xmlns:a16="http://schemas.microsoft.com/office/drawing/2014/main" xmlns="" id="{F0965761-2E00-451E-BDCE-F9D0E5B81296}"/>
                       </a:ext>
                     </a:extLst>
                   </p:cNvPr>
@@ -7676,7 +7679,7 @@
                     <p:cNvPr id="56" name="Grouper 101">
                       <a:extLst>
                         <a:ext uri="{FF2B5EF4-FFF2-40B4-BE49-F238E27FC236}">
-                          <a16:creationId xmlns="" xmlns:a16="http://schemas.microsoft.com/office/drawing/2014/main" id="{F9EC72F1-04D7-42DD-8621-F5DECD18A5F5}"/>
+                          <a16:creationId xmlns:a16="http://schemas.microsoft.com/office/drawing/2014/main" xmlns="" id="{F9EC72F1-04D7-42DD-8621-F5DECD18A5F5}"/>
                         </a:ext>
                       </a:extLst>
                     </p:cNvPr>
@@ -7696,7 +7699,7 @@
                       <p:cNvPr id="65" name="Ellipse 64">
                         <a:extLst>
                           <a:ext uri="{FF2B5EF4-FFF2-40B4-BE49-F238E27FC236}">
-                            <a16:creationId xmlns="" xmlns:a16="http://schemas.microsoft.com/office/drawing/2014/main" id="{4DD5C452-7FFE-452B-9491-34AE14CF28A1}"/>
+                            <a16:creationId xmlns:a16="http://schemas.microsoft.com/office/drawing/2014/main" xmlns="" id="{4DD5C452-7FFE-452B-9491-34AE14CF28A1}"/>
                           </a:ext>
                         </a:extLst>
                       </p:cNvPr>
@@ -7751,7 +7754,7 @@
                       <p:cNvPr id="66" name="Zone de texte 941">
                         <a:extLst>
                           <a:ext uri="{FF2B5EF4-FFF2-40B4-BE49-F238E27FC236}">
-                            <a16:creationId xmlns="" xmlns:a16="http://schemas.microsoft.com/office/drawing/2014/main" id="{EDE1631E-2625-49E1-AC75-A37414A156AF}"/>
+                            <a16:creationId xmlns:a16="http://schemas.microsoft.com/office/drawing/2014/main" xmlns="" id="{EDE1631E-2625-49E1-AC75-A37414A156AF}"/>
                           </a:ext>
                         </a:extLst>
                       </p:cNvPr>
@@ -7773,7 +7776,7 @@
                       <a:effectLst/>
                       <a:extLst>
                         <a:ext uri="{C572A759-6A51-4108-AA02-DFA0A04FC94B}">
-                          <ma14:wrappingTextBoxFlag xmlns="" xmlns:ma14="http://schemas.microsoft.com/office/mac/drawingml/2011/main" val="1"/>
+                          <ma14:wrappingTextBoxFlag xmlns:ma14="http://schemas.microsoft.com/office/mac/drawingml/2011/main" xmlns="" val="1"/>
                         </a:ext>
                       </a:extLst>
                     </p:spPr>
@@ -7837,7 +7840,7 @@
                       <p:cNvPr id="67" name="Zone de texte 942">
                         <a:extLst>
                           <a:ext uri="{FF2B5EF4-FFF2-40B4-BE49-F238E27FC236}">
-                            <a16:creationId xmlns="" xmlns:a16="http://schemas.microsoft.com/office/drawing/2014/main" id="{751399F5-7817-408F-887F-80309B0DEBC2}"/>
+                            <a16:creationId xmlns:a16="http://schemas.microsoft.com/office/drawing/2014/main" xmlns="" id="{751399F5-7817-408F-887F-80309B0DEBC2}"/>
                           </a:ext>
                         </a:extLst>
                       </p:cNvPr>
@@ -7859,7 +7862,7 @@
                       <a:effectLst/>
                       <a:extLst>
                         <a:ext uri="{C572A759-6A51-4108-AA02-DFA0A04FC94B}">
-                          <ma14:wrappingTextBoxFlag xmlns="" xmlns:ma14="http://schemas.microsoft.com/office/mac/drawingml/2011/main" val="1"/>
+                          <ma14:wrappingTextBoxFlag xmlns:ma14="http://schemas.microsoft.com/office/mac/drawingml/2011/main" xmlns="" val="1"/>
                         </a:ext>
                       </a:extLst>
                     </p:spPr>
@@ -7923,7 +7926,7 @@
                       <p:cNvPr id="68" name="Zone de texte 900">
                         <a:extLst>
                           <a:ext uri="{FF2B5EF4-FFF2-40B4-BE49-F238E27FC236}">
-                            <a16:creationId xmlns="" xmlns:a16="http://schemas.microsoft.com/office/drawing/2014/main" id="{5B87DF95-433A-493D-9AD7-C56AA5757C8B}"/>
+                            <a16:creationId xmlns:a16="http://schemas.microsoft.com/office/drawing/2014/main" xmlns="" id="{5B87DF95-433A-493D-9AD7-C56AA5757C8B}"/>
                           </a:ext>
                         </a:extLst>
                       </p:cNvPr>
@@ -7945,7 +7948,7 @@
                       <a:effectLst/>
                       <a:extLst>
                         <a:ext uri="{C572A759-6A51-4108-AA02-DFA0A04FC94B}">
-                          <ma14:wrappingTextBoxFlag xmlns="" xmlns:ma14="http://schemas.microsoft.com/office/mac/drawingml/2011/main" val="1"/>
+                          <ma14:wrappingTextBoxFlag xmlns:ma14="http://schemas.microsoft.com/office/mac/drawingml/2011/main" xmlns="" val="1"/>
                         </a:ext>
                       </a:extLst>
                     </p:spPr>
@@ -7999,7 +8002,7 @@
                     <p:cNvPr id="57" name="Grouper 102">
                       <a:extLst>
                         <a:ext uri="{FF2B5EF4-FFF2-40B4-BE49-F238E27FC236}">
-                          <a16:creationId xmlns="" xmlns:a16="http://schemas.microsoft.com/office/drawing/2014/main" id="{CD10D8B0-3F3A-428B-ADFB-7CD43137C732}"/>
+                          <a16:creationId xmlns:a16="http://schemas.microsoft.com/office/drawing/2014/main" xmlns="" id="{CD10D8B0-3F3A-428B-ADFB-7CD43137C732}"/>
                         </a:ext>
                       </a:extLst>
                     </p:cNvPr>
@@ -8019,7 +8022,7 @@
                       <p:cNvPr id="62" name="Connecteur droit 61">
                         <a:extLst>
                           <a:ext uri="{FF2B5EF4-FFF2-40B4-BE49-F238E27FC236}">
-                            <a16:creationId xmlns="" xmlns:a16="http://schemas.microsoft.com/office/drawing/2014/main" id="{6CED5B28-251A-4695-9AC4-75ABE8322B80}"/>
+                            <a16:creationId xmlns:a16="http://schemas.microsoft.com/office/drawing/2014/main" xmlns="" id="{6CED5B28-251A-4695-9AC4-75ABE8322B80}"/>
                           </a:ext>
                         </a:extLst>
                       </p:cNvPr>
@@ -8061,7 +8064,7 @@
                       <p:cNvPr id="63" name="Connecteur droit 62">
                         <a:extLst>
                           <a:ext uri="{FF2B5EF4-FFF2-40B4-BE49-F238E27FC236}">
-                            <a16:creationId xmlns="" xmlns:a16="http://schemas.microsoft.com/office/drawing/2014/main" id="{AB459293-BB0A-4D9C-A290-FC7447FE24C8}"/>
+                            <a16:creationId xmlns:a16="http://schemas.microsoft.com/office/drawing/2014/main" xmlns="" id="{AB459293-BB0A-4D9C-A290-FC7447FE24C8}"/>
                           </a:ext>
                         </a:extLst>
                       </p:cNvPr>
@@ -8103,7 +8106,7 @@
                       <p:cNvPr id="64" name="Connecteur droit 63">
                         <a:extLst>
                           <a:ext uri="{FF2B5EF4-FFF2-40B4-BE49-F238E27FC236}">
-                            <a16:creationId xmlns="" xmlns:a16="http://schemas.microsoft.com/office/drawing/2014/main" id="{4BF11C18-05F0-4FDB-AE77-4D013016F528}"/>
+                            <a16:creationId xmlns:a16="http://schemas.microsoft.com/office/drawing/2014/main" xmlns="" id="{4BF11C18-05F0-4FDB-AE77-4D013016F528}"/>
                           </a:ext>
                         </a:extLst>
                       </p:cNvPr>
@@ -8146,7 +8149,7 @@
                     <p:cNvPr id="58" name="Grouper 103">
                       <a:extLst>
                         <a:ext uri="{FF2B5EF4-FFF2-40B4-BE49-F238E27FC236}">
-                          <a16:creationId xmlns="" xmlns:a16="http://schemas.microsoft.com/office/drawing/2014/main" id="{2D2B29B8-AE04-4246-8062-EFF0E8D66284}"/>
+                          <a16:creationId xmlns:a16="http://schemas.microsoft.com/office/drawing/2014/main" xmlns="" id="{2D2B29B8-AE04-4246-8062-EFF0E8D66284}"/>
                         </a:ext>
                       </a:extLst>
                     </p:cNvPr>
@@ -8166,7 +8169,7 @@
                       <p:cNvPr id="59" name="Connecteur droit 58">
                         <a:extLst>
                           <a:ext uri="{FF2B5EF4-FFF2-40B4-BE49-F238E27FC236}">
-                            <a16:creationId xmlns="" xmlns:a16="http://schemas.microsoft.com/office/drawing/2014/main" id="{E8789211-76BC-4FBE-BE96-041CB645CE63}"/>
+                            <a16:creationId xmlns:a16="http://schemas.microsoft.com/office/drawing/2014/main" xmlns="" id="{E8789211-76BC-4FBE-BE96-041CB645CE63}"/>
                           </a:ext>
                         </a:extLst>
                       </p:cNvPr>
@@ -8208,7 +8211,7 @@
                       <p:cNvPr id="60" name="Connecteur droit 59">
                         <a:extLst>
                           <a:ext uri="{FF2B5EF4-FFF2-40B4-BE49-F238E27FC236}">
-                            <a16:creationId xmlns="" xmlns:a16="http://schemas.microsoft.com/office/drawing/2014/main" id="{63CD0D8C-676C-481E-B9A5-F97E8CAD6156}"/>
+                            <a16:creationId xmlns:a16="http://schemas.microsoft.com/office/drawing/2014/main" xmlns="" id="{63CD0D8C-676C-481E-B9A5-F97E8CAD6156}"/>
                           </a:ext>
                         </a:extLst>
                       </p:cNvPr>
@@ -8250,7 +8253,7 @@
                       <p:cNvPr id="61" name="Connecteur droit 60">
                         <a:extLst>
                           <a:ext uri="{FF2B5EF4-FFF2-40B4-BE49-F238E27FC236}">
-                            <a16:creationId xmlns="" xmlns:a16="http://schemas.microsoft.com/office/drawing/2014/main" id="{F7E8CC27-81C6-4C78-8D6B-BC5E2B57CF76}"/>
+                            <a16:creationId xmlns:a16="http://schemas.microsoft.com/office/drawing/2014/main" xmlns="" id="{F7E8CC27-81C6-4C78-8D6B-BC5E2B57CF76}"/>
                           </a:ext>
                         </a:extLst>
                       </p:cNvPr>
@@ -8294,7 +8297,7 @@
                   <p:cNvPr id="30" name="Grouper 75">
                     <a:extLst>
                       <a:ext uri="{FF2B5EF4-FFF2-40B4-BE49-F238E27FC236}">
-                        <a16:creationId xmlns="" xmlns:a16="http://schemas.microsoft.com/office/drawing/2014/main" id="{D5E24073-AF22-4C5B-AC88-760F8428CAAD}"/>
+                        <a16:creationId xmlns:a16="http://schemas.microsoft.com/office/drawing/2014/main" xmlns="" id="{D5E24073-AF22-4C5B-AC88-760F8428CAAD}"/>
                       </a:ext>
                     </a:extLst>
                   </p:cNvPr>
@@ -8314,7 +8317,7 @@
                     <p:cNvPr id="44" name="Grouper 89">
                       <a:extLst>
                         <a:ext uri="{FF2B5EF4-FFF2-40B4-BE49-F238E27FC236}">
-                          <a16:creationId xmlns="" xmlns:a16="http://schemas.microsoft.com/office/drawing/2014/main" id="{1ED1AEE1-B7CF-4F0E-9454-7B87B28C2BB6}"/>
+                          <a16:creationId xmlns:a16="http://schemas.microsoft.com/office/drawing/2014/main" xmlns="" id="{1ED1AEE1-B7CF-4F0E-9454-7B87B28C2BB6}"/>
                         </a:ext>
                       </a:extLst>
                     </p:cNvPr>
@@ -8334,7 +8337,7 @@
                       <p:cNvPr id="54" name="Connecteur droit 53">
                         <a:extLst>
                           <a:ext uri="{FF2B5EF4-FFF2-40B4-BE49-F238E27FC236}">
-                            <a16:creationId xmlns="" xmlns:a16="http://schemas.microsoft.com/office/drawing/2014/main" id="{52DB56DC-F90B-45D1-B22E-CAE16CF14DD3}"/>
+                            <a16:creationId xmlns:a16="http://schemas.microsoft.com/office/drawing/2014/main" xmlns="" id="{52DB56DC-F90B-45D1-B22E-CAE16CF14DD3}"/>
                           </a:ext>
                         </a:extLst>
                       </p:cNvPr>
@@ -8376,7 +8379,7 @@
                       <p:cNvPr id="55" name="Connecteur droit 54">
                         <a:extLst>
                           <a:ext uri="{FF2B5EF4-FFF2-40B4-BE49-F238E27FC236}">
-                            <a16:creationId xmlns="" xmlns:a16="http://schemas.microsoft.com/office/drawing/2014/main" id="{CD4FCA04-C73F-403C-9F6E-DD1754BA8E1C}"/>
+                            <a16:creationId xmlns:a16="http://schemas.microsoft.com/office/drawing/2014/main" xmlns="" id="{CD4FCA04-C73F-403C-9F6E-DD1754BA8E1C}"/>
                           </a:ext>
                         </a:extLst>
                       </p:cNvPr>
@@ -8419,7 +8422,7 @@
                     <p:cNvPr id="45" name="Grouper 90">
                       <a:extLst>
                         <a:ext uri="{FF2B5EF4-FFF2-40B4-BE49-F238E27FC236}">
-                          <a16:creationId xmlns="" xmlns:a16="http://schemas.microsoft.com/office/drawing/2014/main" id="{263D8CAB-9A0C-4705-AB09-C58128092079}"/>
+                          <a16:creationId xmlns:a16="http://schemas.microsoft.com/office/drawing/2014/main" xmlns="" id="{263D8CAB-9A0C-4705-AB09-C58128092079}"/>
                         </a:ext>
                       </a:extLst>
                     </p:cNvPr>
@@ -8439,7 +8442,7 @@
                       <p:cNvPr id="52" name="Connecteur droit 51">
                         <a:extLst>
                           <a:ext uri="{FF2B5EF4-FFF2-40B4-BE49-F238E27FC236}">
-                            <a16:creationId xmlns="" xmlns:a16="http://schemas.microsoft.com/office/drawing/2014/main" id="{D312452A-8444-4E4F-97E0-069D38E44D32}"/>
+                            <a16:creationId xmlns:a16="http://schemas.microsoft.com/office/drawing/2014/main" xmlns="" id="{D312452A-8444-4E4F-97E0-069D38E44D32}"/>
                           </a:ext>
                         </a:extLst>
                       </p:cNvPr>
@@ -8481,7 +8484,7 @@
                       <p:cNvPr id="53" name="Connecteur droit 52">
                         <a:extLst>
                           <a:ext uri="{FF2B5EF4-FFF2-40B4-BE49-F238E27FC236}">
-                            <a16:creationId xmlns="" xmlns:a16="http://schemas.microsoft.com/office/drawing/2014/main" id="{03279640-78F8-45D4-95D1-3764663213E0}"/>
+                            <a16:creationId xmlns:a16="http://schemas.microsoft.com/office/drawing/2014/main" xmlns="" id="{03279640-78F8-45D4-95D1-3764663213E0}"/>
                           </a:ext>
                         </a:extLst>
                       </p:cNvPr>
@@ -8524,7 +8527,7 @@
                     <p:cNvPr id="46" name="Grouper 91">
                       <a:extLst>
                         <a:ext uri="{FF2B5EF4-FFF2-40B4-BE49-F238E27FC236}">
-                          <a16:creationId xmlns="" xmlns:a16="http://schemas.microsoft.com/office/drawing/2014/main" id="{150A1D0A-A1C0-4009-86A9-EFC3111990BE}"/>
+                          <a16:creationId xmlns:a16="http://schemas.microsoft.com/office/drawing/2014/main" xmlns="" id="{150A1D0A-A1C0-4009-86A9-EFC3111990BE}"/>
                         </a:ext>
                       </a:extLst>
                     </p:cNvPr>
@@ -8544,7 +8547,7 @@
                       <p:cNvPr id="50" name="Connecteur droit 49">
                         <a:extLst>
                           <a:ext uri="{FF2B5EF4-FFF2-40B4-BE49-F238E27FC236}">
-                            <a16:creationId xmlns="" xmlns:a16="http://schemas.microsoft.com/office/drawing/2014/main" id="{7CFA150A-4557-4613-92EF-76CEC0F96008}"/>
+                            <a16:creationId xmlns:a16="http://schemas.microsoft.com/office/drawing/2014/main" xmlns="" id="{7CFA150A-4557-4613-92EF-76CEC0F96008}"/>
                           </a:ext>
                         </a:extLst>
                       </p:cNvPr>
@@ -8586,7 +8589,7 @@
                       <p:cNvPr id="51" name="Connecteur droit 50">
                         <a:extLst>
                           <a:ext uri="{FF2B5EF4-FFF2-40B4-BE49-F238E27FC236}">
-                            <a16:creationId xmlns="" xmlns:a16="http://schemas.microsoft.com/office/drawing/2014/main" id="{A8CB4CBF-10D5-4875-89BD-C50B9FC4F172}"/>
+                            <a16:creationId xmlns:a16="http://schemas.microsoft.com/office/drawing/2014/main" xmlns="" id="{A8CB4CBF-10D5-4875-89BD-C50B9FC4F172}"/>
                           </a:ext>
                         </a:extLst>
                       </p:cNvPr>
@@ -8629,7 +8632,7 @@
                     <p:cNvPr id="47" name="Grouper 92">
                       <a:extLst>
                         <a:ext uri="{FF2B5EF4-FFF2-40B4-BE49-F238E27FC236}">
-                          <a16:creationId xmlns="" xmlns:a16="http://schemas.microsoft.com/office/drawing/2014/main" id="{940CB44A-AA17-4F31-80D5-E996884FF4F2}"/>
+                          <a16:creationId xmlns:a16="http://schemas.microsoft.com/office/drawing/2014/main" xmlns="" id="{940CB44A-AA17-4F31-80D5-E996884FF4F2}"/>
                         </a:ext>
                       </a:extLst>
                     </p:cNvPr>
@@ -8649,7 +8652,7 @@
                       <p:cNvPr id="48" name="Connecteur droit 47">
                         <a:extLst>
                           <a:ext uri="{FF2B5EF4-FFF2-40B4-BE49-F238E27FC236}">
-                            <a16:creationId xmlns="" xmlns:a16="http://schemas.microsoft.com/office/drawing/2014/main" id="{F54EAE8D-B716-4952-A52C-A45018C6970D}"/>
+                            <a16:creationId xmlns:a16="http://schemas.microsoft.com/office/drawing/2014/main" xmlns="" id="{F54EAE8D-B716-4952-A52C-A45018C6970D}"/>
                           </a:ext>
                         </a:extLst>
                       </p:cNvPr>
@@ -8691,7 +8694,7 @@
                       <p:cNvPr id="49" name="Connecteur droit 48">
                         <a:extLst>
                           <a:ext uri="{FF2B5EF4-FFF2-40B4-BE49-F238E27FC236}">
-                            <a16:creationId xmlns="" xmlns:a16="http://schemas.microsoft.com/office/drawing/2014/main" id="{3E406D1E-88FB-4E78-BBBE-8976DB2A926D}"/>
+                            <a16:creationId xmlns:a16="http://schemas.microsoft.com/office/drawing/2014/main" xmlns="" id="{3E406D1E-88FB-4E78-BBBE-8976DB2A926D}"/>
                           </a:ext>
                         </a:extLst>
                       </p:cNvPr>
@@ -8735,7 +8738,7 @@
                   <p:cNvPr id="31" name="Grouper 76">
                     <a:extLst>
                       <a:ext uri="{FF2B5EF4-FFF2-40B4-BE49-F238E27FC236}">
-                        <a16:creationId xmlns="" xmlns:a16="http://schemas.microsoft.com/office/drawing/2014/main" id="{4D53651E-F881-40BB-9801-2D3A6DF799B1}"/>
+                        <a16:creationId xmlns:a16="http://schemas.microsoft.com/office/drawing/2014/main" xmlns="" id="{4D53651E-F881-40BB-9801-2D3A6DF799B1}"/>
                       </a:ext>
                     </a:extLst>
                   </p:cNvPr>
@@ -8755,7 +8758,7 @@
                     <p:cNvPr id="32" name="Grouper 77">
                       <a:extLst>
                         <a:ext uri="{FF2B5EF4-FFF2-40B4-BE49-F238E27FC236}">
-                          <a16:creationId xmlns="" xmlns:a16="http://schemas.microsoft.com/office/drawing/2014/main" id="{01DE92F4-9AD9-43CF-BAB2-952257B0D0CD}"/>
+                          <a16:creationId xmlns:a16="http://schemas.microsoft.com/office/drawing/2014/main" xmlns="" id="{01DE92F4-9AD9-43CF-BAB2-952257B0D0CD}"/>
                         </a:ext>
                       </a:extLst>
                     </p:cNvPr>
@@ -8775,7 +8778,7 @@
                       <p:cNvPr id="42" name="Connecteur droit 41">
                         <a:extLst>
                           <a:ext uri="{FF2B5EF4-FFF2-40B4-BE49-F238E27FC236}">
-                            <a16:creationId xmlns="" xmlns:a16="http://schemas.microsoft.com/office/drawing/2014/main" id="{02A2D758-AF88-43F2-9D90-C06EB07E6113}"/>
+                            <a16:creationId xmlns:a16="http://schemas.microsoft.com/office/drawing/2014/main" xmlns="" id="{02A2D758-AF88-43F2-9D90-C06EB07E6113}"/>
                           </a:ext>
                         </a:extLst>
                       </p:cNvPr>
@@ -8817,7 +8820,7 @@
                       <p:cNvPr id="43" name="Connecteur droit 42">
                         <a:extLst>
                           <a:ext uri="{FF2B5EF4-FFF2-40B4-BE49-F238E27FC236}">
-                            <a16:creationId xmlns="" xmlns:a16="http://schemas.microsoft.com/office/drawing/2014/main" id="{7EFB4E84-7B79-441F-8972-96211A1EFB13}"/>
+                            <a16:creationId xmlns:a16="http://schemas.microsoft.com/office/drawing/2014/main" xmlns="" id="{7EFB4E84-7B79-441F-8972-96211A1EFB13}"/>
                           </a:ext>
                         </a:extLst>
                       </p:cNvPr>
@@ -8860,7 +8863,7 @@
                     <p:cNvPr id="33" name="Grouper 78">
                       <a:extLst>
                         <a:ext uri="{FF2B5EF4-FFF2-40B4-BE49-F238E27FC236}">
-                          <a16:creationId xmlns="" xmlns:a16="http://schemas.microsoft.com/office/drawing/2014/main" id="{A7B59A61-9DBD-4011-809E-FDED1C558C01}"/>
+                          <a16:creationId xmlns:a16="http://schemas.microsoft.com/office/drawing/2014/main" xmlns="" id="{A7B59A61-9DBD-4011-809E-FDED1C558C01}"/>
                         </a:ext>
                       </a:extLst>
                     </p:cNvPr>
@@ -8880,7 +8883,7 @@
                       <p:cNvPr id="40" name="Connecteur droit 39">
                         <a:extLst>
                           <a:ext uri="{FF2B5EF4-FFF2-40B4-BE49-F238E27FC236}">
-                            <a16:creationId xmlns="" xmlns:a16="http://schemas.microsoft.com/office/drawing/2014/main" id="{F385CD89-8FA2-4B91-BC38-57972661F58B}"/>
+                            <a16:creationId xmlns:a16="http://schemas.microsoft.com/office/drawing/2014/main" xmlns="" id="{F385CD89-8FA2-4B91-BC38-57972661F58B}"/>
                           </a:ext>
                         </a:extLst>
                       </p:cNvPr>
@@ -8922,7 +8925,7 @@
                       <p:cNvPr id="41" name="Connecteur droit 40">
                         <a:extLst>
                           <a:ext uri="{FF2B5EF4-FFF2-40B4-BE49-F238E27FC236}">
-                            <a16:creationId xmlns="" xmlns:a16="http://schemas.microsoft.com/office/drawing/2014/main" id="{662E7E78-CBC5-4133-B9C4-5CA29E4D1B4F}"/>
+                            <a16:creationId xmlns:a16="http://schemas.microsoft.com/office/drawing/2014/main" xmlns="" id="{662E7E78-CBC5-4133-B9C4-5CA29E4D1B4F}"/>
                           </a:ext>
                         </a:extLst>
                       </p:cNvPr>
@@ -8965,7 +8968,7 @@
                     <p:cNvPr id="34" name="Grouper 79">
                       <a:extLst>
                         <a:ext uri="{FF2B5EF4-FFF2-40B4-BE49-F238E27FC236}">
-                          <a16:creationId xmlns="" xmlns:a16="http://schemas.microsoft.com/office/drawing/2014/main" id="{5D6FA5B0-581C-4DC2-B4B6-ACBD65D647AA}"/>
+                          <a16:creationId xmlns:a16="http://schemas.microsoft.com/office/drawing/2014/main" xmlns="" id="{5D6FA5B0-581C-4DC2-B4B6-ACBD65D647AA}"/>
                         </a:ext>
                       </a:extLst>
                     </p:cNvPr>
@@ -8985,7 +8988,7 @@
                       <p:cNvPr id="38" name="Connecteur droit 37">
                         <a:extLst>
                           <a:ext uri="{FF2B5EF4-FFF2-40B4-BE49-F238E27FC236}">
-                            <a16:creationId xmlns="" xmlns:a16="http://schemas.microsoft.com/office/drawing/2014/main" id="{972D0AE5-13BA-49AA-9B74-8C3C8E0F77E9}"/>
+                            <a16:creationId xmlns:a16="http://schemas.microsoft.com/office/drawing/2014/main" xmlns="" id="{972D0AE5-13BA-49AA-9B74-8C3C8E0F77E9}"/>
                           </a:ext>
                         </a:extLst>
                       </p:cNvPr>
@@ -9027,7 +9030,7 @@
                       <p:cNvPr id="39" name="Connecteur droit 38">
                         <a:extLst>
                           <a:ext uri="{FF2B5EF4-FFF2-40B4-BE49-F238E27FC236}">
-                            <a16:creationId xmlns="" xmlns:a16="http://schemas.microsoft.com/office/drawing/2014/main" id="{68363E9F-295B-464E-8180-7E7109DE2E98}"/>
+                            <a16:creationId xmlns:a16="http://schemas.microsoft.com/office/drawing/2014/main" xmlns="" id="{68363E9F-295B-464E-8180-7E7109DE2E98}"/>
                           </a:ext>
                         </a:extLst>
                       </p:cNvPr>
@@ -9070,7 +9073,7 @@
                     <p:cNvPr id="35" name="Grouper 80">
                       <a:extLst>
                         <a:ext uri="{FF2B5EF4-FFF2-40B4-BE49-F238E27FC236}">
-                          <a16:creationId xmlns="" xmlns:a16="http://schemas.microsoft.com/office/drawing/2014/main" id="{A94BFBEB-D11E-482C-9FA8-E6329D929B9B}"/>
+                          <a16:creationId xmlns:a16="http://schemas.microsoft.com/office/drawing/2014/main" xmlns="" id="{A94BFBEB-D11E-482C-9FA8-E6329D929B9B}"/>
                         </a:ext>
                       </a:extLst>
                     </p:cNvPr>
@@ -9090,7 +9093,7 @@
                       <p:cNvPr id="36" name="Connecteur droit 35">
                         <a:extLst>
                           <a:ext uri="{FF2B5EF4-FFF2-40B4-BE49-F238E27FC236}">
-                            <a16:creationId xmlns="" xmlns:a16="http://schemas.microsoft.com/office/drawing/2014/main" id="{5683A197-B24F-409A-8B02-4CBCF86D4689}"/>
+                            <a16:creationId xmlns:a16="http://schemas.microsoft.com/office/drawing/2014/main" xmlns="" id="{5683A197-B24F-409A-8B02-4CBCF86D4689}"/>
                           </a:ext>
                         </a:extLst>
                       </p:cNvPr>
@@ -9132,7 +9135,7 @@
                       <p:cNvPr id="37" name="Connecteur droit 36">
                         <a:extLst>
                           <a:ext uri="{FF2B5EF4-FFF2-40B4-BE49-F238E27FC236}">
-                            <a16:creationId xmlns="" xmlns:a16="http://schemas.microsoft.com/office/drawing/2014/main" id="{B47D596A-4924-4DF5-90D6-0FEF52062A5D}"/>
+                            <a16:creationId xmlns:a16="http://schemas.microsoft.com/office/drawing/2014/main" xmlns="" id="{B47D596A-4924-4DF5-90D6-0FEF52062A5D}"/>
                           </a:ext>
                         </a:extLst>
                       </p:cNvPr>
@@ -9177,7 +9180,7 @@
                 <p:cNvPr id="25" name="Rectangle à coins arrondis 70">
                   <a:extLst>
                     <a:ext uri="{FF2B5EF4-FFF2-40B4-BE49-F238E27FC236}">
-                      <a16:creationId xmlns="" xmlns:a16="http://schemas.microsoft.com/office/drawing/2014/main" id="{5BFDB0C9-FA7C-4B5A-8E70-355D0CEA4EAF}"/>
+                      <a16:creationId xmlns:a16="http://schemas.microsoft.com/office/drawing/2014/main" xmlns="" id="{5BFDB0C9-FA7C-4B5A-8E70-355D0CEA4EAF}"/>
                     </a:ext>
                   </a:extLst>
                 </p:cNvPr>
@@ -9235,7 +9238,7 @@
               <p:cNvPr id="12" name="ZoneTexte 11">
                 <a:extLst>
                   <a:ext uri="{FF2B5EF4-FFF2-40B4-BE49-F238E27FC236}">
-                    <a16:creationId xmlns="" xmlns:a16="http://schemas.microsoft.com/office/drawing/2014/main" id="{2D3CA78A-133B-4B7E-95D7-277085679B66}"/>
+                    <a16:creationId xmlns:a16="http://schemas.microsoft.com/office/drawing/2014/main" xmlns="" id="{2D3CA78A-133B-4B7E-95D7-277085679B66}"/>
                   </a:ext>
                 </a:extLst>
               </p:cNvPr>
@@ -9277,7 +9280,7 @@
               <p:cNvPr id="13" name="ZoneTexte 12">
                 <a:extLst>
                   <a:ext uri="{FF2B5EF4-FFF2-40B4-BE49-F238E27FC236}">
-                    <a16:creationId xmlns="" xmlns:a16="http://schemas.microsoft.com/office/drawing/2014/main" id="{E4100E4F-C25C-43F5-900D-2CF6DFF0AA7A}"/>
+                    <a16:creationId xmlns:a16="http://schemas.microsoft.com/office/drawing/2014/main" xmlns="" id="{E4100E4F-C25C-43F5-900D-2CF6DFF0AA7A}"/>
                   </a:ext>
                 </a:extLst>
               </p:cNvPr>
@@ -9312,7 +9315,7 @@
               <p:cNvPr id="14" name="ZoneTexte 13">
                 <a:extLst>
                   <a:ext uri="{FF2B5EF4-FFF2-40B4-BE49-F238E27FC236}">
-                    <a16:creationId xmlns="" xmlns:a16="http://schemas.microsoft.com/office/drawing/2014/main" id="{AEAF1197-5FAE-4D74-84A5-8FA53524F64D}"/>
+                    <a16:creationId xmlns:a16="http://schemas.microsoft.com/office/drawing/2014/main" xmlns="" id="{AEAF1197-5FAE-4D74-84A5-8FA53524F64D}"/>
                   </a:ext>
                 </a:extLst>
               </p:cNvPr>
@@ -9364,7 +9367,7 @@
               <p:cNvPr id="15" name="Flèche vers la droite 129">
                 <a:extLst>
                   <a:ext uri="{FF2B5EF4-FFF2-40B4-BE49-F238E27FC236}">
-                    <a16:creationId xmlns="" xmlns:a16="http://schemas.microsoft.com/office/drawing/2014/main" id="{2A27B422-EDCC-423C-97A1-0F89C3E46FC8}"/>
+                    <a16:creationId xmlns:a16="http://schemas.microsoft.com/office/drawing/2014/main" xmlns="" id="{2A27B422-EDCC-423C-97A1-0F89C3E46FC8}"/>
                   </a:ext>
                 </a:extLst>
               </p:cNvPr>
@@ -9422,7 +9425,7 @@
               <p:cNvPr id="16" name="Flèche vers la droite 130">
                 <a:extLst>
                   <a:ext uri="{FF2B5EF4-FFF2-40B4-BE49-F238E27FC236}">
-                    <a16:creationId xmlns="" xmlns:a16="http://schemas.microsoft.com/office/drawing/2014/main" id="{DE535654-6DA4-491E-885F-393303F707AF}"/>
+                    <a16:creationId xmlns:a16="http://schemas.microsoft.com/office/drawing/2014/main" xmlns="" id="{DE535654-6DA4-491E-885F-393303F707AF}"/>
                   </a:ext>
                 </a:extLst>
               </p:cNvPr>
@@ -9480,7 +9483,7 @@
               <p:cNvPr id="17" name="Flèche vers la droite 131">
                 <a:extLst>
                   <a:ext uri="{FF2B5EF4-FFF2-40B4-BE49-F238E27FC236}">
-                    <a16:creationId xmlns="" xmlns:a16="http://schemas.microsoft.com/office/drawing/2014/main" id="{F202C734-D73A-4305-B572-92726DF1E6A6}"/>
+                    <a16:creationId xmlns:a16="http://schemas.microsoft.com/office/drawing/2014/main" xmlns="" id="{F202C734-D73A-4305-B572-92726DF1E6A6}"/>
                   </a:ext>
                 </a:extLst>
               </p:cNvPr>
@@ -9538,7 +9541,7 @@
               <p:cNvPr id="18" name="Flèche vers la droite 132">
                 <a:extLst>
                   <a:ext uri="{FF2B5EF4-FFF2-40B4-BE49-F238E27FC236}">
-                    <a16:creationId xmlns="" xmlns:a16="http://schemas.microsoft.com/office/drawing/2014/main" id="{F57D0BDA-50DA-4928-9540-9606334C0C69}"/>
+                    <a16:creationId xmlns:a16="http://schemas.microsoft.com/office/drawing/2014/main" xmlns="" id="{F57D0BDA-50DA-4928-9540-9606334C0C69}"/>
                   </a:ext>
                 </a:extLst>
               </p:cNvPr>
@@ -9596,7 +9599,7 @@
               <p:cNvPr id="19" name="ZoneTexte 18">
                 <a:extLst>
                   <a:ext uri="{FF2B5EF4-FFF2-40B4-BE49-F238E27FC236}">
-                    <a16:creationId xmlns="" xmlns:a16="http://schemas.microsoft.com/office/drawing/2014/main" id="{C3116ACA-C02F-45D2-8653-AA73A66F8C71}"/>
+                    <a16:creationId xmlns:a16="http://schemas.microsoft.com/office/drawing/2014/main" xmlns="" id="{C3116ACA-C02F-45D2-8653-AA73A66F8C71}"/>
                   </a:ext>
                 </a:extLst>
               </p:cNvPr>
@@ -9639,7 +9642,7 @@
               <p:cNvPr id="20" name="Flèche vers la droite 134">
                 <a:extLst>
                   <a:ext uri="{FF2B5EF4-FFF2-40B4-BE49-F238E27FC236}">
-                    <a16:creationId xmlns="" xmlns:a16="http://schemas.microsoft.com/office/drawing/2014/main" id="{1C16651C-6BB5-4AF5-A3D8-9AC0DCF4F750}"/>
+                    <a16:creationId xmlns:a16="http://schemas.microsoft.com/office/drawing/2014/main" xmlns="" id="{1C16651C-6BB5-4AF5-A3D8-9AC0DCF4F750}"/>
                   </a:ext>
                 </a:extLst>
               </p:cNvPr>
@@ -9697,7 +9700,7 @@
               <p:cNvPr id="21" name="ZoneTexte 20">
                 <a:extLst>
                   <a:ext uri="{FF2B5EF4-FFF2-40B4-BE49-F238E27FC236}">
-                    <a16:creationId xmlns="" xmlns:a16="http://schemas.microsoft.com/office/drawing/2014/main" id="{7F429A19-0C6C-4A63-BEE5-070599D6CA43}"/>
+                    <a16:creationId xmlns:a16="http://schemas.microsoft.com/office/drawing/2014/main" xmlns="" id="{7F429A19-0C6C-4A63-BEE5-070599D6CA43}"/>
                   </a:ext>
                 </a:extLst>
               </p:cNvPr>
@@ -9741,7 +9744,7 @@
               <p:cNvPr id="22" name="ZoneTexte 21">
                 <a:extLst>
                   <a:ext uri="{FF2B5EF4-FFF2-40B4-BE49-F238E27FC236}">
-                    <a16:creationId xmlns="" xmlns:a16="http://schemas.microsoft.com/office/drawing/2014/main" id="{F74F78E3-FF56-41C3-BE88-37E0EAD2CE28}"/>
+                    <a16:creationId xmlns:a16="http://schemas.microsoft.com/office/drawing/2014/main" xmlns="" id="{F74F78E3-FF56-41C3-BE88-37E0EAD2CE28}"/>
                   </a:ext>
                 </a:extLst>
               </p:cNvPr>
@@ -9776,7 +9779,7 @@
               <p:cNvPr id="23" name="Flèche vers la droite 137">
                 <a:extLst>
                   <a:ext uri="{FF2B5EF4-FFF2-40B4-BE49-F238E27FC236}">
-                    <a16:creationId xmlns="" xmlns:a16="http://schemas.microsoft.com/office/drawing/2014/main" id="{73786084-AA87-4592-B31C-A130EB131365}"/>
+                    <a16:creationId xmlns:a16="http://schemas.microsoft.com/office/drawing/2014/main" xmlns="" id="{73786084-AA87-4592-B31C-A130EB131365}"/>
                   </a:ext>
                 </a:extLst>
               </p:cNvPr>
@@ -9837,7 +9840,7 @@
                 <p:cNvPr id="9" name="ZoneTexte 8">
                   <a:extLst>
                     <a:ext uri="{FF2B5EF4-FFF2-40B4-BE49-F238E27FC236}">
-                      <a16:creationId xmlns="" xmlns:a16="http://schemas.microsoft.com/office/drawing/2014/main" id="{B2AD1845-005D-4D56-8DD3-7B8026BCC5A3}"/>
+                      <a16:creationId xmlns:a16="http://schemas.microsoft.com/office/drawing/2014/main" xmlns="" id="{B2AD1845-005D-4D56-8DD3-7B8026BCC5A3}"/>
                     </a:ext>
                   </a:extLst>
                 </p:cNvPr>
@@ -10798,11 +10801,7 @@
                       </a:r>
                       <a:r>
                         <a:rPr lang="fr-FR" baseline="0" dirty="0" smtClean="0"/>
-                        <a:t> </a:t>
-                      </a:r>
-                      <a:r>
-                        <a:rPr lang="fr-FR" baseline="0" dirty="0" smtClean="0"/>
-                        <a:t>élevée</a:t>
+                        <a:t> élevée</a:t>
                       </a:r>
                     </a:p>
                     <a:p>
@@ -11025,7 +11024,7 @@
               <p:cNvPr id="86" name="ZoneTexte 85">
                 <a:extLst>
                   <a:ext uri="{FF2B5EF4-FFF2-40B4-BE49-F238E27FC236}">
-                    <a16:creationId xmlns="" xmlns:a16="http://schemas.microsoft.com/office/drawing/2014/main" id="{B2AD1845-005D-4D56-8DD3-7B8026BCC5A3}"/>
+                    <a16:creationId xmlns:a16="http://schemas.microsoft.com/office/drawing/2014/main" xmlns="" id="{B2AD1845-005D-4D56-8DD3-7B8026BCC5A3}"/>
                   </a:ext>
                 </a:extLst>
               </p:cNvPr>
@@ -11952,7 +11951,7 @@
           <p:cNvPr id="7" name="Image 6">
             <a:extLst>
               <a:ext uri="{FF2B5EF4-FFF2-40B4-BE49-F238E27FC236}">
-                <a16:creationId xmlns="" xmlns:a16="http://schemas.microsoft.com/office/drawing/2014/main" id="{72C1696C-D7CB-49C0-ACD7-0768368612C5}"/>
+                <a16:creationId xmlns:a16="http://schemas.microsoft.com/office/drawing/2014/main" xmlns="" id="{72C1696C-D7CB-49C0-ACD7-0768368612C5}"/>
               </a:ext>
             </a:extLst>
           </p:cNvPr>
@@ -15545,7 +15544,7 @@
               <p:cNvPr id="10" name="ZoneTexte 9">
                 <a:extLst>
                   <a:ext uri="{FF2B5EF4-FFF2-40B4-BE49-F238E27FC236}">
-                    <a16:creationId xmlns="" xmlns:a16="http://schemas.microsoft.com/office/drawing/2014/main" id="{B2AD1845-005D-4D56-8DD3-7B8026BCC5A3}"/>
+                    <a16:creationId xmlns:a16="http://schemas.microsoft.com/office/drawing/2014/main" xmlns="" id="{B2AD1845-005D-4D56-8DD3-7B8026BCC5A3}"/>
                   </a:ext>
                 </a:extLst>
               </p:cNvPr>
@@ -16303,7 +16302,7 @@
               <p:cNvPr id="28" name="ZoneTexte 27">
                 <a:extLst>
                   <a:ext uri="{FF2B5EF4-FFF2-40B4-BE49-F238E27FC236}">
-                    <a16:creationId xmlns="" xmlns:a16="http://schemas.microsoft.com/office/drawing/2014/main" id="{B2AD1845-005D-4D56-8DD3-7B8026BCC5A3}"/>
+                    <a16:creationId xmlns:a16="http://schemas.microsoft.com/office/drawing/2014/main" xmlns="" id="{B2AD1845-005D-4D56-8DD3-7B8026BCC5A3}"/>
                   </a:ext>
                 </a:extLst>
               </p:cNvPr>
@@ -16809,7 +16808,7 @@
               <p:cNvPr id="29" name="ZoneTexte 28">
                 <a:extLst>
                   <a:ext uri="{FF2B5EF4-FFF2-40B4-BE49-F238E27FC236}">
-                    <a16:creationId xmlns="" xmlns:a16="http://schemas.microsoft.com/office/drawing/2014/main" id="{B2AD1845-005D-4D56-8DD3-7B8026BCC5A3}"/>
+                    <a16:creationId xmlns:a16="http://schemas.microsoft.com/office/drawing/2014/main" xmlns="" id="{B2AD1845-005D-4D56-8DD3-7B8026BCC5A3}"/>
                   </a:ext>
                 </a:extLst>
               </p:cNvPr>
@@ -17575,8 +17574,8 @@
           </p:sp>
         </mc:Fallback>
       </mc:AlternateContent>
-      <mc:AlternateContent xmlns:mc="http://schemas.openxmlformats.org/markup-compatibility/2006" xmlns:a14="http://schemas.microsoft.com/office/drawing/2010/main">
-        <mc:Choice Requires="a14">
+      <mc:AlternateContent xmlns:mc="http://schemas.openxmlformats.org/markup-compatibility/2006">
+        <mc:Choice xmlns:a14="http://schemas.microsoft.com/office/drawing/2010/main" Requires="a14">
           <p:sp>
             <p:nvSpPr>
               <p:cNvPr id="7" name="ZoneTexte 6"/>
@@ -17585,8 +17584,8 @@
             </p:nvSpPr>
             <p:spPr>
               <a:xfrm>
-                <a:off x="4328043" y="5237540"/>
-                <a:ext cx="3535904" cy="984757"/>
+                <a:off x="3842750" y="5264700"/>
+                <a:ext cx="4506490" cy="984757"/>
               </a:xfrm>
               <a:prstGeom prst="rect">
                 <a:avLst/>
@@ -17717,6 +17716,52 @@
                       </m:f>
                       <m:r>
                         <a:rPr lang="fr-FR" sz="2800" b="0" i="1" smtClean="0">
+                          <a:solidFill>
+                            <a:schemeClr val="tx1"/>
+                          </a:solidFill>
+                          <a:latin typeface="Cambria Math" panose="02040503050406030204" pitchFamily="18" charset="0"/>
+                        </a:rPr>
+                        <m:t>=</m:t>
+                      </m:r>
+                      <m:f>
+                        <m:fPr>
+                          <m:ctrlPr>
+                            <a:rPr lang="fr-FR" sz="2800" b="0" i="1" smtClean="0">
+                              <a:solidFill>
+                                <a:schemeClr val="tx1"/>
+                              </a:solidFill>
+                              <a:latin typeface="Cambria Math" panose="02040503050406030204" pitchFamily="18" charset="0"/>
+                            </a:rPr>
+                          </m:ctrlPr>
+                        </m:fPr>
+                        <m:num>
+                          <m:r>
+                            <a:rPr lang="fr-FR" sz="2800" i="1">
+                              <a:latin typeface="Cambria Math" panose="02040503050406030204" pitchFamily="18" charset="0"/>
+                            </a:rPr>
+                            <m:t>5,</m:t>
+                          </m:r>
+                          <m:r>
+                            <a:rPr lang="fr-FR" sz="2800" b="0" i="1" smtClean="0">
+                              <a:latin typeface="Cambria Math" panose="02040503050406030204" pitchFamily="18" charset="0"/>
+                            </a:rPr>
+                            <m:t>9</m:t>
+                          </m:r>
+                        </m:num>
+                        <m:den>
+                          <m:r>
+                            <a:rPr lang="fr-FR" sz="2800" b="0" i="1" smtClean="0">
+                              <a:solidFill>
+                                <a:schemeClr val="tx1"/>
+                              </a:solidFill>
+                              <a:latin typeface="Cambria Math" panose="02040503050406030204" pitchFamily="18" charset="0"/>
+                            </a:rPr>
+                            <m:t>7,4</m:t>
+                          </m:r>
+                        </m:den>
+                      </m:f>
+                      <m:r>
+                        <a:rPr lang="fr-FR" sz="2800" b="0" i="1" smtClean="0">
                           <a:latin typeface="Cambria Math" panose="02040503050406030204" pitchFamily="18" charset="0"/>
                         </a:rPr>
                         <m:t>=</m:t>
@@ -17725,7 +17770,13 @@
                         <a:rPr lang="fr-FR" sz="2800" b="1" i="1" smtClean="0">
                           <a:latin typeface="Cambria Math" panose="02040503050406030204" pitchFamily="18" charset="0"/>
                         </a:rPr>
-                        <m:t>𝟕𝟓</m:t>
+                        <m:t>𝟕</m:t>
+                      </m:r>
+                      <m:r>
+                        <a:rPr lang="fr-FR" sz="2800" b="1" i="1" smtClean="0">
+                          <a:latin typeface="Cambria Math" panose="02040503050406030204" pitchFamily="18" charset="0"/>
+                        </a:rPr>
+                        <m:t>𝟗</m:t>
                       </m:r>
                       <m:r>
                         <a:rPr lang="fr-FR" sz="2800" b="1" i="1" smtClean="0">
@@ -17741,7 +17792,7 @@
             </p:txBody>
           </p:sp>
         </mc:Choice>
-        <mc:Fallback xmlns="">
+        <mc:Fallback>
           <p:sp>
             <p:nvSpPr>
               <p:cNvPr id="7" name="ZoneTexte 6"/>
@@ -17752,8 +17803,8 @@
             </p:nvSpPr>
             <p:spPr>
               <a:xfrm>
-                <a:off x="4328043" y="5237540"/>
-                <a:ext cx="3535904" cy="984757"/>
+                <a:off x="3842750" y="5264700"/>
+                <a:ext cx="4506490" cy="984757"/>
               </a:xfrm>
               <a:prstGeom prst="rect">
                 <a:avLst/>
@@ -18278,246 +18329,9 @@
   <p:timing>
     <p:tnLst>
       <p:par>
-        <p:cTn id="1" dur="indefinite" restart="never" nodeType="tmRoot">
-          <p:childTnLst>
-            <p:seq concurrent="1" nextAc="seek">
-              <p:cTn id="2" dur="indefinite" nodeType="mainSeq">
-                <p:childTnLst>
-                  <p:par>
-                    <p:cTn id="3" fill="hold">
-                      <p:stCondLst>
-                        <p:cond delay="indefinite"/>
-                      </p:stCondLst>
-                      <p:childTnLst>
-                        <p:par>
-                          <p:cTn id="4" fill="hold">
-                            <p:stCondLst>
-                              <p:cond delay="0"/>
-                            </p:stCondLst>
-                            <p:childTnLst>
-                              <p:par>
-                                <p:cTn id="5" presetID="1" presetClass="entr" presetSubtype="0" fill="hold" grpId="0" nodeType="clickEffect">
-                                  <p:stCondLst>
-                                    <p:cond delay="0"/>
-                                  </p:stCondLst>
-                                  <p:childTnLst>
-                                    <p:set>
-                                      <p:cBhvr>
-                                        <p:cTn id="6" dur="1" fill="hold">
-                                          <p:stCondLst>
-                                            <p:cond delay="0"/>
-                                          </p:stCondLst>
-                                        </p:cTn>
-                                        <p:tgtEl>
-                                          <p:spTgt spid="29"/>
-                                        </p:tgtEl>
-                                        <p:attrNameLst>
-                                          <p:attrName>style.visibility</p:attrName>
-                                        </p:attrNameLst>
-                                      </p:cBhvr>
-                                      <p:to>
-                                        <p:strVal val="visible"/>
-                                      </p:to>
-                                    </p:set>
-                                  </p:childTnLst>
-                                </p:cTn>
-                              </p:par>
-                            </p:childTnLst>
-                          </p:cTn>
-                        </p:par>
-                      </p:childTnLst>
-                    </p:cTn>
-                  </p:par>
-                  <p:par>
-                    <p:cTn id="7" fill="hold">
-                      <p:stCondLst>
-                        <p:cond delay="indefinite"/>
-                      </p:stCondLst>
-                      <p:childTnLst>
-                        <p:par>
-                          <p:cTn id="8" fill="hold">
-                            <p:stCondLst>
-                              <p:cond delay="0"/>
-                            </p:stCondLst>
-                            <p:childTnLst>
-                              <p:par>
-                                <p:cTn id="9" presetID="1" presetClass="entr" presetSubtype="0" fill="hold" grpId="0" nodeType="clickEffect">
-                                  <p:stCondLst>
-                                    <p:cond delay="0"/>
-                                  </p:stCondLst>
-                                  <p:childTnLst>
-                                    <p:set>
-                                      <p:cBhvr>
-                                        <p:cTn id="10" dur="1" fill="hold">
-                                          <p:stCondLst>
-                                            <p:cond delay="0"/>
-                                          </p:stCondLst>
-                                        </p:cTn>
-                                        <p:tgtEl>
-                                          <p:spTgt spid="30"/>
-                                        </p:tgtEl>
-                                        <p:attrNameLst>
-                                          <p:attrName>style.visibility</p:attrName>
-                                        </p:attrNameLst>
-                                      </p:cBhvr>
-                                      <p:to>
-                                        <p:strVal val="visible"/>
-                                      </p:to>
-                                    </p:set>
-                                  </p:childTnLst>
-                                </p:cTn>
-                              </p:par>
-                              <p:par>
-                                <p:cTn id="11" presetID="1" presetClass="entr" presetSubtype="0" fill="hold" grpId="0" nodeType="withEffect">
-                                  <p:stCondLst>
-                                    <p:cond delay="0"/>
-                                  </p:stCondLst>
-                                  <p:childTnLst>
-                                    <p:set>
-                                      <p:cBhvr>
-                                        <p:cTn id="12" dur="1" fill="hold">
-                                          <p:stCondLst>
-                                            <p:cond delay="0"/>
-                                          </p:stCondLst>
-                                        </p:cTn>
-                                        <p:tgtEl>
-                                          <p:spTgt spid="20"/>
-                                        </p:tgtEl>
-                                        <p:attrNameLst>
-                                          <p:attrName>style.visibility</p:attrName>
-                                        </p:attrNameLst>
-                                      </p:cBhvr>
-                                      <p:to>
-                                        <p:strVal val="visible"/>
-                                      </p:to>
-                                    </p:set>
-                                  </p:childTnLst>
-                                </p:cTn>
-                              </p:par>
-                            </p:childTnLst>
-                          </p:cTn>
-                        </p:par>
-                      </p:childTnLst>
-                    </p:cTn>
-                  </p:par>
-                  <p:par>
-                    <p:cTn id="13" fill="hold">
-                      <p:stCondLst>
-                        <p:cond delay="indefinite"/>
-                      </p:stCondLst>
-                      <p:childTnLst>
-                        <p:par>
-                          <p:cTn id="14" fill="hold">
-                            <p:stCondLst>
-                              <p:cond delay="0"/>
-                            </p:stCondLst>
-                            <p:childTnLst>
-                              <p:par>
-                                <p:cTn id="15" presetID="1" presetClass="entr" presetSubtype="0" fill="hold" grpId="0" nodeType="clickEffect">
-                                  <p:stCondLst>
-                                    <p:cond delay="0"/>
-                                  </p:stCondLst>
-                                  <p:childTnLst>
-                                    <p:set>
-                                      <p:cBhvr>
-                                        <p:cTn id="16" dur="1" fill="hold">
-                                          <p:stCondLst>
-                                            <p:cond delay="0"/>
-                                          </p:stCondLst>
-                                        </p:cTn>
-                                        <p:tgtEl>
-                                          <p:spTgt spid="31"/>
-                                        </p:tgtEl>
-                                        <p:attrNameLst>
-                                          <p:attrName>style.visibility</p:attrName>
-                                        </p:attrNameLst>
-                                      </p:cBhvr>
-                                      <p:to>
-                                        <p:strVal val="visible"/>
-                                      </p:to>
-                                    </p:set>
-                                  </p:childTnLst>
-                                </p:cTn>
-                              </p:par>
-                            </p:childTnLst>
-                          </p:cTn>
-                        </p:par>
-                      </p:childTnLst>
-                    </p:cTn>
-                  </p:par>
-                  <p:par>
-                    <p:cTn id="17" fill="hold">
-                      <p:stCondLst>
-                        <p:cond delay="indefinite"/>
-                      </p:stCondLst>
-                      <p:childTnLst>
-                        <p:par>
-                          <p:cTn id="18" fill="hold">
-                            <p:stCondLst>
-                              <p:cond delay="0"/>
-                            </p:stCondLst>
-                            <p:childTnLst>
-                              <p:par>
-                                <p:cTn id="19" presetID="1" presetClass="entr" presetSubtype="0" fill="hold" grpId="0" nodeType="clickEffect">
-                                  <p:stCondLst>
-                                    <p:cond delay="0"/>
-                                  </p:stCondLst>
-                                  <p:childTnLst>
-                                    <p:set>
-                                      <p:cBhvr>
-                                        <p:cTn id="20" dur="1" fill="hold">
-                                          <p:stCondLst>
-                                            <p:cond delay="0"/>
-                                          </p:stCondLst>
-                                        </p:cTn>
-                                        <p:tgtEl>
-                                          <p:spTgt spid="7"/>
-                                        </p:tgtEl>
-                                        <p:attrNameLst>
-                                          <p:attrName>style.visibility</p:attrName>
-                                        </p:attrNameLst>
-                                      </p:cBhvr>
-                                      <p:to>
-                                        <p:strVal val="visible"/>
-                                      </p:to>
-                                    </p:set>
-                                  </p:childTnLst>
-                                </p:cTn>
-                              </p:par>
-                            </p:childTnLst>
-                          </p:cTn>
-                        </p:par>
-                      </p:childTnLst>
-                    </p:cTn>
-                  </p:par>
-                </p:childTnLst>
-              </p:cTn>
-              <p:prevCondLst>
-                <p:cond evt="onPrev" delay="0">
-                  <p:tgtEl>
-                    <p:sldTgt/>
-                  </p:tgtEl>
-                </p:cond>
-              </p:prevCondLst>
-              <p:nextCondLst>
-                <p:cond evt="onNext" delay="0">
-                  <p:tgtEl>
-                    <p:sldTgt/>
-                  </p:tgtEl>
-                </p:cond>
-              </p:nextCondLst>
-            </p:seq>
-          </p:childTnLst>
-        </p:cTn>
+        <p:cTn id="1" dur="indefinite" restart="never" nodeType="tmRoot"/>
       </p:par>
     </p:tnLst>
-    <p:bldLst>
-      <p:bldP spid="29" grpId="0" animBg="1"/>
-      <p:bldP spid="7" grpId="0" animBg="1"/>
-      <p:bldP spid="30" grpId="0" animBg="1"/>
-      <p:bldP spid="20" grpId="0"/>
-      <p:bldP spid="31" grpId="0"/>
-    </p:bldLst>
   </p:timing>
 </p:sld>
 </file>
@@ -18996,8 +18810,8 @@
           </p:sp>
         </mc:Fallback>
       </mc:AlternateContent>
-      <mc:AlternateContent xmlns:mc="http://schemas.openxmlformats.org/markup-compatibility/2006" xmlns:a14="http://schemas.microsoft.com/office/drawing/2010/main">
-        <mc:Choice Requires="a14">
+      <mc:AlternateContent xmlns:mc="http://schemas.openxmlformats.org/markup-compatibility/2006">
+        <mc:Choice xmlns:a14="http://schemas.microsoft.com/office/drawing/2010/main" Requires="a14">
           <p:sp>
             <p:nvSpPr>
               <p:cNvPr id="3" name="ZoneTexte 2"/>
@@ -19080,7 +18894,35 @@
                           </a:solidFill>
                           <a:latin typeface="Cambria Math" panose="02040503050406030204" pitchFamily="18" charset="0"/>
                         </a:rPr>
-                        <m:t>=11,2 %</m:t>
+                        <m:t>=</m:t>
+                      </m:r>
+                      <m:r>
+                        <a:rPr lang="fr-FR" sz="2800" b="0" i="1" smtClean="0">
+                          <a:solidFill>
+                            <a:schemeClr val="accent5"/>
+                          </a:solidFill>
+                          <a:latin typeface="Cambria Math" panose="02040503050406030204" pitchFamily="18" charset="0"/>
+                        </a:rPr>
+                        <m:t>8,6</m:t>
+                      </m:r>
+                      <m:r>
+                        <a:rPr lang="fr-FR" sz="2800" b="0" i="1" smtClean="0">
+                          <a:solidFill>
+                            <a:schemeClr val="accent5"/>
+                          </a:solidFill>
+                          <a:latin typeface="Cambria Math" panose="02040503050406030204" pitchFamily="18" charset="0"/>
+                          <a:ea typeface="Cambria Math" panose="02040503050406030204" pitchFamily="18" charset="0"/>
+                        </a:rPr>
+                        <m:t>±0,2</m:t>
+                      </m:r>
+                      <m:r>
+                        <a:rPr lang="fr-FR" sz="2800" b="0" i="1" smtClean="0">
+                          <a:solidFill>
+                            <a:schemeClr val="accent5"/>
+                          </a:solidFill>
+                          <a:latin typeface="Cambria Math" panose="02040503050406030204" pitchFamily="18" charset="0"/>
+                        </a:rPr>
+                        <m:t> %</m:t>
                       </m:r>
                     </m:oMath>
                   </m:oMathPara>
@@ -19315,7 +19157,7 @@
             </p:txBody>
           </p:sp>
         </mc:Choice>
-        <mc:Fallback xmlns="">
+        <mc:Fallback>
           <p:sp>
             <p:nvSpPr>
               <p:cNvPr id="3" name="ZoneTexte 2"/>
@@ -19403,8 +19245,8 @@
           </a:p>
         </p:txBody>
       </p:sp>
-      <mc:AlternateContent xmlns:mc="http://schemas.openxmlformats.org/markup-compatibility/2006" xmlns:a14="http://schemas.microsoft.com/office/drawing/2010/main">
-        <mc:Choice Requires="a14">
+      <mc:AlternateContent xmlns:mc="http://schemas.openxmlformats.org/markup-compatibility/2006">
+        <mc:Choice xmlns:a14="http://schemas.microsoft.com/office/drawing/2010/main" Requires="a14">
           <p:sp>
             <p:nvSpPr>
               <p:cNvPr id="9" name="ZoneTexte 8"/>
@@ -19413,8 +19255,8 @@
             </p:nvSpPr>
             <p:spPr>
               <a:xfrm>
-                <a:off x="220983" y="1810247"/>
-                <a:ext cx="4225061" cy="4911344"/>
+                <a:off x="220982" y="1810247"/>
+                <a:ext cx="4993813" cy="4911344"/>
               </a:xfrm>
               <a:prstGeom prst="rect">
                 <a:avLst/>
@@ -19496,7 +19338,53 @@
                           </a:solidFill>
                           <a:latin typeface="Cambria Math" panose="02040503050406030204" pitchFamily="18" charset="0"/>
                         </a:rPr>
-                        <m:t>=0,500 </m:t>
+                        <m:t>=0,5</m:t>
+                      </m:r>
+                      <m:r>
+                        <a:rPr lang="fr-FR" sz="2800" b="0" i="1" smtClean="0">
+                          <a:solidFill>
+                            <a:srgbClr val="0070C0"/>
+                          </a:solidFill>
+                          <a:latin typeface="Cambria Math" panose="02040503050406030204" pitchFamily="18" charset="0"/>
+                        </a:rPr>
+                        <m:t>3</m:t>
+                      </m:r>
+                      <m:r>
+                        <a:rPr lang="fr-FR" sz="2800" b="0" i="1" smtClean="0">
+                          <a:solidFill>
+                            <a:srgbClr val="0070C0"/>
+                          </a:solidFill>
+                          <a:latin typeface="Cambria Math" panose="02040503050406030204" pitchFamily="18" charset="0"/>
+                          <a:ea typeface="Cambria Math" panose="02040503050406030204" pitchFamily="18" charset="0"/>
+                        </a:rPr>
+                        <m:t>±0,</m:t>
+                      </m:r>
+                      <m:r>
+                        <a:rPr lang="fr-FR" sz="2800" b="0" i="1" smtClean="0">
+                          <a:solidFill>
+                            <a:srgbClr val="0070C0"/>
+                          </a:solidFill>
+                          <a:latin typeface="Cambria Math" panose="02040503050406030204" pitchFamily="18" charset="0"/>
+                        </a:rPr>
+                        <m:t> </m:t>
+                      </m:r>
+                      <m:r>
+                        <a:rPr lang="fr-FR" sz="2800" b="0" i="1" smtClean="0">
+                          <a:solidFill>
+                            <a:srgbClr val="0070C0"/>
+                          </a:solidFill>
+                          <a:latin typeface="Cambria Math" panose="02040503050406030204" pitchFamily="18" charset="0"/>
+                        </a:rPr>
+                        <m:t>0</m:t>
+                      </m:r>
+                      <m:r>
+                        <a:rPr lang="fr-FR" sz="2800" b="0" i="0" smtClean="0">
+                          <a:solidFill>
+                            <a:srgbClr val="0070C0"/>
+                          </a:solidFill>
+                          <a:latin typeface="Cambria Math" panose="02040503050406030204" pitchFamily="18" charset="0"/>
+                        </a:rPr>
+                        <m:t>1</m:t>
                       </m:r>
                       <m:r>
                         <m:rPr>
@@ -19646,7 +19534,35 @@
                           </a:solidFill>
                           <a:latin typeface="Cambria Math" panose="02040503050406030204" pitchFamily="18" charset="0"/>
                         </a:rPr>
-                        <m:t>=0,444 </m:t>
+                        <m:t>=0,4</m:t>
+                      </m:r>
+                      <m:r>
+                        <a:rPr lang="fr-FR" sz="2800" b="0" i="1" smtClean="0">
+                          <a:solidFill>
+                            <a:srgbClr val="0070C0"/>
+                          </a:solidFill>
+                          <a:latin typeface="Cambria Math" panose="02040503050406030204" pitchFamily="18" charset="0"/>
+                        </a:rPr>
+                        <m:t>9</m:t>
+                      </m:r>
+                      <m:r>
+                        <a:rPr lang="fr-FR" sz="2800" b="0" i="1" smtClean="0">
+                          <a:solidFill>
+                            <a:srgbClr val="0070C0"/>
+                          </a:solidFill>
+                          <a:latin typeface="Cambria Math" panose="02040503050406030204" pitchFamily="18" charset="0"/>
+                          <a:ea typeface="Cambria Math" panose="02040503050406030204" pitchFamily="18" charset="0"/>
+                        </a:rPr>
+                        <m:t>±0,01</m:t>
+                      </m:r>
+                      <m:r>
+                        <a:rPr lang="fr-FR" sz="2800" b="0" i="1" smtClean="0">
+                          <a:solidFill>
+                            <a:srgbClr val="0070C0"/>
+                          </a:solidFill>
+                          <a:latin typeface="Cambria Math" panose="02040503050406030204" pitchFamily="18" charset="0"/>
+                        </a:rPr>
+                        <m:t> </m:t>
                       </m:r>
                       <m:r>
                         <m:rPr>
@@ -19672,7 +19588,7 @@
             </p:txBody>
           </p:sp>
         </mc:Choice>
-        <mc:Fallback xmlns="">
+        <mc:Fallback>
           <p:sp>
             <p:nvSpPr>
               <p:cNvPr id="9" name="ZoneTexte 8"/>
@@ -19683,8 +19599,8 @@
             </p:nvSpPr>
             <p:spPr>
               <a:xfrm>
-                <a:off x="220983" y="1810247"/>
-                <a:ext cx="4225061" cy="4911344"/>
+                <a:off x="220982" y="1810247"/>
+                <a:ext cx="4993813" cy="4911344"/>
               </a:xfrm>
               <a:prstGeom prst="rect">
                 <a:avLst/>
@@ -19692,7 +19608,7 @@
               <a:blipFill rotWithShape="0">
                 <a:blip r:embed="rId4"/>
                 <a:stretch>
-                  <a:fillRect l="-2886" t="-1241"/>
+                  <a:fillRect l="-2442" t="-1241"/>
                 </a:stretch>
               </a:blipFill>
               <a:ln w="38100">
@@ -19774,163 +19690,9 @@
   <p:timing>
     <p:tnLst>
       <p:par>
-        <p:cTn id="1" dur="indefinite" restart="never" nodeType="tmRoot">
-          <p:childTnLst>
-            <p:seq concurrent="1" nextAc="seek">
-              <p:cTn id="2" dur="indefinite" nodeType="mainSeq">
-                <p:childTnLst>
-                  <p:par>
-                    <p:cTn id="3" fill="hold">
-                      <p:stCondLst>
-                        <p:cond delay="indefinite"/>
-                      </p:stCondLst>
-                      <p:childTnLst>
-                        <p:par>
-                          <p:cTn id="4" fill="hold">
-                            <p:stCondLst>
-                              <p:cond delay="0"/>
-                            </p:stCondLst>
-                            <p:childTnLst>
-                              <p:par>
-                                <p:cTn id="5" presetID="1" presetClass="entr" presetSubtype="0" fill="hold" grpId="0" nodeType="clickEffect">
-                                  <p:stCondLst>
-                                    <p:cond delay="0"/>
-                                  </p:stCondLst>
-                                  <p:childTnLst>
-                                    <p:set>
-                                      <p:cBhvr>
-                                        <p:cTn id="6" dur="1" fill="hold">
-                                          <p:stCondLst>
-                                            <p:cond delay="0"/>
-                                          </p:stCondLst>
-                                        </p:cTn>
-                                        <p:tgtEl>
-                                          <p:spTgt spid="6"/>
-                                        </p:tgtEl>
-                                        <p:attrNameLst>
-                                          <p:attrName>style.visibility</p:attrName>
-                                        </p:attrNameLst>
-                                      </p:cBhvr>
-                                      <p:to>
-                                        <p:strVal val="visible"/>
-                                      </p:to>
-                                    </p:set>
-                                  </p:childTnLst>
-                                </p:cTn>
-                              </p:par>
-                              <p:par>
-                                <p:cTn id="7" presetID="1" presetClass="entr" presetSubtype="0" fill="hold" grpId="0" nodeType="withEffect">
-                                  <p:stCondLst>
-                                    <p:cond delay="0"/>
-                                  </p:stCondLst>
-                                  <p:childTnLst>
-                                    <p:set>
-                                      <p:cBhvr>
-                                        <p:cTn id="8" dur="1" fill="hold">
-                                          <p:stCondLst>
-                                            <p:cond delay="0"/>
-                                          </p:stCondLst>
-                                        </p:cTn>
-                                        <p:tgtEl>
-                                          <p:spTgt spid="9"/>
-                                        </p:tgtEl>
-                                        <p:attrNameLst>
-                                          <p:attrName>style.visibility</p:attrName>
-                                        </p:attrNameLst>
-                                      </p:cBhvr>
-                                      <p:to>
-                                        <p:strVal val="visible"/>
-                                      </p:to>
-                                    </p:set>
-                                  </p:childTnLst>
-                                </p:cTn>
-                              </p:par>
-                              <p:par>
-                                <p:cTn id="9" presetID="1" presetClass="entr" presetSubtype="0" fill="hold" grpId="0" nodeType="withEffect">
-                                  <p:stCondLst>
-                                    <p:cond delay="0"/>
-                                  </p:stCondLst>
-                                  <p:childTnLst>
-                                    <p:set>
-                                      <p:cBhvr>
-                                        <p:cTn id="10" dur="1" fill="hold">
-                                          <p:stCondLst>
-                                            <p:cond delay="0"/>
-                                          </p:stCondLst>
-                                        </p:cTn>
-                                        <p:tgtEl>
-                                          <p:spTgt spid="3"/>
-                                        </p:tgtEl>
-                                        <p:attrNameLst>
-                                          <p:attrName>style.visibility</p:attrName>
-                                        </p:attrNameLst>
-                                      </p:cBhvr>
-                                      <p:to>
-                                        <p:strVal val="visible"/>
-                                      </p:to>
-                                    </p:set>
-                                  </p:childTnLst>
-                                </p:cTn>
-                              </p:par>
-                              <p:par>
-                                <p:cTn id="11" presetID="1" presetClass="entr" presetSubtype="0" fill="hold" nodeType="withEffect">
-                                  <p:stCondLst>
-                                    <p:cond delay="0"/>
-                                  </p:stCondLst>
-                                  <p:childTnLst>
-                                    <p:set>
-                                      <p:cBhvr>
-                                        <p:cTn id="12" dur="1" fill="hold">
-                                          <p:stCondLst>
-                                            <p:cond delay="0"/>
-                                          </p:stCondLst>
-                                        </p:cTn>
-                                        <p:tgtEl>
-                                          <p:spTgt spid="8"/>
-                                        </p:tgtEl>
-                                        <p:attrNameLst>
-                                          <p:attrName>style.visibility</p:attrName>
-                                        </p:attrNameLst>
-                                      </p:cBhvr>
-                                      <p:to>
-                                        <p:strVal val="visible"/>
-                                      </p:to>
-                                    </p:set>
-                                  </p:childTnLst>
-                                </p:cTn>
-                              </p:par>
-                            </p:childTnLst>
-                          </p:cTn>
-                        </p:par>
-                      </p:childTnLst>
-                    </p:cTn>
-                  </p:par>
-                </p:childTnLst>
-              </p:cTn>
-              <p:prevCondLst>
-                <p:cond evt="onPrev" delay="0">
-                  <p:tgtEl>
-                    <p:sldTgt/>
-                  </p:tgtEl>
-                </p:cond>
-              </p:prevCondLst>
-              <p:nextCondLst>
-                <p:cond evt="onNext" delay="0">
-                  <p:tgtEl>
-                    <p:sldTgt/>
-                  </p:tgtEl>
-                </p:cond>
-              </p:nextCondLst>
-            </p:seq>
-          </p:childTnLst>
-        </p:cTn>
+        <p:cTn id="1" dur="indefinite" restart="never" nodeType="tmRoot"/>
       </p:par>
     </p:tnLst>
-    <p:bldLst>
-      <p:bldP spid="3" grpId="0"/>
-      <p:bldP spid="6" grpId="0" animBg="1"/>
-      <p:bldP spid="9" grpId="0"/>
-    </p:bldLst>
   </p:timing>
 </p:sld>
 </file>
